--- a/Presentation revue 0 projet serre.pptx
+++ b/Presentation revue 0 projet serre.pptx
@@ -2,28 +2,38 @@
 <file path=ppt/presentation.xml><?xml version="1.0" encoding="utf-8"?>
 <p:presentation xmlns:a="http://schemas.openxmlformats.org/drawingml/2006/main" xmlns:r="http://schemas.openxmlformats.org/officeDocument/2006/relationships" xmlns:p="http://schemas.openxmlformats.org/presentationml/2006/main" saveSubsetFonts="1">
   <p:sldMasterIdLst>
-    <p:sldMasterId id="2147483660" r:id="rId1"/>
+    <p:sldMasterId id="2147483850" r:id="rId1"/>
   </p:sldMasterIdLst>
+  <p:notesMasterIdLst>
+    <p:notesMasterId r:id="rId20"/>
+  </p:notesMasterIdLst>
   <p:sldIdLst>
     <p:sldId id="256" r:id="rId2"/>
     <p:sldId id="257" r:id="rId3"/>
     <p:sldId id="259" r:id="rId4"/>
     <p:sldId id="258" r:id="rId5"/>
     <p:sldId id="263" r:id="rId6"/>
-    <p:sldId id="264" r:id="rId7"/>
-    <p:sldId id="265" r:id="rId8"/>
-    <p:sldId id="260" r:id="rId9"/>
-    <p:sldId id="261" r:id="rId10"/>
-    <p:sldId id="262" r:id="rId11"/>
-    <p:sldId id="266" r:id="rId12"/>
+    <p:sldId id="265" r:id="rId7"/>
+    <p:sldId id="272" r:id="rId8"/>
+    <p:sldId id="264" r:id="rId9"/>
+    <p:sldId id="273" r:id="rId10"/>
+    <p:sldId id="260" r:id="rId11"/>
+    <p:sldId id="261" r:id="rId12"/>
+    <p:sldId id="262" r:id="rId13"/>
+    <p:sldId id="267" r:id="rId14"/>
+    <p:sldId id="266" r:id="rId15"/>
+    <p:sldId id="269" r:id="rId16"/>
+    <p:sldId id="270" r:id="rId17"/>
+    <p:sldId id="271" r:id="rId18"/>
+    <p:sldId id="268" r:id="rId19"/>
   </p:sldIdLst>
   <p:sldSz cx="12192000" cy="6858000"/>
   <p:notesSz cx="6858000" cy="9144000"/>
   <p:defaultTextStyle>
     <a:defPPr>
-      <a:defRPr lang="fr-FR"/>
+      <a:defRPr lang="en-US"/>
     </a:defPPr>
-    <a:lvl1pPr marL="0" algn="l" defTabSz="914400" rtl="0" eaLnBrk="1" latinLnBrk="0" hangingPunct="1">
+    <a:lvl1pPr marL="0" algn="l" defTabSz="457200" rtl="0" eaLnBrk="1" latinLnBrk="0" hangingPunct="1">
       <a:defRPr sz="1800" kern="1200">
         <a:solidFill>
           <a:schemeClr val="tx1"/>
@@ -33,7 +43,7 @@
         <a:cs typeface="+mn-cs"/>
       </a:defRPr>
     </a:lvl1pPr>
-    <a:lvl2pPr marL="457200" algn="l" defTabSz="914400" rtl="0" eaLnBrk="1" latinLnBrk="0" hangingPunct="1">
+    <a:lvl2pPr marL="457200" algn="l" defTabSz="457200" rtl="0" eaLnBrk="1" latinLnBrk="0" hangingPunct="1">
       <a:defRPr sz="1800" kern="1200">
         <a:solidFill>
           <a:schemeClr val="tx1"/>
@@ -43,7 +53,7 @@
         <a:cs typeface="+mn-cs"/>
       </a:defRPr>
     </a:lvl2pPr>
-    <a:lvl3pPr marL="914400" algn="l" defTabSz="914400" rtl="0" eaLnBrk="1" latinLnBrk="0" hangingPunct="1">
+    <a:lvl3pPr marL="914400" algn="l" defTabSz="457200" rtl="0" eaLnBrk="1" latinLnBrk="0" hangingPunct="1">
       <a:defRPr sz="1800" kern="1200">
         <a:solidFill>
           <a:schemeClr val="tx1"/>
@@ -53,7 +63,7 @@
         <a:cs typeface="+mn-cs"/>
       </a:defRPr>
     </a:lvl3pPr>
-    <a:lvl4pPr marL="1371600" algn="l" defTabSz="914400" rtl="0" eaLnBrk="1" latinLnBrk="0" hangingPunct="1">
+    <a:lvl4pPr marL="1371600" algn="l" defTabSz="457200" rtl="0" eaLnBrk="1" latinLnBrk="0" hangingPunct="1">
       <a:defRPr sz="1800" kern="1200">
         <a:solidFill>
           <a:schemeClr val="tx1"/>
@@ -63,7 +73,7 @@
         <a:cs typeface="+mn-cs"/>
       </a:defRPr>
     </a:lvl4pPr>
-    <a:lvl5pPr marL="1828800" algn="l" defTabSz="914400" rtl="0" eaLnBrk="1" latinLnBrk="0" hangingPunct="1">
+    <a:lvl5pPr marL="1828800" algn="l" defTabSz="457200" rtl="0" eaLnBrk="1" latinLnBrk="0" hangingPunct="1">
       <a:defRPr sz="1800" kern="1200">
         <a:solidFill>
           <a:schemeClr val="tx1"/>
@@ -73,7 +83,7 @@
         <a:cs typeface="+mn-cs"/>
       </a:defRPr>
     </a:lvl5pPr>
-    <a:lvl6pPr marL="2286000" algn="l" defTabSz="914400" rtl="0" eaLnBrk="1" latinLnBrk="0" hangingPunct="1">
+    <a:lvl6pPr marL="2286000" algn="l" defTabSz="457200" rtl="0" eaLnBrk="1" latinLnBrk="0" hangingPunct="1">
       <a:defRPr sz="1800" kern="1200">
         <a:solidFill>
           <a:schemeClr val="tx1"/>
@@ -83,7 +93,7 @@
         <a:cs typeface="+mn-cs"/>
       </a:defRPr>
     </a:lvl6pPr>
-    <a:lvl7pPr marL="2743200" algn="l" defTabSz="914400" rtl="0" eaLnBrk="1" latinLnBrk="0" hangingPunct="1">
+    <a:lvl7pPr marL="2743200" algn="l" defTabSz="457200" rtl="0" eaLnBrk="1" latinLnBrk="0" hangingPunct="1">
       <a:defRPr sz="1800" kern="1200">
         <a:solidFill>
           <a:schemeClr val="tx1"/>
@@ -93,7 +103,7 @@
         <a:cs typeface="+mn-cs"/>
       </a:defRPr>
     </a:lvl7pPr>
-    <a:lvl8pPr marL="3200400" algn="l" defTabSz="914400" rtl="0" eaLnBrk="1" latinLnBrk="0" hangingPunct="1">
+    <a:lvl8pPr marL="3200400" algn="l" defTabSz="457200" rtl="0" eaLnBrk="1" latinLnBrk="0" hangingPunct="1">
       <a:defRPr sz="1800" kern="1200">
         <a:solidFill>
           <a:schemeClr val="tx1"/>
@@ -103,7 +113,7 @@
         <a:cs typeface="+mn-cs"/>
       </a:defRPr>
     </a:lvl8pPr>
-    <a:lvl9pPr marL="3657600" algn="l" defTabSz="914400" rtl="0" eaLnBrk="1" latinLnBrk="0" hangingPunct="1">
+    <a:lvl9pPr marL="3657600" algn="l" defTabSz="457200" rtl="0" eaLnBrk="1" latinLnBrk="0" hangingPunct="1">
       <a:defRPr sz="1800" kern="1200">
         <a:solidFill>
           <a:schemeClr val="tx1"/>
@@ -114,19 +124,21 @@
       </a:defRPr>
     </a:lvl9pPr>
   </p:defaultTextStyle>
+  <p:extLst>
+    <p:ext uri="{EFAFB233-063F-42B5-8137-9DF3F51BA10A}">
+      <p15:sldGuideLst xmlns:p15="http://schemas.microsoft.com/office/powerpoint/2012/main"/>
+    </p:ext>
+  </p:extLst>
 </p:presentation>
 </file>
 
-<file path=ppt/slideLayouts/slideLayout1.xml><?xml version="1.0" encoding="utf-8"?>
-<p:sldLayout xmlns:a="http://schemas.openxmlformats.org/drawingml/2006/main" xmlns:r="http://schemas.openxmlformats.org/officeDocument/2006/relationships" xmlns:p="http://schemas.openxmlformats.org/presentationml/2006/main" showMasterSp="0" type="title" preserve="1">
-  <p:cSld name="Diapositive de titre">
+<file path=ppt/notesMasters/notesMaster1.xml><?xml version="1.0" encoding="utf-8"?>
+<p:notesMaster xmlns:a="http://schemas.openxmlformats.org/drawingml/2006/main" xmlns:r="http://schemas.openxmlformats.org/officeDocument/2006/relationships" xmlns:p="http://schemas.openxmlformats.org/presentationml/2006/main">
+  <p:cSld>
     <p:bg>
-      <p:bgPr>
-        <a:solidFill>
-          <a:schemeClr val="bg2"/>
-        </a:solidFill>
-        <a:effectLst/>
-      </p:bgPr>
+      <p:bgRef idx="1001">
+        <a:schemeClr val="bg1"/>
+      </p:bgRef>
     </p:bg>
     <p:spTree>
       <p:nvGrpSpPr>
@@ -144,6 +156,350 @@
       </p:grpSpPr>
       <p:sp>
         <p:nvSpPr>
+          <p:cNvPr id="2" name="Espace réservé de l'en-tête 1"/>
+          <p:cNvSpPr>
+            <a:spLocks noGrp="1"/>
+          </p:cNvSpPr>
+          <p:nvPr>
+            <p:ph type="hdr" sz="quarter"/>
+          </p:nvPr>
+        </p:nvSpPr>
+        <p:spPr>
+          <a:xfrm>
+            <a:off x="0" y="0"/>
+            <a:ext cx="2971800" cy="458788"/>
+          </a:xfrm>
+          <a:prstGeom prst="rect">
+            <a:avLst/>
+          </a:prstGeom>
+        </p:spPr>
+        <p:txBody>
+          <a:bodyPr vert="horz" lIns="91440" tIns="45720" rIns="91440" bIns="45720" rtlCol="0"/>
+          <a:lstStyle>
+            <a:lvl1pPr algn="l">
+              <a:defRPr sz="1200"/>
+            </a:lvl1pPr>
+          </a:lstStyle>
+          <a:p>
+            <a:endParaRPr lang="fr-FR"/>
+          </a:p>
+        </p:txBody>
+      </p:sp>
+      <p:sp>
+        <p:nvSpPr>
+          <p:cNvPr id="3" name="Espace réservé de la date 2"/>
+          <p:cNvSpPr>
+            <a:spLocks noGrp="1"/>
+          </p:cNvSpPr>
+          <p:nvPr>
+            <p:ph type="dt" idx="1"/>
+          </p:nvPr>
+        </p:nvSpPr>
+        <p:spPr>
+          <a:xfrm>
+            <a:off x="3884613" y="0"/>
+            <a:ext cx="2971800" cy="458788"/>
+          </a:xfrm>
+          <a:prstGeom prst="rect">
+            <a:avLst/>
+          </a:prstGeom>
+        </p:spPr>
+        <p:txBody>
+          <a:bodyPr vert="horz" lIns="91440" tIns="45720" rIns="91440" bIns="45720" rtlCol="0"/>
+          <a:lstStyle>
+            <a:lvl1pPr algn="r">
+              <a:defRPr sz="1200"/>
+            </a:lvl1pPr>
+          </a:lstStyle>
+          <a:p>
+            <a:fld id="{67D1C5BF-A325-40E2-BFFE-6D8E0676B118}" type="datetimeFigureOut">
+              <a:rPr lang="fr-FR" smtClean="0"/>
+              <a:t>30/01/2020</a:t>
+            </a:fld>
+            <a:endParaRPr lang="fr-FR"/>
+          </a:p>
+        </p:txBody>
+      </p:sp>
+      <p:sp>
+        <p:nvSpPr>
+          <p:cNvPr id="4" name="Espace réservé de l'image des diapositives 3"/>
+          <p:cNvSpPr>
+            <a:spLocks noGrp="1" noRot="1" noChangeAspect="1"/>
+          </p:cNvSpPr>
+          <p:nvPr>
+            <p:ph type="sldImg" idx="2"/>
+          </p:nvPr>
+        </p:nvSpPr>
+        <p:spPr>
+          <a:xfrm>
+            <a:off x="685800" y="1143000"/>
+            <a:ext cx="5486400" cy="3086100"/>
+          </a:xfrm>
+          <a:prstGeom prst="rect">
+            <a:avLst/>
+          </a:prstGeom>
+          <a:noFill/>
+          <a:ln w="12700">
+            <a:solidFill>
+              <a:prstClr val="black"/>
+            </a:solidFill>
+          </a:ln>
+        </p:spPr>
+        <p:txBody>
+          <a:bodyPr vert="horz" lIns="91440" tIns="45720" rIns="91440" bIns="45720" rtlCol="0" anchor="ctr"/>
+          <a:lstStyle/>
+          <a:p>
+            <a:endParaRPr lang="fr-FR"/>
+          </a:p>
+        </p:txBody>
+      </p:sp>
+      <p:sp>
+        <p:nvSpPr>
+          <p:cNvPr id="5" name="Espace réservé des notes 4"/>
+          <p:cNvSpPr>
+            <a:spLocks noGrp="1"/>
+          </p:cNvSpPr>
+          <p:nvPr>
+            <p:ph type="body" sz="quarter" idx="3"/>
+          </p:nvPr>
+        </p:nvSpPr>
+        <p:spPr>
+          <a:xfrm>
+            <a:off x="685800" y="4400550"/>
+            <a:ext cx="5486400" cy="3600450"/>
+          </a:xfrm>
+          <a:prstGeom prst="rect">
+            <a:avLst/>
+          </a:prstGeom>
+        </p:spPr>
+        <p:txBody>
+          <a:bodyPr vert="horz" lIns="91440" tIns="45720" rIns="91440" bIns="45720" rtlCol="0"/>
+          <a:lstStyle/>
+          <a:p>
+            <a:pPr lvl="0"/>
+            <a:r>
+              <a:rPr lang="fr-FR"/>
+              <a:t>Cliquez pour modifier les styles du texte du masque</a:t>
+            </a:r>
+          </a:p>
+          <a:p>
+            <a:pPr lvl="1"/>
+            <a:r>
+              <a:rPr lang="fr-FR"/>
+              <a:t>Deuxième niveau</a:t>
+            </a:r>
+          </a:p>
+          <a:p>
+            <a:pPr lvl="2"/>
+            <a:r>
+              <a:rPr lang="fr-FR"/>
+              <a:t>Troisième niveau</a:t>
+            </a:r>
+          </a:p>
+          <a:p>
+            <a:pPr lvl="3"/>
+            <a:r>
+              <a:rPr lang="fr-FR"/>
+              <a:t>Quatrième niveau</a:t>
+            </a:r>
+          </a:p>
+          <a:p>
+            <a:pPr lvl="4"/>
+            <a:r>
+              <a:rPr lang="fr-FR"/>
+              <a:t>Cinquième niveau</a:t>
+            </a:r>
+          </a:p>
+        </p:txBody>
+      </p:sp>
+      <p:sp>
+        <p:nvSpPr>
+          <p:cNvPr id="6" name="Espace réservé du pied de page 5"/>
+          <p:cNvSpPr>
+            <a:spLocks noGrp="1"/>
+          </p:cNvSpPr>
+          <p:nvPr>
+            <p:ph type="ftr" sz="quarter" idx="4"/>
+          </p:nvPr>
+        </p:nvSpPr>
+        <p:spPr>
+          <a:xfrm>
+            <a:off x="0" y="8685213"/>
+            <a:ext cx="2971800" cy="458787"/>
+          </a:xfrm>
+          <a:prstGeom prst="rect">
+            <a:avLst/>
+          </a:prstGeom>
+        </p:spPr>
+        <p:txBody>
+          <a:bodyPr vert="horz" lIns="91440" tIns="45720" rIns="91440" bIns="45720" rtlCol="0" anchor="b"/>
+          <a:lstStyle>
+            <a:lvl1pPr algn="l">
+              <a:defRPr sz="1200"/>
+            </a:lvl1pPr>
+          </a:lstStyle>
+          <a:p>
+            <a:endParaRPr lang="fr-FR"/>
+          </a:p>
+        </p:txBody>
+      </p:sp>
+      <p:sp>
+        <p:nvSpPr>
+          <p:cNvPr id="7" name="Espace réservé du numéro de diapositive 6"/>
+          <p:cNvSpPr>
+            <a:spLocks noGrp="1"/>
+          </p:cNvSpPr>
+          <p:nvPr>
+            <p:ph type="sldNum" sz="quarter" idx="5"/>
+          </p:nvPr>
+        </p:nvSpPr>
+        <p:spPr>
+          <a:xfrm>
+            <a:off x="3884613" y="8685213"/>
+            <a:ext cx="2971800" cy="458787"/>
+          </a:xfrm>
+          <a:prstGeom prst="rect">
+            <a:avLst/>
+          </a:prstGeom>
+        </p:spPr>
+        <p:txBody>
+          <a:bodyPr vert="horz" lIns="91440" tIns="45720" rIns="91440" bIns="45720" rtlCol="0" anchor="b"/>
+          <a:lstStyle>
+            <a:lvl1pPr algn="r">
+              <a:defRPr sz="1200"/>
+            </a:lvl1pPr>
+          </a:lstStyle>
+          <a:p>
+            <a:fld id="{2B348E99-7B60-4B55-A885-5E2F12F17F5A}" type="slidenum">
+              <a:rPr lang="fr-FR" smtClean="0"/>
+              <a:t>‹N°›</a:t>
+            </a:fld>
+            <a:endParaRPr lang="fr-FR"/>
+          </a:p>
+        </p:txBody>
+      </p:sp>
+    </p:spTree>
+    <p:extLst>
+      <p:ext uri="{BB962C8B-B14F-4D97-AF65-F5344CB8AC3E}">
+        <p14:creationId xmlns:p14="http://schemas.microsoft.com/office/powerpoint/2010/main" val="2531208077"/>
+      </p:ext>
+    </p:extLst>
+  </p:cSld>
+  <p:clrMap bg1="lt1" tx1="dk1" bg2="lt2" tx2="dk2" accent1="accent1" accent2="accent2" accent3="accent3" accent4="accent4" accent5="accent5" accent6="accent6" hlink="hlink" folHlink="folHlink"/>
+  <p:notesStyle>
+    <a:lvl1pPr marL="0" algn="l" defTabSz="914400" rtl="0" eaLnBrk="1" latinLnBrk="0" hangingPunct="1">
+      <a:defRPr sz="1200" kern="1200">
+        <a:solidFill>
+          <a:schemeClr val="tx1"/>
+        </a:solidFill>
+        <a:latin typeface="+mn-lt"/>
+        <a:ea typeface="+mn-ea"/>
+        <a:cs typeface="+mn-cs"/>
+      </a:defRPr>
+    </a:lvl1pPr>
+    <a:lvl2pPr marL="457200" algn="l" defTabSz="914400" rtl="0" eaLnBrk="1" latinLnBrk="0" hangingPunct="1">
+      <a:defRPr sz="1200" kern="1200">
+        <a:solidFill>
+          <a:schemeClr val="tx1"/>
+        </a:solidFill>
+        <a:latin typeface="+mn-lt"/>
+        <a:ea typeface="+mn-ea"/>
+        <a:cs typeface="+mn-cs"/>
+      </a:defRPr>
+    </a:lvl2pPr>
+    <a:lvl3pPr marL="914400" algn="l" defTabSz="914400" rtl="0" eaLnBrk="1" latinLnBrk="0" hangingPunct="1">
+      <a:defRPr sz="1200" kern="1200">
+        <a:solidFill>
+          <a:schemeClr val="tx1"/>
+        </a:solidFill>
+        <a:latin typeface="+mn-lt"/>
+        <a:ea typeface="+mn-ea"/>
+        <a:cs typeface="+mn-cs"/>
+      </a:defRPr>
+    </a:lvl3pPr>
+    <a:lvl4pPr marL="1371600" algn="l" defTabSz="914400" rtl="0" eaLnBrk="1" latinLnBrk="0" hangingPunct="1">
+      <a:defRPr sz="1200" kern="1200">
+        <a:solidFill>
+          <a:schemeClr val="tx1"/>
+        </a:solidFill>
+        <a:latin typeface="+mn-lt"/>
+        <a:ea typeface="+mn-ea"/>
+        <a:cs typeface="+mn-cs"/>
+      </a:defRPr>
+    </a:lvl4pPr>
+    <a:lvl5pPr marL="1828800" algn="l" defTabSz="914400" rtl="0" eaLnBrk="1" latinLnBrk="0" hangingPunct="1">
+      <a:defRPr sz="1200" kern="1200">
+        <a:solidFill>
+          <a:schemeClr val="tx1"/>
+        </a:solidFill>
+        <a:latin typeface="+mn-lt"/>
+        <a:ea typeface="+mn-ea"/>
+        <a:cs typeface="+mn-cs"/>
+      </a:defRPr>
+    </a:lvl5pPr>
+    <a:lvl6pPr marL="2286000" algn="l" defTabSz="914400" rtl="0" eaLnBrk="1" latinLnBrk="0" hangingPunct="1">
+      <a:defRPr sz="1200" kern="1200">
+        <a:solidFill>
+          <a:schemeClr val="tx1"/>
+        </a:solidFill>
+        <a:latin typeface="+mn-lt"/>
+        <a:ea typeface="+mn-ea"/>
+        <a:cs typeface="+mn-cs"/>
+      </a:defRPr>
+    </a:lvl6pPr>
+    <a:lvl7pPr marL="2743200" algn="l" defTabSz="914400" rtl="0" eaLnBrk="1" latinLnBrk="0" hangingPunct="1">
+      <a:defRPr sz="1200" kern="1200">
+        <a:solidFill>
+          <a:schemeClr val="tx1"/>
+        </a:solidFill>
+        <a:latin typeface="+mn-lt"/>
+        <a:ea typeface="+mn-ea"/>
+        <a:cs typeface="+mn-cs"/>
+      </a:defRPr>
+    </a:lvl7pPr>
+    <a:lvl8pPr marL="3200400" algn="l" defTabSz="914400" rtl="0" eaLnBrk="1" latinLnBrk="0" hangingPunct="1">
+      <a:defRPr sz="1200" kern="1200">
+        <a:solidFill>
+          <a:schemeClr val="tx1"/>
+        </a:solidFill>
+        <a:latin typeface="+mn-lt"/>
+        <a:ea typeface="+mn-ea"/>
+        <a:cs typeface="+mn-cs"/>
+      </a:defRPr>
+    </a:lvl8pPr>
+    <a:lvl9pPr marL="3657600" algn="l" defTabSz="914400" rtl="0" eaLnBrk="1" latinLnBrk="0" hangingPunct="1">
+      <a:defRPr sz="1200" kern="1200">
+        <a:solidFill>
+          <a:schemeClr val="tx1"/>
+        </a:solidFill>
+        <a:latin typeface="+mn-lt"/>
+        <a:ea typeface="+mn-ea"/>
+        <a:cs typeface="+mn-cs"/>
+      </a:defRPr>
+    </a:lvl9pPr>
+  </p:notesStyle>
+</p:notesMaster>
+</file>
+
+<file path=ppt/slideLayouts/slideLayout1.xml><?xml version="1.0" encoding="utf-8"?>
+<p:sldLayout xmlns:a="http://schemas.openxmlformats.org/drawingml/2006/main" xmlns:r="http://schemas.openxmlformats.org/officeDocument/2006/relationships" xmlns:p="http://schemas.openxmlformats.org/presentationml/2006/main" type="title" preserve="1">
+  <p:cSld name="Diapositive de titre">
+    <p:spTree>
+      <p:nvGrpSpPr>
+        <p:cNvPr id="1" name=""/>
+        <p:cNvGrpSpPr/>
+        <p:nvPr/>
+      </p:nvGrpSpPr>
+      <p:grpSpPr>
+        <a:xfrm>
+          <a:off x="0" y="0"/>
+          <a:ext cx="0" cy="0"/>
+          <a:chOff x="0" y="0"/>
+          <a:chExt cx="0" cy="0"/>
+        </a:xfrm>
+      </p:grpSpPr>
+      <p:sp>
+        <p:nvSpPr>
           <p:cNvPr id="2" name="Title 1"/>
           <p:cNvSpPr>
             <a:spLocks noGrp="1"/>
@@ -154,103 +510,138 @@
         </p:nvSpPr>
         <p:spPr>
           <a:xfrm>
-            <a:off x="1915128" y="1788454"/>
-            <a:ext cx="8361229" cy="2098226"/>
-          </a:xfrm>
-        </p:spPr>
-        <p:txBody>
-          <a:bodyPr anchor="b">
-            <a:noAutofit/>
-          </a:bodyPr>
+            <a:off x="1154955" y="1447800"/>
+            <a:ext cx="8825658" cy="3329581"/>
+          </a:xfrm>
+        </p:spPr>
+        <p:txBody>
+          <a:bodyPr anchor="b"/>
           <a:lstStyle>
-            <a:lvl1pPr algn="ctr">
-              <a:defRPr sz="7200" cap="all" baseline="0">
+            <a:lvl1pPr>
+              <a:defRPr sz="7200"/>
+            </a:lvl1pPr>
+          </a:lstStyle>
+          <a:p>
+            <a:r>
+              <a:rPr lang="fr-FR"/>
+              <a:t>Modifiez le style du titre</a:t>
+            </a:r>
+            <a:endParaRPr lang="en-US" dirty="0"/>
+          </a:p>
+        </p:txBody>
+      </p:sp>
+      <p:sp>
+        <p:nvSpPr>
+          <p:cNvPr id="3" name="Subtitle 2"/>
+          <p:cNvSpPr>
+            <a:spLocks noGrp="1"/>
+          </p:cNvSpPr>
+          <p:nvPr>
+            <p:ph type="subTitle" idx="1"/>
+          </p:nvPr>
+        </p:nvSpPr>
+        <p:spPr>
+          <a:xfrm>
+            <a:off x="1154955" y="4777380"/>
+            <a:ext cx="8825658" cy="861420"/>
+          </a:xfrm>
+        </p:spPr>
+        <p:txBody>
+          <a:bodyPr anchor="t"/>
+          <a:lstStyle>
+            <a:lvl1pPr marL="0" indent="0" algn="l">
+              <a:buNone/>
+              <a:defRPr cap="all">
                 <a:solidFill>
-                  <a:schemeClr val="tx2"/>
+                  <a:schemeClr val="accent1"/>
                 </a:solidFill>
               </a:defRPr>
             </a:lvl1pPr>
-          </a:lstStyle>
-          <a:p>
-            <a:r>
-              <a:rPr lang="fr-FR" smtClean="0"/>
-              <a:t>Modifiez le style du titre</a:t>
-            </a:r>
-            <a:endParaRPr lang="en-US" dirty="0"/>
-          </a:p>
-        </p:txBody>
-      </p:sp>
-      <p:sp>
-        <p:nvSpPr>
-          <p:cNvPr id="3" name="Subtitle 2"/>
-          <p:cNvSpPr>
-            <a:spLocks noGrp="1"/>
-          </p:cNvSpPr>
-          <p:nvPr>
-            <p:ph type="subTitle" idx="1"/>
-          </p:nvPr>
-        </p:nvSpPr>
-        <p:spPr>
-          <a:xfrm>
-            <a:off x="2679906" y="3956279"/>
-            <a:ext cx="6831673" cy="1086237"/>
-          </a:xfrm>
-        </p:spPr>
-        <p:txBody>
-          <a:bodyPr>
-            <a:normAutofit/>
-          </a:bodyPr>
-          <a:lstStyle>
-            <a:lvl1pPr marL="0" indent="0" algn="ctr">
-              <a:lnSpc>
-                <a:spcPct val="112000"/>
-              </a:lnSpc>
-              <a:spcBef>
-                <a:spcPts val="0"/>
-              </a:spcBef>
-              <a:spcAft>
-                <a:spcPts val="0"/>
-              </a:spcAft>
-              <a:buNone/>
-              <a:defRPr sz="2300"/>
-            </a:lvl1pPr>
             <a:lvl2pPr marL="457200" indent="0" algn="ctr">
               <a:buNone/>
-              <a:defRPr sz="2000"/>
+              <a:defRPr>
+                <a:solidFill>
+                  <a:schemeClr val="tx1">
+                    <a:tint val="75000"/>
+                  </a:schemeClr>
+                </a:solidFill>
+              </a:defRPr>
             </a:lvl2pPr>
             <a:lvl3pPr marL="914400" indent="0" algn="ctr">
               <a:buNone/>
-              <a:defRPr sz="1800"/>
+              <a:defRPr>
+                <a:solidFill>
+                  <a:schemeClr val="tx1">
+                    <a:tint val="75000"/>
+                  </a:schemeClr>
+                </a:solidFill>
+              </a:defRPr>
             </a:lvl3pPr>
             <a:lvl4pPr marL="1371600" indent="0" algn="ctr">
               <a:buNone/>
-              <a:defRPr sz="1600"/>
+              <a:defRPr>
+                <a:solidFill>
+                  <a:schemeClr val="tx1">
+                    <a:tint val="75000"/>
+                  </a:schemeClr>
+                </a:solidFill>
+              </a:defRPr>
             </a:lvl4pPr>
             <a:lvl5pPr marL="1828800" indent="0" algn="ctr">
               <a:buNone/>
-              <a:defRPr sz="1600"/>
+              <a:defRPr>
+                <a:solidFill>
+                  <a:schemeClr val="tx1">
+                    <a:tint val="75000"/>
+                  </a:schemeClr>
+                </a:solidFill>
+              </a:defRPr>
             </a:lvl5pPr>
             <a:lvl6pPr marL="2286000" indent="0" algn="ctr">
               <a:buNone/>
-              <a:defRPr sz="1600"/>
+              <a:defRPr>
+                <a:solidFill>
+                  <a:schemeClr val="tx1">
+                    <a:tint val="75000"/>
+                  </a:schemeClr>
+                </a:solidFill>
+              </a:defRPr>
             </a:lvl6pPr>
             <a:lvl7pPr marL="2743200" indent="0" algn="ctr">
               <a:buNone/>
-              <a:defRPr sz="1600"/>
+              <a:defRPr>
+                <a:solidFill>
+                  <a:schemeClr val="tx1">
+                    <a:tint val="75000"/>
+                  </a:schemeClr>
+                </a:solidFill>
+              </a:defRPr>
             </a:lvl7pPr>
             <a:lvl8pPr marL="3200400" indent="0" algn="ctr">
               <a:buNone/>
-              <a:defRPr sz="1600"/>
+              <a:defRPr>
+                <a:solidFill>
+                  <a:schemeClr val="tx1">
+                    <a:tint val="75000"/>
+                  </a:schemeClr>
+                </a:solidFill>
+              </a:defRPr>
             </a:lvl8pPr>
             <a:lvl9pPr marL="3657600" indent="0" algn="ctr">
               <a:buNone/>
-              <a:defRPr sz="1600"/>
+              <a:defRPr>
+                <a:solidFill>
+                  <a:schemeClr val="tx1">
+                    <a:tint val="75000"/>
+                  </a:schemeClr>
+                </a:solidFill>
+              </a:defRPr>
             </a:lvl9pPr>
           </a:lstStyle>
           <a:p>
             <a:r>
-              <a:rPr lang="fr-FR" smtClean="0"/>
-              <a:t>Modifier le style des sous-titres du masque</a:t>
+              <a:rPr lang="fr-FR"/>
+              <a:t>Modifiez le style des sous-titres du masque</a:t>
             </a:r>
             <a:endParaRPr lang="en-US" dirty="0"/>
           </a:p>
@@ -266,27 +657,14 @@
             <p:ph type="dt" sz="half" idx="10"/>
           </p:nvPr>
         </p:nvSpPr>
-        <p:spPr>
-          <a:xfrm>
-            <a:off x="752858" y="6453386"/>
-            <a:ext cx="1607944" cy="404614"/>
-          </a:xfrm>
-        </p:spPr>
+        <p:spPr/>
         <p:txBody>
           <a:bodyPr/>
-          <a:lstStyle>
-            <a:lvl1pPr>
-              <a:defRPr baseline="0">
-                <a:solidFill>
-                  <a:schemeClr val="tx2"/>
-                </a:solidFill>
-              </a:defRPr>
-            </a:lvl1pPr>
-          </a:lstStyle>
+          <a:lstStyle/>
           <a:p>
             <a:fld id="{FB546A5E-A556-4419-B2F5-43943CC8FCC0}" type="datetimeFigureOut">
               <a:rPr lang="fr-FR" smtClean="0"/>
-              <a:t>29/01/2020</a:t>
+              <a:t>30/01/2020</a:t>
             </a:fld>
             <a:endParaRPr lang="fr-FR"/>
           </a:p>
@@ -302,23 +680,10 @@
             <p:ph type="ftr" sz="quarter" idx="11"/>
           </p:nvPr>
         </p:nvSpPr>
-        <p:spPr>
-          <a:xfrm>
-            <a:off x="2584054" y="6453386"/>
-            <a:ext cx="7023377" cy="404614"/>
-          </a:xfrm>
-        </p:spPr>
+        <p:spPr/>
         <p:txBody>
           <a:bodyPr/>
-          <a:lstStyle>
-            <a:lvl1pPr algn="ctr">
-              <a:defRPr baseline="0">
-                <a:solidFill>
-                  <a:schemeClr val="tx2"/>
-                </a:solidFill>
-              </a:defRPr>
-            </a:lvl1pPr>
-          </a:lstStyle>
+          <a:lstStyle/>
           <a:p>
             <a:endParaRPr lang="fr-FR"/>
           </a:p>
@@ -334,23 +699,10 @@
             <p:ph type="sldNum" sz="quarter" idx="12"/>
           </p:nvPr>
         </p:nvSpPr>
-        <p:spPr>
-          <a:xfrm>
-            <a:off x="9830683" y="6453386"/>
-            <a:ext cx="1596292" cy="404614"/>
-          </a:xfrm>
-        </p:spPr>
+        <p:spPr/>
         <p:txBody>
           <a:bodyPr/>
-          <a:lstStyle>
-            <a:lvl1pPr>
-              <a:defRPr baseline="0">
-                <a:solidFill>
-                  <a:schemeClr val="tx2"/>
-                </a:solidFill>
-              </a:defRPr>
-            </a:lvl1pPr>
-          </a:lstStyle>
+          <a:lstStyle/>
           <a:p>
             <a:fld id="{968527DC-0E06-4DDC-A259-DCA5405FCE0A}" type="slidenum">
               <a:rPr lang="fr-FR" smtClean="0"/>
@@ -360,149 +712,2546 @@
           </a:p>
         </p:txBody>
       </p:sp>
-      <p:grpSp>
-        <p:nvGrpSpPr>
-          <p:cNvPr id="7" name="Group 6"/>
-          <p:cNvGrpSpPr/>
-          <p:nvPr/>
-        </p:nvGrpSpPr>
-        <p:grpSpPr>
-          <a:xfrm>
-            <a:off x="752858" y="744469"/>
-            <a:ext cx="10674117" cy="5349671"/>
-            <a:chOff x="752858" y="744469"/>
-            <a:chExt cx="10674117" cy="5349671"/>
-          </a:xfrm>
-        </p:grpSpPr>
-        <p:sp>
-          <p:nvSpPr>
-            <p:cNvPr id="11" name="Freeform 6"/>
-            <p:cNvSpPr/>
-            <p:nvPr/>
-          </p:nvSpPr>
-          <p:spPr bwMode="auto">
-            <a:xfrm>
-              <a:off x="8151962" y="1685652"/>
-              <a:ext cx="3275013" cy="4408488"/>
-            </a:xfrm>
-            <a:custGeom>
-              <a:avLst/>
-              <a:gdLst/>
-              <a:ahLst/>
-              <a:cxnLst/>
-              <a:rect l="l" t="t" r="r" b="b"/>
-              <a:pathLst>
-                <a:path w="10000" h="10000">
-                  <a:moveTo>
-                    <a:pt x="8761" y="0"/>
-                  </a:moveTo>
-                  <a:lnTo>
-                    <a:pt x="10000" y="0"/>
-                  </a:lnTo>
-                  <a:lnTo>
-                    <a:pt x="10000" y="10000"/>
-                  </a:lnTo>
-                  <a:lnTo>
-                    <a:pt x="0" y="10000"/>
-                  </a:lnTo>
-                  <a:lnTo>
-                    <a:pt x="0" y="9126"/>
-                  </a:lnTo>
-                  <a:lnTo>
-                    <a:pt x="8761" y="9127"/>
-                  </a:lnTo>
-                  <a:lnTo>
-                    <a:pt x="8761" y="0"/>
-                  </a:lnTo>
-                  <a:close/>
-                </a:path>
-              </a:pathLst>
-            </a:custGeom>
-            <a:solidFill>
-              <a:schemeClr val="tx2"/>
-            </a:solidFill>
-            <a:ln w="0">
-              <a:noFill/>
-              <a:prstDash val="solid"/>
-              <a:round/>
-              <a:headEnd/>
-              <a:tailEnd/>
-            </a:ln>
-          </p:spPr>
-        </p:sp>
-        <p:sp>
-          <p:nvSpPr>
-            <p:cNvPr id="14" name="Freeform 6"/>
-            <p:cNvSpPr/>
-            <p:nvPr/>
-          </p:nvSpPr>
-          <p:spPr bwMode="auto">
-            <a:xfrm flipH="1" flipV="1">
-              <a:off x="752858" y="744469"/>
-              <a:ext cx="3275668" cy="4408488"/>
-            </a:xfrm>
-            <a:custGeom>
-              <a:avLst/>
-              <a:gdLst/>
-              <a:ahLst/>
-              <a:cxnLst/>
-              <a:rect l="l" t="t" r="r" b="b"/>
-              <a:pathLst>
-                <a:path w="10002" h="10000">
-                  <a:moveTo>
-                    <a:pt x="8763" y="0"/>
-                  </a:moveTo>
-                  <a:lnTo>
-                    <a:pt x="10002" y="0"/>
-                  </a:lnTo>
-                  <a:lnTo>
-                    <a:pt x="10002" y="10000"/>
-                  </a:lnTo>
-                  <a:lnTo>
-                    <a:pt x="2" y="10000"/>
-                  </a:lnTo>
-                  <a:cubicBezTo>
-                    <a:pt x="-2" y="9698"/>
-                    <a:pt x="4" y="9427"/>
-                    <a:pt x="0" y="9125"/>
-                  </a:cubicBezTo>
-                  <a:lnTo>
-                    <a:pt x="8763" y="9128"/>
-                  </a:lnTo>
-                  <a:lnTo>
-                    <a:pt x="8763" y="0"/>
-                  </a:lnTo>
-                  <a:close/>
-                </a:path>
-              </a:pathLst>
-            </a:custGeom>
-            <a:solidFill>
-              <a:schemeClr val="tx2"/>
-            </a:solidFill>
-            <a:ln w="0">
-              <a:noFill/>
-              <a:prstDash val="solid"/>
-              <a:round/>
-              <a:headEnd/>
-              <a:tailEnd/>
-            </a:ln>
-          </p:spPr>
-        </p:sp>
-      </p:grpSp>
     </p:spTree>
     <p:extLst>
       <p:ext uri="{BB962C8B-B14F-4D97-AF65-F5344CB8AC3E}">
-        <p14:creationId xmlns:p14="http://schemas.microsoft.com/office/powerpoint/2010/main" val="1531892683"/>
+        <p14:creationId xmlns:p14="http://schemas.microsoft.com/office/powerpoint/2010/main" val="1011156103"/>
       </p:ext>
     </p:extLst>
   </p:cSld>
   <p:clrMapOvr>
-    <a:overrideClrMapping bg1="lt1" tx1="dk1" bg2="lt2" tx2="dk2" accent1="accent1" accent2="accent2" accent3="accent3" accent4="accent4" accent5="accent5" accent6="accent6" hlink="hlink" folHlink="folHlink"/>
+    <a:masterClrMapping/>
   </p:clrMapOvr>
 </p:sldLayout>
 </file>
 
 <file path=ppt/slideLayouts/slideLayout10.xml><?xml version="1.0" encoding="utf-8"?>
+<p:sldLayout xmlns:a="http://schemas.openxmlformats.org/drawingml/2006/main" xmlns:r="http://schemas.openxmlformats.org/officeDocument/2006/relationships" xmlns:p="http://schemas.openxmlformats.org/presentationml/2006/main" preserve="1">
+  <p:cSld name="Image panoramique avec légende">
+    <p:spTree>
+      <p:nvGrpSpPr>
+        <p:cNvPr id="1" name=""/>
+        <p:cNvGrpSpPr/>
+        <p:nvPr/>
+      </p:nvGrpSpPr>
+      <p:grpSpPr>
+        <a:xfrm>
+          <a:off x="0" y="0"/>
+          <a:ext cx="0" cy="0"/>
+          <a:chOff x="0" y="0"/>
+          <a:chExt cx="0" cy="0"/>
+        </a:xfrm>
+      </p:grpSpPr>
+      <p:sp>
+        <p:nvSpPr>
+          <p:cNvPr id="2" name="Title 1"/>
+          <p:cNvSpPr>
+            <a:spLocks noGrp="1"/>
+          </p:cNvSpPr>
+          <p:nvPr>
+            <p:ph type="title"/>
+          </p:nvPr>
+        </p:nvSpPr>
+        <p:spPr>
+          <a:xfrm>
+            <a:off x="1154956" y="4800587"/>
+            <a:ext cx="8825657" cy="566738"/>
+          </a:xfrm>
+        </p:spPr>
+        <p:txBody>
+          <a:bodyPr anchor="b">
+            <a:normAutofit/>
+          </a:bodyPr>
+          <a:lstStyle>
+            <a:lvl1pPr algn="l">
+              <a:defRPr sz="2400" b="0"/>
+            </a:lvl1pPr>
+          </a:lstStyle>
+          <a:p>
+            <a:r>
+              <a:rPr lang="fr-FR"/>
+              <a:t>Modifiez le style du titre</a:t>
+            </a:r>
+            <a:endParaRPr lang="en-US" dirty="0"/>
+          </a:p>
+        </p:txBody>
+      </p:sp>
+      <p:sp>
+        <p:nvSpPr>
+          <p:cNvPr id="3" name="Picture Placeholder 2"/>
+          <p:cNvSpPr>
+            <a:spLocks noGrp="1" noChangeAspect="1"/>
+          </p:cNvSpPr>
+          <p:nvPr>
+            <p:ph type="pic" idx="1"/>
+          </p:nvPr>
+        </p:nvSpPr>
+        <p:spPr>
+          <a:xfrm>
+            <a:off x="1154955" y="685800"/>
+            <a:ext cx="8825658" cy="3640666"/>
+          </a:xfrm>
+          <a:prstGeom prst="roundRect">
+            <a:avLst>
+              <a:gd name="adj" fmla="val 1858"/>
+            </a:avLst>
+          </a:prstGeom>
+          <a:effectLst>
+            <a:outerShdw blurRad="50800" dist="50800" dir="5400000" algn="tl" rotWithShape="0">
+              <a:srgbClr val="000000">
+                <a:alpha val="43000"/>
+              </a:srgbClr>
+            </a:outerShdw>
+          </a:effectLst>
+        </p:spPr>
+        <p:txBody>
+          <a:bodyPr anchor="t">
+            <a:normAutofit/>
+          </a:bodyPr>
+          <a:lstStyle>
+            <a:lvl1pPr marL="0" indent="0" algn="ctr">
+              <a:buNone/>
+              <a:defRPr sz="1600"/>
+            </a:lvl1pPr>
+            <a:lvl2pPr marL="457200" indent="0">
+              <a:buNone/>
+              <a:defRPr sz="1600"/>
+            </a:lvl2pPr>
+            <a:lvl3pPr marL="914400" indent="0">
+              <a:buNone/>
+              <a:defRPr sz="1600"/>
+            </a:lvl3pPr>
+            <a:lvl4pPr marL="1371600" indent="0">
+              <a:buNone/>
+              <a:defRPr sz="1600"/>
+            </a:lvl4pPr>
+            <a:lvl5pPr marL="1828800" indent="0">
+              <a:buNone/>
+              <a:defRPr sz="1600"/>
+            </a:lvl5pPr>
+            <a:lvl6pPr marL="2286000" indent="0">
+              <a:buNone/>
+              <a:defRPr sz="1600"/>
+            </a:lvl6pPr>
+            <a:lvl7pPr marL="2743200" indent="0">
+              <a:buNone/>
+              <a:defRPr sz="1600"/>
+            </a:lvl7pPr>
+            <a:lvl8pPr marL="3200400" indent="0">
+              <a:buNone/>
+              <a:defRPr sz="1600"/>
+            </a:lvl8pPr>
+            <a:lvl9pPr marL="3657600" indent="0">
+              <a:buNone/>
+              <a:defRPr sz="1600"/>
+            </a:lvl9pPr>
+          </a:lstStyle>
+          <a:p>
+            <a:r>
+              <a:rPr lang="fr-FR"/>
+              <a:t>Cliquez sur l'icône pour ajouter une image</a:t>
+            </a:r>
+            <a:endParaRPr lang="en-US" dirty="0"/>
+          </a:p>
+        </p:txBody>
+      </p:sp>
+      <p:sp>
+        <p:nvSpPr>
+          <p:cNvPr id="4" name="Text Placeholder 3"/>
+          <p:cNvSpPr>
+            <a:spLocks noGrp="1"/>
+          </p:cNvSpPr>
+          <p:nvPr>
+            <p:ph type="body" sz="half" idx="2"/>
+          </p:nvPr>
+        </p:nvSpPr>
+        <p:spPr>
+          <a:xfrm>
+            <a:off x="1154956" y="5367325"/>
+            <a:ext cx="8825656" cy="493712"/>
+          </a:xfrm>
+        </p:spPr>
+        <p:txBody>
+          <a:bodyPr>
+            <a:normAutofit/>
+          </a:bodyPr>
+          <a:lstStyle>
+            <a:lvl1pPr marL="0" indent="0">
+              <a:buNone/>
+              <a:defRPr sz="1200"/>
+            </a:lvl1pPr>
+            <a:lvl2pPr marL="457200" indent="0">
+              <a:buNone/>
+              <a:defRPr sz="1200"/>
+            </a:lvl2pPr>
+            <a:lvl3pPr marL="914400" indent="0">
+              <a:buNone/>
+              <a:defRPr sz="1000"/>
+            </a:lvl3pPr>
+            <a:lvl4pPr marL="1371600" indent="0">
+              <a:buNone/>
+              <a:defRPr sz="900"/>
+            </a:lvl4pPr>
+            <a:lvl5pPr marL="1828800" indent="0">
+              <a:buNone/>
+              <a:defRPr sz="900"/>
+            </a:lvl5pPr>
+            <a:lvl6pPr marL="2286000" indent="0">
+              <a:buNone/>
+              <a:defRPr sz="900"/>
+            </a:lvl6pPr>
+            <a:lvl7pPr marL="2743200" indent="0">
+              <a:buNone/>
+              <a:defRPr sz="900"/>
+            </a:lvl7pPr>
+            <a:lvl8pPr marL="3200400" indent="0">
+              <a:buNone/>
+              <a:defRPr sz="900"/>
+            </a:lvl8pPr>
+            <a:lvl9pPr marL="3657600" indent="0">
+              <a:buNone/>
+              <a:defRPr sz="900"/>
+            </a:lvl9pPr>
+          </a:lstStyle>
+          <a:p>
+            <a:pPr lvl="0"/>
+            <a:r>
+              <a:rPr lang="fr-FR"/>
+              <a:t>Cliquez pour modifier les styles du texte du masque</a:t>
+            </a:r>
+          </a:p>
+        </p:txBody>
+      </p:sp>
+      <p:sp>
+        <p:nvSpPr>
+          <p:cNvPr id="5" name="Date Placeholder 4"/>
+          <p:cNvSpPr>
+            <a:spLocks noGrp="1"/>
+          </p:cNvSpPr>
+          <p:nvPr>
+            <p:ph type="dt" sz="half" idx="10"/>
+          </p:nvPr>
+        </p:nvSpPr>
+        <p:spPr/>
+        <p:txBody>
+          <a:bodyPr/>
+          <a:lstStyle/>
+          <a:p>
+            <a:fld id="{FB546A5E-A556-4419-B2F5-43943CC8FCC0}" type="datetimeFigureOut">
+              <a:rPr lang="fr-FR" smtClean="0"/>
+              <a:t>30/01/2020</a:t>
+            </a:fld>
+            <a:endParaRPr lang="fr-FR"/>
+          </a:p>
+        </p:txBody>
+      </p:sp>
+      <p:sp>
+        <p:nvSpPr>
+          <p:cNvPr id="6" name="Footer Placeholder 5"/>
+          <p:cNvSpPr>
+            <a:spLocks noGrp="1"/>
+          </p:cNvSpPr>
+          <p:nvPr>
+            <p:ph type="ftr" sz="quarter" idx="11"/>
+          </p:nvPr>
+        </p:nvSpPr>
+        <p:spPr/>
+        <p:txBody>
+          <a:bodyPr/>
+          <a:lstStyle/>
+          <a:p>
+            <a:endParaRPr lang="fr-FR"/>
+          </a:p>
+        </p:txBody>
+      </p:sp>
+      <p:sp>
+        <p:nvSpPr>
+          <p:cNvPr id="7" name="Slide Number Placeholder 6"/>
+          <p:cNvSpPr>
+            <a:spLocks noGrp="1"/>
+          </p:cNvSpPr>
+          <p:nvPr>
+            <p:ph type="sldNum" sz="quarter" idx="12"/>
+          </p:nvPr>
+        </p:nvSpPr>
+        <p:spPr/>
+        <p:txBody>
+          <a:bodyPr/>
+          <a:lstStyle/>
+          <a:p>
+            <a:fld id="{968527DC-0E06-4DDC-A259-DCA5405FCE0A}" type="slidenum">
+              <a:rPr lang="fr-FR" smtClean="0"/>
+              <a:t>‹N°›</a:t>
+            </a:fld>
+            <a:endParaRPr lang="fr-FR"/>
+          </a:p>
+        </p:txBody>
+      </p:sp>
+    </p:spTree>
+    <p:extLst>
+      <p:ext uri="{BB962C8B-B14F-4D97-AF65-F5344CB8AC3E}">
+        <p14:creationId xmlns:p14="http://schemas.microsoft.com/office/powerpoint/2010/main" val="1774974938"/>
+      </p:ext>
+    </p:extLst>
+  </p:cSld>
+  <p:clrMapOvr>
+    <a:masterClrMapping/>
+  </p:clrMapOvr>
+</p:sldLayout>
+</file>
+
+<file path=ppt/slideLayouts/slideLayout11.xml><?xml version="1.0" encoding="utf-8"?>
+<p:sldLayout xmlns:a="http://schemas.openxmlformats.org/drawingml/2006/main" xmlns:r="http://schemas.openxmlformats.org/officeDocument/2006/relationships" xmlns:p="http://schemas.openxmlformats.org/presentationml/2006/main" preserve="1">
+  <p:cSld name="Titre et légende">
+    <p:spTree>
+      <p:nvGrpSpPr>
+        <p:cNvPr id="1" name=""/>
+        <p:cNvGrpSpPr/>
+        <p:nvPr/>
+      </p:nvGrpSpPr>
+      <p:grpSpPr>
+        <a:xfrm>
+          <a:off x="0" y="0"/>
+          <a:ext cx="0" cy="0"/>
+          <a:chOff x="0" y="0"/>
+          <a:chExt cx="0" cy="0"/>
+        </a:xfrm>
+      </p:grpSpPr>
+      <p:sp>
+        <p:nvSpPr>
+          <p:cNvPr id="2" name="Title 1"/>
+          <p:cNvSpPr>
+            <a:spLocks noGrp="1"/>
+          </p:cNvSpPr>
+          <p:nvPr>
+            <p:ph type="title"/>
+          </p:nvPr>
+        </p:nvSpPr>
+        <p:spPr>
+          <a:xfrm>
+            <a:off x="1154954" y="1447800"/>
+            <a:ext cx="8825659" cy="1981200"/>
+          </a:xfrm>
+        </p:spPr>
+        <p:txBody>
+          <a:bodyPr/>
+          <a:lstStyle>
+            <a:lvl1pPr>
+              <a:defRPr sz="4800"/>
+            </a:lvl1pPr>
+          </a:lstStyle>
+          <a:p>
+            <a:r>
+              <a:rPr lang="fr-FR"/>
+              <a:t>Modifiez le style du titre</a:t>
+            </a:r>
+            <a:endParaRPr lang="en-US" dirty="0"/>
+          </a:p>
+        </p:txBody>
+      </p:sp>
+      <p:sp>
+        <p:nvSpPr>
+          <p:cNvPr id="8" name="Text Placeholder 3"/>
+          <p:cNvSpPr>
+            <a:spLocks noGrp="1"/>
+          </p:cNvSpPr>
+          <p:nvPr>
+            <p:ph type="body" sz="half" idx="2"/>
+          </p:nvPr>
+        </p:nvSpPr>
+        <p:spPr>
+          <a:xfrm>
+            <a:off x="1154954" y="3657600"/>
+            <a:ext cx="8825659" cy="2362200"/>
+          </a:xfrm>
+        </p:spPr>
+        <p:txBody>
+          <a:bodyPr anchor="ctr">
+            <a:normAutofit/>
+          </a:bodyPr>
+          <a:lstStyle>
+            <a:lvl1pPr marL="0" indent="0">
+              <a:buNone/>
+              <a:defRPr sz="1800"/>
+            </a:lvl1pPr>
+            <a:lvl2pPr marL="457200" indent="0">
+              <a:buNone/>
+              <a:defRPr sz="1200"/>
+            </a:lvl2pPr>
+            <a:lvl3pPr marL="914400" indent="0">
+              <a:buNone/>
+              <a:defRPr sz="1000"/>
+            </a:lvl3pPr>
+            <a:lvl4pPr marL="1371600" indent="0">
+              <a:buNone/>
+              <a:defRPr sz="900"/>
+            </a:lvl4pPr>
+            <a:lvl5pPr marL="1828800" indent="0">
+              <a:buNone/>
+              <a:defRPr sz="900"/>
+            </a:lvl5pPr>
+            <a:lvl6pPr marL="2286000" indent="0">
+              <a:buNone/>
+              <a:defRPr sz="900"/>
+            </a:lvl6pPr>
+            <a:lvl7pPr marL="2743200" indent="0">
+              <a:buNone/>
+              <a:defRPr sz="900"/>
+            </a:lvl7pPr>
+            <a:lvl8pPr marL="3200400" indent="0">
+              <a:buNone/>
+              <a:defRPr sz="900"/>
+            </a:lvl8pPr>
+            <a:lvl9pPr marL="3657600" indent="0">
+              <a:buNone/>
+              <a:defRPr sz="900"/>
+            </a:lvl9pPr>
+          </a:lstStyle>
+          <a:p>
+            <a:pPr lvl="0"/>
+            <a:r>
+              <a:rPr lang="fr-FR"/>
+              <a:t>Cliquez pour modifier les styles du texte du masque</a:t>
+            </a:r>
+          </a:p>
+        </p:txBody>
+      </p:sp>
+      <p:sp>
+        <p:nvSpPr>
+          <p:cNvPr id="4" name="Date Placeholder 3"/>
+          <p:cNvSpPr>
+            <a:spLocks noGrp="1"/>
+          </p:cNvSpPr>
+          <p:nvPr>
+            <p:ph type="dt" sz="half" idx="10"/>
+          </p:nvPr>
+        </p:nvSpPr>
+        <p:spPr/>
+        <p:txBody>
+          <a:bodyPr/>
+          <a:lstStyle/>
+          <a:p>
+            <a:fld id="{FB546A5E-A556-4419-B2F5-43943CC8FCC0}" type="datetimeFigureOut">
+              <a:rPr lang="fr-FR" smtClean="0"/>
+              <a:t>30/01/2020</a:t>
+            </a:fld>
+            <a:endParaRPr lang="fr-FR"/>
+          </a:p>
+        </p:txBody>
+      </p:sp>
+      <p:sp>
+        <p:nvSpPr>
+          <p:cNvPr id="5" name="Footer Placeholder 4"/>
+          <p:cNvSpPr>
+            <a:spLocks noGrp="1"/>
+          </p:cNvSpPr>
+          <p:nvPr>
+            <p:ph type="ftr" sz="quarter" idx="11"/>
+          </p:nvPr>
+        </p:nvSpPr>
+        <p:spPr/>
+        <p:txBody>
+          <a:bodyPr/>
+          <a:lstStyle/>
+          <a:p>
+            <a:endParaRPr lang="fr-FR"/>
+          </a:p>
+        </p:txBody>
+      </p:sp>
+      <p:sp>
+        <p:nvSpPr>
+          <p:cNvPr id="6" name="Slide Number Placeholder 5"/>
+          <p:cNvSpPr>
+            <a:spLocks noGrp="1"/>
+          </p:cNvSpPr>
+          <p:nvPr>
+            <p:ph type="sldNum" sz="quarter" idx="12"/>
+          </p:nvPr>
+        </p:nvSpPr>
+        <p:spPr/>
+        <p:txBody>
+          <a:bodyPr/>
+          <a:lstStyle/>
+          <a:p>
+            <a:fld id="{968527DC-0E06-4DDC-A259-DCA5405FCE0A}" type="slidenum">
+              <a:rPr lang="fr-FR" smtClean="0"/>
+              <a:t>‹N°›</a:t>
+            </a:fld>
+            <a:endParaRPr lang="fr-FR"/>
+          </a:p>
+        </p:txBody>
+      </p:sp>
+    </p:spTree>
+    <p:extLst>
+      <p:ext uri="{BB962C8B-B14F-4D97-AF65-F5344CB8AC3E}">
+        <p14:creationId xmlns:p14="http://schemas.microsoft.com/office/powerpoint/2010/main" val="3051945995"/>
+      </p:ext>
+    </p:extLst>
+  </p:cSld>
+  <p:clrMapOvr>
+    <a:masterClrMapping/>
+  </p:clrMapOvr>
+</p:sldLayout>
+</file>
+
+<file path=ppt/slideLayouts/slideLayout12.xml><?xml version="1.0" encoding="utf-8"?>
+<p:sldLayout xmlns:a="http://schemas.openxmlformats.org/drawingml/2006/main" xmlns:r="http://schemas.openxmlformats.org/officeDocument/2006/relationships" xmlns:p="http://schemas.openxmlformats.org/presentationml/2006/main" preserve="1">
+  <p:cSld name="Citation avec légende">
+    <p:spTree>
+      <p:nvGrpSpPr>
+        <p:cNvPr id="1" name=""/>
+        <p:cNvGrpSpPr/>
+        <p:nvPr/>
+      </p:nvGrpSpPr>
+      <p:grpSpPr>
+        <a:xfrm>
+          <a:off x="0" y="0"/>
+          <a:ext cx="0" cy="0"/>
+          <a:chOff x="0" y="0"/>
+          <a:chExt cx="0" cy="0"/>
+        </a:xfrm>
+      </p:grpSpPr>
+      <p:sp>
+        <p:nvSpPr>
+          <p:cNvPr id="2" name="Title 1"/>
+          <p:cNvSpPr>
+            <a:spLocks noGrp="1"/>
+          </p:cNvSpPr>
+          <p:nvPr>
+            <p:ph type="title"/>
+          </p:nvPr>
+        </p:nvSpPr>
+        <p:spPr>
+          <a:xfrm>
+            <a:off x="1574801" y="1447800"/>
+            <a:ext cx="7999315" cy="2323374"/>
+          </a:xfrm>
+        </p:spPr>
+        <p:txBody>
+          <a:bodyPr/>
+          <a:lstStyle>
+            <a:lvl1pPr>
+              <a:defRPr sz="4800"/>
+            </a:lvl1pPr>
+          </a:lstStyle>
+          <a:p>
+            <a:r>
+              <a:rPr lang="fr-FR"/>
+              <a:t>Modifiez le style du titre</a:t>
+            </a:r>
+            <a:endParaRPr lang="en-US" dirty="0"/>
+          </a:p>
+        </p:txBody>
+      </p:sp>
+      <p:sp>
+        <p:nvSpPr>
+          <p:cNvPr id="14" name="Text Placeholder 3"/>
+          <p:cNvSpPr>
+            <a:spLocks noGrp="1"/>
+          </p:cNvSpPr>
+          <p:nvPr>
+            <p:ph type="body" sz="half" idx="13"/>
+          </p:nvPr>
+        </p:nvSpPr>
+        <p:spPr>
+          <a:xfrm>
+            <a:off x="1930400" y="3771174"/>
+            <a:ext cx="7279649" cy="342174"/>
+          </a:xfrm>
+        </p:spPr>
+        <p:txBody>
+          <a:bodyPr anchor="t">
+            <a:normAutofit/>
+          </a:bodyPr>
+          <a:lstStyle>
+            <a:lvl1pPr marL="0" indent="0">
+              <a:buNone/>
+              <a:defRPr lang="en-US" sz="1400" b="0" i="0" kern="1200" cap="small" dirty="0">
+                <a:solidFill>
+                  <a:schemeClr val="accent1"/>
+                </a:solidFill>
+                <a:latin typeface="+mj-lt"/>
+                <a:ea typeface="+mj-ea"/>
+                <a:cs typeface="+mj-cs"/>
+              </a:defRPr>
+            </a:lvl1pPr>
+            <a:lvl2pPr marL="457200" indent="0">
+              <a:buNone/>
+              <a:defRPr sz="1200"/>
+            </a:lvl2pPr>
+            <a:lvl3pPr marL="914400" indent="0">
+              <a:buNone/>
+              <a:defRPr sz="1000"/>
+            </a:lvl3pPr>
+            <a:lvl4pPr marL="1371600" indent="0">
+              <a:buNone/>
+              <a:defRPr sz="900"/>
+            </a:lvl4pPr>
+            <a:lvl5pPr marL="1828800" indent="0">
+              <a:buNone/>
+              <a:defRPr sz="900"/>
+            </a:lvl5pPr>
+            <a:lvl6pPr marL="2286000" indent="0">
+              <a:buNone/>
+              <a:defRPr sz="900"/>
+            </a:lvl6pPr>
+            <a:lvl7pPr marL="2743200" indent="0">
+              <a:buNone/>
+              <a:defRPr sz="900"/>
+            </a:lvl7pPr>
+            <a:lvl8pPr marL="3200400" indent="0">
+              <a:buNone/>
+              <a:defRPr sz="900"/>
+            </a:lvl8pPr>
+            <a:lvl9pPr marL="3657600" indent="0">
+              <a:buNone/>
+              <a:defRPr sz="900"/>
+            </a:lvl9pPr>
+          </a:lstStyle>
+          <a:p>
+            <a:pPr lvl="0"/>
+            <a:r>
+              <a:rPr lang="fr-FR"/>
+              <a:t>Cliquez pour modifier les styles du texte du masque</a:t>
+            </a:r>
+          </a:p>
+        </p:txBody>
+      </p:sp>
+      <p:sp>
+        <p:nvSpPr>
+          <p:cNvPr id="10" name="Text Placeholder 3"/>
+          <p:cNvSpPr>
+            <a:spLocks noGrp="1"/>
+          </p:cNvSpPr>
+          <p:nvPr>
+            <p:ph type="body" sz="half" idx="2"/>
+          </p:nvPr>
+        </p:nvSpPr>
+        <p:spPr>
+          <a:xfrm>
+            <a:off x="1154954" y="4350657"/>
+            <a:ext cx="8825659" cy="1676400"/>
+          </a:xfrm>
+        </p:spPr>
+        <p:txBody>
+          <a:bodyPr anchor="ctr">
+            <a:normAutofit/>
+          </a:bodyPr>
+          <a:lstStyle>
+            <a:lvl1pPr marL="0" indent="0">
+              <a:buNone/>
+              <a:defRPr sz="1800"/>
+            </a:lvl1pPr>
+            <a:lvl2pPr marL="457200" indent="0">
+              <a:buNone/>
+              <a:defRPr sz="1200"/>
+            </a:lvl2pPr>
+            <a:lvl3pPr marL="914400" indent="0">
+              <a:buNone/>
+              <a:defRPr sz="1000"/>
+            </a:lvl3pPr>
+            <a:lvl4pPr marL="1371600" indent="0">
+              <a:buNone/>
+              <a:defRPr sz="900"/>
+            </a:lvl4pPr>
+            <a:lvl5pPr marL="1828800" indent="0">
+              <a:buNone/>
+              <a:defRPr sz="900"/>
+            </a:lvl5pPr>
+            <a:lvl6pPr marL="2286000" indent="0">
+              <a:buNone/>
+              <a:defRPr sz="900"/>
+            </a:lvl6pPr>
+            <a:lvl7pPr marL="2743200" indent="0">
+              <a:buNone/>
+              <a:defRPr sz="900"/>
+            </a:lvl7pPr>
+            <a:lvl8pPr marL="3200400" indent="0">
+              <a:buNone/>
+              <a:defRPr sz="900"/>
+            </a:lvl8pPr>
+            <a:lvl9pPr marL="3657600" indent="0">
+              <a:buNone/>
+              <a:defRPr sz="900"/>
+            </a:lvl9pPr>
+          </a:lstStyle>
+          <a:p>
+            <a:pPr lvl="0"/>
+            <a:r>
+              <a:rPr lang="fr-FR"/>
+              <a:t>Cliquez pour modifier les styles du texte du masque</a:t>
+            </a:r>
+          </a:p>
+        </p:txBody>
+      </p:sp>
+      <p:sp>
+        <p:nvSpPr>
+          <p:cNvPr id="4" name="Date Placeholder 3"/>
+          <p:cNvSpPr>
+            <a:spLocks noGrp="1"/>
+          </p:cNvSpPr>
+          <p:nvPr>
+            <p:ph type="dt" sz="half" idx="10"/>
+          </p:nvPr>
+        </p:nvSpPr>
+        <p:spPr/>
+        <p:txBody>
+          <a:bodyPr/>
+          <a:lstStyle/>
+          <a:p>
+            <a:fld id="{FB546A5E-A556-4419-B2F5-43943CC8FCC0}" type="datetimeFigureOut">
+              <a:rPr lang="fr-FR" smtClean="0"/>
+              <a:t>30/01/2020</a:t>
+            </a:fld>
+            <a:endParaRPr lang="fr-FR"/>
+          </a:p>
+        </p:txBody>
+      </p:sp>
+      <p:sp>
+        <p:nvSpPr>
+          <p:cNvPr id="5" name="Footer Placeholder 4"/>
+          <p:cNvSpPr>
+            <a:spLocks noGrp="1"/>
+          </p:cNvSpPr>
+          <p:nvPr>
+            <p:ph type="ftr" sz="quarter" idx="11"/>
+          </p:nvPr>
+        </p:nvSpPr>
+        <p:spPr/>
+        <p:txBody>
+          <a:bodyPr/>
+          <a:lstStyle/>
+          <a:p>
+            <a:endParaRPr lang="fr-FR"/>
+          </a:p>
+        </p:txBody>
+      </p:sp>
+      <p:sp>
+        <p:nvSpPr>
+          <p:cNvPr id="6" name="Slide Number Placeholder 5"/>
+          <p:cNvSpPr>
+            <a:spLocks noGrp="1"/>
+          </p:cNvSpPr>
+          <p:nvPr>
+            <p:ph type="sldNum" sz="quarter" idx="12"/>
+          </p:nvPr>
+        </p:nvSpPr>
+        <p:spPr/>
+        <p:txBody>
+          <a:bodyPr/>
+          <a:lstStyle/>
+          <a:p>
+            <a:fld id="{968527DC-0E06-4DDC-A259-DCA5405FCE0A}" type="slidenum">
+              <a:rPr lang="fr-FR" smtClean="0"/>
+              <a:t>‹N°›</a:t>
+            </a:fld>
+            <a:endParaRPr lang="fr-FR"/>
+          </a:p>
+        </p:txBody>
+      </p:sp>
+      <p:sp>
+        <p:nvSpPr>
+          <p:cNvPr id="9" name="TextBox 8"/>
+          <p:cNvSpPr txBox="1"/>
+          <p:nvPr/>
+        </p:nvSpPr>
+        <p:spPr>
+          <a:xfrm>
+            <a:off x="898295" y="971253"/>
+            <a:ext cx="801912" cy="1969770"/>
+          </a:xfrm>
+          <a:prstGeom prst="rect">
+            <a:avLst/>
+          </a:prstGeom>
+          <a:noFill/>
+        </p:spPr>
+        <p:txBody>
+          <a:bodyPr wrap="square" rtlCol="0">
+            <a:spAutoFit/>
+          </a:bodyPr>
+          <a:lstStyle>
+            <a:defPPr>
+              <a:defRPr lang="en-US"/>
+            </a:defPPr>
+            <a:lvl1pPr algn="r">
+              <a:defRPr sz="12200" b="0" i="0">
+                <a:solidFill>
+                  <a:schemeClr val="accent1"/>
+                </a:solidFill>
+                <a:latin typeface="Arial"/>
+                <a:ea typeface="+mj-ea"/>
+                <a:cs typeface="+mj-cs"/>
+              </a:defRPr>
+            </a:lvl1pPr>
+          </a:lstStyle>
+          <a:p>
+            <a:pPr lvl="0"/>
+            <a:r>
+              <a:rPr lang="en-US" dirty="0"/>
+              <a:t>“</a:t>
+            </a:r>
+          </a:p>
+        </p:txBody>
+      </p:sp>
+      <p:sp>
+        <p:nvSpPr>
+          <p:cNvPr id="13" name="TextBox 12"/>
+          <p:cNvSpPr txBox="1"/>
+          <p:nvPr/>
+        </p:nvSpPr>
+        <p:spPr>
+          <a:xfrm>
+            <a:off x="9330490" y="2613787"/>
+            <a:ext cx="801912" cy="1969770"/>
+          </a:xfrm>
+          <a:prstGeom prst="rect">
+            <a:avLst/>
+          </a:prstGeom>
+          <a:noFill/>
+        </p:spPr>
+        <p:txBody>
+          <a:bodyPr wrap="square" rtlCol="0">
+            <a:spAutoFit/>
+          </a:bodyPr>
+          <a:lstStyle>
+            <a:defPPr>
+              <a:defRPr lang="en-US"/>
+            </a:defPPr>
+            <a:lvl1pPr algn="r">
+              <a:defRPr sz="12200" b="0" i="0">
+                <a:solidFill>
+                  <a:schemeClr val="accent1"/>
+                </a:solidFill>
+                <a:latin typeface="Arial"/>
+                <a:ea typeface="+mj-ea"/>
+                <a:cs typeface="+mj-cs"/>
+              </a:defRPr>
+            </a:lvl1pPr>
+          </a:lstStyle>
+          <a:p>
+            <a:pPr lvl="0"/>
+            <a:r>
+              <a:rPr lang="en-US" dirty="0"/>
+              <a:t>”</a:t>
+            </a:r>
+          </a:p>
+        </p:txBody>
+      </p:sp>
+    </p:spTree>
+    <p:extLst>
+      <p:ext uri="{BB962C8B-B14F-4D97-AF65-F5344CB8AC3E}">
+        <p14:creationId xmlns:p14="http://schemas.microsoft.com/office/powerpoint/2010/main" val="2422756720"/>
+      </p:ext>
+    </p:extLst>
+  </p:cSld>
+  <p:clrMapOvr>
+    <a:masterClrMapping/>
+  </p:clrMapOvr>
+</p:sldLayout>
+</file>
+
+<file path=ppt/slideLayouts/slideLayout13.xml><?xml version="1.0" encoding="utf-8"?>
+<p:sldLayout xmlns:a="http://schemas.openxmlformats.org/drawingml/2006/main" xmlns:r="http://schemas.openxmlformats.org/officeDocument/2006/relationships" xmlns:p="http://schemas.openxmlformats.org/presentationml/2006/main" preserve="1">
+  <p:cSld name="Carte nom">
+    <p:spTree>
+      <p:nvGrpSpPr>
+        <p:cNvPr id="1" name=""/>
+        <p:cNvGrpSpPr/>
+        <p:nvPr/>
+      </p:nvGrpSpPr>
+      <p:grpSpPr>
+        <a:xfrm>
+          <a:off x="0" y="0"/>
+          <a:ext cx="0" cy="0"/>
+          <a:chOff x="0" y="0"/>
+          <a:chExt cx="0" cy="0"/>
+        </a:xfrm>
+      </p:grpSpPr>
+      <p:sp>
+        <p:nvSpPr>
+          <p:cNvPr id="2" name="Title 1"/>
+          <p:cNvSpPr>
+            <a:spLocks noGrp="1"/>
+          </p:cNvSpPr>
+          <p:nvPr>
+            <p:ph type="title"/>
+          </p:nvPr>
+        </p:nvSpPr>
+        <p:spPr>
+          <a:xfrm>
+            <a:off x="1154954" y="3124201"/>
+            <a:ext cx="8825660" cy="1653180"/>
+          </a:xfrm>
+        </p:spPr>
+        <p:txBody>
+          <a:bodyPr anchor="b"/>
+          <a:lstStyle>
+            <a:lvl1pPr algn="l">
+              <a:defRPr sz="4000" b="0" cap="none"/>
+            </a:lvl1pPr>
+          </a:lstStyle>
+          <a:p>
+            <a:r>
+              <a:rPr lang="fr-FR"/>
+              <a:t>Modifiez le style du titre</a:t>
+            </a:r>
+            <a:endParaRPr lang="en-US" dirty="0"/>
+          </a:p>
+        </p:txBody>
+      </p:sp>
+      <p:sp>
+        <p:nvSpPr>
+          <p:cNvPr id="3" name="Text Placeholder 2"/>
+          <p:cNvSpPr>
+            <a:spLocks noGrp="1"/>
+          </p:cNvSpPr>
+          <p:nvPr>
+            <p:ph type="body" idx="1"/>
+          </p:nvPr>
+        </p:nvSpPr>
+        <p:spPr>
+          <a:xfrm>
+            <a:off x="1154954" y="4777381"/>
+            <a:ext cx="8825659" cy="860400"/>
+          </a:xfrm>
+        </p:spPr>
+        <p:txBody>
+          <a:bodyPr anchor="t"/>
+          <a:lstStyle>
+            <a:lvl1pPr marL="0" indent="0" algn="l">
+              <a:buNone/>
+              <a:defRPr sz="2000" cap="none">
+                <a:solidFill>
+                  <a:schemeClr val="accent1"/>
+                </a:solidFill>
+              </a:defRPr>
+            </a:lvl1pPr>
+            <a:lvl2pPr marL="457200" indent="0">
+              <a:buNone/>
+              <a:defRPr sz="1800">
+                <a:solidFill>
+                  <a:schemeClr val="tx1">
+                    <a:tint val="75000"/>
+                  </a:schemeClr>
+                </a:solidFill>
+              </a:defRPr>
+            </a:lvl2pPr>
+            <a:lvl3pPr marL="914400" indent="0">
+              <a:buNone/>
+              <a:defRPr sz="1600">
+                <a:solidFill>
+                  <a:schemeClr val="tx1">
+                    <a:tint val="75000"/>
+                  </a:schemeClr>
+                </a:solidFill>
+              </a:defRPr>
+            </a:lvl3pPr>
+            <a:lvl4pPr marL="1371600" indent="0">
+              <a:buNone/>
+              <a:defRPr sz="1400">
+                <a:solidFill>
+                  <a:schemeClr val="tx1">
+                    <a:tint val="75000"/>
+                  </a:schemeClr>
+                </a:solidFill>
+              </a:defRPr>
+            </a:lvl4pPr>
+            <a:lvl5pPr marL="1828800" indent="0">
+              <a:buNone/>
+              <a:defRPr sz="1400">
+                <a:solidFill>
+                  <a:schemeClr val="tx1">
+                    <a:tint val="75000"/>
+                  </a:schemeClr>
+                </a:solidFill>
+              </a:defRPr>
+            </a:lvl5pPr>
+            <a:lvl6pPr marL="2286000" indent="0">
+              <a:buNone/>
+              <a:defRPr sz="1400">
+                <a:solidFill>
+                  <a:schemeClr val="tx1">
+                    <a:tint val="75000"/>
+                  </a:schemeClr>
+                </a:solidFill>
+              </a:defRPr>
+            </a:lvl6pPr>
+            <a:lvl7pPr marL="2743200" indent="0">
+              <a:buNone/>
+              <a:defRPr sz="1400">
+                <a:solidFill>
+                  <a:schemeClr val="tx1">
+                    <a:tint val="75000"/>
+                  </a:schemeClr>
+                </a:solidFill>
+              </a:defRPr>
+            </a:lvl7pPr>
+            <a:lvl8pPr marL="3200400" indent="0">
+              <a:buNone/>
+              <a:defRPr sz="1400">
+                <a:solidFill>
+                  <a:schemeClr val="tx1">
+                    <a:tint val="75000"/>
+                  </a:schemeClr>
+                </a:solidFill>
+              </a:defRPr>
+            </a:lvl8pPr>
+            <a:lvl9pPr marL="3657600" indent="0">
+              <a:buNone/>
+              <a:defRPr sz="1400">
+                <a:solidFill>
+                  <a:schemeClr val="tx1">
+                    <a:tint val="75000"/>
+                  </a:schemeClr>
+                </a:solidFill>
+              </a:defRPr>
+            </a:lvl9pPr>
+          </a:lstStyle>
+          <a:p>
+            <a:pPr lvl="0"/>
+            <a:r>
+              <a:rPr lang="fr-FR"/>
+              <a:t>Cliquez pour modifier les styles du texte du masque</a:t>
+            </a:r>
+          </a:p>
+        </p:txBody>
+      </p:sp>
+      <p:sp>
+        <p:nvSpPr>
+          <p:cNvPr id="4" name="Date Placeholder 3"/>
+          <p:cNvSpPr>
+            <a:spLocks noGrp="1"/>
+          </p:cNvSpPr>
+          <p:nvPr>
+            <p:ph type="dt" sz="half" idx="10"/>
+          </p:nvPr>
+        </p:nvSpPr>
+        <p:spPr/>
+        <p:txBody>
+          <a:bodyPr/>
+          <a:lstStyle/>
+          <a:p>
+            <a:fld id="{FB546A5E-A556-4419-B2F5-43943CC8FCC0}" type="datetimeFigureOut">
+              <a:rPr lang="fr-FR" smtClean="0"/>
+              <a:t>30/01/2020</a:t>
+            </a:fld>
+            <a:endParaRPr lang="fr-FR"/>
+          </a:p>
+        </p:txBody>
+      </p:sp>
+      <p:sp>
+        <p:nvSpPr>
+          <p:cNvPr id="5" name="Footer Placeholder 4"/>
+          <p:cNvSpPr>
+            <a:spLocks noGrp="1"/>
+          </p:cNvSpPr>
+          <p:nvPr>
+            <p:ph type="ftr" sz="quarter" idx="11"/>
+          </p:nvPr>
+        </p:nvSpPr>
+        <p:spPr/>
+        <p:txBody>
+          <a:bodyPr/>
+          <a:lstStyle/>
+          <a:p>
+            <a:endParaRPr lang="fr-FR"/>
+          </a:p>
+        </p:txBody>
+      </p:sp>
+      <p:sp>
+        <p:nvSpPr>
+          <p:cNvPr id="6" name="Slide Number Placeholder 5"/>
+          <p:cNvSpPr>
+            <a:spLocks noGrp="1"/>
+          </p:cNvSpPr>
+          <p:nvPr>
+            <p:ph type="sldNum" sz="quarter" idx="12"/>
+          </p:nvPr>
+        </p:nvSpPr>
+        <p:spPr/>
+        <p:txBody>
+          <a:bodyPr/>
+          <a:lstStyle/>
+          <a:p>
+            <a:fld id="{968527DC-0E06-4DDC-A259-DCA5405FCE0A}" type="slidenum">
+              <a:rPr lang="fr-FR" smtClean="0"/>
+              <a:t>‹N°›</a:t>
+            </a:fld>
+            <a:endParaRPr lang="fr-FR"/>
+          </a:p>
+        </p:txBody>
+      </p:sp>
+    </p:spTree>
+    <p:extLst>
+      <p:ext uri="{BB962C8B-B14F-4D97-AF65-F5344CB8AC3E}">
+        <p14:creationId xmlns:p14="http://schemas.microsoft.com/office/powerpoint/2010/main" val="2177260872"/>
+      </p:ext>
+    </p:extLst>
+  </p:cSld>
+  <p:clrMapOvr>
+    <a:masterClrMapping/>
+  </p:clrMapOvr>
+</p:sldLayout>
+</file>
+
+<file path=ppt/slideLayouts/slideLayout14.xml><?xml version="1.0" encoding="utf-8"?>
+<p:sldLayout xmlns:a="http://schemas.openxmlformats.org/drawingml/2006/main" xmlns:r="http://schemas.openxmlformats.org/officeDocument/2006/relationships" xmlns:p="http://schemas.openxmlformats.org/presentationml/2006/main" preserve="1">
+  <p:cSld name="3 colonnes">
+    <p:spTree>
+      <p:nvGrpSpPr>
+        <p:cNvPr id="1" name=""/>
+        <p:cNvGrpSpPr/>
+        <p:nvPr/>
+      </p:nvGrpSpPr>
+      <p:grpSpPr>
+        <a:xfrm>
+          <a:off x="0" y="0"/>
+          <a:ext cx="0" cy="0"/>
+          <a:chOff x="0" y="0"/>
+          <a:chExt cx="0" cy="0"/>
+        </a:xfrm>
+      </p:grpSpPr>
+      <p:sp>
+        <p:nvSpPr>
+          <p:cNvPr id="2" name="Title 1"/>
+          <p:cNvSpPr>
+            <a:spLocks noGrp="1"/>
+          </p:cNvSpPr>
+          <p:nvPr>
+            <p:ph type="title"/>
+          </p:nvPr>
+        </p:nvSpPr>
+        <p:spPr/>
+        <p:txBody>
+          <a:bodyPr/>
+          <a:lstStyle>
+            <a:lvl1pPr>
+              <a:defRPr sz="4200"/>
+            </a:lvl1pPr>
+          </a:lstStyle>
+          <a:p>
+            <a:r>
+              <a:rPr lang="fr-FR"/>
+              <a:t>Modifiez le style du titre</a:t>
+            </a:r>
+            <a:endParaRPr lang="en-US" dirty="0"/>
+          </a:p>
+        </p:txBody>
+      </p:sp>
+      <p:sp>
+        <p:nvSpPr>
+          <p:cNvPr id="3" name="Text Placeholder 2"/>
+          <p:cNvSpPr>
+            <a:spLocks noGrp="1"/>
+          </p:cNvSpPr>
+          <p:nvPr>
+            <p:ph type="body" idx="1"/>
+          </p:nvPr>
+        </p:nvSpPr>
+        <p:spPr>
+          <a:xfrm>
+            <a:off x="632947" y="1981200"/>
+            <a:ext cx="2946866" cy="576262"/>
+          </a:xfrm>
+        </p:spPr>
+        <p:txBody>
+          <a:bodyPr anchor="b">
+            <a:noAutofit/>
+          </a:bodyPr>
+          <a:lstStyle>
+            <a:lvl1pPr marL="0" indent="0">
+              <a:buNone/>
+              <a:defRPr sz="2400" b="0">
+                <a:solidFill>
+                  <a:schemeClr val="accent1"/>
+                </a:solidFill>
+              </a:defRPr>
+            </a:lvl1pPr>
+            <a:lvl2pPr marL="457200" indent="0">
+              <a:buNone/>
+              <a:defRPr sz="2000" b="1"/>
+            </a:lvl2pPr>
+            <a:lvl3pPr marL="914400" indent="0">
+              <a:buNone/>
+              <a:defRPr sz="1800" b="1"/>
+            </a:lvl3pPr>
+            <a:lvl4pPr marL="1371600" indent="0">
+              <a:buNone/>
+              <a:defRPr sz="1600" b="1"/>
+            </a:lvl4pPr>
+            <a:lvl5pPr marL="1828800" indent="0">
+              <a:buNone/>
+              <a:defRPr sz="1600" b="1"/>
+            </a:lvl5pPr>
+            <a:lvl6pPr marL="2286000" indent="0">
+              <a:buNone/>
+              <a:defRPr sz="1600" b="1"/>
+            </a:lvl6pPr>
+            <a:lvl7pPr marL="2743200" indent="0">
+              <a:buNone/>
+              <a:defRPr sz="1600" b="1"/>
+            </a:lvl7pPr>
+            <a:lvl8pPr marL="3200400" indent="0">
+              <a:buNone/>
+              <a:defRPr sz="1600" b="1"/>
+            </a:lvl8pPr>
+            <a:lvl9pPr marL="3657600" indent="0">
+              <a:buNone/>
+              <a:defRPr sz="1600" b="1"/>
+            </a:lvl9pPr>
+          </a:lstStyle>
+          <a:p>
+            <a:pPr lvl="0"/>
+            <a:r>
+              <a:rPr lang="fr-FR"/>
+              <a:t>Cliquez pour modifier les styles du texte du masque</a:t>
+            </a:r>
+          </a:p>
+        </p:txBody>
+      </p:sp>
+      <p:sp>
+        <p:nvSpPr>
+          <p:cNvPr id="16" name="Text Placeholder 3"/>
+          <p:cNvSpPr>
+            <a:spLocks noGrp="1"/>
+          </p:cNvSpPr>
+          <p:nvPr>
+            <p:ph type="body" sz="half" idx="15"/>
+          </p:nvPr>
+        </p:nvSpPr>
+        <p:spPr>
+          <a:xfrm>
+            <a:off x="652463" y="2667000"/>
+            <a:ext cx="2927350" cy="3589338"/>
+          </a:xfrm>
+        </p:spPr>
+        <p:txBody>
+          <a:bodyPr anchor="t">
+            <a:normAutofit/>
+          </a:bodyPr>
+          <a:lstStyle>
+            <a:lvl1pPr marL="0" indent="0">
+              <a:buNone/>
+              <a:defRPr sz="1400"/>
+            </a:lvl1pPr>
+            <a:lvl2pPr marL="457200" indent="0">
+              <a:buNone/>
+              <a:defRPr sz="1200"/>
+            </a:lvl2pPr>
+            <a:lvl3pPr marL="914400" indent="0">
+              <a:buNone/>
+              <a:defRPr sz="1000"/>
+            </a:lvl3pPr>
+            <a:lvl4pPr marL="1371600" indent="0">
+              <a:buNone/>
+              <a:defRPr sz="900"/>
+            </a:lvl4pPr>
+            <a:lvl5pPr marL="1828800" indent="0">
+              <a:buNone/>
+              <a:defRPr sz="900"/>
+            </a:lvl5pPr>
+            <a:lvl6pPr marL="2286000" indent="0">
+              <a:buNone/>
+              <a:defRPr sz="900"/>
+            </a:lvl6pPr>
+            <a:lvl7pPr marL="2743200" indent="0">
+              <a:buNone/>
+              <a:defRPr sz="900"/>
+            </a:lvl7pPr>
+            <a:lvl8pPr marL="3200400" indent="0">
+              <a:buNone/>
+              <a:defRPr sz="900"/>
+            </a:lvl8pPr>
+            <a:lvl9pPr marL="3657600" indent="0">
+              <a:buNone/>
+              <a:defRPr sz="900"/>
+            </a:lvl9pPr>
+          </a:lstStyle>
+          <a:p>
+            <a:pPr lvl="0"/>
+            <a:r>
+              <a:rPr lang="fr-FR"/>
+              <a:t>Cliquez pour modifier les styles du texte du masque</a:t>
+            </a:r>
+          </a:p>
+        </p:txBody>
+      </p:sp>
+      <p:sp>
+        <p:nvSpPr>
+          <p:cNvPr id="5" name="Text Placeholder 4"/>
+          <p:cNvSpPr>
+            <a:spLocks noGrp="1"/>
+          </p:cNvSpPr>
+          <p:nvPr>
+            <p:ph type="body" sz="quarter" idx="3"/>
+          </p:nvPr>
+        </p:nvSpPr>
+        <p:spPr>
+          <a:xfrm>
+            <a:off x="3883659" y="1981200"/>
+            <a:ext cx="2936241" cy="576262"/>
+          </a:xfrm>
+        </p:spPr>
+        <p:txBody>
+          <a:bodyPr anchor="b">
+            <a:noAutofit/>
+          </a:bodyPr>
+          <a:lstStyle>
+            <a:lvl1pPr marL="0" indent="0">
+              <a:buNone/>
+              <a:defRPr sz="2400" b="0">
+                <a:solidFill>
+                  <a:schemeClr val="accent1"/>
+                </a:solidFill>
+              </a:defRPr>
+            </a:lvl1pPr>
+            <a:lvl2pPr marL="457200" indent="0">
+              <a:buNone/>
+              <a:defRPr sz="2000" b="1"/>
+            </a:lvl2pPr>
+            <a:lvl3pPr marL="914400" indent="0">
+              <a:buNone/>
+              <a:defRPr sz="1800" b="1"/>
+            </a:lvl3pPr>
+            <a:lvl4pPr marL="1371600" indent="0">
+              <a:buNone/>
+              <a:defRPr sz="1600" b="1"/>
+            </a:lvl4pPr>
+            <a:lvl5pPr marL="1828800" indent="0">
+              <a:buNone/>
+              <a:defRPr sz="1600" b="1"/>
+            </a:lvl5pPr>
+            <a:lvl6pPr marL="2286000" indent="0">
+              <a:buNone/>
+              <a:defRPr sz="1600" b="1"/>
+            </a:lvl6pPr>
+            <a:lvl7pPr marL="2743200" indent="0">
+              <a:buNone/>
+              <a:defRPr sz="1600" b="1"/>
+            </a:lvl7pPr>
+            <a:lvl8pPr marL="3200400" indent="0">
+              <a:buNone/>
+              <a:defRPr sz="1600" b="1"/>
+            </a:lvl8pPr>
+            <a:lvl9pPr marL="3657600" indent="0">
+              <a:buNone/>
+              <a:defRPr sz="1600" b="1"/>
+            </a:lvl9pPr>
+          </a:lstStyle>
+          <a:p>
+            <a:pPr lvl="0"/>
+            <a:r>
+              <a:rPr lang="fr-FR"/>
+              <a:t>Cliquez pour modifier les styles du texte du masque</a:t>
+            </a:r>
+          </a:p>
+        </p:txBody>
+      </p:sp>
+      <p:sp>
+        <p:nvSpPr>
+          <p:cNvPr id="19" name="Text Placeholder 3"/>
+          <p:cNvSpPr>
+            <a:spLocks noGrp="1"/>
+          </p:cNvSpPr>
+          <p:nvPr>
+            <p:ph type="body" sz="half" idx="16"/>
+          </p:nvPr>
+        </p:nvSpPr>
+        <p:spPr>
+          <a:xfrm>
+            <a:off x="3873106" y="2667000"/>
+            <a:ext cx="2946794" cy="3589338"/>
+          </a:xfrm>
+        </p:spPr>
+        <p:txBody>
+          <a:bodyPr anchor="t">
+            <a:normAutofit/>
+          </a:bodyPr>
+          <a:lstStyle>
+            <a:lvl1pPr marL="0" indent="0">
+              <a:buNone/>
+              <a:defRPr sz="1400"/>
+            </a:lvl1pPr>
+            <a:lvl2pPr marL="457200" indent="0">
+              <a:buNone/>
+              <a:defRPr sz="1200"/>
+            </a:lvl2pPr>
+            <a:lvl3pPr marL="914400" indent="0">
+              <a:buNone/>
+              <a:defRPr sz="1000"/>
+            </a:lvl3pPr>
+            <a:lvl4pPr marL="1371600" indent="0">
+              <a:buNone/>
+              <a:defRPr sz="900"/>
+            </a:lvl4pPr>
+            <a:lvl5pPr marL="1828800" indent="0">
+              <a:buNone/>
+              <a:defRPr sz="900"/>
+            </a:lvl5pPr>
+            <a:lvl6pPr marL="2286000" indent="0">
+              <a:buNone/>
+              <a:defRPr sz="900"/>
+            </a:lvl6pPr>
+            <a:lvl7pPr marL="2743200" indent="0">
+              <a:buNone/>
+              <a:defRPr sz="900"/>
+            </a:lvl7pPr>
+            <a:lvl8pPr marL="3200400" indent="0">
+              <a:buNone/>
+              <a:defRPr sz="900"/>
+            </a:lvl8pPr>
+            <a:lvl9pPr marL="3657600" indent="0">
+              <a:buNone/>
+              <a:defRPr sz="900"/>
+            </a:lvl9pPr>
+          </a:lstStyle>
+          <a:p>
+            <a:pPr lvl="0"/>
+            <a:r>
+              <a:rPr lang="fr-FR"/>
+              <a:t>Cliquez pour modifier les styles du texte du masque</a:t>
+            </a:r>
+          </a:p>
+        </p:txBody>
+      </p:sp>
+      <p:sp>
+        <p:nvSpPr>
+          <p:cNvPr id="14" name="Text Placeholder 4"/>
+          <p:cNvSpPr>
+            <a:spLocks noGrp="1"/>
+          </p:cNvSpPr>
+          <p:nvPr>
+            <p:ph type="body" sz="quarter" idx="13"/>
+          </p:nvPr>
+        </p:nvSpPr>
+        <p:spPr>
+          <a:xfrm>
+            <a:off x="7124700" y="1981200"/>
+            <a:ext cx="2932113" cy="576262"/>
+          </a:xfrm>
+        </p:spPr>
+        <p:txBody>
+          <a:bodyPr anchor="b">
+            <a:noAutofit/>
+          </a:bodyPr>
+          <a:lstStyle>
+            <a:lvl1pPr marL="0" indent="0">
+              <a:buNone/>
+              <a:defRPr sz="2400" b="0">
+                <a:solidFill>
+                  <a:schemeClr val="accent1"/>
+                </a:solidFill>
+              </a:defRPr>
+            </a:lvl1pPr>
+            <a:lvl2pPr marL="457200" indent="0">
+              <a:buNone/>
+              <a:defRPr sz="2000" b="1"/>
+            </a:lvl2pPr>
+            <a:lvl3pPr marL="914400" indent="0">
+              <a:buNone/>
+              <a:defRPr sz="1800" b="1"/>
+            </a:lvl3pPr>
+            <a:lvl4pPr marL="1371600" indent="0">
+              <a:buNone/>
+              <a:defRPr sz="1600" b="1"/>
+            </a:lvl4pPr>
+            <a:lvl5pPr marL="1828800" indent="0">
+              <a:buNone/>
+              <a:defRPr sz="1600" b="1"/>
+            </a:lvl5pPr>
+            <a:lvl6pPr marL="2286000" indent="0">
+              <a:buNone/>
+              <a:defRPr sz="1600" b="1"/>
+            </a:lvl6pPr>
+            <a:lvl7pPr marL="2743200" indent="0">
+              <a:buNone/>
+              <a:defRPr sz="1600" b="1"/>
+            </a:lvl7pPr>
+            <a:lvl8pPr marL="3200400" indent="0">
+              <a:buNone/>
+              <a:defRPr sz="1600" b="1"/>
+            </a:lvl8pPr>
+            <a:lvl9pPr marL="3657600" indent="0">
+              <a:buNone/>
+              <a:defRPr sz="1600" b="1"/>
+            </a:lvl9pPr>
+          </a:lstStyle>
+          <a:p>
+            <a:pPr lvl="0"/>
+            <a:r>
+              <a:rPr lang="fr-FR"/>
+              <a:t>Cliquez pour modifier les styles du texte du masque</a:t>
+            </a:r>
+          </a:p>
+        </p:txBody>
+      </p:sp>
+      <p:sp>
+        <p:nvSpPr>
+          <p:cNvPr id="20" name="Text Placeholder 3"/>
+          <p:cNvSpPr>
+            <a:spLocks noGrp="1"/>
+          </p:cNvSpPr>
+          <p:nvPr>
+            <p:ph type="body" sz="half" idx="17"/>
+          </p:nvPr>
+        </p:nvSpPr>
+        <p:spPr>
+          <a:xfrm>
+            <a:off x="7124700" y="2667000"/>
+            <a:ext cx="2932113" cy="3589338"/>
+          </a:xfrm>
+        </p:spPr>
+        <p:txBody>
+          <a:bodyPr anchor="t">
+            <a:normAutofit/>
+          </a:bodyPr>
+          <a:lstStyle>
+            <a:lvl1pPr marL="0" indent="0">
+              <a:buNone/>
+              <a:defRPr sz="1400"/>
+            </a:lvl1pPr>
+            <a:lvl2pPr marL="457200" indent="0">
+              <a:buNone/>
+              <a:defRPr sz="1200"/>
+            </a:lvl2pPr>
+            <a:lvl3pPr marL="914400" indent="0">
+              <a:buNone/>
+              <a:defRPr sz="1000"/>
+            </a:lvl3pPr>
+            <a:lvl4pPr marL="1371600" indent="0">
+              <a:buNone/>
+              <a:defRPr sz="900"/>
+            </a:lvl4pPr>
+            <a:lvl5pPr marL="1828800" indent="0">
+              <a:buNone/>
+              <a:defRPr sz="900"/>
+            </a:lvl5pPr>
+            <a:lvl6pPr marL="2286000" indent="0">
+              <a:buNone/>
+              <a:defRPr sz="900"/>
+            </a:lvl6pPr>
+            <a:lvl7pPr marL="2743200" indent="0">
+              <a:buNone/>
+              <a:defRPr sz="900"/>
+            </a:lvl7pPr>
+            <a:lvl8pPr marL="3200400" indent="0">
+              <a:buNone/>
+              <a:defRPr sz="900"/>
+            </a:lvl8pPr>
+            <a:lvl9pPr marL="3657600" indent="0">
+              <a:buNone/>
+              <a:defRPr sz="900"/>
+            </a:lvl9pPr>
+          </a:lstStyle>
+          <a:p>
+            <a:pPr lvl="0"/>
+            <a:r>
+              <a:rPr lang="fr-FR"/>
+              <a:t>Cliquez pour modifier les styles du texte du masque</a:t>
+            </a:r>
+          </a:p>
+        </p:txBody>
+      </p:sp>
+      <p:cxnSp>
+        <p:nvCxnSpPr>
+          <p:cNvPr id="17" name="Straight Connector 16"/>
+          <p:cNvCxnSpPr/>
+          <p:nvPr/>
+        </p:nvCxnSpPr>
+        <p:spPr>
+          <a:xfrm>
+            <a:off x="3726142" y="2133600"/>
+            <a:ext cx="0" cy="3962400"/>
+          </a:xfrm>
+          <a:prstGeom prst="line">
+            <a:avLst/>
+          </a:prstGeom>
+          <a:ln w="12700" cmpd="sng">
+            <a:solidFill>
+              <a:schemeClr val="accent1">
+                <a:alpha val="40000"/>
+              </a:schemeClr>
+            </a:solidFill>
+          </a:ln>
+        </p:spPr>
+        <p:style>
+          <a:lnRef idx="2">
+            <a:schemeClr val="accent1"/>
+          </a:lnRef>
+          <a:fillRef idx="0">
+            <a:schemeClr val="accent1"/>
+          </a:fillRef>
+          <a:effectRef idx="1">
+            <a:schemeClr val="accent1"/>
+          </a:effectRef>
+          <a:fontRef idx="minor">
+            <a:schemeClr val="tx1"/>
+          </a:fontRef>
+        </p:style>
+      </p:cxnSp>
+      <p:cxnSp>
+        <p:nvCxnSpPr>
+          <p:cNvPr id="18" name="Straight Connector 17"/>
+          <p:cNvCxnSpPr/>
+          <p:nvPr/>
+        </p:nvCxnSpPr>
+        <p:spPr>
+          <a:xfrm>
+            <a:off x="6962227" y="2133600"/>
+            <a:ext cx="0" cy="3966882"/>
+          </a:xfrm>
+          <a:prstGeom prst="line">
+            <a:avLst/>
+          </a:prstGeom>
+          <a:ln w="12700" cmpd="sng">
+            <a:solidFill>
+              <a:schemeClr val="accent1">
+                <a:alpha val="40000"/>
+              </a:schemeClr>
+            </a:solidFill>
+          </a:ln>
+        </p:spPr>
+        <p:style>
+          <a:lnRef idx="2">
+            <a:schemeClr val="accent1"/>
+          </a:lnRef>
+          <a:fillRef idx="0">
+            <a:schemeClr val="accent1"/>
+          </a:fillRef>
+          <a:effectRef idx="1">
+            <a:schemeClr val="accent1"/>
+          </a:effectRef>
+          <a:fontRef idx="minor">
+            <a:schemeClr val="tx1"/>
+          </a:fontRef>
+        </p:style>
+      </p:cxnSp>
+      <p:sp>
+        <p:nvSpPr>
+          <p:cNvPr id="7" name="Date Placeholder 3"/>
+          <p:cNvSpPr>
+            <a:spLocks noGrp="1"/>
+          </p:cNvSpPr>
+          <p:nvPr>
+            <p:ph type="dt" sz="half" idx="10"/>
+          </p:nvPr>
+        </p:nvSpPr>
+        <p:spPr/>
+        <p:txBody>
+          <a:bodyPr/>
+          <a:lstStyle/>
+          <a:p>
+            <a:fld id="{FB546A5E-A556-4419-B2F5-43943CC8FCC0}" type="datetimeFigureOut">
+              <a:rPr lang="fr-FR" smtClean="0"/>
+              <a:t>30/01/2020</a:t>
+            </a:fld>
+            <a:endParaRPr lang="fr-FR"/>
+          </a:p>
+        </p:txBody>
+      </p:sp>
+      <p:sp>
+        <p:nvSpPr>
+          <p:cNvPr id="4" name="Footer Placeholder 4"/>
+          <p:cNvSpPr>
+            <a:spLocks noGrp="1"/>
+          </p:cNvSpPr>
+          <p:nvPr>
+            <p:ph type="ftr" sz="quarter" idx="11"/>
+          </p:nvPr>
+        </p:nvSpPr>
+        <p:spPr/>
+        <p:txBody>
+          <a:bodyPr/>
+          <a:lstStyle/>
+          <a:p>
+            <a:endParaRPr lang="fr-FR"/>
+          </a:p>
+        </p:txBody>
+      </p:sp>
+      <p:sp>
+        <p:nvSpPr>
+          <p:cNvPr id="6" name="Slide Number Placeholder 5"/>
+          <p:cNvSpPr>
+            <a:spLocks noGrp="1"/>
+          </p:cNvSpPr>
+          <p:nvPr>
+            <p:ph type="sldNum" sz="quarter" idx="12"/>
+          </p:nvPr>
+        </p:nvSpPr>
+        <p:spPr/>
+        <p:txBody>
+          <a:bodyPr/>
+          <a:lstStyle/>
+          <a:p>
+            <a:fld id="{968527DC-0E06-4DDC-A259-DCA5405FCE0A}" type="slidenum">
+              <a:rPr lang="fr-FR" smtClean="0"/>
+              <a:t>‹N°›</a:t>
+            </a:fld>
+            <a:endParaRPr lang="fr-FR"/>
+          </a:p>
+        </p:txBody>
+      </p:sp>
+    </p:spTree>
+    <p:extLst>
+      <p:ext uri="{BB962C8B-B14F-4D97-AF65-F5344CB8AC3E}">
+        <p14:creationId xmlns:p14="http://schemas.microsoft.com/office/powerpoint/2010/main" val="3329633529"/>
+      </p:ext>
+    </p:extLst>
+  </p:cSld>
+  <p:clrMapOvr>
+    <a:masterClrMapping/>
+  </p:clrMapOvr>
+</p:sldLayout>
+</file>
+
+<file path=ppt/slideLayouts/slideLayout15.xml><?xml version="1.0" encoding="utf-8"?>
+<p:sldLayout xmlns:a="http://schemas.openxmlformats.org/drawingml/2006/main" xmlns:r="http://schemas.openxmlformats.org/officeDocument/2006/relationships" xmlns:p="http://schemas.openxmlformats.org/presentationml/2006/main" preserve="1">
+  <p:cSld name="3 colonnes d’image">
+    <p:spTree>
+      <p:nvGrpSpPr>
+        <p:cNvPr id="1" name=""/>
+        <p:cNvGrpSpPr/>
+        <p:nvPr/>
+      </p:nvGrpSpPr>
+      <p:grpSpPr>
+        <a:xfrm>
+          <a:off x="0" y="0"/>
+          <a:ext cx="0" cy="0"/>
+          <a:chOff x="0" y="0"/>
+          <a:chExt cx="0" cy="0"/>
+        </a:xfrm>
+      </p:grpSpPr>
+      <p:sp>
+        <p:nvSpPr>
+          <p:cNvPr id="2" name="Title 1"/>
+          <p:cNvSpPr>
+            <a:spLocks noGrp="1"/>
+          </p:cNvSpPr>
+          <p:nvPr>
+            <p:ph type="title"/>
+          </p:nvPr>
+        </p:nvSpPr>
+        <p:spPr/>
+        <p:txBody>
+          <a:bodyPr/>
+          <a:lstStyle>
+            <a:lvl1pPr>
+              <a:defRPr sz="4200"/>
+            </a:lvl1pPr>
+          </a:lstStyle>
+          <a:p>
+            <a:r>
+              <a:rPr lang="fr-FR"/>
+              <a:t>Modifiez le style du titre</a:t>
+            </a:r>
+            <a:endParaRPr lang="en-US" dirty="0"/>
+          </a:p>
+        </p:txBody>
+      </p:sp>
+      <p:sp>
+        <p:nvSpPr>
+          <p:cNvPr id="3" name="Text Placeholder 2"/>
+          <p:cNvSpPr>
+            <a:spLocks noGrp="1"/>
+          </p:cNvSpPr>
+          <p:nvPr>
+            <p:ph type="body" idx="1"/>
+          </p:nvPr>
+        </p:nvSpPr>
+        <p:spPr>
+          <a:xfrm>
+            <a:off x="652463" y="4250949"/>
+            <a:ext cx="2940050" cy="576262"/>
+          </a:xfrm>
+        </p:spPr>
+        <p:txBody>
+          <a:bodyPr anchor="b">
+            <a:noAutofit/>
+          </a:bodyPr>
+          <a:lstStyle>
+            <a:lvl1pPr marL="0" indent="0">
+              <a:buNone/>
+              <a:defRPr sz="2400" b="0">
+                <a:solidFill>
+                  <a:schemeClr val="accent1"/>
+                </a:solidFill>
+              </a:defRPr>
+            </a:lvl1pPr>
+            <a:lvl2pPr marL="457200" indent="0">
+              <a:buNone/>
+              <a:defRPr sz="2000" b="1"/>
+            </a:lvl2pPr>
+            <a:lvl3pPr marL="914400" indent="0">
+              <a:buNone/>
+              <a:defRPr sz="1800" b="1"/>
+            </a:lvl3pPr>
+            <a:lvl4pPr marL="1371600" indent="0">
+              <a:buNone/>
+              <a:defRPr sz="1600" b="1"/>
+            </a:lvl4pPr>
+            <a:lvl5pPr marL="1828800" indent="0">
+              <a:buNone/>
+              <a:defRPr sz="1600" b="1"/>
+            </a:lvl5pPr>
+            <a:lvl6pPr marL="2286000" indent="0">
+              <a:buNone/>
+              <a:defRPr sz="1600" b="1"/>
+            </a:lvl6pPr>
+            <a:lvl7pPr marL="2743200" indent="0">
+              <a:buNone/>
+              <a:defRPr sz="1600" b="1"/>
+            </a:lvl7pPr>
+            <a:lvl8pPr marL="3200400" indent="0">
+              <a:buNone/>
+              <a:defRPr sz="1600" b="1"/>
+            </a:lvl8pPr>
+            <a:lvl9pPr marL="3657600" indent="0">
+              <a:buNone/>
+              <a:defRPr sz="1600" b="1"/>
+            </a:lvl9pPr>
+          </a:lstStyle>
+          <a:p>
+            <a:pPr lvl="0"/>
+            <a:r>
+              <a:rPr lang="fr-FR"/>
+              <a:t>Cliquez pour modifier les styles du texte du masque</a:t>
+            </a:r>
+          </a:p>
+        </p:txBody>
+      </p:sp>
+      <p:sp>
+        <p:nvSpPr>
+          <p:cNvPr id="29" name="Picture Placeholder 2"/>
+          <p:cNvSpPr>
+            <a:spLocks noGrp="1" noChangeAspect="1"/>
+          </p:cNvSpPr>
+          <p:nvPr>
+            <p:ph type="pic" idx="15"/>
+          </p:nvPr>
+        </p:nvSpPr>
+        <p:spPr>
+          <a:xfrm>
+            <a:off x="652463" y="2209800"/>
+            <a:ext cx="2940050" cy="1524000"/>
+          </a:xfrm>
+          <a:prstGeom prst="roundRect">
+            <a:avLst>
+              <a:gd name="adj" fmla="val 1858"/>
+            </a:avLst>
+          </a:prstGeom>
+          <a:effectLst>
+            <a:outerShdw blurRad="50800" dist="50800" dir="5400000" algn="tl" rotWithShape="0">
+              <a:srgbClr val="000000">
+                <a:alpha val="43000"/>
+              </a:srgbClr>
+            </a:outerShdw>
+          </a:effectLst>
+        </p:spPr>
+        <p:txBody>
+          <a:bodyPr anchor="t">
+            <a:normAutofit/>
+          </a:bodyPr>
+          <a:lstStyle>
+            <a:lvl1pPr marL="0" indent="0" algn="ctr">
+              <a:buNone/>
+              <a:defRPr sz="1600"/>
+            </a:lvl1pPr>
+            <a:lvl2pPr marL="457200" indent="0">
+              <a:buNone/>
+              <a:defRPr sz="1600"/>
+            </a:lvl2pPr>
+            <a:lvl3pPr marL="914400" indent="0">
+              <a:buNone/>
+              <a:defRPr sz="1600"/>
+            </a:lvl3pPr>
+            <a:lvl4pPr marL="1371600" indent="0">
+              <a:buNone/>
+              <a:defRPr sz="1600"/>
+            </a:lvl4pPr>
+            <a:lvl5pPr marL="1828800" indent="0">
+              <a:buNone/>
+              <a:defRPr sz="1600"/>
+            </a:lvl5pPr>
+            <a:lvl6pPr marL="2286000" indent="0">
+              <a:buNone/>
+              <a:defRPr sz="1600"/>
+            </a:lvl6pPr>
+            <a:lvl7pPr marL="2743200" indent="0">
+              <a:buNone/>
+              <a:defRPr sz="1600"/>
+            </a:lvl7pPr>
+            <a:lvl8pPr marL="3200400" indent="0">
+              <a:buNone/>
+              <a:defRPr sz="1600"/>
+            </a:lvl8pPr>
+            <a:lvl9pPr marL="3657600" indent="0">
+              <a:buNone/>
+              <a:defRPr sz="1600"/>
+            </a:lvl9pPr>
+          </a:lstStyle>
+          <a:p>
+            <a:r>
+              <a:rPr lang="fr-FR"/>
+              <a:t>Cliquez sur l'icône pour ajouter une image</a:t>
+            </a:r>
+            <a:endParaRPr lang="en-US" dirty="0"/>
+          </a:p>
+        </p:txBody>
+      </p:sp>
+      <p:sp>
+        <p:nvSpPr>
+          <p:cNvPr id="22" name="Text Placeholder 3"/>
+          <p:cNvSpPr>
+            <a:spLocks noGrp="1"/>
+          </p:cNvSpPr>
+          <p:nvPr>
+            <p:ph type="body" sz="half" idx="18"/>
+          </p:nvPr>
+        </p:nvSpPr>
+        <p:spPr>
+          <a:xfrm>
+            <a:off x="652463" y="4827211"/>
+            <a:ext cx="2940050" cy="659189"/>
+          </a:xfrm>
+        </p:spPr>
+        <p:txBody>
+          <a:bodyPr anchor="t">
+            <a:normAutofit/>
+          </a:bodyPr>
+          <a:lstStyle>
+            <a:lvl1pPr marL="0" indent="0">
+              <a:buNone/>
+              <a:defRPr sz="1400"/>
+            </a:lvl1pPr>
+            <a:lvl2pPr marL="457200" indent="0">
+              <a:buNone/>
+              <a:defRPr sz="1200"/>
+            </a:lvl2pPr>
+            <a:lvl3pPr marL="914400" indent="0">
+              <a:buNone/>
+              <a:defRPr sz="1000"/>
+            </a:lvl3pPr>
+            <a:lvl4pPr marL="1371600" indent="0">
+              <a:buNone/>
+              <a:defRPr sz="900"/>
+            </a:lvl4pPr>
+            <a:lvl5pPr marL="1828800" indent="0">
+              <a:buNone/>
+              <a:defRPr sz="900"/>
+            </a:lvl5pPr>
+            <a:lvl6pPr marL="2286000" indent="0">
+              <a:buNone/>
+              <a:defRPr sz="900"/>
+            </a:lvl6pPr>
+            <a:lvl7pPr marL="2743200" indent="0">
+              <a:buNone/>
+              <a:defRPr sz="900"/>
+            </a:lvl7pPr>
+            <a:lvl8pPr marL="3200400" indent="0">
+              <a:buNone/>
+              <a:defRPr sz="900"/>
+            </a:lvl8pPr>
+            <a:lvl9pPr marL="3657600" indent="0">
+              <a:buNone/>
+              <a:defRPr sz="900"/>
+            </a:lvl9pPr>
+          </a:lstStyle>
+          <a:p>
+            <a:pPr lvl="0"/>
+            <a:r>
+              <a:rPr lang="fr-FR"/>
+              <a:t>Cliquez pour modifier les styles du texte du masque</a:t>
+            </a:r>
+          </a:p>
+        </p:txBody>
+      </p:sp>
+      <p:sp>
+        <p:nvSpPr>
+          <p:cNvPr id="5" name="Text Placeholder 4"/>
+          <p:cNvSpPr>
+            <a:spLocks noGrp="1"/>
+          </p:cNvSpPr>
+          <p:nvPr>
+            <p:ph type="body" sz="quarter" idx="3"/>
+          </p:nvPr>
+        </p:nvSpPr>
+        <p:spPr>
+          <a:xfrm>
+            <a:off x="3889375" y="4250949"/>
+            <a:ext cx="2930525" cy="576262"/>
+          </a:xfrm>
+        </p:spPr>
+        <p:txBody>
+          <a:bodyPr anchor="b">
+            <a:noAutofit/>
+          </a:bodyPr>
+          <a:lstStyle>
+            <a:lvl1pPr marL="0" indent="0">
+              <a:buNone/>
+              <a:defRPr sz="2400" b="0">
+                <a:solidFill>
+                  <a:schemeClr val="accent1"/>
+                </a:solidFill>
+              </a:defRPr>
+            </a:lvl1pPr>
+            <a:lvl2pPr marL="457200" indent="0">
+              <a:buNone/>
+              <a:defRPr sz="2000" b="1"/>
+            </a:lvl2pPr>
+            <a:lvl3pPr marL="914400" indent="0">
+              <a:buNone/>
+              <a:defRPr sz="1800" b="1"/>
+            </a:lvl3pPr>
+            <a:lvl4pPr marL="1371600" indent="0">
+              <a:buNone/>
+              <a:defRPr sz="1600" b="1"/>
+            </a:lvl4pPr>
+            <a:lvl5pPr marL="1828800" indent="0">
+              <a:buNone/>
+              <a:defRPr sz="1600" b="1"/>
+            </a:lvl5pPr>
+            <a:lvl6pPr marL="2286000" indent="0">
+              <a:buNone/>
+              <a:defRPr sz="1600" b="1"/>
+            </a:lvl6pPr>
+            <a:lvl7pPr marL="2743200" indent="0">
+              <a:buNone/>
+              <a:defRPr sz="1600" b="1"/>
+            </a:lvl7pPr>
+            <a:lvl8pPr marL="3200400" indent="0">
+              <a:buNone/>
+              <a:defRPr sz="1600" b="1"/>
+            </a:lvl8pPr>
+            <a:lvl9pPr marL="3657600" indent="0">
+              <a:buNone/>
+              <a:defRPr sz="1600" b="1"/>
+            </a:lvl9pPr>
+          </a:lstStyle>
+          <a:p>
+            <a:pPr lvl="0"/>
+            <a:r>
+              <a:rPr lang="fr-FR"/>
+              <a:t>Cliquez pour modifier les styles du texte du masque</a:t>
+            </a:r>
+          </a:p>
+        </p:txBody>
+      </p:sp>
+      <p:sp>
+        <p:nvSpPr>
+          <p:cNvPr id="30" name="Picture Placeholder 2"/>
+          <p:cNvSpPr>
+            <a:spLocks noGrp="1" noChangeAspect="1"/>
+          </p:cNvSpPr>
+          <p:nvPr>
+            <p:ph type="pic" idx="21"/>
+          </p:nvPr>
+        </p:nvSpPr>
+        <p:spPr>
+          <a:xfrm>
+            <a:off x="3889374" y="2209800"/>
+            <a:ext cx="2930525" cy="1524000"/>
+          </a:xfrm>
+          <a:prstGeom prst="roundRect">
+            <a:avLst>
+              <a:gd name="adj" fmla="val 1858"/>
+            </a:avLst>
+          </a:prstGeom>
+          <a:effectLst>
+            <a:outerShdw blurRad="50800" dist="50800" dir="5400000" algn="tl" rotWithShape="0">
+              <a:srgbClr val="000000">
+                <a:alpha val="43000"/>
+              </a:srgbClr>
+            </a:outerShdw>
+          </a:effectLst>
+        </p:spPr>
+        <p:txBody>
+          <a:bodyPr anchor="t">
+            <a:normAutofit/>
+          </a:bodyPr>
+          <a:lstStyle>
+            <a:lvl1pPr marL="0" indent="0" algn="ctr">
+              <a:buNone/>
+              <a:defRPr sz="1600"/>
+            </a:lvl1pPr>
+            <a:lvl2pPr marL="457200" indent="0">
+              <a:buNone/>
+              <a:defRPr sz="1600"/>
+            </a:lvl2pPr>
+            <a:lvl3pPr marL="914400" indent="0">
+              <a:buNone/>
+              <a:defRPr sz="1600"/>
+            </a:lvl3pPr>
+            <a:lvl4pPr marL="1371600" indent="0">
+              <a:buNone/>
+              <a:defRPr sz="1600"/>
+            </a:lvl4pPr>
+            <a:lvl5pPr marL="1828800" indent="0">
+              <a:buNone/>
+              <a:defRPr sz="1600"/>
+            </a:lvl5pPr>
+            <a:lvl6pPr marL="2286000" indent="0">
+              <a:buNone/>
+              <a:defRPr sz="1600"/>
+            </a:lvl6pPr>
+            <a:lvl7pPr marL="2743200" indent="0">
+              <a:buNone/>
+              <a:defRPr sz="1600"/>
+            </a:lvl7pPr>
+            <a:lvl8pPr marL="3200400" indent="0">
+              <a:buNone/>
+              <a:defRPr sz="1600"/>
+            </a:lvl8pPr>
+            <a:lvl9pPr marL="3657600" indent="0">
+              <a:buNone/>
+              <a:defRPr sz="1600"/>
+            </a:lvl9pPr>
+          </a:lstStyle>
+          <a:p>
+            <a:r>
+              <a:rPr lang="fr-FR"/>
+              <a:t>Cliquez sur l'icône pour ajouter une image</a:t>
+            </a:r>
+            <a:endParaRPr lang="en-US" dirty="0"/>
+          </a:p>
+        </p:txBody>
+      </p:sp>
+      <p:sp>
+        <p:nvSpPr>
+          <p:cNvPr id="23" name="Text Placeholder 3"/>
+          <p:cNvSpPr>
+            <a:spLocks noGrp="1"/>
+          </p:cNvSpPr>
+          <p:nvPr>
+            <p:ph type="body" sz="half" idx="19"/>
+          </p:nvPr>
+        </p:nvSpPr>
+        <p:spPr>
+          <a:xfrm>
+            <a:off x="3888022" y="4827210"/>
+            <a:ext cx="2934406" cy="659189"/>
+          </a:xfrm>
+        </p:spPr>
+        <p:txBody>
+          <a:bodyPr anchor="t">
+            <a:normAutofit/>
+          </a:bodyPr>
+          <a:lstStyle>
+            <a:lvl1pPr marL="0" indent="0">
+              <a:buNone/>
+              <a:defRPr sz="1400"/>
+            </a:lvl1pPr>
+            <a:lvl2pPr marL="457200" indent="0">
+              <a:buNone/>
+              <a:defRPr sz="1200"/>
+            </a:lvl2pPr>
+            <a:lvl3pPr marL="914400" indent="0">
+              <a:buNone/>
+              <a:defRPr sz="1000"/>
+            </a:lvl3pPr>
+            <a:lvl4pPr marL="1371600" indent="0">
+              <a:buNone/>
+              <a:defRPr sz="900"/>
+            </a:lvl4pPr>
+            <a:lvl5pPr marL="1828800" indent="0">
+              <a:buNone/>
+              <a:defRPr sz="900"/>
+            </a:lvl5pPr>
+            <a:lvl6pPr marL="2286000" indent="0">
+              <a:buNone/>
+              <a:defRPr sz="900"/>
+            </a:lvl6pPr>
+            <a:lvl7pPr marL="2743200" indent="0">
+              <a:buNone/>
+              <a:defRPr sz="900"/>
+            </a:lvl7pPr>
+            <a:lvl8pPr marL="3200400" indent="0">
+              <a:buNone/>
+              <a:defRPr sz="900"/>
+            </a:lvl8pPr>
+            <a:lvl9pPr marL="3657600" indent="0">
+              <a:buNone/>
+              <a:defRPr sz="900"/>
+            </a:lvl9pPr>
+          </a:lstStyle>
+          <a:p>
+            <a:pPr lvl="0"/>
+            <a:r>
+              <a:rPr lang="fr-FR"/>
+              <a:t>Cliquez pour modifier les styles du texte du masque</a:t>
+            </a:r>
+          </a:p>
+        </p:txBody>
+      </p:sp>
+      <p:sp>
+        <p:nvSpPr>
+          <p:cNvPr id="14" name="Text Placeholder 4"/>
+          <p:cNvSpPr>
+            <a:spLocks noGrp="1"/>
+          </p:cNvSpPr>
+          <p:nvPr>
+            <p:ph type="body" sz="quarter" idx="13"/>
+          </p:nvPr>
+        </p:nvSpPr>
+        <p:spPr>
+          <a:xfrm>
+            <a:off x="7124700" y="4250949"/>
+            <a:ext cx="2932113" cy="576262"/>
+          </a:xfrm>
+        </p:spPr>
+        <p:txBody>
+          <a:bodyPr anchor="b">
+            <a:noAutofit/>
+          </a:bodyPr>
+          <a:lstStyle>
+            <a:lvl1pPr marL="0" indent="0">
+              <a:buNone/>
+              <a:defRPr sz="2400" b="0">
+                <a:solidFill>
+                  <a:schemeClr val="accent1"/>
+                </a:solidFill>
+              </a:defRPr>
+            </a:lvl1pPr>
+            <a:lvl2pPr marL="457200" indent="0">
+              <a:buNone/>
+              <a:defRPr sz="2000" b="1"/>
+            </a:lvl2pPr>
+            <a:lvl3pPr marL="914400" indent="0">
+              <a:buNone/>
+              <a:defRPr sz="1800" b="1"/>
+            </a:lvl3pPr>
+            <a:lvl4pPr marL="1371600" indent="0">
+              <a:buNone/>
+              <a:defRPr sz="1600" b="1"/>
+            </a:lvl4pPr>
+            <a:lvl5pPr marL="1828800" indent="0">
+              <a:buNone/>
+              <a:defRPr sz="1600" b="1"/>
+            </a:lvl5pPr>
+            <a:lvl6pPr marL="2286000" indent="0">
+              <a:buNone/>
+              <a:defRPr sz="1600" b="1"/>
+            </a:lvl6pPr>
+            <a:lvl7pPr marL="2743200" indent="0">
+              <a:buNone/>
+              <a:defRPr sz="1600" b="1"/>
+            </a:lvl7pPr>
+            <a:lvl8pPr marL="3200400" indent="0">
+              <a:buNone/>
+              <a:defRPr sz="1600" b="1"/>
+            </a:lvl8pPr>
+            <a:lvl9pPr marL="3657600" indent="0">
+              <a:buNone/>
+              <a:defRPr sz="1600" b="1"/>
+            </a:lvl9pPr>
+          </a:lstStyle>
+          <a:p>
+            <a:pPr lvl="0"/>
+            <a:r>
+              <a:rPr lang="fr-FR"/>
+              <a:t>Cliquez pour modifier les styles du texte du masque</a:t>
+            </a:r>
+          </a:p>
+        </p:txBody>
+      </p:sp>
+      <p:sp>
+        <p:nvSpPr>
+          <p:cNvPr id="31" name="Picture Placeholder 2"/>
+          <p:cNvSpPr>
+            <a:spLocks noGrp="1" noChangeAspect="1"/>
+          </p:cNvSpPr>
+          <p:nvPr>
+            <p:ph type="pic" idx="22"/>
+          </p:nvPr>
+        </p:nvSpPr>
+        <p:spPr>
+          <a:xfrm>
+            <a:off x="7124699" y="2209800"/>
+            <a:ext cx="2932113" cy="1524000"/>
+          </a:xfrm>
+          <a:prstGeom prst="roundRect">
+            <a:avLst>
+              <a:gd name="adj" fmla="val 1858"/>
+            </a:avLst>
+          </a:prstGeom>
+          <a:effectLst>
+            <a:outerShdw blurRad="50800" dist="50800" dir="5400000" algn="tl" rotWithShape="0">
+              <a:srgbClr val="000000">
+                <a:alpha val="43000"/>
+              </a:srgbClr>
+            </a:outerShdw>
+          </a:effectLst>
+        </p:spPr>
+        <p:txBody>
+          <a:bodyPr anchor="t">
+            <a:normAutofit/>
+          </a:bodyPr>
+          <a:lstStyle>
+            <a:lvl1pPr marL="0" indent="0" algn="ctr">
+              <a:buNone/>
+              <a:defRPr sz="1600"/>
+            </a:lvl1pPr>
+            <a:lvl2pPr marL="457200" indent="0">
+              <a:buNone/>
+              <a:defRPr sz="1600"/>
+            </a:lvl2pPr>
+            <a:lvl3pPr marL="914400" indent="0">
+              <a:buNone/>
+              <a:defRPr sz="1600"/>
+            </a:lvl3pPr>
+            <a:lvl4pPr marL="1371600" indent="0">
+              <a:buNone/>
+              <a:defRPr sz="1600"/>
+            </a:lvl4pPr>
+            <a:lvl5pPr marL="1828800" indent="0">
+              <a:buNone/>
+              <a:defRPr sz="1600"/>
+            </a:lvl5pPr>
+            <a:lvl6pPr marL="2286000" indent="0">
+              <a:buNone/>
+              <a:defRPr sz="1600"/>
+            </a:lvl6pPr>
+            <a:lvl7pPr marL="2743200" indent="0">
+              <a:buNone/>
+              <a:defRPr sz="1600"/>
+            </a:lvl7pPr>
+            <a:lvl8pPr marL="3200400" indent="0">
+              <a:buNone/>
+              <a:defRPr sz="1600"/>
+            </a:lvl8pPr>
+            <a:lvl9pPr marL="3657600" indent="0">
+              <a:buNone/>
+              <a:defRPr sz="1600"/>
+            </a:lvl9pPr>
+          </a:lstStyle>
+          <a:p>
+            <a:r>
+              <a:rPr lang="fr-FR"/>
+              <a:t>Cliquez sur l'icône pour ajouter une image</a:t>
+            </a:r>
+            <a:endParaRPr lang="en-US" dirty="0"/>
+          </a:p>
+        </p:txBody>
+      </p:sp>
+      <p:sp>
+        <p:nvSpPr>
+          <p:cNvPr id="24" name="Text Placeholder 3"/>
+          <p:cNvSpPr>
+            <a:spLocks noGrp="1"/>
+          </p:cNvSpPr>
+          <p:nvPr>
+            <p:ph type="body" sz="half" idx="20"/>
+          </p:nvPr>
+        </p:nvSpPr>
+        <p:spPr>
+          <a:xfrm>
+            <a:off x="7124575" y="4827208"/>
+            <a:ext cx="2935997" cy="659189"/>
+          </a:xfrm>
+        </p:spPr>
+        <p:txBody>
+          <a:bodyPr anchor="t">
+            <a:normAutofit/>
+          </a:bodyPr>
+          <a:lstStyle>
+            <a:lvl1pPr marL="0" indent="0">
+              <a:buNone/>
+              <a:defRPr sz="1400"/>
+            </a:lvl1pPr>
+            <a:lvl2pPr marL="457200" indent="0">
+              <a:buNone/>
+              <a:defRPr sz="1200"/>
+            </a:lvl2pPr>
+            <a:lvl3pPr marL="914400" indent="0">
+              <a:buNone/>
+              <a:defRPr sz="1000"/>
+            </a:lvl3pPr>
+            <a:lvl4pPr marL="1371600" indent="0">
+              <a:buNone/>
+              <a:defRPr sz="900"/>
+            </a:lvl4pPr>
+            <a:lvl5pPr marL="1828800" indent="0">
+              <a:buNone/>
+              <a:defRPr sz="900"/>
+            </a:lvl5pPr>
+            <a:lvl6pPr marL="2286000" indent="0">
+              <a:buNone/>
+              <a:defRPr sz="900"/>
+            </a:lvl6pPr>
+            <a:lvl7pPr marL="2743200" indent="0">
+              <a:buNone/>
+              <a:defRPr sz="900"/>
+            </a:lvl7pPr>
+            <a:lvl8pPr marL="3200400" indent="0">
+              <a:buNone/>
+              <a:defRPr sz="900"/>
+            </a:lvl8pPr>
+            <a:lvl9pPr marL="3657600" indent="0">
+              <a:buNone/>
+              <a:defRPr sz="900"/>
+            </a:lvl9pPr>
+          </a:lstStyle>
+          <a:p>
+            <a:pPr lvl="0"/>
+            <a:r>
+              <a:rPr lang="fr-FR"/>
+              <a:t>Cliquez pour modifier les styles du texte du masque</a:t>
+            </a:r>
+          </a:p>
+        </p:txBody>
+      </p:sp>
+      <p:cxnSp>
+        <p:nvCxnSpPr>
+          <p:cNvPr id="17" name="Straight Connector 16"/>
+          <p:cNvCxnSpPr/>
+          <p:nvPr/>
+        </p:nvCxnSpPr>
+        <p:spPr>
+          <a:xfrm>
+            <a:off x="3726142" y="2133600"/>
+            <a:ext cx="0" cy="3962400"/>
+          </a:xfrm>
+          <a:prstGeom prst="line">
+            <a:avLst/>
+          </a:prstGeom>
+          <a:ln w="12700" cmpd="sng">
+            <a:solidFill>
+              <a:schemeClr val="accent1">
+                <a:alpha val="40000"/>
+              </a:schemeClr>
+            </a:solidFill>
+          </a:ln>
+        </p:spPr>
+        <p:style>
+          <a:lnRef idx="2">
+            <a:schemeClr val="accent1"/>
+          </a:lnRef>
+          <a:fillRef idx="0">
+            <a:schemeClr val="accent1"/>
+          </a:fillRef>
+          <a:effectRef idx="1">
+            <a:schemeClr val="accent1"/>
+          </a:effectRef>
+          <a:fontRef idx="minor">
+            <a:schemeClr val="tx1"/>
+          </a:fontRef>
+        </p:style>
+      </p:cxnSp>
+      <p:cxnSp>
+        <p:nvCxnSpPr>
+          <p:cNvPr id="18" name="Straight Connector 17"/>
+          <p:cNvCxnSpPr/>
+          <p:nvPr/>
+        </p:nvCxnSpPr>
+        <p:spPr>
+          <a:xfrm>
+            <a:off x="6962227" y="2133600"/>
+            <a:ext cx="0" cy="3966882"/>
+          </a:xfrm>
+          <a:prstGeom prst="line">
+            <a:avLst/>
+          </a:prstGeom>
+          <a:ln w="12700" cmpd="sng">
+            <a:solidFill>
+              <a:schemeClr val="accent1">
+                <a:alpha val="40000"/>
+              </a:schemeClr>
+            </a:solidFill>
+          </a:ln>
+        </p:spPr>
+        <p:style>
+          <a:lnRef idx="2">
+            <a:schemeClr val="accent1"/>
+          </a:lnRef>
+          <a:fillRef idx="0">
+            <a:schemeClr val="accent1"/>
+          </a:fillRef>
+          <a:effectRef idx="1">
+            <a:schemeClr val="accent1"/>
+          </a:effectRef>
+          <a:fontRef idx="minor">
+            <a:schemeClr val="tx1"/>
+          </a:fontRef>
+        </p:style>
+      </p:cxnSp>
+      <p:sp>
+        <p:nvSpPr>
+          <p:cNvPr id="7" name="Date Placeholder 3"/>
+          <p:cNvSpPr>
+            <a:spLocks noGrp="1"/>
+          </p:cNvSpPr>
+          <p:nvPr>
+            <p:ph type="dt" sz="half" idx="10"/>
+          </p:nvPr>
+        </p:nvSpPr>
+        <p:spPr/>
+        <p:txBody>
+          <a:bodyPr/>
+          <a:lstStyle/>
+          <a:p>
+            <a:fld id="{FB546A5E-A556-4419-B2F5-43943CC8FCC0}" type="datetimeFigureOut">
+              <a:rPr lang="fr-FR" smtClean="0"/>
+              <a:t>30/01/2020</a:t>
+            </a:fld>
+            <a:endParaRPr lang="fr-FR"/>
+          </a:p>
+        </p:txBody>
+      </p:sp>
+      <p:sp>
+        <p:nvSpPr>
+          <p:cNvPr id="4" name="Footer Placeholder 4"/>
+          <p:cNvSpPr>
+            <a:spLocks noGrp="1"/>
+          </p:cNvSpPr>
+          <p:nvPr>
+            <p:ph type="ftr" sz="quarter" idx="11"/>
+          </p:nvPr>
+        </p:nvSpPr>
+        <p:spPr/>
+        <p:txBody>
+          <a:bodyPr/>
+          <a:lstStyle/>
+          <a:p>
+            <a:endParaRPr lang="fr-FR"/>
+          </a:p>
+        </p:txBody>
+      </p:sp>
+      <p:sp>
+        <p:nvSpPr>
+          <p:cNvPr id="6" name="Slide Number Placeholder 5"/>
+          <p:cNvSpPr>
+            <a:spLocks noGrp="1"/>
+          </p:cNvSpPr>
+          <p:nvPr>
+            <p:ph type="sldNum" sz="quarter" idx="12"/>
+          </p:nvPr>
+        </p:nvSpPr>
+        <p:spPr/>
+        <p:txBody>
+          <a:bodyPr/>
+          <a:lstStyle/>
+          <a:p>
+            <a:fld id="{968527DC-0E06-4DDC-A259-DCA5405FCE0A}" type="slidenum">
+              <a:rPr lang="fr-FR" smtClean="0"/>
+              <a:t>‹N°›</a:t>
+            </a:fld>
+            <a:endParaRPr lang="fr-FR"/>
+          </a:p>
+        </p:txBody>
+      </p:sp>
+    </p:spTree>
+    <p:extLst>
+      <p:ext uri="{BB962C8B-B14F-4D97-AF65-F5344CB8AC3E}">
+        <p14:creationId xmlns:p14="http://schemas.microsoft.com/office/powerpoint/2010/main" val="1877707302"/>
+      </p:ext>
+    </p:extLst>
+  </p:cSld>
+  <p:clrMapOvr>
+    <a:masterClrMapping/>
+  </p:clrMapOvr>
+</p:sldLayout>
+</file>
+
+<file path=ppt/slideLayouts/slideLayout16.xml><?xml version="1.0" encoding="utf-8"?>
 <p:sldLayout xmlns:a="http://schemas.openxmlformats.org/drawingml/2006/main" xmlns:r="http://schemas.openxmlformats.org/officeDocument/2006/relationships" xmlns:p="http://schemas.openxmlformats.org/presentationml/2006/main" type="vertTx" preserve="1">
   <p:cSld name="Titre et texte vertical">
     <p:spTree>
@@ -535,7 +3284,7 @@
           <a:lstStyle/>
           <a:p>
             <a:r>
-              <a:rPr lang="fr-FR" smtClean="0"/>
+              <a:rPr lang="fr-FR"/>
               <a:t>Modifiez le style du titre</a:t>
             </a:r>
             <a:endParaRPr lang="en-US" dirty="0"/>
@@ -552,47 +3301,42 @@
             <p:ph type="body" orient="vert" idx="1"/>
           </p:nvPr>
         </p:nvSpPr>
-        <p:spPr>
-          <a:xfrm>
-            <a:off x="1371600" y="2295525"/>
-            <a:ext cx="9601200" cy="3571875"/>
-          </a:xfrm>
-        </p:spPr>
-        <p:txBody>
-          <a:bodyPr vert="eaVert"/>
+        <p:spPr/>
+        <p:txBody>
+          <a:bodyPr vert="eaVert" anchor="t" anchorCtr="0"/>
           <a:lstStyle/>
           <a:p>
             <a:pPr lvl="0"/>
             <a:r>
-              <a:rPr lang="fr-FR" smtClean="0"/>
-              <a:t>Modifier les styles du texte du masque</a:t>
+              <a:rPr lang="fr-FR"/>
+              <a:t>Cliquez pour modifier les styles du texte du masque</a:t>
             </a:r>
           </a:p>
           <a:p>
             <a:pPr lvl="1"/>
             <a:r>
-              <a:rPr lang="fr-FR" smtClean="0"/>
+              <a:rPr lang="fr-FR"/>
               <a:t>Deuxième niveau</a:t>
             </a:r>
           </a:p>
           <a:p>
             <a:pPr lvl="2"/>
             <a:r>
-              <a:rPr lang="fr-FR" smtClean="0"/>
+              <a:rPr lang="fr-FR"/>
               <a:t>Troisième niveau</a:t>
             </a:r>
           </a:p>
           <a:p>
             <a:pPr lvl="3"/>
             <a:r>
-              <a:rPr lang="fr-FR" smtClean="0"/>
+              <a:rPr lang="fr-FR"/>
               <a:t>Quatrième niveau</a:t>
             </a:r>
           </a:p>
           <a:p>
             <a:pPr lvl="4"/>
             <a:r>
-              <a:rPr lang="fr-FR" smtClean="0"/>
+              <a:rPr lang="fr-FR"/>
               <a:t>Cinquième niveau</a:t>
             </a:r>
             <a:endParaRPr lang="en-US" dirty="0"/>
@@ -616,7 +3360,7 @@
           <a:p>
             <a:fld id="{FB546A5E-A556-4419-B2F5-43943CC8FCC0}" type="datetimeFigureOut">
               <a:rPr lang="fr-FR" smtClean="0"/>
-              <a:t>29/01/2020</a:t>
+              <a:t>30/01/2020</a:t>
             </a:fld>
             <a:endParaRPr lang="fr-FR"/>
           </a:p>
@@ -667,7 +3411,7 @@
     </p:spTree>
     <p:extLst>
       <p:ext uri="{BB962C8B-B14F-4D97-AF65-F5344CB8AC3E}">
-        <p14:creationId xmlns:p14="http://schemas.microsoft.com/office/powerpoint/2010/main" val="233902163"/>
+        <p14:creationId xmlns:p14="http://schemas.microsoft.com/office/powerpoint/2010/main" val="2125195899"/>
       </p:ext>
     </p:extLst>
   </p:cSld>
@@ -677,7 +3421,7 @@
 </p:sldLayout>
 </file>
 
-<file path=ppt/slideLayouts/slideLayout11.xml><?xml version="1.0" encoding="utf-8"?>
+<file path=ppt/slideLayouts/slideLayout17.xml><?xml version="1.0" encoding="utf-8"?>
 <p:sldLayout xmlns:a="http://schemas.openxmlformats.org/drawingml/2006/main" xmlns:r="http://schemas.openxmlformats.org/officeDocument/2006/relationships" xmlns:p="http://schemas.openxmlformats.org/presentationml/2006/main" type="vertTitleAndTx" preserve="1">
   <p:cSld name="Titre vertical et texte">
     <p:spTree>
@@ -706,73 +3450,73 @@
         </p:nvSpPr>
         <p:spPr>
           <a:xfrm>
-            <a:off x="9596561" y="624156"/>
-            <a:ext cx="1565766" cy="5243244"/>
+            <a:off x="8304212" y="430213"/>
+            <a:ext cx="1752601" cy="5826125"/>
+          </a:xfrm>
+        </p:spPr>
+        <p:txBody>
+          <a:bodyPr vert="eaVert" anchor="b" anchorCtr="0"/>
+          <a:lstStyle/>
+          <a:p>
+            <a:r>
+              <a:rPr lang="fr-FR"/>
+              <a:t>Modifiez le style du titre</a:t>
+            </a:r>
+            <a:endParaRPr lang="en-US" dirty="0"/>
+          </a:p>
+        </p:txBody>
+      </p:sp>
+      <p:sp>
+        <p:nvSpPr>
+          <p:cNvPr id="3" name="Vertical Text Placeholder 2"/>
+          <p:cNvSpPr>
+            <a:spLocks noGrp="1"/>
+          </p:cNvSpPr>
+          <p:nvPr>
+            <p:ph type="body" orient="vert" idx="1"/>
+          </p:nvPr>
+        </p:nvSpPr>
+        <p:spPr>
+          <a:xfrm>
+            <a:off x="652463" y="887414"/>
+            <a:ext cx="7423149" cy="5368924"/>
           </a:xfrm>
         </p:spPr>
         <p:txBody>
           <a:bodyPr vert="eaVert"/>
           <a:lstStyle/>
           <a:p>
-            <a:r>
-              <a:rPr lang="fr-FR" smtClean="0"/>
-              <a:t>Modifiez le style du titre</a:t>
-            </a:r>
-            <a:endParaRPr lang="en-US" dirty="0"/>
-          </a:p>
-        </p:txBody>
-      </p:sp>
-      <p:sp>
-        <p:nvSpPr>
-          <p:cNvPr id="3" name="Vertical Text Placeholder 2"/>
-          <p:cNvSpPr>
-            <a:spLocks noGrp="1"/>
-          </p:cNvSpPr>
-          <p:nvPr>
-            <p:ph type="body" orient="vert" idx="1"/>
-          </p:nvPr>
-        </p:nvSpPr>
-        <p:spPr>
-          <a:xfrm>
-            <a:off x="1371600" y="624156"/>
-            <a:ext cx="8179641" cy="5243244"/>
-          </a:xfrm>
-        </p:spPr>
-        <p:txBody>
-          <a:bodyPr vert="eaVert"/>
-          <a:lstStyle/>
-          <a:p>
             <a:pPr lvl="0"/>
             <a:r>
-              <a:rPr lang="fr-FR" smtClean="0"/>
-              <a:t>Modifier les styles du texte du masque</a:t>
+              <a:rPr lang="fr-FR"/>
+              <a:t>Cliquez pour modifier les styles du texte du masque</a:t>
             </a:r>
           </a:p>
           <a:p>
             <a:pPr lvl="1"/>
             <a:r>
-              <a:rPr lang="fr-FR" smtClean="0"/>
+              <a:rPr lang="fr-FR"/>
               <a:t>Deuxième niveau</a:t>
             </a:r>
           </a:p>
           <a:p>
             <a:pPr lvl="2"/>
             <a:r>
-              <a:rPr lang="fr-FR" smtClean="0"/>
+              <a:rPr lang="fr-FR"/>
               <a:t>Troisième niveau</a:t>
             </a:r>
           </a:p>
           <a:p>
             <a:pPr lvl="3"/>
             <a:r>
-              <a:rPr lang="fr-FR" smtClean="0"/>
+              <a:rPr lang="fr-FR"/>
               <a:t>Quatrième niveau</a:t>
             </a:r>
           </a:p>
           <a:p>
             <a:pPr lvl="4"/>
             <a:r>
-              <a:rPr lang="fr-FR" smtClean="0"/>
+              <a:rPr lang="fr-FR"/>
               <a:t>Cinquième niveau</a:t>
             </a:r>
             <a:endParaRPr lang="en-US" dirty="0"/>
@@ -796,7 +3540,7 @@
           <a:p>
             <a:fld id="{FB546A5E-A556-4419-B2F5-43943CC8FCC0}" type="datetimeFigureOut">
               <a:rPr lang="fr-FR" smtClean="0"/>
-              <a:t>29/01/2020</a:t>
+              <a:t>30/01/2020</a:t>
             </a:fld>
             <a:endParaRPr lang="fr-FR"/>
           </a:p>
@@ -847,7 +3591,7 @@
     </p:spTree>
     <p:extLst>
       <p:ext uri="{BB962C8B-B14F-4D97-AF65-F5344CB8AC3E}">
-        <p14:creationId xmlns:p14="http://schemas.microsoft.com/office/powerpoint/2010/main" val="2558098305"/>
+        <p14:creationId xmlns:p14="http://schemas.microsoft.com/office/powerpoint/2010/main" val="4287159788"/>
       </p:ext>
     </p:extLst>
   </p:cSld>
@@ -890,7 +3634,7 @@
           <a:lstStyle/>
           <a:p>
             <a:r>
-              <a:rPr lang="fr-FR" smtClean="0"/>
+              <a:rPr lang="fr-FR"/>
               <a:t>Modifiez le style du titre</a:t>
             </a:r>
             <a:endParaRPr lang="en-US" dirty="0"/>
@@ -914,35 +3658,35 @@
           <a:p>
             <a:pPr lvl="0"/>
             <a:r>
-              <a:rPr lang="fr-FR" smtClean="0"/>
-              <a:t>Modifier les styles du texte du masque</a:t>
+              <a:rPr lang="fr-FR"/>
+              <a:t>Cliquez pour modifier les styles du texte du masque</a:t>
             </a:r>
           </a:p>
           <a:p>
             <a:pPr lvl="1"/>
             <a:r>
-              <a:rPr lang="fr-FR" smtClean="0"/>
+              <a:rPr lang="fr-FR"/>
               <a:t>Deuxième niveau</a:t>
             </a:r>
           </a:p>
           <a:p>
             <a:pPr lvl="2"/>
             <a:r>
-              <a:rPr lang="fr-FR" smtClean="0"/>
+              <a:rPr lang="fr-FR"/>
               <a:t>Troisième niveau</a:t>
             </a:r>
           </a:p>
           <a:p>
             <a:pPr lvl="3"/>
             <a:r>
-              <a:rPr lang="fr-FR" smtClean="0"/>
+              <a:rPr lang="fr-FR"/>
               <a:t>Quatrième niveau</a:t>
             </a:r>
           </a:p>
           <a:p>
             <a:pPr lvl="4"/>
             <a:r>
-              <a:rPr lang="fr-FR" smtClean="0"/>
+              <a:rPr lang="fr-FR"/>
               <a:t>Cinquième niveau</a:t>
             </a:r>
             <a:endParaRPr lang="en-US" dirty="0"/>
@@ -966,7 +3710,7 @@
           <a:p>
             <a:fld id="{FB546A5E-A556-4419-B2F5-43943CC8FCC0}" type="datetimeFigureOut">
               <a:rPr lang="fr-FR" smtClean="0"/>
-              <a:t>29/01/2020</a:t>
+              <a:t>30/01/2020</a:t>
             </a:fld>
             <a:endParaRPr lang="fr-FR"/>
           </a:p>
@@ -1017,7 +3761,7 @@
     </p:spTree>
     <p:extLst>
       <p:ext uri="{BB962C8B-B14F-4D97-AF65-F5344CB8AC3E}">
-        <p14:creationId xmlns:p14="http://schemas.microsoft.com/office/powerpoint/2010/main" val="3287347149"/>
+        <p14:creationId xmlns:p14="http://schemas.microsoft.com/office/powerpoint/2010/main" val="4049385944"/>
       </p:ext>
     </p:extLst>
   </p:cSld>
@@ -1028,13 +3772,8 @@
 </file>
 
 <file path=ppt/slideLayouts/slideLayout3.xml><?xml version="1.0" encoding="utf-8"?>
-<p:sldLayout xmlns:a="http://schemas.openxmlformats.org/drawingml/2006/main" xmlns:r="http://schemas.openxmlformats.org/officeDocument/2006/relationships" xmlns:p="http://schemas.openxmlformats.org/presentationml/2006/main" showMasterSp="0" type="secHead" preserve="1">
+<p:sldLayout xmlns:a="http://schemas.openxmlformats.org/drawingml/2006/main" xmlns:r="http://schemas.openxmlformats.org/officeDocument/2006/relationships" xmlns:p="http://schemas.openxmlformats.org/presentationml/2006/main" type="secHead" preserve="1">
   <p:cSld name="Titre de section">
-    <p:bg>
-      <p:bgRef idx="1001">
-        <a:schemeClr val="bg2"/>
-      </p:bgRef>
-    </p:bg>
     <p:spTree>
       <p:nvGrpSpPr>
         <p:cNvPr id="1" name=""/>
@@ -1061,26 +3800,20 @@
         </p:nvSpPr>
         <p:spPr>
           <a:xfrm>
-            <a:off x="765025" y="1301360"/>
-            <a:ext cx="9612971" cy="2852737"/>
-          </a:xfrm>
-        </p:spPr>
-        <p:txBody>
-          <a:bodyPr anchor="b">
-            <a:normAutofit/>
-          </a:bodyPr>
+            <a:off x="1154956" y="2861733"/>
+            <a:ext cx="8825657" cy="1915647"/>
+          </a:xfrm>
+        </p:spPr>
+        <p:txBody>
+          <a:bodyPr anchor="b"/>
           <a:lstStyle>
-            <a:lvl1pPr algn="r">
-              <a:defRPr sz="7200" cap="all" baseline="0">
-                <a:solidFill>
-                  <a:schemeClr val="tx2"/>
-                </a:solidFill>
-              </a:defRPr>
+            <a:lvl1pPr algn="l">
+              <a:defRPr sz="4000" b="0" cap="none"/>
             </a:lvl1pPr>
           </a:lstStyle>
           <a:p>
             <a:r>
-              <a:rPr lang="fr-FR" smtClean="0"/>
+              <a:rPr lang="fr-FR"/>
               <a:t>Modifiez le style du titre</a:t>
             </a:r>
             <a:endParaRPr lang="en-US" dirty="0"/>
@@ -1099,33 +3832,24 @@
         </p:nvSpPr>
         <p:spPr>
           <a:xfrm>
-            <a:off x="765025" y="4216328"/>
-            <a:ext cx="9612971" cy="1143324"/>
-          </a:xfrm>
-        </p:spPr>
-        <p:txBody>
-          <a:bodyPr/>
+            <a:off x="1154955" y="4777381"/>
+            <a:ext cx="8825658" cy="860400"/>
+          </a:xfrm>
+        </p:spPr>
+        <p:txBody>
+          <a:bodyPr anchor="t"/>
           <a:lstStyle>
-            <a:lvl1pPr marL="0" indent="0" algn="r">
-              <a:lnSpc>
-                <a:spcPct val="112000"/>
-              </a:lnSpc>
-              <a:spcBef>
-                <a:spcPts val="0"/>
-              </a:spcBef>
-              <a:spcAft>
-                <a:spcPts val="0"/>
-              </a:spcAft>
-              <a:buNone/>
-              <a:defRPr sz="2400">
+            <a:lvl1pPr marL="0" indent="0" algn="l">
+              <a:buNone/>
+              <a:defRPr sz="2000" cap="all">
                 <a:solidFill>
-                  <a:schemeClr val="tx2"/>
+                  <a:schemeClr val="accent1"/>
                 </a:solidFill>
               </a:defRPr>
             </a:lvl1pPr>
             <a:lvl2pPr marL="457200" indent="0">
               <a:buNone/>
-              <a:defRPr sz="2000">
+              <a:defRPr sz="1800">
                 <a:solidFill>
                   <a:schemeClr val="tx1">
                     <a:tint val="75000"/>
@@ -1135,7 +3859,7 @@
             </a:lvl2pPr>
             <a:lvl3pPr marL="914400" indent="0">
               <a:buNone/>
-              <a:defRPr sz="1800">
+              <a:defRPr sz="1600">
                 <a:solidFill>
                   <a:schemeClr val="tx1">
                     <a:tint val="75000"/>
@@ -1145,7 +3869,7 @@
             </a:lvl3pPr>
             <a:lvl4pPr marL="1371600" indent="0">
               <a:buNone/>
-              <a:defRPr sz="1600">
+              <a:defRPr sz="1400">
                 <a:solidFill>
                   <a:schemeClr val="tx1">
                     <a:tint val="75000"/>
@@ -1155,7 +3879,7 @@
             </a:lvl4pPr>
             <a:lvl5pPr marL="1828800" indent="0">
               <a:buNone/>
-              <a:defRPr sz="1600">
+              <a:defRPr sz="1400">
                 <a:solidFill>
                   <a:schemeClr val="tx1">
                     <a:tint val="75000"/>
@@ -1165,7 +3889,7 @@
             </a:lvl5pPr>
             <a:lvl6pPr marL="2286000" indent="0">
               <a:buNone/>
-              <a:defRPr sz="1600">
+              <a:defRPr sz="1400">
                 <a:solidFill>
                   <a:schemeClr val="tx1">
                     <a:tint val="75000"/>
@@ -1175,7 +3899,7 @@
             </a:lvl6pPr>
             <a:lvl7pPr marL="2743200" indent="0">
               <a:buNone/>
-              <a:defRPr sz="1600">
+              <a:defRPr sz="1400">
                 <a:solidFill>
                   <a:schemeClr val="tx1">
                     <a:tint val="75000"/>
@@ -1185,7 +3909,7 @@
             </a:lvl7pPr>
             <a:lvl8pPr marL="3200400" indent="0">
               <a:buNone/>
-              <a:defRPr sz="1600">
+              <a:defRPr sz="1400">
                 <a:solidFill>
                   <a:schemeClr val="tx1">
                     <a:tint val="75000"/>
@@ -1195,7 +3919,7 @@
             </a:lvl8pPr>
             <a:lvl9pPr marL="3657600" indent="0">
               <a:buNone/>
-              <a:defRPr sz="1600">
+              <a:defRPr sz="1400">
                 <a:solidFill>
                   <a:schemeClr val="tx1">
                     <a:tint val="75000"/>
@@ -1207,8 +3931,8 @@
           <a:p>
             <a:pPr lvl="0"/>
             <a:r>
-              <a:rPr lang="fr-FR" smtClean="0"/>
-              <a:t>Modifier les styles du texte du masque</a:t>
+              <a:rPr lang="fr-FR"/>
+              <a:t>Cliquez pour modifier les styles du texte du masque</a:t>
             </a:r>
           </a:p>
         </p:txBody>
@@ -1223,27 +3947,14 @@
             <p:ph type="dt" sz="half" idx="10"/>
           </p:nvPr>
         </p:nvSpPr>
-        <p:spPr>
-          <a:xfrm>
-            <a:off x="738908" y="6453386"/>
-            <a:ext cx="1622409" cy="404614"/>
-          </a:xfrm>
-        </p:spPr>
+        <p:spPr/>
         <p:txBody>
           <a:bodyPr/>
-          <a:lstStyle>
-            <a:lvl1pPr>
-              <a:defRPr>
-                <a:solidFill>
-                  <a:schemeClr val="tx2"/>
-                </a:solidFill>
-              </a:defRPr>
-            </a:lvl1pPr>
-          </a:lstStyle>
+          <a:lstStyle/>
           <a:p>
             <a:fld id="{FB546A5E-A556-4419-B2F5-43943CC8FCC0}" type="datetimeFigureOut">
               <a:rPr lang="fr-FR" smtClean="0"/>
-              <a:t>29/01/2020</a:t>
+              <a:t>30/01/2020</a:t>
             </a:fld>
             <a:endParaRPr lang="fr-FR"/>
           </a:p>
@@ -1259,23 +3970,10 @@
             <p:ph type="ftr" sz="quarter" idx="11"/>
           </p:nvPr>
         </p:nvSpPr>
-        <p:spPr>
-          <a:xfrm>
-            <a:off x="2584312" y="6453386"/>
-            <a:ext cx="7023377" cy="404614"/>
-          </a:xfrm>
-        </p:spPr>
+        <p:spPr/>
         <p:txBody>
           <a:bodyPr/>
-          <a:lstStyle>
-            <a:lvl1pPr algn="ctr">
-              <a:defRPr>
-                <a:solidFill>
-                  <a:schemeClr val="tx2"/>
-                </a:solidFill>
-              </a:defRPr>
-            </a:lvl1pPr>
-          </a:lstStyle>
+          <a:lstStyle/>
           <a:p>
             <a:endParaRPr lang="fr-FR"/>
           </a:p>
@@ -1291,23 +3989,10 @@
             <p:ph type="sldNum" sz="quarter" idx="12"/>
           </p:nvPr>
         </p:nvSpPr>
-        <p:spPr>
-          <a:xfrm>
-            <a:off x="9830683" y="6453386"/>
-            <a:ext cx="1596292" cy="404614"/>
-          </a:xfrm>
-        </p:spPr>
+        <p:spPr/>
         <p:txBody>
           <a:bodyPr/>
-          <a:lstStyle>
-            <a:lvl1pPr>
-              <a:defRPr>
-                <a:solidFill>
-                  <a:schemeClr val="tx2"/>
-                </a:solidFill>
-              </a:defRPr>
-            </a:lvl1pPr>
-          </a:lstStyle>
+          <a:lstStyle/>
           <a:p>
             <a:fld id="{968527DC-0E06-4DDC-A259-DCA5405FCE0A}" type="slidenum">
               <a:rPr lang="fr-FR" smtClean="0"/>
@@ -1317,71 +4002,15 @@
           </a:p>
         </p:txBody>
       </p:sp>
-      <p:sp>
-        <p:nvSpPr>
-          <p:cNvPr id="7" name="Freeform 6" title="Crop Mark"/>
-          <p:cNvSpPr/>
-          <p:nvPr/>
-        </p:nvSpPr>
-        <p:spPr bwMode="auto">
-          <a:xfrm>
-            <a:off x="8151962" y="1685652"/>
-            <a:ext cx="3275013" cy="4408488"/>
-          </a:xfrm>
-          <a:custGeom>
-            <a:avLst/>
-            <a:gdLst/>
-            <a:ahLst/>
-            <a:cxnLst/>
-            <a:rect l="0" t="0" r="r" b="b"/>
-            <a:pathLst>
-              <a:path w="4125" h="5554">
-                <a:moveTo>
-                  <a:pt x="3614" y="0"/>
-                </a:moveTo>
-                <a:lnTo>
-                  <a:pt x="4125" y="0"/>
-                </a:lnTo>
-                <a:lnTo>
-                  <a:pt x="4125" y="5554"/>
-                </a:lnTo>
-                <a:lnTo>
-                  <a:pt x="0" y="5554"/>
-                </a:lnTo>
-                <a:lnTo>
-                  <a:pt x="0" y="5074"/>
-                </a:lnTo>
-                <a:lnTo>
-                  <a:pt x="3614" y="5074"/>
-                </a:lnTo>
-                <a:lnTo>
-                  <a:pt x="3614" y="0"/>
-                </a:lnTo>
-                <a:close/>
-              </a:path>
-            </a:pathLst>
-          </a:custGeom>
-          <a:solidFill>
-            <a:schemeClr val="tx2"/>
-          </a:solidFill>
-          <a:ln w="0">
-            <a:noFill/>
-            <a:prstDash val="solid"/>
-            <a:round/>
-            <a:headEnd/>
-            <a:tailEnd/>
-          </a:ln>
-        </p:spPr>
-      </p:sp>
     </p:spTree>
     <p:extLst>
       <p:ext uri="{BB962C8B-B14F-4D97-AF65-F5344CB8AC3E}">
-        <p14:creationId xmlns:p14="http://schemas.microsoft.com/office/powerpoint/2010/main" val="2525358858"/>
+        <p14:creationId xmlns:p14="http://schemas.microsoft.com/office/powerpoint/2010/main" val="1654890746"/>
       </p:ext>
     </p:extLst>
   </p:cSld>
   <p:clrMapOvr>
-    <a:overrideClrMapping bg1="dk1" tx1="lt1" bg2="dk2" tx2="lt2" accent1="accent1" accent2="accent2" accent3="accent3" accent4="accent4" accent5="accent5" accent6="accent6" hlink="hlink" folHlink="folHlink"/>
+    <a:masterClrMapping/>
   </p:clrMapOvr>
 </p:sldLayout>
 </file>
@@ -1416,19 +4045,98 @@
         <p:spPr/>
         <p:txBody>
           <a:bodyPr/>
+          <a:lstStyle/>
+          <a:p>
+            <a:r>
+              <a:rPr lang="fr-FR"/>
+              <a:t>Modifiez le style du titre</a:t>
+            </a:r>
+            <a:endParaRPr lang="en-US" dirty="0"/>
+          </a:p>
+        </p:txBody>
+      </p:sp>
+      <p:sp>
+        <p:nvSpPr>
+          <p:cNvPr id="3" name="Content Placeholder 2"/>
+          <p:cNvSpPr>
+            <a:spLocks noGrp="1"/>
+          </p:cNvSpPr>
+          <p:nvPr>
+            <p:ph sz="half" idx="1"/>
+          </p:nvPr>
+        </p:nvSpPr>
+        <p:spPr>
+          <a:xfrm>
+            <a:off x="1103312" y="2060575"/>
+            <a:ext cx="4396339" cy="4195763"/>
+          </a:xfrm>
+        </p:spPr>
+        <p:txBody>
+          <a:bodyPr>
+            <a:normAutofit/>
+          </a:bodyPr>
           <a:lstStyle>
             <a:lvl1pPr>
-              <a:defRPr>
-                <a:solidFill>
-                  <a:schemeClr val="tx2"/>
-                </a:solidFill>
-              </a:defRPr>
+              <a:defRPr sz="1800"/>
             </a:lvl1pPr>
+            <a:lvl2pPr>
+              <a:defRPr sz="1600"/>
+            </a:lvl2pPr>
+            <a:lvl3pPr>
+              <a:defRPr sz="1400"/>
+            </a:lvl3pPr>
+            <a:lvl4pPr>
+              <a:defRPr sz="1200"/>
+            </a:lvl4pPr>
+            <a:lvl5pPr>
+              <a:defRPr sz="1200"/>
+            </a:lvl5pPr>
+            <a:lvl6pPr>
+              <a:defRPr sz="1200"/>
+            </a:lvl6pPr>
+            <a:lvl7pPr>
+              <a:defRPr sz="1200"/>
+            </a:lvl7pPr>
+            <a:lvl8pPr>
+              <a:defRPr sz="1200"/>
+            </a:lvl8pPr>
+            <a:lvl9pPr>
+              <a:defRPr sz="1200"/>
+            </a:lvl9pPr>
           </a:lstStyle>
           <a:p>
-            <a:r>
-              <a:rPr lang="fr-FR" smtClean="0"/>
-              <a:t>Modifiez le style du titre</a:t>
+            <a:pPr lvl="0"/>
+            <a:r>
+              <a:rPr lang="fr-FR"/>
+              <a:t>Cliquez pour modifier les styles du texte du masque</a:t>
+            </a:r>
+          </a:p>
+          <a:p>
+            <a:pPr lvl="1"/>
+            <a:r>
+              <a:rPr lang="fr-FR"/>
+              <a:t>Deuxième niveau</a:t>
+            </a:r>
+          </a:p>
+          <a:p>
+            <a:pPr lvl="2"/>
+            <a:r>
+              <a:rPr lang="fr-FR"/>
+              <a:t>Troisième niveau</a:t>
+            </a:r>
+          </a:p>
+          <a:p>
+            <a:pPr lvl="3"/>
+            <a:r>
+              <a:rPr lang="fr-FR"/>
+              <a:t>Quatrième niveau</a:t>
+            </a:r>
+          </a:p>
+          <a:p>
+            <a:pPr lvl="4"/>
+            <a:r>
+              <a:rPr lang="fr-FR"/>
+              <a:t>Cinquième niveau</a:t>
             </a:r>
             <a:endParaRPr lang="en-US" dirty="0"/>
           </a:p>
@@ -1436,184 +4144,85 @@
       </p:sp>
       <p:sp>
         <p:nvSpPr>
-          <p:cNvPr id="3" name="Content Placeholder 2"/>
-          <p:cNvSpPr>
-            <a:spLocks noGrp="1"/>
-          </p:cNvSpPr>
-          <p:nvPr>
-            <p:ph sz="half" idx="1"/>
-          </p:nvPr>
-        </p:nvSpPr>
-        <p:spPr>
-          <a:xfrm>
-            <a:off x="1371600" y="2285999"/>
-            <a:ext cx="4447786" cy="3581401"/>
-          </a:xfrm>
-        </p:spPr>
-        <p:txBody>
-          <a:bodyPr/>
+          <p:cNvPr id="4" name="Content Placeholder 3"/>
+          <p:cNvSpPr>
+            <a:spLocks noGrp="1"/>
+          </p:cNvSpPr>
+          <p:nvPr>
+            <p:ph sz="half" idx="2"/>
+          </p:nvPr>
+        </p:nvSpPr>
+        <p:spPr>
+          <a:xfrm>
+            <a:off x="5654493" y="2056092"/>
+            <a:ext cx="4396341" cy="4200245"/>
+          </a:xfrm>
+        </p:spPr>
+        <p:txBody>
+          <a:bodyPr>
+            <a:normAutofit/>
+          </a:bodyPr>
           <a:lstStyle>
             <a:lvl1pPr>
-              <a:defRPr baseline="0">
-                <a:solidFill>
-                  <a:schemeClr val="tx2"/>
-                </a:solidFill>
-              </a:defRPr>
+              <a:defRPr sz="1800"/>
             </a:lvl1pPr>
             <a:lvl2pPr>
-              <a:defRPr baseline="0">
-                <a:solidFill>
-                  <a:schemeClr val="tx2"/>
-                </a:solidFill>
-              </a:defRPr>
+              <a:defRPr sz="1600"/>
             </a:lvl2pPr>
             <a:lvl3pPr>
-              <a:defRPr baseline="0">
-                <a:solidFill>
-                  <a:schemeClr val="tx2"/>
-                </a:solidFill>
-              </a:defRPr>
+              <a:defRPr sz="1400"/>
             </a:lvl3pPr>
             <a:lvl4pPr>
-              <a:defRPr baseline="0">
-                <a:solidFill>
-                  <a:schemeClr val="tx2"/>
-                </a:solidFill>
-              </a:defRPr>
+              <a:defRPr sz="1200"/>
             </a:lvl4pPr>
             <a:lvl5pPr>
-              <a:defRPr baseline="0">
-                <a:solidFill>
-                  <a:schemeClr val="tx2"/>
-                </a:solidFill>
-              </a:defRPr>
+              <a:defRPr sz="1200"/>
             </a:lvl5pPr>
+            <a:lvl6pPr>
+              <a:defRPr sz="1200"/>
+            </a:lvl6pPr>
+            <a:lvl7pPr>
+              <a:defRPr sz="1200"/>
+            </a:lvl7pPr>
+            <a:lvl8pPr>
+              <a:defRPr sz="1200"/>
+            </a:lvl8pPr>
+            <a:lvl9pPr>
+              <a:defRPr sz="1200"/>
+            </a:lvl9pPr>
           </a:lstStyle>
           <a:p>
             <a:pPr lvl="0"/>
             <a:r>
-              <a:rPr lang="fr-FR" smtClean="0"/>
-              <a:t>Modifier les styles du texte du masque</a:t>
+              <a:rPr lang="fr-FR"/>
+              <a:t>Cliquez pour modifier les styles du texte du masque</a:t>
             </a:r>
           </a:p>
           <a:p>
             <a:pPr lvl="1"/>
             <a:r>
-              <a:rPr lang="fr-FR" smtClean="0"/>
+              <a:rPr lang="fr-FR"/>
               <a:t>Deuxième niveau</a:t>
             </a:r>
           </a:p>
           <a:p>
             <a:pPr lvl="2"/>
             <a:r>
-              <a:rPr lang="fr-FR" smtClean="0"/>
+              <a:rPr lang="fr-FR"/>
               <a:t>Troisième niveau</a:t>
             </a:r>
           </a:p>
           <a:p>
             <a:pPr lvl="3"/>
             <a:r>
-              <a:rPr lang="fr-FR" smtClean="0"/>
+              <a:rPr lang="fr-FR"/>
               <a:t>Quatrième niveau</a:t>
             </a:r>
           </a:p>
           <a:p>
             <a:pPr lvl="4"/>
             <a:r>
-              <a:rPr lang="fr-FR" smtClean="0"/>
-              <a:t>Cinquième niveau</a:t>
-            </a:r>
-            <a:endParaRPr lang="en-US" dirty="0"/>
-          </a:p>
-        </p:txBody>
-      </p:sp>
-      <p:sp>
-        <p:nvSpPr>
-          <p:cNvPr id="4" name="Content Placeholder 3"/>
-          <p:cNvSpPr>
-            <a:spLocks noGrp="1"/>
-          </p:cNvSpPr>
-          <p:nvPr>
-            <p:ph sz="half" idx="2"/>
-          </p:nvPr>
-        </p:nvSpPr>
-        <p:spPr>
-          <a:xfrm>
-            <a:off x="6525403" y="2285999"/>
-            <a:ext cx="4447786" cy="3581401"/>
-          </a:xfrm>
-        </p:spPr>
-        <p:txBody>
-          <a:bodyPr/>
-          <a:lstStyle>
-            <a:lvl1pPr>
-              <a:defRPr>
-                <a:solidFill>
-                  <a:schemeClr val="tx2"/>
-                </a:solidFill>
-              </a:defRPr>
-            </a:lvl1pPr>
-            <a:lvl2pPr>
-              <a:defRPr>
-                <a:solidFill>
-                  <a:schemeClr val="tx2"/>
-                </a:solidFill>
-              </a:defRPr>
-            </a:lvl2pPr>
-            <a:lvl3pPr>
-              <a:defRPr>
-                <a:solidFill>
-                  <a:schemeClr val="tx2"/>
-                </a:solidFill>
-              </a:defRPr>
-            </a:lvl3pPr>
-            <a:lvl4pPr>
-              <a:defRPr>
-                <a:solidFill>
-                  <a:schemeClr val="tx2"/>
-                </a:solidFill>
-              </a:defRPr>
-            </a:lvl4pPr>
-            <a:lvl5pPr>
-              <a:defRPr>
-                <a:solidFill>
-                  <a:schemeClr val="tx2"/>
-                </a:solidFill>
-              </a:defRPr>
-            </a:lvl5pPr>
-          </a:lstStyle>
-          <a:p>
-            <a:pPr lvl="0"/>
-            <a:r>
-              <a:rPr lang="fr-FR" smtClean="0"/>
-              <a:t>Modifier les styles du texte du masque</a:t>
-            </a:r>
-          </a:p>
-          <a:p>
-            <a:pPr lvl="1"/>
-            <a:r>
-              <a:rPr lang="fr-FR" smtClean="0"/>
-              <a:t>Deuxième niveau</a:t>
-            </a:r>
-          </a:p>
-          <a:p>
-            <a:pPr lvl="2"/>
-            <a:r>
-              <a:rPr lang="fr-FR" smtClean="0"/>
-              <a:t>Troisième niveau</a:t>
-            </a:r>
-          </a:p>
-          <a:p>
-            <a:pPr lvl="3"/>
-            <a:r>
-              <a:rPr lang="fr-FR" smtClean="0"/>
-              <a:t>Quatrième niveau</a:t>
-            </a:r>
-          </a:p>
-          <a:p>
-            <a:pPr lvl="4"/>
-            <a:r>
-              <a:rPr lang="fr-FR" smtClean="0"/>
+              <a:rPr lang="fr-FR"/>
               <a:t>Cinquième niveau</a:t>
             </a:r>
             <a:endParaRPr lang="en-US" dirty="0"/>
@@ -1637,7 +4246,7 @@
           <a:p>
             <a:fld id="{FB546A5E-A556-4419-B2F5-43943CC8FCC0}" type="datetimeFigureOut">
               <a:rPr lang="fr-FR" smtClean="0"/>
-              <a:t>29/01/2020</a:t>
+              <a:t>30/01/2020</a:t>
             </a:fld>
             <a:endParaRPr lang="fr-FR"/>
           </a:p>
@@ -1688,7 +4297,7 @@
     </p:spTree>
     <p:extLst>
       <p:ext uri="{BB962C8B-B14F-4D97-AF65-F5344CB8AC3E}">
-        <p14:creationId xmlns:p14="http://schemas.microsoft.com/office/powerpoint/2010/main" val="3516579786"/>
+        <p14:creationId xmlns:p14="http://schemas.microsoft.com/office/powerpoint/2010/main" val="144869680"/>
       </p:ext>
     </p:extLst>
   </p:cSld>
@@ -1725,26 +4334,17 @@
             <p:ph type="title"/>
           </p:nvPr>
         </p:nvSpPr>
-        <p:spPr>
-          <a:xfrm>
-            <a:off x="1371600" y="685800"/>
-            <a:ext cx="9601200" cy="1485900"/>
-          </a:xfrm>
-        </p:spPr>
+        <p:spPr/>
         <p:txBody>
           <a:bodyPr/>
           <a:lstStyle>
             <a:lvl1pPr>
-              <a:defRPr>
-                <a:solidFill>
-                  <a:schemeClr val="tx2"/>
-                </a:solidFill>
-              </a:defRPr>
+              <a:defRPr/>
             </a:lvl1pPr>
           </a:lstStyle>
           <a:p>
             <a:r>
-              <a:rPr lang="fr-FR" smtClean="0"/>
+              <a:rPr lang="fr-FR"/>
               <a:t>Modifiez le style du titre</a:t>
             </a:r>
             <a:endParaRPr lang="en-US" dirty="0"/>
@@ -1763,8 +4363,8 @@
         </p:nvSpPr>
         <p:spPr>
           <a:xfrm>
-            <a:off x="1371600" y="2340864"/>
-            <a:ext cx="4443984" cy="823912"/>
+            <a:off x="1103313" y="1905000"/>
+            <a:ext cx="4396338" cy="576262"/>
           </a:xfrm>
         </p:spPr>
         <p:txBody>
@@ -1773,19 +4373,10 @@
           </a:bodyPr>
           <a:lstStyle>
             <a:lvl1pPr marL="0" indent="0">
-              <a:lnSpc>
-                <a:spcPct val="84000"/>
-              </a:lnSpc>
-              <a:spcBef>
-                <a:spcPts val="0"/>
-              </a:spcBef>
-              <a:spcAft>
-                <a:spcPts val="0"/>
-              </a:spcAft>
-              <a:buNone/>
-              <a:defRPr sz="3000" b="0" baseline="0">
+              <a:buNone/>
+              <a:defRPr sz="2400" b="0">
                 <a:solidFill>
-                  <a:schemeClr val="tx2"/>
+                  <a:schemeClr val="accent1"/>
                 </a:solidFill>
               </a:defRPr>
             </a:lvl1pPr>
@@ -1825,8 +4416,8 @@
           <a:p>
             <a:pPr lvl="0"/>
             <a:r>
-              <a:rPr lang="fr-FR" smtClean="0"/>
-              <a:t>Modifier les styles du texte du masque</a:t>
+              <a:rPr lang="fr-FR"/>
+              <a:t>Cliquez pour modifier les styles du texte du masque</a:t>
             </a:r>
           </a:p>
         </p:txBody>
@@ -1843,81 +4434,75 @@
         </p:nvSpPr>
         <p:spPr>
           <a:xfrm>
-            <a:off x="1371600" y="3305207"/>
-            <a:ext cx="4443984" cy="2562193"/>
-          </a:xfrm>
-        </p:spPr>
-        <p:txBody>
-          <a:bodyPr/>
+            <a:off x="1103312" y="2514600"/>
+            <a:ext cx="4396339" cy="3741738"/>
+          </a:xfrm>
+        </p:spPr>
+        <p:txBody>
+          <a:bodyPr>
+            <a:normAutofit/>
+          </a:bodyPr>
           <a:lstStyle>
             <a:lvl1pPr>
-              <a:defRPr baseline="0">
-                <a:solidFill>
-                  <a:schemeClr val="tx2"/>
-                </a:solidFill>
-              </a:defRPr>
+              <a:defRPr sz="1800"/>
             </a:lvl1pPr>
             <a:lvl2pPr>
-              <a:defRPr baseline="0">
-                <a:solidFill>
-                  <a:schemeClr val="tx2"/>
-                </a:solidFill>
-              </a:defRPr>
+              <a:defRPr sz="1600"/>
             </a:lvl2pPr>
             <a:lvl3pPr>
-              <a:defRPr baseline="0">
-                <a:solidFill>
-                  <a:schemeClr val="tx2"/>
-                </a:solidFill>
-              </a:defRPr>
+              <a:defRPr sz="1400"/>
             </a:lvl3pPr>
             <a:lvl4pPr>
-              <a:defRPr baseline="0">
-                <a:solidFill>
-                  <a:schemeClr val="tx2"/>
-                </a:solidFill>
-              </a:defRPr>
+              <a:defRPr sz="1200"/>
             </a:lvl4pPr>
             <a:lvl5pPr>
-              <a:defRPr baseline="0">
-                <a:solidFill>
-                  <a:schemeClr val="tx2"/>
-                </a:solidFill>
-              </a:defRPr>
+              <a:defRPr sz="1200"/>
             </a:lvl5pPr>
+            <a:lvl6pPr>
+              <a:defRPr sz="1200"/>
+            </a:lvl6pPr>
+            <a:lvl7pPr>
+              <a:defRPr sz="1200"/>
+            </a:lvl7pPr>
+            <a:lvl8pPr>
+              <a:defRPr sz="1200"/>
+            </a:lvl8pPr>
+            <a:lvl9pPr>
+              <a:defRPr sz="1200"/>
+            </a:lvl9pPr>
           </a:lstStyle>
           <a:p>
             <a:pPr lvl="0"/>
             <a:r>
-              <a:rPr lang="fr-FR" smtClean="0"/>
-              <a:t>Modifier les styles du texte du masque</a:t>
+              <a:rPr lang="fr-FR"/>
+              <a:t>Cliquez pour modifier les styles du texte du masque</a:t>
             </a:r>
           </a:p>
           <a:p>
             <a:pPr lvl="1"/>
             <a:r>
-              <a:rPr lang="fr-FR" smtClean="0"/>
+              <a:rPr lang="fr-FR"/>
               <a:t>Deuxième niveau</a:t>
             </a:r>
           </a:p>
           <a:p>
             <a:pPr lvl="2"/>
             <a:r>
-              <a:rPr lang="fr-FR" smtClean="0"/>
+              <a:rPr lang="fr-FR"/>
               <a:t>Troisième niveau</a:t>
             </a:r>
           </a:p>
           <a:p>
             <a:pPr lvl="3"/>
             <a:r>
-              <a:rPr lang="fr-FR" smtClean="0"/>
+              <a:rPr lang="fr-FR"/>
               <a:t>Quatrième niveau</a:t>
             </a:r>
           </a:p>
           <a:p>
             <a:pPr lvl="4"/>
             <a:r>
-              <a:rPr lang="fr-FR" smtClean="0"/>
+              <a:rPr lang="fr-FR"/>
               <a:t>Cinquième niveau</a:t>
             </a:r>
             <a:endParaRPr lang="en-US" dirty="0"/>
@@ -1936,8 +4521,8 @@
         </p:nvSpPr>
         <p:spPr>
           <a:xfrm>
-            <a:off x="6525014" y="2340864"/>
-            <a:ext cx="4443984" cy="823912"/>
+            <a:off x="5654495" y="1905000"/>
+            <a:ext cx="4396339" cy="576262"/>
           </a:xfrm>
         </p:spPr>
         <p:txBody>
@@ -1946,19 +4531,10 @@
           </a:bodyPr>
           <a:lstStyle>
             <a:lvl1pPr marL="0" indent="0">
-              <a:lnSpc>
-                <a:spcPct val="84000"/>
-              </a:lnSpc>
-              <a:spcBef>
-                <a:spcPts val="0"/>
-              </a:spcBef>
-              <a:spcAft>
-                <a:spcPts val="0"/>
-              </a:spcAft>
-              <a:buNone/>
-              <a:defRPr sz="3000" b="0" baseline="0">
+              <a:buNone/>
+              <a:defRPr sz="2400" b="0">
                 <a:solidFill>
-                  <a:schemeClr val="tx2"/>
+                  <a:schemeClr val="accent1"/>
                 </a:solidFill>
               </a:defRPr>
             </a:lvl1pPr>
@@ -1998,8 +4574,8 @@
           <a:p>
             <a:pPr lvl="0"/>
             <a:r>
-              <a:rPr lang="fr-FR" smtClean="0"/>
-              <a:t>Modifier les styles du texte du masque</a:t>
+              <a:rPr lang="fr-FR"/>
+              <a:t>Cliquez pour modifier les styles du texte du masque</a:t>
             </a:r>
           </a:p>
         </p:txBody>
@@ -2016,81 +4592,75 @@
         </p:nvSpPr>
         <p:spPr>
           <a:xfrm>
-            <a:off x="6525014" y="3305207"/>
-            <a:ext cx="4443984" cy="2562193"/>
-          </a:xfrm>
-        </p:spPr>
-        <p:txBody>
-          <a:bodyPr/>
+            <a:off x="5654495" y="2514600"/>
+            <a:ext cx="4396339" cy="3741738"/>
+          </a:xfrm>
+        </p:spPr>
+        <p:txBody>
+          <a:bodyPr>
+            <a:normAutofit/>
+          </a:bodyPr>
           <a:lstStyle>
             <a:lvl1pPr>
-              <a:defRPr baseline="0">
-                <a:solidFill>
-                  <a:schemeClr val="tx2"/>
-                </a:solidFill>
-              </a:defRPr>
+              <a:defRPr sz="1800"/>
             </a:lvl1pPr>
             <a:lvl2pPr>
-              <a:defRPr baseline="0">
-                <a:solidFill>
-                  <a:schemeClr val="tx2"/>
-                </a:solidFill>
-              </a:defRPr>
+              <a:defRPr sz="1600"/>
             </a:lvl2pPr>
             <a:lvl3pPr>
-              <a:defRPr baseline="0">
-                <a:solidFill>
-                  <a:schemeClr val="tx2"/>
-                </a:solidFill>
-              </a:defRPr>
+              <a:defRPr sz="1400"/>
             </a:lvl3pPr>
             <a:lvl4pPr>
-              <a:defRPr baseline="0">
-                <a:solidFill>
-                  <a:schemeClr val="tx2"/>
-                </a:solidFill>
-              </a:defRPr>
+              <a:defRPr sz="1200"/>
             </a:lvl4pPr>
             <a:lvl5pPr>
-              <a:defRPr baseline="0">
-                <a:solidFill>
-                  <a:schemeClr val="tx2"/>
-                </a:solidFill>
-              </a:defRPr>
+              <a:defRPr sz="1200"/>
             </a:lvl5pPr>
+            <a:lvl6pPr>
+              <a:defRPr sz="1200"/>
+            </a:lvl6pPr>
+            <a:lvl7pPr>
+              <a:defRPr sz="1200"/>
+            </a:lvl7pPr>
+            <a:lvl8pPr>
+              <a:defRPr sz="1200"/>
+            </a:lvl8pPr>
+            <a:lvl9pPr>
+              <a:defRPr sz="1200"/>
+            </a:lvl9pPr>
           </a:lstStyle>
           <a:p>
             <a:pPr lvl="0"/>
             <a:r>
-              <a:rPr lang="fr-FR" smtClean="0"/>
-              <a:t>Modifier les styles du texte du masque</a:t>
+              <a:rPr lang="fr-FR"/>
+              <a:t>Cliquez pour modifier les styles du texte du masque</a:t>
             </a:r>
           </a:p>
           <a:p>
             <a:pPr lvl="1"/>
             <a:r>
-              <a:rPr lang="fr-FR" smtClean="0"/>
+              <a:rPr lang="fr-FR"/>
               <a:t>Deuxième niveau</a:t>
             </a:r>
           </a:p>
           <a:p>
             <a:pPr lvl="2"/>
             <a:r>
-              <a:rPr lang="fr-FR" smtClean="0"/>
+              <a:rPr lang="fr-FR"/>
               <a:t>Troisième niveau</a:t>
             </a:r>
           </a:p>
           <a:p>
             <a:pPr lvl="3"/>
             <a:r>
-              <a:rPr lang="fr-FR" smtClean="0"/>
+              <a:rPr lang="fr-FR"/>
               <a:t>Quatrième niveau</a:t>
             </a:r>
           </a:p>
           <a:p>
             <a:pPr lvl="4"/>
             <a:r>
-              <a:rPr lang="fr-FR" smtClean="0"/>
+              <a:rPr lang="fr-FR"/>
               <a:t>Cinquième niveau</a:t>
             </a:r>
             <a:endParaRPr lang="en-US" dirty="0"/>
@@ -2114,7 +4684,7 @@
           <a:p>
             <a:fld id="{FB546A5E-A556-4419-B2F5-43943CC8FCC0}" type="datetimeFigureOut">
               <a:rPr lang="fr-FR" smtClean="0"/>
-              <a:t>29/01/2020</a:t>
+              <a:t>30/01/2020</a:t>
             </a:fld>
             <a:endParaRPr lang="fr-FR"/>
           </a:p>
@@ -2165,7 +4735,7 @@
     </p:spTree>
     <p:extLst>
       <p:ext uri="{BB962C8B-B14F-4D97-AF65-F5344CB8AC3E}">
-        <p14:creationId xmlns:p14="http://schemas.microsoft.com/office/powerpoint/2010/main" val="1016971918"/>
+        <p14:creationId xmlns:p14="http://schemas.microsoft.com/office/powerpoint/2010/main" val="2050064947"/>
       </p:ext>
     </p:extLst>
   </p:cSld>
@@ -2208,7 +4778,7 @@
           <a:lstStyle/>
           <a:p>
             <a:r>
-              <a:rPr lang="fr-FR" smtClean="0"/>
+              <a:rPr lang="fr-FR"/>
               <a:t>Modifiez le style du titre</a:t>
             </a:r>
             <a:endParaRPr lang="en-US" dirty="0"/>
@@ -2217,7 +4787,7 @@
       </p:sp>
       <p:sp>
         <p:nvSpPr>
-          <p:cNvPr id="3" name="Date Placeholder 2"/>
+          <p:cNvPr id="7" name="Date Placeholder 2"/>
           <p:cNvSpPr>
             <a:spLocks noGrp="1"/>
           </p:cNvSpPr>
@@ -2232,7 +4802,7 @@
           <a:p>
             <a:fld id="{FB546A5E-A556-4419-B2F5-43943CC8FCC0}" type="datetimeFigureOut">
               <a:rPr lang="fr-FR" smtClean="0"/>
-              <a:t>29/01/2020</a:t>
+              <a:t>30/01/2020</a:t>
             </a:fld>
             <a:endParaRPr lang="fr-FR"/>
           </a:p>
@@ -2240,7 +4810,7 @@
       </p:sp>
       <p:sp>
         <p:nvSpPr>
-          <p:cNvPr id="4" name="Footer Placeholder 3"/>
+          <p:cNvPr id="5" name="Footer Placeholder 3"/>
           <p:cNvSpPr>
             <a:spLocks noGrp="1"/>
           </p:cNvSpPr>
@@ -2259,7 +4829,7 @@
       </p:sp>
       <p:sp>
         <p:nvSpPr>
-          <p:cNvPr id="5" name="Slide Number Placeholder 4"/>
+          <p:cNvPr id="6" name="Slide Number Placeholder 4"/>
           <p:cNvSpPr>
             <a:spLocks noGrp="1"/>
           </p:cNvSpPr>
@@ -2283,7 +4853,7 @@
     </p:spTree>
     <p:extLst>
       <p:ext uri="{BB962C8B-B14F-4D97-AF65-F5344CB8AC3E}">
-        <p14:creationId xmlns:p14="http://schemas.microsoft.com/office/powerpoint/2010/main" val="4228142564"/>
+        <p14:creationId xmlns:p14="http://schemas.microsoft.com/office/powerpoint/2010/main" val="815760037"/>
       </p:ext>
     </p:extLst>
   </p:cSld>
@@ -2312,7 +4882,7 @@
       </p:grpSpPr>
       <p:sp>
         <p:nvSpPr>
-          <p:cNvPr id="2" name="Date Placeholder 1"/>
+          <p:cNvPr id="7" name="Date Placeholder 1"/>
           <p:cNvSpPr>
             <a:spLocks noGrp="1"/>
           </p:cNvSpPr>
@@ -2327,7 +4897,7 @@
           <a:p>
             <a:fld id="{FB546A5E-A556-4419-B2F5-43943CC8FCC0}" type="datetimeFigureOut">
               <a:rPr lang="fr-FR" smtClean="0"/>
-              <a:t>29/01/2020</a:t>
+              <a:t>30/01/2020</a:t>
             </a:fld>
             <a:endParaRPr lang="fr-FR"/>
           </a:p>
@@ -2335,7 +4905,7 @@
       </p:sp>
       <p:sp>
         <p:nvSpPr>
-          <p:cNvPr id="3" name="Footer Placeholder 2"/>
+          <p:cNvPr id="5" name="Footer Placeholder 2"/>
           <p:cNvSpPr>
             <a:spLocks noGrp="1"/>
           </p:cNvSpPr>
@@ -2354,7 +4924,7 @@
       </p:sp>
       <p:sp>
         <p:nvSpPr>
-          <p:cNvPr id="4" name="Slide Number Placeholder 3"/>
+          <p:cNvPr id="6" name="Slide Number Placeholder 3"/>
           <p:cNvSpPr>
             <a:spLocks noGrp="1"/>
           </p:cNvSpPr>
@@ -2378,7 +4948,7 @@
     </p:spTree>
     <p:extLst>
       <p:ext uri="{BB962C8B-B14F-4D97-AF65-F5344CB8AC3E}">
-        <p14:creationId xmlns:p14="http://schemas.microsoft.com/office/powerpoint/2010/main" val="1378611302"/>
+        <p14:creationId xmlns:p14="http://schemas.microsoft.com/office/powerpoint/2010/main" val="990262594"/>
       </p:ext>
     </p:extLst>
   </p:cSld>
@@ -2389,7 +4959,7 @@
 </file>
 
 <file path=ppt/slideLayouts/slideLayout8.xml><?xml version="1.0" encoding="utf-8"?>
-<p:sldLayout xmlns:a="http://schemas.openxmlformats.org/drawingml/2006/main" xmlns:r="http://schemas.openxmlformats.org/officeDocument/2006/relationships" xmlns:p="http://schemas.openxmlformats.org/presentationml/2006/main" showMasterSp="0" type="objTx" preserve="1">
+<p:sldLayout xmlns:a="http://schemas.openxmlformats.org/drawingml/2006/main" xmlns:r="http://schemas.openxmlformats.org/officeDocument/2006/relationships" xmlns:p="http://schemas.openxmlformats.org/presentationml/2006/main" type="objTx" preserve="1">
   <p:cSld name="Contenu avec légende">
     <p:spTree>
       <p:nvGrpSpPr>
@@ -2407,44 +4977,6 @@
       </p:grpSpPr>
       <p:sp>
         <p:nvSpPr>
-          <p:cNvPr id="8" name="Rectangle 7" title="Background Shape"/>
-          <p:cNvSpPr/>
-          <p:nvPr/>
-        </p:nvSpPr>
-        <p:spPr>
-          <a:xfrm>
-            <a:off x="0" y="376"/>
-            <a:ext cx="5303520" cy="6857624"/>
-          </a:xfrm>
-          <a:prstGeom prst="rect">
-            <a:avLst/>
-          </a:prstGeom>
-          <a:solidFill>
-            <a:schemeClr val="accent1"/>
-          </a:solidFill>
-          <a:ln>
-            <a:noFill/>
-          </a:ln>
-        </p:spPr>
-        <p:style>
-          <a:lnRef idx="2">
-            <a:schemeClr val="accent1">
-              <a:shade val="50000"/>
-            </a:schemeClr>
-          </a:lnRef>
-          <a:fillRef idx="1">
-            <a:schemeClr val="accent1"/>
-          </a:fillRef>
-          <a:effectRef idx="0">
-            <a:schemeClr val="accent1"/>
-          </a:effectRef>
-          <a:fontRef idx="minor">
-            <a:schemeClr val="lt1"/>
-          </a:fontRef>
-        </p:style>
-      </p:sp>
-      <p:sp>
-        <p:nvSpPr>
           <p:cNvPr id="2" name="Title 1"/>
           <p:cNvSpPr>
             <a:spLocks noGrp="1"/>
@@ -2455,29 +4987,20 @@
         </p:nvSpPr>
         <p:spPr>
           <a:xfrm>
-            <a:off x="723900" y="685800"/>
-            <a:ext cx="3855720" cy="2157884"/>
-          </a:xfrm>
-        </p:spPr>
-        <p:txBody>
-          <a:bodyPr anchor="t">
-            <a:noAutofit/>
-          </a:bodyPr>
+            <a:off x="1154954" y="1447800"/>
+            <a:ext cx="3401064" cy="1447800"/>
+          </a:xfrm>
+        </p:spPr>
+        <p:txBody>
+          <a:bodyPr anchor="b"/>
           <a:lstStyle>
-            <a:lvl1pPr>
-              <a:lnSpc>
-                <a:spcPct val="84000"/>
-              </a:lnSpc>
-              <a:defRPr sz="4800" baseline="0">
-                <a:solidFill>
-                  <a:schemeClr val="tx2"/>
-                </a:solidFill>
-              </a:defRPr>
+            <a:lvl1pPr algn="l">
+              <a:defRPr sz="2400" b="0"/>
             </a:lvl1pPr>
           </a:lstStyle>
           <a:p>
             <a:r>
-              <a:rPr lang="fr-FR" smtClean="0"/>
+              <a:rPr lang="fr-FR"/>
               <a:t>Modifiez le style du titre</a:t>
             </a:r>
             <a:endParaRPr lang="en-US" dirty="0"/>
@@ -2496,73 +5019,75 @@
         </p:nvSpPr>
         <p:spPr>
           <a:xfrm>
-            <a:off x="6256020" y="685801"/>
-            <a:ext cx="5212080" cy="5175250"/>
-          </a:xfrm>
-        </p:spPr>
-        <p:txBody>
-          <a:bodyPr/>
+            <a:off x="4784616" y="1447800"/>
+            <a:ext cx="5195997" cy="4572000"/>
+          </a:xfrm>
+        </p:spPr>
+        <p:txBody>
+          <a:bodyPr anchor="ctr">
+            <a:normAutofit/>
+          </a:bodyPr>
           <a:lstStyle>
             <a:lvl1pPr>
               <a:defRPr sz="2000"/>
             </a:lvl1pPr>
             <a:lvl2pPr>
-              <a:defRPr sz="2000"/>
+              <a:defRPr sz="1800"/>
             </a:lvl2pPr>
             <a:lvl3pPr>
-              <a:defRPr sz="1800"/>
+              <a:defRPr sz="1600"/>
             </a:lvl3pPr>
             <a:lvl4pPr>
-              <a:defRPr sz="1800"/>
+              <a:defRPr sz="1400"/>
             </a:lvl4pPr>
             <a:lvl5pPr>
-              <a:defRPr sz="1600"/>
+              <a:defRPr sz="1400"/>
             </a:lvl5pPr>
             <a:lvl6pPr>
-              <a:defRPr sz="1600"/>
+              <a:defRPr sz="1400"/>
             </a:lvl6pPr>
             <a:lvl7pPr>
-              <a:defRPr sz="1600"/>
+              <a:defRPr sz="1400"/>
             </a:lvl7pPr>
             <a:lvl8pPr>
-              <a:defRPr sz="1600"/>
+              <a:defRPr sz="1400"/>
             </a:lvl8pPr>
             <a:lvl9pPr>
-              <a:defRPr sz="1600"/>
+              <a:defRPr sz="1400"/>
             </a:lvl9pPr>
           </a:lstStyle>
           <a:p>
             <a:pPr lvl="0"/>
             <a:r>
-              <a:rPr lang="fr-FR" smtClean="0"/>
-              <a:t>Modifier les styles du texte du masque</a:t>
+              <a:rPr lang="fr-FR"/>
+              <a:t>Cliquez pour modifier les styles du texte du masque</a:t>
             </a:r>
           </a:p>
           <a:p>
             <a:pPr lvl="1"/>
             <a:r>
-              <a:rPr lang="fr-FR" smtClean="0"/>
+              <a:rPr lang="fr-FR"/>
               <a:t>Deuxième niveau</a:t>
             </a:r>
           </a:p>
           <a:p>
             <a:pPr lvl="2"/>
             <a:r>
-              <a:rPr lang="fr-FR" smtClean="0"/>
+              <a:rPr lang="fr-FR"/>
               <a:t>Troisième niveau</a:t>
             </a:r>
           </a:p>
           <a:p>
             <a:pPr lvl="3"/>
             <a:r>
-              <a:rPr lang="fr-FR" smtClean="0"/>
+              <a:rPr lang="fr-FR"/>
               <a:t>Quatrième niveau</a:t>
             </a:r>
           </a:p>
           <a:p>
             <a:pPr lvl="4"/>
             <a:r>
-              <a:rPr lang="fr-FR" smtClean="0"/>
+              <a:rPr lang="fr-FR"/>
               <a:t>Cinquième niveau</a:t>
             </a:r>
             <a:endParaRPr lang="en-US" dirty="0"/>
@@ -2581,71 +5106,62 @@
         </p:nvSpPr>
         <p:spPr>
           <a:xfrm>
-            <a:off x="723900" y="2856344"/>
-            <a:ext cx="3855720" cy="3011056"/>
+            <a:off x="1154954" y="3129280"/>
+            <a:ext cx="3401063" cy="2895599"/>
           </a:xfrm>
         </p:spPr>
         <p:txBody>
           <a:bodyPr/>
           <a:lstStyle>
             <a:lvl1pPr marL="0" indent="0">
-              <a:lnSpc>
-                <a:spcPct val="113000"/>
-              </a:lnSpc>
-              <a:spcBef>
-                <a:spcPts val="0"/>
-              </a:spcBef>
-              <a:spcAft>
-                <a:spcPts val="1500"/>
-              </a:spcAft>
-              <a:buNone/>
-              <a:defRPr sz="1600"/>
+              <a:buNone/>
+              <a:defRPr sz="1400"/>
             </a:lvl1pPr>
             <a:lvl2pPr marL="457200" indent="0">
               <a:buNone/>
-              <a:defRPr sz="1400"/>
+              <a:defRPr sz="1200"/>
             </a:lvl2pPr>
             <a:lvl3pPr marL="914400" indent="0">
               <a:buNone/>
-              <a:defRPr sz="1200"/>
+              <a:defRPr sz="1000"/>
             </a:lvl3pPr>
             <a:lvl4pPr marL="1371600" indent="0">
               <a:buNone/>
-              <a:defRPr sz="1000"/>
+              <a:defRPr sz="900"/>
             </a:lvl4pPr>
             <a:lvl5pPr marL="1828800" indent="0">
               <a:buNone/>
-              <a:defRPr sz="1000"/>
+              <a:defRPr sz="900"/>
             </a:lvl5pPr>
             <a:lvl6pPr marL="2286000" indent="0">
               <a:buNone/>
-              <a:defRPr sz="1000"/>
+              <a:defRPr sz="900"/>
             </a:lvl6pPr>
             <a:lvl7pPr marL="2743200" indent="0">
               <a:buNone/>
-              <a:defRPr sz="1000"/>
+              <a:defRPr sz="900"/>
             </a:lvl7pPr>
             <a:lvl8pPr marL="3200400" indent="0">
               <a:buNone/>
-              <a:defRPr sz="1000"/>
+              <a:defRPr sz="900"/>
             </a:lvl8pPr>
             <a:lvl9pPr marL="3657600" indent="0">
               <a:buNone/>
-              <a:defRPr sz="1000"/>
+              <a:defRPr sz="900"/>
             </a:lvl9pPr>
           </a:lstStyle>
           <a:p>
             <a:pPr lvl="0"/>
             <a:r>
-              <a:rPr lang="fr-FR" smtClean="0"/>
-              <a:t>Modifier les styles du texte du masque</a:t>
-            </a:r>
-          </a:p>
-        </p:txBody>
-      </p:sp>
-      <p:sp>
-        <p:nvSpPr>
-          <p:cNvPr id="5" name="Date Placeholder 4"/>
+              <a:rPr lang="fr-FR"/>
+              <a:t>Cliquez pour modifier les styles du texte du masque</a:t>
+            </a:r>
+          </a:p>
+        </p:txBody>
+      </p:sp>
+      <p:sp>
+        <p:nvSpPr>
+          <p:cNvPr id="7" name="Date Placeholder 4"/>
           <p:cNvSpPr>
             <a:spLocks noGrp="1"/>
           </p:cNvSpPr>
@@ -2653,27 +5169,14 @@
             <p:ph type="dt" sz="half" idx="10"/>
           </p:nvPr>
         </p:nvSpPr>
-        <p:spPr>
-          <a:xfrm>
-            <a:off x="723900" y="6453386"/>
-            <a:ext cx="1204572" cy="404614"/>
-          </a:xfrm>
-        </p:spPr>
+        <p:spPr/>
         <p:txBody>
           <a:bodyPr/>
-          <a:lstStyle>
-            <a:lvl1pPr>
-              <a:defRPr>
-                <a:solidFill>
-                  <a:schemeClr val="tx2"/>
-                </a:solidFill>
-              </a:defRPr>
-            </a:lvl1pPr>
-          </a:lstStyle>
+          <a:lstStyle/>
           <a:p>
             <a:fld id="{FB546A5E-A556-4419-B2F5-43943CC8FCC0}" type="datetimeFigureOut">
               <a:rPr lang="fr-FR" smtClean="0"/>
-              <a:t>29/01/2020</a:t>
+              <a:t>30/01/2020</a:t>
             </a:fld>
             <a:endParaRPr lang="fr-FR"/>
           </a:p>
@@ -2681,7 +5184,7 @@
       </p:sp>
       <p:sp>
         <p:nvSpPr>
-          <p:cNvPr id="6" name="Footer Placeholder 5"/>
+          <p:cNvPr id="5" name="Footer Placeholder 5"/>
           <p:cNvSpPr>
             <a:spLocks noGrp="1"/>
           </p:cNvSpPr>
@@ -2689,23 +5192,10 @@
             <p:ph type="ftr" sz="quarter" idx="11"/>
           </p:nvPr>
         </p:nvSpPr>
-        <p:spPr>
-          <a:xfrm>
-            <a:off x="2205945" y="6453386"/>
-            <a:ext cx="2373675" cy="404614"/>
-          </a:xfrm>
-        </p:spPr>
+        <p:spPr/>
         <p:txBody>
           <a:bodyPr/>
-          <a:lstStyle>
-            <a:lvl1pPr>
-              <a:defRPr>
-                <a:solidFill>
-                  <a:schemeClr val="tx2"/>
-                </a:solidFill>
-              </a:defRPr>
-            </a:lvl1pPr>
-          </a:lstStyle>
+          <a:lstStyle/>
           <a:p>
             <a:endParaRPr lang="fr-FR"/>
           </a:p>
@@ -2713,7 +5203,7 @@
       </p:sp>
       <p:sp>
         <p:nvSpPr>
-          <p:cNvPr id="7" name="Slide Number Placeholder 6"/>
+          <p:cNvPr id="6" name="Slide Number Placeholder 6"/>
           <p:cNvSpPr>
             <a:spLocks noGrp="1"/>
           </p:cNvSpPr>
@@ -2721,23 +5211,10 @@
             <p:ph type="sldNum" sz="quarter" idx="12"/>
           </p:nvPr>
         </p:nvSpPr>
-        <p:spPr>
-          <a:xfrm>
-            <a:off x="9883140" y="6453386"/>
-            <a:ext cx="1596292" cy="404614"/>
-          </a:xfrm>
-        </p:spPr>
+        <p:spPr/>
         <p:txBody>
           <a:bodyPr/>
-          <a:lstStyle>
-            <a:lvl1pPr>
-              <a:defRPr>
-                <a:solidFill>
-                  <a:schemeClr val="tx2"/>
-                </a:solidFill>
-              </a:defRPr>
-            </a:lvl1pPr>
-          </a:lstStyle>
+          <a:lstStyle/>
           <a:p>
             <a:fld id="{968527DC-0E06-4DDC-A259-DCA5405FCE0A}" type="slidenum">
               <a:rPr lang="fr-FR" smtClean="0"/>
@@ -2747,48 +5224,10 @@
           </a:p>
         </p:txBody>
       </p:sp>
-      <p:sp>
-        <p:nvSpPr>
-          <p:cNvPr id="9" name="Rectangle 8" title="Divider Bar"/>
-          <p:cNvSpPr/>
-          <p:nvPr/>
-        </p:nvSpPr>
-        <p:spPr>
-          <a:xfrm>
-            <a:off x="5303520" y="376"/>
-            <a:ext cx="228600" cy="6858000"/>
-          </a:xfrm>
-          <a:prstGeom prst="rect">
-            <a:avLst/>
-          </a:prstGeom>
-          <a:solidFill>
-            <a:schemeClr val="tx2"/>
-          </a:solidFill>
-          <a:ln>
-            <a:noFill/>
-          </a:ln>
-        </p:spPr>
-        <p:style>
-          <a:lnRef idx="2">
-            <a:schemeClr val="accent1">
-              <a:shade val="50000"/>
-            </a:schemeClr>
-          </a:lnRef>
-          <a:fillRef idx="1">
-            <a:schemeClr val="accent1"/>
-          </a:fillRef>
-          <a:effectRef idx="0">
-            <a:schemeClr val="accent1"/>
-          </a:effectRef>
-          <a:fontRef idx="minor">
-            <a:schemeClr val="lt1"/>
-          </a:fontRef>
-        </p:style>
-      </p:sp>
     </p:spTree>
     <p:extLst>
       <p:ext uri="{BB962C8B-B14F-4D97-AF65-F5344CB8AC3E}">
-        <p14:creationId xmlns:p14="http://schemas.microsoft.com/office/powerpoint/2010/main" val="3244927902"/>
+        <p14:creationId xmlns:p14="http://schemas.microsoft.com/office/powerpoint/2010/main" val="3613977982"/>
       </p:ext>
     </p:extLst>
   </p:cSld>
@@ -2799,7 +5238,7 @@
 </file>
 
 <file path=ppt/slideLayouts/slideLayout9.xml><?xml version="1.0" encoding="utf-8"?>
-<p:sldLayout xmlns:a="http://schemas.openxmlformats.org/drawingml/2006/main" xmlns:r="http://schemas.openxmlformats.org/officeDocument/2006/relationships" xmlns:p="http://schemas.openxmlformats.org/presentationml/2006/main" showMasterSp="0" type="picTx" preserve="1">
+<p:sldLayout xmlns:a="http://schemas.openxmlformats.org/drawingml/2006/main" xmlns:r="http://schemas.openxmlformats.org/officeDocument/2006/relationships" xmlns:p="http://schemas.openxmlformats.org/presentationml/2006/main" type="picTx" preserve="1">
   <p:cSld name="Image avec légende">
     <p:spTree>
       <p:nvGrpSpPr>
@@ -2817,74 +5256,112 @@
       </p:grpSpPr>
       <p:sp>
         <p:nvSpPr>
-          <p:cNvPr id="8" name="Rectangle 7" title="Background Shape"/>
-          <p:cNvSpPr/>
-          <p:nvPr/>
-        </p:nvSpPr>
-        <p:spPr>
-          <a:xfrm>
-            <a:off x="0" y="376"/>
-            <a:ext cx="5303520" cy="6857624"/>
-          </a:xfrm>
-          <a:prstGeom prst="rect">
-            <a:avLst/>
+          <p:cNvPr id="2" name="Title 1"/>
+          <p:cNvSpPr>
+            <a:spLocks noGrp="1"/>
+          </p:cNvSpPr>
+          <p:nvPr>
+            <p:ph type="title"/>
+          </p:nvPr>
+        </p:nvSpPr>
+        <p:spPr>
+          <a:xfrm>
+            <a:off x="1153907" y="1854192"/>
+            <a:ext cx="5092906" cy="1574808"/>
+          </a:xfrm>
+        </p:spPr>
+        <p:txBody>
+          <a:bodyPr anchor="b">
+            <a:normAutofit/>
+          </a:bodyPr>
+          <a:lstStyle>
+            <a:lvl1pPr algn="l">
+              <a:defRPr sz="3600" b="0"/>
+            </a:lvl1pPr>
+          </a:lstStyle>
+          <a:p>
+            <a:r>
+              <a:rPr lang="fr-FR"/>
+              <a:t>Modifiez le style du titre</a:t>
+            </a:r>
+            <a:endParaRPr lang="en-US" dirty="0"/>
+          </a:p>
+        </p:txBody>
+      </p:sp>
+      <p:sp>
+        <p:nvSpPr>
+          <p:cNvPr id="3" name="Picture Placeholder 2"/>
+          <p:cNvSpPr>
+            <a:spLocks noGrp="1" noChangeAspect="1"/>
+          </p:cNvSpPr>
+          <p:nvPr>
+            <p:ph type="pic" idx="1"/>
+          </p:nvPr>
+        </p:nvSpPr>
+        <p:spPr>
+          <a:xfrm>
+            <a:off x="6949546" y="1143000"/>
+            <a:ext cx="3200400" cy="4572000"/>
+          </a:xfrm>
+          <a:prstGeom prst="roundRect">
+            <a:avLst>
+              <a:gd name="adj" fmla="val 1858"/>
+            </a:avLst>
           </a:prstGeom>
-          <a:solidFill>
-            <a:schemeClr val="accent1"/>
-          </a:solidFill>
-          <a:ln>
-            <a:noFill/>
-          </a:ln>
-        </p:spPr>
-        <p:style>
-          <a:lnRef idx="2">
-            <a:schemeClr val="accent1">
-              <a:shade val="50000"/>
-            </a:schemeClr>
-          </a:lnRef>
-          <a:fillRef idx="1">
-            <a:schemeClr val="accent1"/>
-          </a:fillRef>
-          <a:effectRef idx="0">
-            <a:schemeClr val="accent1"/>
-          </a:effectRef>
-          <a:fontRef idx="minor">
-            <a:schemeClr val="lt1"/>
-          </a:fontRef>
-        </p:style>
-      </p:sp>
-      <p:sp>
-        <p:nvSpPr>
-          <p:cNvPr id="2" name="Title 1"/>
-          <p:cNvSpPr>
-            <a:spLocks noGrp="1"/>
-          </p:cNvSpPr>
-          <p:nvPr>
-            <p:ph type="title"/>
-          </p:nvPr>
-        </p:nvSpPr>
-        <p:spPr>
-          <a:xfrm>
-            <a:off x="723900" y="685800"/>
-            <a:ext cx="3855720" cy="2157884"/>
-          </a:xfrm>
+          <a:effectLst>
+            <a:outerShdw blurRad="50800" dist="50800" dir="5400000" algn="tl" rotWithShape="0">
+              <a:srgbClr val="000000">
+                <a:alpha val="43000"/>
+              </a:srgbClr>
+            </a:outerShdw>
+          </a:effectLst>
         </p:spPr>
         <p:txBody>
           <a:bodyPr anchor="t">
             <a:normAutofit/>
           </a:bodyPr>
           <a:lstStyle>
-            <a:lvl1pPr>
-              <a:lnSpc>
-                <a:spcPct val="84000"/>
-              </a:lnSpc>
-              <a:defRPr sz="4800" baseline="0"/>
+            <a:lvl1pPr marL="0" indent="0" algn="ctr">
+              <a:buNone/>
+              <a:defRPr sz="1600"/>
             </a:lvl1pPr>
+            <a:lvl2pPr marL="457200" indent="0">
+              <a:buNone/>
+              <a:defRPr sz="1600"/>
+            </a:lvl2pPr>
+            <a:lvl3pPr marL="914400" indent="0">
+              <a:buNone/>
+              <a:defRPr sz="1600"/>
+            </a:lvl3pPr>
+            <a:lvl4pPr marL="1371600" indent="0">
+              <a:buNone/>
+              <a:defRPr sz="1600"/>
+            </a:lvl4pPr>
+            <a:lvl5pPr marL="1828800" indent="0">
+              <a:buNone/>
+              <a:defRPr sz="1600"/>
+            </a:lvl5pPr>
+            <a:lvl6pPr marL="2286000" indent="0">
+              <a:buNone/>
+              <a:defRPr sz="1600"/>
+            </a:lvl6pPr>
+            <a:lvl7pPr marL="2743200" indent="0">
+              <a:buNone/>
+              <a:defRPr sz="1600"/>
+            </a:lvl7pPr>
+            <a:lvl8pPr marL="3200400" indent="0">
+              <a:buNone/>
+              <a:defRPr sz="1600"/>
+            </a:lvl8pPr>
+            <a:lvl9pPr marL="3657600" indent="0">
+              <a:buNone/>
+              <a:defRPr sz="1600"/>
+            </a:lvl9pPr>
           </a:lstStyle>
           <a:p>
             <a:r>
-              <a:rPr lang="fr-FR" smtClean="0"/>
-              <a:t>Modifiez le style du titre</a:t>
+              <a:rPr lang="fr-FR"/>
+              <a:t>Cliquez sur l'icône pour ajouter une image</a:t>
             </a:r>
             <a:endParaRPr lang="en-US" dirty="0"/>
           </a:p>
@@ -2892,176 +5369,89 @@
       </p:sp>
       <p:sp>
         <p:nvSpPr>
-          <p:cNvPr id="3" name="Picture Placeholder 2"/>
-          <p:cNvSpPr>
-            <a:spLocks noGrp="1" noChangeAspect="1"/>
-          </p:cNvSpPr>
-          <p:nvPr>
-            <p:ph type="pic" idx="1"/>
-          </p:nvPr>
-        </p:nvSpPr>
-        <p:spPr>
-          <a:xfrm>
-            <a:off x="5532120" y="0"/>
-            <a:ext cx="6659880" cy="6857999"/>
-          </a:xfrm>
-        </p:spPr>
-        <p:txBody>
-          <a:bodyPr anchor="t">
+          <p:cNvPr id="4" name="Text Placeholder 3"/>
+          <p:cNvSpPr>
+            <a:spLocks noGrp="1"/>
+          </p:cNvSpPr>
+          <p:nvPr>
+            <p:ph type="body" sz="half" idx="2"/>
+          </p:nvPr>
+        </p:nvSpPr>
+        <p:spPr>
+          <a:xfrm>
+            <a:off x="1154954" y="3657600"/>
+            <a:ext cx="5084979" cy="1371600"/>
+          </a:xfrm>
+        </p:spPr>
+        <p:txBody>
+          <a:bodyPr>
             <a:normAutofit/>
           </a:bodyPr>
           <a:lstStyle>
             <a:lvl1pPr marL="0" indent="0">
               <a:buNone/>
-              <a:defRPr sz="2000"/>
+              <a:defRPr sz="1400"/>
             </a:lvl1pPr>
             <a:lvl2pPr marL="457200" indent="0">
               <a:buNone/>
-              <a:defRPr sz="2000"/>
+              <a:defRPr sz="1200"/>
             </a:lvl2pPr>
             <a:lvl3pPr marL="914400" indent="0">
               <a:buNone/>
-              <a:defRPr sz="2000"/>
+              <a:defRPr sz="1000"/>
             </a:lvl3pPr>
             <a:lvl4pPr marL="1371600" indent="0">
               <a:buNone/>
-              <a:defRPr sz="2000"/>
+              <a:defRPr sz="900"/>
             </a:lvl4pPr>
             <a:lvl5pPr marL="1828800" indent="0">
               <a:buNone/>
-              <a:defRPr sz="2000"/>
+              <a:defRPr sz="900"/>
             </a:lvl5pPr>
             <a:lvl6pPr marL="2286000" indent="0">
               <a:buNone/>
-              <a:defRPr sz="2000"/>
+              <a:defRPr sz="900"/>
             </a:lvl6pPr>
             <a:lvl7pPr marL="2743200" indent="0">
               <a:buNone/>
-              <a:defRPr sz="2000"/>
+              <a:defRPr sz="900"/>
             </a:lvl7pPr>
             <a:lvl8pPr marL="3200400" indent="0">
               <a:buNone/>
-              <a:defRPr sz="2000"/>
+              <a:defRPr sz="900"/>
             </a:lvl8pPr>
             <a:lvl9pPr marL="3657600" indent="0">
               <a:buNone/>
-              <a:defRPr sz="2000"/>
+              <a:defRPr sz="900"/>
             </a:lvl9pPr>
           </a:lstStyle>
           <a:p>
-            <a:r>
-              <a:rPr lang="fr-FR" smtClean="0"/>
-              <a:t>Cliquez sur l'icône pour ajouter une image</a:t>
-            </a:r>
-            <a:endParaRPr lang="en-US" dirty="0"/>
-          </a:p>
-        </p:txBody>
-      </p:sp>
-      <p:sp>
-        <p:nvSpPr>
-          <p:cNvPr id="4" name="Text Placeholder 3"/>
-          <p:cNvSpPr>
-            <a:spLocks noGrp="1"/>
-          </p:cNvSpPr>
-          <p:nvPr>
-            <p:ph type="body" sz="half" idx="2"/>
-          </p:nvPr>
-        </p:nvSpPr>
-        <p:spPr>
-          <a:xfrm>
-            <a:off x="723900" y="2855968"/>
-            <a:ext cx="3855720" cy="3011432"/>
-          </a:xfrm>
-        </p:spPr>
+            <a:pPr lvl="0"/>
+            <a:r>
+              <a:rPr lang="fr-FR"/>
+              <a:t>Cliquez pour modifier les styles du texte du masque</a:t>
+            </a:r>
+          </a:p>
+        </p:txBody>
+      </p:sp>
+      <p:sp>
+        <p:nvSpPr>
+          <p:cNvPr id="5" name="Date Placeholder 4"/>
+          <p:cNvSpPr>
+            <a:spLocks noGrp="1"/>
+          </p:cNvSpPr>
+          <p:nvPr>
+            <p:ph type="dt" sz="half" idx="10"/>
+          </p:nvPr>
+        </p:nvSpPr>
+        <p:spPr/>
         <p:txBody>
           <a:bodyPr/>
-          <a:lstStyle>
-            <a:lvl1pPr marL="0" indent="0">
-              <a:lnSpc>
-                <a:spcPct val="113000"/>
-              </a:lnSpc>
-              <a:spcBef>
-                <a:spcPts val="0"/>
-              </a:spcBef>
-              <a:spcAft>
-                <a:spcPts val="1500"/>
-              </a:spcAft>
-              <a:buNone/>
-              <a:defRPr sz="1600"/>
-            </a:lvl1pPr>
-            <a:lvl2pPr marL="457200" indent="0">
-              <a:buNone/>
-              <a:defRPr sz="1400"/>
-            </a:lvl2pPr>
-            <a:lvl3pPr marL="914400" indent="0">
-              <a:buNone/>
-              <a:defRPr sz="1200"/>
-            </a:lvl3pPr>
-            <a:lvl4pPr marL="1371600" indent="0">
-              <a:buNone/>
-              <a:defRPr sz="1000"/>
-            </a:lvl4pPr>
-            <a:lvl5pPr marL="1828800" indent="0">
-              <a:buNone/>
-              <a:defRPr sz="1000"/>
-            </a:lvl5pPr>
-            <a:lvl6pPr marL="2286000" indent="0">
-              <a:buNone/>
-              <a:defRPr sz="1000"/>
-            </a:lvl6pPr>
-            <a:lvl7pPr marL="2743200" indent="0">
-              <a:buNone/>
-              <a:defRPr sz="1000"/>
-            </a:lvl7pPr>
-            <a:lvl8pPr marL="3200400" indent="0">
-              <a:buNone/>
-              <a:defRPr sz="1000"/>
-            </a:lvl8pPr>
-            <a:lvl9pPr marL="3657600" indent="0">
-              <a:buNone/>
-              <a:defRPr sz="1000"/>
-            </a:lvl9pPr>
-          </a:lstStyle>
-          <a:p>
-            <a:pPr lvl="0"/>
-            <a:r>
-              <a:rPr lang="fr-FR" smtClean="0"/>
-              <a:t>Modifier les styles du texte du masque</a:t>
-            </a:r>
-          </a:p>
-        </p:txBody>
-      </p:sp>
-      <p:sp>
-        <p:nvSpPr>
-          <p:cNvPr id="5" name="Date Placeholder 4"/>
-          <p:cNvSpPr>
-            <a:spLocks noGrp="1"/>
-          </p:cNvSpPr>
-          <p:nvPr>
-            <p:ph type="dt" sz="half" idx="10"/>
-          </p:nvPr>
-        </p:nvSpPr>
-        <p:spPr>
-          <a:xfrm>
-            <a:off x="723900" y="6453386"/>
-            <a:ext cx="1204572" cy="404614"/>
-          </a:xfrm>
-        </p:spPr>
-        <p:txBody>
-          <a:bodyPr/>
-          <a:lstStyle>
-            <a:lvl1pPr>
-              <a:defRPr>
-                <a:solidFill>
-                  <a:schemeClr val="tx2"/>
-                </a:solidFill>
-              </a:defRPr>
-            </a:lvl1pPr>
-          </a:lstStyle>
+          <a:lstStyle/>
           <a:p>
             <a:fld id="{FB546A5E-A556-4419-B2F5-43943CC8FCC0}" type="datetimeFigureOut">
               <a:rPr lang="fr-FR" smtClean="0"/>
-              <a:t>29/01/2020</a:t>
+              <a:t>30/01/2020</a:t>
             </a:fld>
             <a:endParaRPr lang="fr-FR"/>
           </a:p>
@@ -3077,23 +5467,10 @@
             <p:ph type="ftr" sz="quarter" idx="11"/>
           </p:nvPr>
         </p:nvSpPr>
-        <p:spPr>
-          <a:xfrm>
-            <a:off x="2205945" y="6453386"/>
-            <a:ext cx="2373675" cy="404614"/>
-          </a:xfrm>
-        </p:spPr>
+        <p:spPr/>
         <p:txBody>
           <a:bodyPr/>
-          <a:lstStyle>
-            <a:lvl1pPr>
-              <a:defRPr>
-                <a:solidFill>
-                  <a:schemeClr val="tx2"/>
-                </a:solidFill>
-              </a:defRPr>
-            </a:lvl1pPr>
-          </a:lstStyle>
+          <a:lstStyle/>
           <a:p>
             <a:endParaRPr lang="fr-FR"/>
           </a:p>
@@ -3109,23 +5486,10 @@
             <p:ph type="sldNum" sz="quarter" idx="12"/>
           </p:nvPr>
         </p:nvSpPr>
-        <p:spPr>
-          <a:xfrm>
-            <a:off x="9883140" y="6453386"/>
-            <a:ext cx="1596292" cy="404614"/>
-          </a:xfrm>
-        </p:spPr>
+        <p:spPr/>
         <p:txBody>
           <a:bodyPr/>
-          <a:lstStyle>
-            <a:lvl1pPr>
-              <a:defRPr>
-                <a:solidFill>
-                  <a:schemeClr val="tx2"/>
-                </a:solidFill>
-              </a:defRPr>
-            </a:lvl1pPr>
-          </a:lstStyle>
+          <a:lstStyle/>
           <a:p>
             <a:fld id="{968527DC-0E06-4DDC-A259-DCA5405FCE0A}" type="slidenum">
               <a:rPr lang="fr-FR" smtClean="0"/>
@@ -3135,48 +5499,10 @@
           </a:p>
         </p:txBody>
       </p:sp>
-      <p:sp>
-        <p:nvSpPr>
-          <p:cNvPr id="9" name="Rectangle 8" title="Divider Bar"/>
-          <p:cNvSpPr/>
-          <p:nvPr/>
-        </p:nvSpPr>
-        <p:spPr>
-          <a:xfrm>
-            <a:off x="5303520" y="376"/>
-            <a:ext cx="228600" cy="6858000"/>
-          </a:xfrm>
-          <a:prstGeom prst="rect">
-            <a:avLst/>
-          </a:prstGeom>
-          <a:solidFill>
-            <a:schemeClr val="tx2"/>
-          </a:solidFill>
-          <a:ln>
-            <a:noFill/>
-          </a:ln>
-        </p:spPr>
-        <p:style>
-          <a:lnRef idx="2">
-            <a:schemeClr val="accent1">
-              <a:shade val="50000"/>
-            </a:schemeClr>
-          </a:lnRef>
-          <a:fillRef idx="1">
-            <a:schemeClr val="accent1"/>
-          </a:fillRef>
-          <a:effectRef idx="0">
-            <a:schemeClr val="accent1"/>
-          </a:effectRef>
-          <a:fontRef idx="minor">
-            <a:schemeClr val="lt1"/>
-          </a:fontRef>
-        </p:style>
-      </p:sp>
     </p:spTree>
     <p:extLst>
       <p:ext uri="{BB962C8B-B14F-4D97-AF65-F5344CB8AC3E}">
-        <p14:creationId xmlns:p14="http://schemas.microsoft.com/office/powerpoint/2010/main" val="2810469847"/>
+        <p14:creationId xmlns:p14="http://schemas.microsoft.com/office/powerpoint/2010/main" val="2370117054"/>
       </p:ext>
     </p:extLst>
   </p:cSld>
@@ -3190,12 +5516,9 @@
 <p:sldMaster xmlns:a="http://schemas.openxmlformats.org/drawingml/2006/main" xmlns:r="http://schemas.openxmlformats.org/officeDocument/2006/relationships" xmlns:p="http://schemas.openxmlformats.org/presentationml/2006/main">
   <p:cSld>
     <p:bg>
-      <p:bgPr>
-        <a:solidFill>
-          <a:schemeClr val="bg2"/>
-        </a:solidFill>
-        <a:effectLst/>
-      </p:bgPr>
+      <p:bgRef idx="1003">
+        <a:schemeClr val="bg2"/>
+      </p:bgRef>
     </p:bg>
     <p:spTree>
       <p:nvGrpSpPr>
@@ -3211,245 +5534,120 @@
           <a:chExt cx="0" cy="0"/>
         </a:xfrm>
       </p:grpSpPr>
-      <p:sp>
-        <p:nvSpPr>
-          <p:cNvPr id="2" name="Title Placeholder 1"/>
-          <p:cNvSpPr>
-            <a:spLocks noGrp="1"/>
-          </p:cNvSpPr>
-          <p:nvPr>
-            <p:ph type="title"/>
-          </p:nvPr>
-        </p:nvSpPr>
-        <p:spPr>
-          <a:xfrm>
-            <a:off x="1371600" y="685800"/>
-            <a:ext cx="9601200" cy="1485900"/>
+      <p:pic>
+        <p:nvPicPr>
+          <p:cNvPr id="8" name="Picture 7"/>
+          <p:cNvPicPr>
+            <a:picLocks noChangeAspect="1"/>
+          </p:cNvPicPr>
+          <p:nvPr/>
+        </p:nvPicPr>
+        <p:blipFill rotWithShape="1">
+          <a:blip r:embed="rId19">
+            <a:extLst>
+              <a:ext uri="{28A0092B-C50C-407E-A947-70E740481C1C}">
+                <a14:useLocalDpi xmlns:a14="http://schemas.microsoft.com/office/drawing/2010/main" val="0"/>
+              </a:ext>
+            </a:extLst>
+          </a:blip>
+          <a:srcRect l="3613"/>
+          <a:stretch/>
+        </p:blipFill>
+        <p:spPr>
+          <a:xfrm>
+            <a:off x="0" y="2669685"/>
+            <a:ext cx="4037012" cy="4188315"/>
           </a:xfrm>
           <a:prstGeom prst="rect">
             <a:avLst/>
           </a:prstGeom>
         </p:spPr>
-        <p:txBody>
-          <a:bodyPr vert="horz" lIns="91440" tIns="45720" rIns="91440" bIns="45720" rtlCol="0" anchor="t">
-            <a:normAutofit/>
-          </a:bodyPr>
-          <a:lstStyle/>
-          <a:p>
-            <a:r>
-              <a:rPr lang="fr-FR" smtClean="0"/>
-              <a:t>Modifiez le style du titre</a:t>
-            </a:r>
-            <a:endParaRPr lang="en-US" dirty="0"/>
-          </a:p>
-        </p:txBody>
-      </p:sp>
-      <p:sp>
-        <p:nvSpPr>
-          <p:cNvPr id="3" name="Text Placeholder 2"/>
-          <p:cNvSpPr>
-            <a:spLocks noGrp="1"/>
-          </p:cNvSpPr>
-          <p:nvPr>
-            <p:ph type="body" idx="1"/>
-          </p:nvPr>
-        </p:nvSpPr>
-        <p:spPr>
-          <a:xfrm>
-            <a:off x="1371600" y="2286000"/>
-            <a:ext cx="9601200" cy="3581400"/>
+      </p:pic>
+      <p:pic>
+        <p:nvPicPr>
+          <p:cNvPr id="7" name="Picture 6"/>
+          <p:cNvPicPr>
+            <a:picLocks noChangeAspect="1"/>
+          </p:cNvPicPr>
+          <p:nvPr/>
+        </p:nvPicPr>
+        <p:blipFill rotWithShape="1">
+          <a:blip r:embed="rId20">
+            <a:extLst>
+              <a:ext uri="{28A0092B-C50C-407E-A947-70E740481C1C}">
+                <a14:useLocalDpi xmlns:a14="http://schemas.microsoft.com/office/drawing/2010/main" val="0"/>
+              </a:ext>
+            </a:extLst>
+          </a:blip>
+          <a:srcRect l="35640"/>
+          <a:stretch/>
+        </p:blipFill>
+        <p:spPr>
+          <a:xfrm>
+            <a:off x="0" y="2892347"/>
+            <a:ext cx="1522412" cy="2365453"/>
           </a:xfrm>
           <a:prstGeom prst="rect">
             <a:avLst/>
           </a:prstGeom>
         </p:spPr>
-        <p:txBody>
-          <a:bodyPr vert="horz" lIns="91440" tIns="45720" rIns="91440" bIns="45720" rtlCol="0">
-            <a:normAutofit/>
-          </a:bodyPr>
-          <a:lstStyle/>
-          <a:p>
-            <a:pPr lvl="0"/>
-            <a:r>
-              <a:rPr lang="fr-FR" smtClean="0"/>
-              <a:t>Modifier les styles du texte du masque</a:t>
-            </a:r>
-          </a:p>
-          <a:p>
-            <a:pPr lvl="1"/>
-            <a:r>
-              <a:rPr lang="fr-FR" smtClean="0"/>
-              <a:t>Deuxième niveau</a:t>
-            </a:r>
-          </a:p>
-          <a:p>
-            <a:pPr lvl="2"/>
-            <a:r>
-              <a:rPr lang="fr-FR" smtClean="0"/>
-              <a:t>Troisième niveau</a:t>
-            </a:r>
-          </a:p>
-          <a:p>
-            <a:pPr lvl="3"/>
-            <a:r>
-              <a:rPr lang="fr-FR" smtClean="0"/>
-              <a:t>Quatrième niveau</a:t>
-            </a:r>
-          </a:p>
-          <a:p>
-            <a:pPr lvl="4"/>
-            <a:r>
-              <a:rPr lang="fr-FR" smtClean="0"/>
-              <a:t>Cinquième niveau</a:t>
-            </a:r>
-            <a:endParaRPr lang="en-US" dirty="0"/>
-          </a:p>
-        </p:txBody>
-      </p:sp>
-      <p:sp>
-        <p:nvSpPr>
-          <p:cNvPr id="4" name="Date Placeholder 3"/>
-          <p:cNvSpPr>
-            <a:spLocks noGrp="1"/>
-          </p:cNvSpPr>
-          <p:nvPr>
-            <p:ph type="dt" sz="half" idx="2"/>
-          </p:nvPr>
-        </p:nvSpPr>
-        <p:spPr>
-          <a:xfrm>
-            <a:off x="1390650" y="6453386"/>
-            <a:ext cx="1204572" cy="404614"/>
-          </a:xfrm>
-          <a:prstGeom prst="rect">
+      </p:pic>
+      <p:sp>
+        <p:nvSpPr>
+          <p:cNvPr id="16" name="Oval 15"/>
+          <p:cNvSpPr/>
+          <p:nvPr/>
+        </p:nvSpPr>
+        <p:spPr>
+          <a:xfrm>
+            <a:off x="8609012" y="1676400"/>
+            <a:ext cx="2819400" cy="2819400"/>
+          </a:xfrm>
+          <a:prstGeom prst="ellipse">
             <a:avLst/>
           </a:prstGeom>
-        </p:spPr>
-        <p:txBody>
-          <a:bodyPr vert="horz" lIns="91440" tIns="45720" rIns="91440" bIns="45720" rtlCol="0" anchor="ctr"/>
-          <a:lstStyle>
-            <a:lvl1pPr algn="l">
-              <a:defRPr sz="1200" baseline="0">
-                <a:solidFill>
-                  <a:schemeClr val="tx2"/>
-                </a:solidFill>
-              </a:defRPr>
-            </a:lvl1pPr>
-          </a:lstStyle>
-          <a:p>
-            <a:fld id="{FB546A5E-A556-4419-B2F5-43943CC8FCC0}" type="datetimeFigureOut">
-              <a:rPr lang="fr-FR" smtClean="0"/>
-              <a:t>29/01/2020</a:t>
-            </a:fld>
-            <a:endParaRPr lang="fr-FR"/>
-          </a:p>
-        </p:txBody>
-      </p:sp>
-      <p:sp>
-        <p:nvSpPr>
-          <p:cNvPr id="5" name="Footer Placeholder 4"/>
-          <p:cNvSpPr>
-            <a:spLocks noGrp="1"/>
-          </p:cNvSpPr>
-          <p:nvPr>
-            <p:ph type="ftr" sz="quarter" idx="3"/>
-          </p:nvPr>
-        </p:nvSpPr>
-        <p:spPr>
-          <a:xfrm>
-            <a:off x="2893564" y="6453386"/>
-            <a:ext cx="6280830" cy="404614"/>
-          </a:xfrm>
-          <a:prstGeom prst="rect">
-            <a:avLst/>
-          </a:prstGeom>
-        </p:spPr>
-        <p:txBody>
-          <a:bodyPr vert="horz" lIns="91440" tIns="45720" rIns="91440" bIns="45720" rtlCol="0" anchor="ctr"/>
-          <a:lstStyle>
-            <a:lvl1pPr algn="l">
-              <a:defRPr sz="1200" baseline="0">
-                <a:solidFill>
-                  <a:schemeClr val="tx2"/>
-                </a:solidFill>
-              </a:defRPr>
-            </a:lvl1pPr>
-          </a:lstStyle>
-          <a:p>
-            <a:endParaRPr lang="fr-FR"/>
-          </a:p>
-        </p:txBody>
-      </p:sp>
-      <p:sp>
-        <p:nvSpPr>
-          <p:cNvPr id="6" name="Slide Number Placeholder 5"/>
-          <p:cNvSpPr>
-            <a:spLocks noGrp="1"/>
-          </p:cNvSpPr>
-          <p:nvPr>
-            <p:ph type="sldNum" sz="quarter" idx="4"/>
-          </p:nvPr>
-        </p:nvSpPr>
-        <p:spPr>
-          <a:xfrm>
-            <a:off x="9472736" y="6453386"/>
-            <a:ext cx="1596292" cy="404614"/>
-          </a:xfrm>
-          <a:prstGeom prst="rect">
-            <a:avLst/>
-          </a:prstGeom>
-        </p:spPr>
-        <p:txBody>
-          <a:bodyPr vert="horz" lIns="91440" tIns="45720" rIns="91440" bIns="45720" rtlCol="0" anchor="ctr"/>
-          <a:lstStyle>
-            <a:lvl1pPr algn="r">
-              <a:defRPr sz="1200" baseline="0">
-                <a:solidFill>
-                  <a:schemeClr val="tx2"/>
-                </a:solidFill>
-              </a:defRPr>
-            </a:lvl1pPr>
-          </a:lstStyle>
-          <a:p>
-            <a:fld id="{968527DC-0E06-4DDC-A259-DCA5405FCE0A}" type="slidenum">
-              <a:rPr lang="fr-FR" smtClean="0"/>
-              <a:t>‹N°›</a:t>
-            </a:fld>
-            <a:endParaRPr lang="fr-FR"/>
-          </a:p>
-        </p:txBody>
-      </p:sp>
-      <p:sp>
-        <p:nvSpPr>
-          <p:cNvPr id="9" name="Rectangle 8" title="Side bar"/>
-          <p:cNvSpPr/>
-          <p:nvPr/>
-        </p:nvSpPr>
-        <p:spPr>
-          <a:xfrm>
-            <a:off x="478095" y="376"/>
-            <a:ext cx="228600" cy="6858000"/>
-          </a:xfrm>
-          <a:prstGeom prst="rect">
-            <a:avLst/>
-          </a:prstGeom>
-          <a:solidFill>
-            <a:schemeClr val="tx2"/>
-          </a:solidFill>
+          <a:gradFill flip="none" rotWithShape="1">
+            <a:gsLst>
+              <a:gs pos="0">
+                <a:schemeClr val="bg2">
+                  <a:lumMod val="40000"/>
+                  <a:lumOff val="60000"/>
+                  <a:alpha val="7000"/>
+                </a:schemeClr>
+              </a:gs>
+              <a:gs pos="69000">
+                <a:schemeClr val="bg2">
+                  <a:lumMod val="40000"/>
+                  <a:lumOff val="60000"/>
+                  <a:alpha val="0"/>
+                </a:schemeClr>
+              </a:gs>
+              <a:gs pos="36000">
+                <a:schemeClr val="bg2">
+                  <a:lumMod val="40000"/>
+                  <a:lumOff val="60000"/>
+                  <a:alpha val="6000"/>
+                </a:schemeClr>
+              </a:gs>
+            </a:gsLst>
+            <a:path path="circle">
+              <a:fillToRect l="50000" t="50000" r="50000" b="50000"/>
+            </a:path>
+            <a:tileRect/>
+          </a:gradFill>
           <a:ln>
             <a:noFill/>
           </a:ln>
+          <a:effectLst/>
         </p:spPr>
         <p:style>
-          <a:lnRef idx="2">
-            <a:schemeClr val="accent1">
-              <a:shade val="50000"/>
-            </a:schemeClr>
+          <a:lnRef idx="1">
+            <a:schemeClr val="accent1"/>
           </a:lnRef>
-          <a:fillRef idx="1">
+          <a:fillRef idx="3">
             <a:schemeClr val="accent1"/>
           </a:fillRef>
-          <a:effectRef idx="0">
+          <a:effectRef idx="2">
             <a:schemeClr val="accent1"/>
           </a:effectRef>
           <a:fontRef idx="minor">
@@ -3457,38 +5655,351 @@
           </a:fontRef>
         </p:style>
       </p:sp>
+      <p:pic>
+        <p:nvPicPr>
+          <p:cNvPr id="9" name="Picture 8"/>
+          <p:cNvPicPr>
+            <a:picLocks noChangeAspect="1"/>
+          </p:cNvPicPr>
+          <p:nvPr/>
+        </p:nvPicPr>
+        <p:blipFill rotWithShape="1">
+          <a:blip r:embed="rId21">
+            <a:extLst>
+              <a:ext uri="{28A0092B-C50C-407E-A947-70E740481C1C}">
+                <a14:useLocalDpi xmlns:a14="http://schemas.microsoft.com/office/drawing/2010/main" val="0"/>
+              </a:ext>
+            </a:extLst>
+          </a:blip>
+          <a:srcRect t="28813"/>
+          <a:stretch/>
+        </p:blipFill>
+        <p:spPr>
+          <a:xfrm>
+            <a:off x="7999412" y="0"/>
+            <a:ext cx="1603387" cy="1141407"/>
+          </a:xfrm>
+          <a:prstGeom prst="rect">
+            <a:avLst/>
+          </a:prstGeom>
+        </p:spPr>
+      </p:pic>
+      <p:pic>
+        <p:nvPicPr>
+          <p:cNvPr id="10" name="Picture 9"/>
+          <p:cNvPicPr>
+            <a:picLocks noChangeAspect="1"/>
+          </p:cNvPicPr>
+          <p:nvPr/>
+        </p:nvPicPr>
+        <p:blipFill rotWithShape="1">
+          <a:blip r:embed="rId22">
+            <a:extLst>
+              <a:ext uri="{28A0092B-C50C-407E-A947-70E740481C1C}">
+                <a14:useLocalDpi xmlns:a14="http://schemas.microsoft.com/office/drawing/2010/main" val="0"/>
+              </a:ext>
+            </a:extLst>
+          </a:blip>
+          <a:srcRect b="23320"/>
+          <a:stretch/>
+        </p:blipFill>
+        <p:spPr>
+          <a:xfrm>
+            <a:off x="8609012" y="6096000"/>
+            <a:ext cx="993734" cy="762000"/>
+          </a:xfrm>
+          <a:prstGeom prst="rect">
+            <a:avLst/>
+          </a:prstGeom>
+        </p:spPr>
+      </p:pic>
+      <p:sp>
+        <p:nvSpPr>
+          <p:cNvPr id="14" name="Rectangle 13"/>
+          <p:cNvSpPr/>
+          <p:nvPr/>
+        </p:nvSpPr>
+        <p:spPr>
+          <a:xfrm>
+            <a:off x="10437812" y="0"/>
+            <a:ext cx="685800" cy="1143000"/>
+          </a:xfrm>
+          <a:prstGeom prst="rect">
+            <a:avLst/>
+          </a:prstGeom>
+          <a:solidFill>
+            <a:schemeClr val="accent1"/>
+          </a:solidFill>
+          <a:ln>
+            <a:noFill/>
+          </a:ln>
+        </p:spPr>
+        <p:style>
+          <a:lnRef idx="1">
+            <a:schemeClr val="accent1"/>
+          </a:lnRef>
+          <a:fillRef idx="3">
+            <a:schemeClr val="accent1"/>
+          </a:fillRef>
+          <a:effectRef idx="2">
+            <a:schemeClr val="accent1"/>
+          </a:effectRef>
+          <a:fontRef idx="minor">
+            <a:schemeClr val="lt1"/>
+          </a:fontRef>
+        </p:style>
+      </p:sp>
+      <p:sp>
+        <p:nvSpPr>
+          <p:cNvPr id="2" name="Title Placeholder 1"/>
+          <p:cNvSpPr>
+            <a:spLocks noGrp="1"/>
+          </p:cNvSpPr>
+          <p:nvPr>
+            <p:ph type="title"/>
+          </p:nvPr>
+        </p:nvSpPr>
+        <p:spPr>
+          <a:xfrm>
+            <a:off x="646111" y="452718"/>
+            <a:ext cx="9404723" cy="1400530"/>
+          </a:xfrm>
+          <a:prstGeom prst="rect">
+            <a:avLst/>
+          </a:prstGeom>
+        </p:spPr>
+        <p:txBody>
+          <a:bodyPr vert="horz" lIns="91440" tIns="45720" rIns="91440" bIns="45720" rtlCol="0" anchor="t">
+            <a:noAutofit/>
+          </a:bodyPr>
+          <a:lstStyle/>
+          <a:p>
+            <a:r>
+              <a:rPr lang="fr-FR"/>
+              <a:t>Modifiez le style du titre</a:t>
+            </a:r>
+            <a:endParaRPr lang="en-US" dirty="0"/>
+          </a:p>
+        </p:txBody>
+      </p:sp>
+      <p:sp>
+        <p:nvSpPr>
+          <p:cNvPr id="3" name="Text Placeholder 2"/>
+          <p:cNvSpPr>
+            <a:spLocks noGrp="1"/>
+          </p:cNvSpPr>
+          <p:nvPr>
+            <p:ph type="body" idx="1"/>
+          </p:nvPr>
+        </p:nvSpPr>
+        <p:spPr>
+          <a:xfrm>
+            <a:off x="1103312" y="2052918"/>
+            <a:ext cx="8946541" cy="4195481"/>
+          </a:xfrm>
+          <a:prstGeom prst="rect">
+            <a:avLst/>
+          </a:prstGeom>
+        </p:spPr>
+        <p:txBody>
+          <a:bodyPr vert="horz" lIns="91440" tIns="45720" rIns="91440" bIns="45720" rtlCol="0">
+            <a:normAutofit/>
+          </a:bodyPr>
+          <a:lstStyle/>
+          <a:p>
+            <a:pPr lvl="0"/>
+            <a:r>
+              <a:rPr lang="fr-FR"/>
+              <a:t>Cliquez pour modifier les styles du texte du masque</a:t>
+            </a:r>
+          </a:p>
+          <a:p>
+            <a:pPr lvl="1"/>
+            <a:r>
+              <a:rPr lang="fr-FR"/>
+              <a:t>Deuxième niveau</a:t>
+            </a:r>
+          </a:p>
+          <a:p>
+            <a:pPr lvl="2"/>
+            <a:r>
+              <a:rPr lang="fr-FR"/>
+              <a:t>Troisième niveau</a:t>
+            </a:r>
+          </a:p>
+          <a:p>
+            <a:pPr lvl="3"/>
+            <a:r>
+              <a:rPr lang="fr-FR"/>
+              <a:t>Quatrième niveau</a:t>
+            </a:r>
+          </a:p>
+          <a:p>
+            <a:pPr lvl="4"/>
+            <a:r>
+              <a:rPr lang="fr-FR"/>
+              <a:t>Cinquième niveau</a:t>
+            </a:r>
+            <a:endParaRPr lang="en-US" dirty="0"/>
+          </a:p>
+        </p:txBody>
+      </p:sp>
+      <p:sp>
+        <p:nvSpPr>
+          <p:cNvPr id="4" name="Date Placeholder 3"/>
+          <p:cNvSpPr>
+            <a:spLocks noGrp="1"/>
+          </p:cNvSpPr>
+          <p:nvPr>
+            <p:ph type="dt" sz="half" idx="2"/>
+          </p:nvPr>
+        </p:nvSpPr>
+        <p:spPr>
+          <a:xfrm rot="5400000">
+            <a:off x="10155639" y="1790701"/>
+            <a:ext cx="990599" cy="304799"/>
+          </a:xfrm>
+          <a:prstGeom prst="rect">
+            <a:avLst/>
+          </a:prstGeom>
+        </p:spPr>
+        <p:txBody>
+          <a:bodyPr vert="horz" lIns="91440" tIns="45720" rIns="91440" bIns="45720" rtlCol="0" anchor="t"/>
+          <a:lstStyle>
+            <a:lvl1pPr algn="l">
+              <a:defRPr sz="1100" b="0" i="0">
+                <a:solidFill>
+                  <a:schemeClr val="tx1">
+                    <a:tint val="75000"/>
+                    <a:alpha val="60000"/>
+                  </a:schemeClr>
+                </a:solidFill>
+              </a:defRPr>
+            </a:lvl1pPr>
+          </a:lstStyle>
+          <a:p>
+            <a:fld id="{FB546A5E-A556-4419-B2F5-43943CC8FCC0}" type="datetimeFigureOut">
+              <a:rPr lang="fr-FR" smtClean="0"/>
+              <a:t>30/01/2020</a:t>
+            </a:fld>
+            <a:endParaRPr lang="fr-FR"/>
+          </a:p>
+        </p:txBody>
+      </p:sp>
+      <p:sp>
+        <p:nvSpPr>
+          <p:cNvPr id="5" name="Footer Placeholder 4"/>
+          <p:cNvSpPr>
+            <a:spLocks noGrp="1"/>
+          </p:cNvSpPr>
+          <p:nvPr>
+            <p:ph type="ftr" sz="quarter" idx="3"/>
+          </p:nvPr>
+        </p:nvSpPr>
+        <p:spPr>
+          <a:xfrm rot="5400000">
+            <a:off x="8951573" y="3225297"/>
+            <a:ext cx="3859795" cy="304801"/>
+          </a:xfrm>
+          <a:prstGeom prst="rect">
+            <a:avLst/>
+          </a:prstGeom>
+        </p:spPr>
+        <p:txBody>
+          <a:bodyPr vert="horz" lIns="91440" tIns="45720" rIns="91440" bIns="45720" rtlCol="0" anchor="b"/>
+          <a:lstStyle>
+            <a:lvl1pPr algn="l">
+              <a:defRPr sz="1100" b="0" i="0">
+                <a:solidFill>
+                  <a:schemeClr val="tx1">
+                    <a:tint val="75000"/>
+                    <a:alpha val="60000"/>
+                  </a:schemeClr>
+                </a:solidFill>
+              </a:defRPr>
+            </a:lvl1pPr>
+          </a:lstStyle>
+          <a:p>
+            <a:endParaRPr lang="fr-FR"/>
+          </a:p>
+        </p:txBody>
+      </p:sp>
+      <p:sp>
+        <p:nvSpPr>
+          <p:cNvPr id="6" name="Slide Number Placeholder 5"/>
+          <p:cNvSpPr>
+            <a:spLocks noGrp="1"/>
+          </p:cNvSpPr>
+          <p:nvPr>
+            <p:ph type="sldNum" sz="quarter" idx="4"/>
+          </p:nvPr>
+        </p:nvSpPr>
+        <p:spPr>
+          <a:xfrm>
+            <a:off x="10352540" y="295729"/>
+            <a:ext cx="838199" cy="767687"/>
+          </a:xfrm>
+          <a:prstGeom prst="rect">
+            <a:avLst/>
+          </a:prstGeom>
+        </p:spPr>
+        <p:txBody>
+          <a:bodyPr vert="horz" lIns="91440" tIns="45720" rIns="91440" bIns="45720" rtlCol="0" anchor="b"/>
+          <a:lstStyle>
+            <a:lvl1pPr algn="ctr">
+              <a:defRPr sz="2800" b="0" i="0">
+                <a:solidFill>
+                  <a:schemeClr val="tx1">
+                    <a:tint val="75000"/>
+                  </a:schemeClr>
+                </a:solidFill>
+              </a:defRPr>
+            </a:lvl1pPr>
+          </a:lstStyle>
+          <a:p>
+            <a:fld id="{968527DC-0E06-4DDC-A259-DCA5405FCE0A}" type="slidenum">
+              <a:rPr lang="fr-FR" smtClean="0"/>
+              <a:t>‹N°›</a:t>
+            </a:fld>
+            <a:endParaRPr lang="fr-FR"/>
+          </a:p>
+        </p:txBody>
+      </p:sp>
     </p:spTree>
     <p:extLst>
       <p:ext uri="{BB962C8B-B14F-4D97-AF65-F5344CB8AC3E}">
-        <p14:creationId xmlns:p14="http://schemas.microsoft.com/office/powerpoint/2010/main" val="1451186963"/>
+        <p14:creationId xmlns:p14="http://schemas.microsoft.com/office/powerpoint/2010/main" val="2578753177"/>
       </p:ext>
     </p:extLst>
   </p:cSld>
-  <p:clrMap bg1="lt1" tx1="dk1" bg2="lt2" tx2="dk2" accent1="accent1" accent2="accent2" accent3="accent3" accent4="accent4" accent5="accent5" accent6="accent6" hlink="hlink" folHlink="folHlink"/>
+  <p:clrMap bg1="dk1" tx1="lt1" bg2="dk2" tx2="lt2" accent1="accent1" accent2="accent2" accent3="accent3" accent4="accent4" accent5="accent5" accent6="accent6" hlink="hlink" folHlink="folHlink"/>
   <p:sldLayoutIdLst>
-    <p:sldLayoutId id="2147483661" r:id="rId1"/>
-    <p:sldLayoutId id="2147483662" r:id="rId2"/>
-    <p:sldLayoutId id="2147483663" r:id="rId3"/>
-    <p:sldLayoutId id="2147483664" r:id="rId4"/>
-    <p:sldLayoutId id="2147483665" r:id="rId5"/>
-    <p:sldLayoutId id="2147483666" r:id="rId6"/>
-    <p:sldLayoutId id="2147483667" r:id="rId7"/>
-    <p:sldLayoutId id="2147483668" r:id="rId8"/>
-    <p:sldLayoutId id="2147483669" r:id="rId9"/>
-    <p:sldLayoutId id="2147483670" r:id="rId10"/>
-    <p:sldLayoutId id="2147483671" r:id="rId11"/>
+    <p:sldLayoutId id="2147483851" r:id="rId1"/>
+    <p:sldLayoutId id="2147483852" r:id="rId2"/>
+    <p:sldLayoutId id="2147483853" r:id="rId3"/>
+    <p:sldLayoutId id="2147483854" r:id="rId4"/>
+    <p:sldLayoutId id="2147483855" r:id="rId5"/>
+    <p:sldLayoutId id="2147483856" r:id="rId6"/>
+    <p:sldLayoutId id="2147483857" r:id="rId7"/>
+    <p:sldLayoutId id="2147483858" r:id="rId8"/>
+    <p:sldLayoutId id="2147483859" r:id="rId9"/>
+    <p:sldLayoutId id="2147483860" r:id="rId10"/>
+    <p:sldLayoutId id="2147483861" r:id="rId11"/>
+    <p:sldLayoutId id="2147483862" r:id="rId12"/>
+    <p:sldLayoutId id="2147483863" r:id="rId13"/>
+    <p:sldLayoutId id="2147483864" r:id="rId14"/>
+    <p:sldLayoutId id="2147483865" r:id="rId15"/>
+    <p:sldLayoutId id="2147483866" r:id="rId16"/>
+    <p:sldLayoutId id="2147483867" r:id="rId17"/>
   </p:sldLayoutIdLst>
   <p:txStyles>
     <p:titleStyle>
-      <a:lvl1pPr algn="l" defTabSz="914400" rtl="0" eaLnBrk="1" latinLnBrk="0" hangingPunct="1">
-        <a:lnSpc>
-          <a:spcPct val="89000"/>
-        </a:lnSpc>
+      <a:lvl1pPr algn="l" defTabSz="457200" rtl="0" eaLnBrk="1" latinLnBrk="0" hangingPunct="1">
         <a:spcBef>
           <a:spcPct val="0"/>
         </a:spcBef>
         <a:buNone/>
-        <a:defRPr sz="4400" kern="1200" baseline="0">
+        <a:defRPr sz="4200" b="0" i="0" kern="1200">
           <a:solidFill>
             <a:schemeClr val="tx2"/>
           </a:solidFill>
@@ -3497,195 +6008,260 @@
           <a:cs typeface="+mj-cs"/>
         </a:defRPr>
       </a:lvl1pPr>
+      <a:lvl2pPr eaLnBrk="1" hangingPunct="1">
+        <a:defRPr>
+          <a:solidFill>
+            <a:schemeClr val="tx2"/>
+          </a:solidFill>
+        </a:defRPr>
+      </a:lvl2pPr>
+      <a:lvl3pPr eaLnBrk="1" hangingPunct="1">
+        <a:defRPr>
+          <a:solidFill>
+            <a:schemeClr val="tx2"/>
+          </a:solidFill>
+        </a:defRPr>
+      </a:lvl3pPr>
+      <a:lvl4pPr eaLnBrk="1" hangingPunct="1">
+        <a:defRPr>
+          <a:solidFill>
+            <a:schemeClr val="tx2"/>
+          </a:solidFill>
+        </a:defRPr>
+      </a:lvl4pPr>
+      <a:lvl5pPr eaLnBrk="1" hangingPunct="1">
+        <a:defRPr>
+          <a:solidFill>
+            <a:schemeClr val="tx2"/>
+          </a:solidFill>
+        </a:defRPr>
+      </a:lvl5pPr>
+      <a:lvl6pPr eaLnBrk="1" hangingPunct="1">
+        <a:defRPr>
+          <a:solidFill>
+            <a:schemeClr val="tx2"/>
+          </a:solidFill>
+        </a:defRPr>
+      </a:lvl6pPr>
+      <a:lvl7pPr eaLnBrk="1" hangingPunct="1">
+        <a:defRPr>
+          <a:solidFill>
+            <a:schemeClr val="tx2"/>
+          </a:solidFill>
+        </a:defRPr>
+      </a:lvl7pPr>
+      <a:lvl8pPr eaLnBrk="1" hangingPunct="1">
+        <a:defRPr>
+          <a:solidFill>
+            <a:schemeClr val="tx2"/>
+          </a:solidFill>
+        </a:defRPr>
+      </a:lvl8pPr>
+      <a:lvl9pPr eaLnBrk="1" hangingPunct="1">
+        <a:defRPr>
+          <a:solidFill>
+            <a:schemeClr val="tx2"/>
+          </a:solidFill>
+        </a:defRPr>
+      </a:lvl9pPr>
     </p:titleStyle>
     <p:bodyStyle>
-      <a:lvl1pPr marL="384048" indent="-384048" algn="l" defTabSz="914400" rtl="0" eaLnBrk="1" latinLnBrk="0" hangingPunct="1">
-        <a:lnSpc>
-          <a:spcPct val="94000"/>
-        </a:lnSpc>
+      <a:lvl1pPr marL="342900" indent="-342900" algn="l" defTabSz="457200" rtl="0" eaLnBrk="1" latinLnBrk="0" hangingPunct="1">
         <a:spcBef>
           <a:spcPts val="1000"/>
         </a:spcBef>
         <a:spcAft>
-          <a:spcPts val="200"/>
+          <a:spcPts val="0"/>
         </a:spcAft>
-        <a:buFont typeface="Franklin Gothic Book" panose="020B0503020102020204" pitchFamily="34" charset="0"/>
-        <a:buChar char="■"/>
-        <a:defRPr sz="2000" kern="1200" baseline="0">
+        <a:buClr>
+          <a:schemeClr val="accent1"/>
+        </a:buClr>
+        <a:buSzPct val="80000"/>
+        <a:buFont typeface="Wingdings 3" charset="2"/>
+        <a:buChar char=""/>
+        <a:defRPr sz="2000" b="0" i="0" kern="1200">
           <a:solidFill>
-            <a:schemeClr val="tx2"/>
+            <a:schemeClr val="tx1"/>
           </a:solidFill>
-          <a:latin typeface="+mn-lt"/>
-          <a:ea typeface="+mn-ea"/>
-          <a:cs typeface="+mn-cs"/>
+          <a:latin typeface="+mj-lt"/>
+          <a:ea typeface="+mj-ea"/>
+          <a:cs typeface="+mj-cs"/>
         </a:defRPr>
       </a:lvl1pPr>
-      <a:lvl2pPr marL="914400" indent="-384048" algn="l" defTabSz="914400" rtl="0" eaLnBrk="1" latinLnBrk="0" hangingPunct="1">
-        <a:lnSpc>
-          <a:spcPct val="94000"/>
-        </a:lnSpc>
+      <a:lvl2pPr marL="742950" indent="-285750" algn="l" defTabSz="457200" rtl="0" eaLnBrk="1" latinLnBrk="0" hangingPunct="1">
         <a:spcBef>
-          <a:spcPts val="500"/>
+          <a:spcPts val="1000"/>
         </a:spcBef>
         <a:spcAft>
-          <a:spcPts val="200"/>
+          <a:spcPts val="0"/>
         </a:spcAft>
-        <a:buFont typeface="Franklin Gothic Book" panose="020B0503020102020204" pitchFamily="34" charset="0"/>
-        <a:buChar char="–"/>
-        <a:defRPr sz="2000" i="1" kern="1200" baseline="0">
+        <a:buClr>
+          <a:schemeClr val="accent1"/>
+        </a:buClr>
+        <a:buSzPct val="80000"/>
+        <a:buFont typeface="Wingdings 3" charset="2"/>
+        <a:buChar char=""/>
+        <a:defRPr sz="1800" b="0" i="0" kern="1200">
           <a:solidFill>
-            <a:schemeClr val="tx2"/>
+            <a:schemeClr val="tx1"/>
           </a:solidFill>
-          <a:latin typeface="+mn-lt"/>
-          <a:ea typeface="+mn-ea"/>
-          <a:cs typeface="+mn-cs"/>
+          <a:latin typeface="+mj-lt"/>
+          <a:ea typeface="+mj-ea"/>
+          <a:cs typeface="+mj-cs"/>
         </a:defRPr>
       </a:lvl2pPr>
-      <a:lvl3pPr marL="1371600" indent="-384048" algn="l" defTabSz="914400" rtl="0" eaLnBrk="1" latinLnBrk="0" hangingPunct="1">
-        <a:lnSpc>
-          <a:spcPct val="94000"/>
-        </a:lnSpc>
+      <a:lvl3pPr marL="1143000" indent="-228600" algn="l" defTabSz="457200" rtl="0" eaLnBrk="1" latinLnBrk="0" hangingPunct="1">
         <a:spcBef>
-          <a:spcPts val="500"/>
+          <a:spcPts val="1000"/>
         </a:spcBef>
         <a:spcAft>
-          <a:spcPts val="200"/>
+          <a:spcPts val="0"/>
         </a:spcAft>
-        <a:buFont typeface="Franklin Gothic Book" panose="020B0503020102020204" pitchFamily="34" charset="0"/>
-        <a:buChar char="■"/>
-        <a:defRPr sz="1800" kern="1200" baseline="0">
+        <a:buClr>
+          <a:schemeClr val="accent1"/>
+        </a:buClr>
+        <a:buSzPct val="80000"/>
+        <a:buFont typeface="Wingdings 3" charset="2"/>
+        <a:buChar char=""/>
+        <a:defRPr sz="1600" b="0" i="0" kern="1200">
           <a:solidFill>
-            <a:schemeClr val="tx2"/>
+            <a:schemeClr val="tx1"/>
           </a:solidFill>
-          <a:latin typeface="+mn-lt"/>
-          <a:ea typeface="+mn-ea"/>
-          <a:cs typeface="+mn-cs"/>
+          <a:latin typeface="+mj-lt"/>
+          <a:ea typeface="+mj-ea"/>
+          <a:cs typeface="+mj-cs"/>
         </a:defRPr>
       </a:lvl3pPr>
-      <a:lvl4pPr marL="1828800" indent="-384048" algn="l" defTabSz="914400" rtl="0" eaLnBrk="1" latinLnBrk="0" hangingPunct="1">
-        <a:lnSpc>
-          <a:spcPct val="94000"/>
-        </a:lnSpc>
+      <a:lvl4pPr marL="1600200" indent="-228600" algn="l" defTabSz="457200" rtl="0" eaLnBrk="1" latinLnBrk="0" hangingPunct="1">
         <a:spcBef>
-          <a:spcPts val="500"/>
+          <a:spcPts val="1000"/>
         </a:spcBef>
         <a:spcAft>
-          <a:spcPts val="200"/>
+          <a:spcPts val="0"/>
         </a:spcAft>
-        <a:buFont typeface="Franklin Gothic Book" panose="020B0503020102020204" pitchFamily="34" charset="0"/>
-        <a:buChar char="–"/>
-        <a:defRPr sz="1800" i="1" kern="1200" baseline="0">
+        <a:buClr>
+          <a:schemeClr val="accent1"/>
+        </a:buClr>
+        <a:buSzPct val="80000"/>
+        <a:buFont typeface="Wingdings 3" charset="2"/>
+        <a:buChar char=""/>
+        <a:defRPr sz="1400" b="0" i="0" kern="1200">
           <a:solidFill>
-            <a:schemeClr val="tx2"/>
+            <a:schemeClr val="tx1"/>
           </a:solidFill>
-          <a:latin typeface="+mn-lt"/>
-          <a:ea typeface="+mn-ea"/>
-          <a:cs typeface="+mn-cs"/>
+          <a:latin typeface="+mj-lt"/>
+          <a:ea typeface="+mj-ea"/>
+          <a:cs typeface="+mj-cs"/>
         </a:defRPr>
       </a:lvl4pPr>
-      <a:lvl5pPr marL="2286000" indent="-384048" algn="l" defTabSz="914400" rtl="0" eaLnBrk="1" latinLnBrk="0" hangingPunct="1">
-        <a:lnSpc>
-          <a:spcPct val="94000"/>
-        </a:lnSpc>
+      <a:lvl5pPr marL="2057400" indent="-228600" algn="l" defTabSz="457200" rtl="0" eaLnBrk="1" latinLnBrk="0" hangingPunct="1">
         <a:spcBef>
-          <a:spcPts val="500"/>
+          <a:spcPts val="1000"/>
         </a:spcBef>
         <a:spcAft>
-          <a:spcPts val="200"/>
+          <a:spcPts val="0"/>
         </a:spcAft>
-        <a:buFont typeface="Franklin Gothic Book" panose="020B0503020102020204" pitchFamily="34" charset="0"/>
-        <a:buChar char="■"/>
-        <a:defRPr sz="1600" kern="1200" baseline="0">
+        <a:buClr>
+          <a:schemeClr val="accent1"/>
+        </a:buClr>
+        <a:buSzPct val="80000"/>
+        <a:buFont typeface="Wingdings 3" charset="2"/>
+        <a:buChar char=""/>
+        <a:defRPr sz="1400" b="0" i="0" kern="1200">
           <a:solidFill>
-            <a:schemeClr val="tx2"/>
+            <a:schemeClr val="tx1"/>
           </a:solidFill>
-          <a:latin typeface="+mn-lt"/>
-          <a:ea typeface="+mn-ea"/>
-          <a:cs typeface="+mn-cs"/>
+          <a:latin typeface="+mj-lt"/>
+          <a:ea typeface="+mj-ea"/>
+          <a:cs typeface="+mj-cs"/>
         </a:defRPr>
       </a:lvl5pPr>
-      <a:lvl6pPr marL="2743200" indent="-384048" algn="l" defTabSz="914400" rtl="0" eaLnBrk="1" latinLnBrk="0" hangingPunct="1">
-        <a:lnSpc>
-          <a:spcPct val="94000"/>
-        </a:lnSpc>
+      <a:lvl6pPr marL="2514600" indent="-228600" algn="l" defTabSz="457200" rtl="0" eaLnBrk="1" latinLnBrk="0" hangingPunct="1">
         <a:spcBef>
-          <a:spcPts val="500"/>
+          <a:spcPts val="1000"/>
         </a:spcBef>
         <a:spcAft>
-          <a:spcPts val="200"/>
+          <a:spcPts val="0"/>
         </a:spcAft>
-        <a:buFont typeface="Franklin Gothic Book" panose="020B0503020102020204" pitchFamily="34" charset="0"/>
-        <a:buChar char="–"/>
-        <a:defRPr sz="1600" i="1" kern="1200" baseline="0">
+        <a:buClr>
+          <a:schemeClr val="accent1"/>
+        </a:buClr>
+        <a:buSzPct val="80000"/>
+        <a:buFont typeface="Wingdings 3" charset="2"/>
+        <a:buChar char=""/>
+        <a:defRPr sz="1400" b="0" i="0" kern="1200">
           <a:solidFill>
-            <a:schemeClr val="tx2"/>
+            <a:schemeClr val="tx1"/>
           </a:solidFill>
-          <a:latin typeface="+mn-lt"/>
-          <a:ea typeface="+mn-ea"/>
-          <a:cs typeface="+mn-cs"/>
+          <a:latin typeface="+mj-lt"/>
+          <a:ea typeface="+mj-ea"/>
+          <a:cs typeface="+mj-cs"/>
         </a:defRPr>
       </a:lvl6pPr>
-      <a:lvl7pPr marL="3200400" indent="-384048" algn="l" defTabSz="914400" rtl="0" eaLnBrk="1" latinLnBrk="0" hangingPunct="1">
-        <a:lnSpc>
-          <a:spcPct val="94000"/>
-        </a:lnSpc>
+      <a:lvl7pPr marL="2971800" indent="-228600" algn="l" defTabSz="457200" rtl="0" eaLnBrk="1" latinLnBrk="0" hangingPunct="1">
         <a:spcBef>
-          <a:spcPts val="500"/>
+          <a:spcPts val="1000"/>
         </a:spcBef>
         <a:spcAft>
-          <a:spcPts val="200"/>
+          <a:spcPts val="0"/>
         </a:spcAft>
-        <a:buFont typeface="Franklin Gothic Book" panose="020B0503020102020204" pitchFamily="34" charset="0"/>
-        <a:buChar char="■"/>
-        <a:defRPr sz="1400" kern="1200" baseline="0">
+        <a:buClr>
+          <a:schemeClr val="accent1"/>
+        </a:buClr>
+        <a:buSzPct val="80000"/>
+        <a:buFont typeface="Wingdings 3" charset="2"/>
+        <a:buChar char=""/>
+        <a:defRPr sz="1400" b="0" i="0" kern="1200">
           <a:solidFill>
-            <a:schemeClr val="tx2"/>
+            <a:schemeClr val="tx1"/>
           </a:solidFill>
-          <a:latin typeface="+mn-lt"/>
-          <a:ea typeface="+mn-ea"/>
-          <a:cs typeface="+mn-cs"/>
+          <a:latin typeface="+mj-lt"/>
+          <a:ea typeface="+mj-ea"/>
+          <a:cs typeface="+mj-cs"/>
         </a:defRPr>
       </a:lvl7pPr>
-      <a:lvl8pPr marL="3657600" indent="-384048" algn="l" defTabSz="914400" rtl="0" eaLnBrk="1" latinLnBrk="0" hangingPunct="1">
-        <a:lnSpc>
-          <a:spcPct val="94000"/>
-        </a:lnSpc>
+      <a:lvl8pPr marL="3429000" indent="-228600" algn="l" defTabSz="457200" rtl="0" eaLnBrk="1" latinLnBrk="0" hangingPunct="1">
         <a:spcBef>
-          <a:spcPts val="500"/>
+          <a:spcPts val="1000"/>
         </a:spcBef>
         <a:spcAft>
-          <a:spcPts val="200"/>
+          <a:spcPts val="0"/>
         </a:spcAft>
-        <a:buFont typeface="Franklin Gothic Book" panose="020B0503020102020204" pitchFamily="34" charset="0"/>
-        <a:buChar char="–"/>
-        <a:defRPr sz="1400" i="1" kern="1200" baseline="0">
+        <a:buClr>
+          <a:schemeClr val="accent1"/>
+        </a:buClr>
+        <a:buSzPct val="80000"/>
+        <a:buFont typeface="Wingdings 3" charset="2"/>
+        <a:buChar char=""/>
+        <a:defRPr sz="1400" b="0" i="0" kern="1200">
           <a:solidFill>
-            <a:schemeClr val="tx2"/>
+            <a:schemeClr val="tx1"/>
           </a:solidFill>
-          <a:latin typeface="+mn-lt"/>
-          <a:ea typeface="+mn-ea"/>
-          <a:cs typeface="+mn-cs"/>
+          <a:latin typeface="+mj-lt"/>
+          <a:ea typeface="+mj-ea"/>
+          <a:cs typeface="+mj-cs"/>
         </a:defRPr>
       </a:lvl8pPr>
-      <a:lvl9pPr marL="4114800" indent="-384048" algn="l" defTabSz="914400" rtl="0" eaLnBrk="1" latinLnBrk="0" hangingPunct="1">
-        <a:lnSpc>
-          <a:spcPct val="94000"/>
-        </a:lnSpc>
+      <a:lvl9pPr marL="3886200" indent="-228600" algn="l" defTabSz="457200" rtl="0" eaLnBrk="1" latinLnBrk="0" hangingPunct="1">
         <a:spcBef>
-          <a:spcPts val="500"/>
+          <a:spcPts val="1000"/>
         </a:spcBef>
         <a:spcAft>
-          <a:spcPts val="200"/>
+          <a:spcPts val="0"/>
         </a:spcAft>
-        <a:buFont typeface="Franklin Gothic Book" panose="020B0503020102020204" pitchFamily="34" charset="0"/>
-        <a:buChar char="■"/>
-        <a:defRPr sz="1400" kern="1200" baseline="0">
+        <a:buClr>
+          <a:schemeClr val="accent1"/>
+        </a:buClr>
+        <a:buSzPct val="80000"/>
+        <a:buFont typeface="Wingdings 3" charset="2"/>
+        <a:buChar char=""/>
+        <a:defRPr sz="1400" b="0" i="0" kern="1200">
           <a:solidFill>
-            <a:schemeClr val="tx2"/>
+            <a:schemeClr val="tx1"/>
           </a:solidFill>
-          <a:latin typeface="+mn-lt"/>
-          <a:ea typeface="+mn-ea"/>
-          <a:cs typeface="+mn-cs"/>
+          <a:latin typeface="+mj-lt"/>
+          <a:ea typeface="+mj-ea"/>
+          <a:cs typeface="+mj-cs"/>
         </a:defRPr>
       </a:lvl9pPr>
     </p:bodyStyle>
@@ -3693,7 +6269,7 @@
       <a:defPPr>
         <a:defRPr lang="en-US"/>
       </a:defPPr>
-      <a:lvl1pPr marL="0" algn="l" defTabSz="914400" rtl="0" eaLnBrk="1" latinLnBrk="0" hangingPunct="1">
+      <a:lvl1pPr marL="0" algn="l" defTabSz="457200" rtl="0" eaLnBrk="1" latinLnBrk="0" hangingPunct="1">
         <a:defRPr sz="1800" kern="1200">
           <a:solidFill>
             <a:schemeClr val="tx1"/>
@@ -3703,7 +6279,7 @@
           <a:cs typeface="+mn-cs"/>
         </a:defRPr>
       </a:lvl1pPr>
-      <a:lvl2pPr marL="457200" algn="l" defTabSz="914400" rtl="0" eaLnBrk="1" latinLnBrk="0" hangingPunct="1">
+      <a:lvl2pPr marL="457200" algn="l" defTabSz="457200" rtl="0" eaLnBrk="1" latinLnBrk="0" hangingPunct="1">
         <a:defRPr sz="1800" kern="1200">
           <a:solidFill>
             <a:schemeClr val="tx1"/>
@@ -3713,7 +6289,7 @@
           <a:cs typeface="+mn-cs"/>
         </a:defRPr>
       </a:lvl2pPr>
-      <a:lvl3pPr marL="914400" algn="l" defTabSz="914400" rtl="0" eaLnBrk="1" latinLnBrk="0" hangingPunct="1">
+      <a:lvl3pPr marL="914400" algn="l" defTabSz="457200" rtl="0" eaLnBrk="1" latinLnBrk="0" hangingPunct="1">
         <a:defRPr sz="1800" kern="1200">
           <a:solidFill>
             <a:schemeClr val="tx1"/>
@@ -3723,7 +6299,7 @@
           <a:cs typeface="+mn-cs"/>
         </a:defRPr>
       </a:lvl3pPr>
-      <a:lvl4pPr marL="1371600" algn="l" defTabSz="914400" rtl="0" eaLnBrk="1" latinLnBrk="0" hangingPunct="1">
+      <a:lvl4pPr marL="1371600" algn="l" defTabSz="457200" rtl="0" eaLnBrk="1" latinLnBrk="0" hangingPunct="1">
         <a:defRPr sz="1800" kern="1200">
           <a:solidFill>
             <a:schemeClr val="tx1"/>
@@ -3733,7 +6309,7 @@
           <a:cs typeface="+mn-cs"/>
         </a:defRPr>
       </a:lvl4pPr>
-      <a:lvl5pPr marL="1828800" algn="l" defTabSz="914400" rtl="0" eaLnBrk="1" latinLnBrk="0" hangingPunct="1">
+      <a:lvl5pPr marL="1828800" algn="l" defTabSz="457200" rtl="0" eaLnBrk="1" latinLnBrk="0" hangingPunct="1">
         <a:defRPr sz="1800" kern="1200">
           <a:solidFill>
             <a:schemeClr val="tx1"/>
@@ -3743,7 +6319,7 @@
           <a:cs typeface="+mn-cs"/>
         </a:defRPr>
       </a:lvl5pPr>
-      <a:lvl6pPr marL="2286000" algn="l" defTabSz="914400" rtl="0" eaLnBrk="1" latinLnBrk="0" hangingPunct="1">
+      <a:lvl6pPr marL="2286000" algn="l" defTabSz="457200" rtl="0" eaLnBrk="1" latinLnBrk="0" hangingPunct="1">
         <a:defRPr sz="1800" kern="1200">
           <a:solidFill>
             <a:schemeClr val="tx1"/>
@@ -3753,7 +6329,7 @@
           <a:cs typeface="+mn-cs"/>
         </a:defRPr>
       </a:lvl6pPr>
-      <a:lvl7pPr marL="2743200" algn="l" defTabSz="914400" rtl="0" eaLnBrk="1" latinLnBrk="0" hangingPunct="1">
+      <a:lvl7pPr marL="2743200" algn="l" defTabSz="457200" rtl="0" eaLnBrk="1" latinLnBrk="0" hangingPunct="1">
         <a:defRPr sz="1800" kern="1200">
           <a:solidFill>
             <a:schemeClr val="tx1"/>
@@ -3763,7 +6339,7 @@
           <a:cs typeface="+mn-cs"/>
         </a:defRPr>
       </a:lvl7pPr>
-      <a:lvl8pPr marL="3200400" algn="l" defTabSz="914400" rtl="0" eaLnBrk="1" latinLnBrk="0" hangingPunct="1">
+      <a:lvl8pPr marL="3200400" algn="l" defTabSz="457200" rtl="0" eaLnBrk="1" latinLnBrk="0" hangingPunct="1">
         <a:defRPr sz="1800" kern="1200">
           <a:solidFill>
             <a:schemeClr val="tx1"/>
@@ -3773,7 +6349,7 @@
           <a:cs typeface="+mn-cs"/>
         </a:defRPr>
       </a:lvl8pPr>
-      <a:lvl9pPr marL="3657600" algn="l" defTabSz="914400" rtl="0" eaLnBrk="1" latinLnBrk="0" hangingPunct="1">
+      <a:lvl9pPr marL="3657600" algn="l" defTabSz="457200" rtl="0" eaLnBrk="1" latinLnBrk="0" hangingPunct="1">
         <a:defRPr sz="1800" kern="1200">
           <a:solidFill>
             <a:schemeClr val="tx1"/>
@@ -3785,50 +6361,9 @@
       </a:lvl9pPr>
     </p:otherStyle>
   </p:txStyles>
-  <p:extLst mod="1">
+  <p:extLst>
     <p:ext uri="{27BBF7A9-308A-43DC-89C8-2F10F3537804}">
-      <p15:sldGuideLst xmlns:p15="http://schemas.microsoft.com/office/powerpoint/2012/main">
-        <p15:guide id="3" orient="horz" pos="1368">
-          <p15:clr>
-            <a:srgbClr val="F26B43"/>
-          </p15:clr>
-        </p15:guide>
-        <p15:guide id="4" orient="horz" pos="1440">
-          <p15:clr>
-            <a:srgbClr val="F26B43"/>
-          </p15:clr>
-        </p15:guide>
-        <p15:guide id="6" orient="horz" pos="3696">
-          <p15:clr>
-            <a:srgbClr val="F26B43"/>
-          </p15:clr>
-        </p15:guide>
-        <p15:guide id="7" orient="horz" pos="432">
-          <p15:clr>
-            <a:srgbClr val="F26B43"/>
-          </p15:clr>
-        </p15:guide>
-        <p15:guide id="8" orient="horz" pos="1512">
-          <p15:clr>
-            <a:srgbClr val="F26B43"/>
-          </p15:clr>
-        </p15:guide>
-        <p15:guide id="9" pos="6912">
-          <p15:clr>
-            <a:srgbClr val="F26B43"/>
-          </p15:clr>
-        </p15:guide>
-        <p15:guide id="10" pos="936">
-          <p15:clr>
-            <a:srgbClr val="F26B43"/>
-          </p15:clr>
-        </p15:guide>
-        <p15:guide id="11" pos="864">
-          <p15:clr>
-            <a:srgbClr val="F26B43"/>
-          </p15:clr>
-        </p15:guide>
-      </p15:sldGuideLst>
+      <p15:sldGuideLst xmlns:p15="http://schemas.microsoft.com/office/powerpoint/2012/main"/>
     </p:ext>
   </p:extLst>
 </p:sldMaster>
@@ -3875,18 +6410,60 @@
           <a:p>
             <a:pPr algn="ctr"/>
             <a:r>
-              <a:rPr lang="fr-FR" sz="3600" b="1" u="sng" dirty="0" smtClean="0">
+              <a:rPr lang="fr-FR" sz="3600" b="1" u="sng" dirty="0">
                 <a:solidFill>
                   <a:srgbClr val="FF0000"/>
                 </a:solidFill>
               </a:rPr>
               <a:t>Revue de projet 0</a:t>
             </a:r>
-            <a:endParaRPr lang="fr-FR" sz="3600" b="1" u="sng" dirty="0">
-              <a:solidFill>
-                <a:srgbClr val="FF0000"/>
-              </a:solidFill>
-            </a:endParaRPr>
+          </a:p>
+        </p:txBody>
+      </p:sp>
+      <p:sp>
+        <p:nvSpPr>
+          <p:cNvPr id="2" name="ZoneTexte 1">
+            <a:extLst>
+              <a:ext uri="{FF2B5EF4-FFF2-40B4-BE49-F238E27FC236}">
+                <a16:creationId xmlns:a16="http://schemas.microsoft.com/office/drawing/2014/main" id="{335C59CF-31C4-40DD-989F-6E81ADDA0FEA}"/>
+              </a:ext>
+            </a:extLst>
+          </p:cNvPr>
+          <p:cNvSpPr txBox="1"/>
+          <p:nvPr/>
+        </p:nvSpPr>
+        <p:spPr>
+          <a:xfrm>
+            <a:off x="8271545" y="4681057"/>
+            <a:ext cx="2432807" cy="923330"/>
+          </a:xfrm>
+          <a:prstGeom prst="rect">
+            <a:avLst/>
+          </a:prstGeom>
+          <a:noFill/>
+        </p:spPr>
+        <p:txBody>
+          <a:bodyPr wrap="square" rtlCol="0">
+            <a:spAutoFit/>
+          </a:bodyPr>
+          <a:lstStyle/>
+          <a:p>
+            <a:r>
+              <a:rPr lang="fr-FR" dirty="0"/>
+              <a:t>COTTE Enzo</a:t>
+            </a:r>
+          </a:p>
+          <a:p>
+            <a:r>
+              <a:rPr lang="fr-FR" dirty="0"/>
+              <a:t>FONTAINE Thibaud</a:t>
+            </a:r>
+          </a:p>
+          <a:p>
+            <a:r>
+              <a:rPr lang="fr-FR" dirty="0"/>
+              <a:t>VERFAILLIE Antoine</a:t>
+            </a:r>
           </a:p>
         </p:txBody>
       </p:sp>
@@ -3942,8 +6519,8 @@
         </p:blipFill>
         <p:spPr>
           <a:xfrm>
-            <a:off x="230750" y="714895"/>
-            <a:ext cx="11599188" cy="5748451"/>
+            <a:off x="2375028" y="533843"/>
+            <a:ext cx="7259063" cy="6039693"/>
           </a:xfrm>
           <a:prstGeom prst="rect">
             <a:avLst/>
@@ -3952,14 +6529,14 @@
       </p:pic>
       <p:sp>
         <p:nvSpPr>
-          <p:cNvPr id="3" name="Rectangle 2"/>
+          <p:cNvPr id="4" name="Rectangle 3"/>
           <p:cNvSpPr/>
           <p:nvPr/>
         </p:nvSpPr>
         <p:spPr>
           <a:xfrm>
-            <a:off x="230750" y="345563"/>
-            <a:ext cx="2589170" cy="369332"/>
+            <a:off x="209950" y="164511"/>
+            <a:ext cx="1675330" cy="369332"/>
           </a:xfrm>
           <a:prstGeom prst="rect">
             <a:avLst/>
@@ -3972,25 +6549,20 @@
           <a:lstStyle/>
           <a:p>
             <a:r>
-              <a:rPr lang="fr-FR" dirty="0" smtClean="0">
+              <a:rPr lang="fr-FR" dirty="0">
                 <a:solidFill>
                   <a:srgbClr val="FF0000"/>
                 </a:solidFill>
               </a:rPr>
-              <a:t>VI. Diagramme de classe</a:t>
-            </a:r>
-            <a:endParaRPr lang="fr-FR" dirty="0" smtClean="0">
-              <a:solidFill>
-                <a:srgbClr val="FF0000"/>
-              </a:solidFill>
-            </a:endParaRPr>
+              <a:t>IV. Logigramme</a:t>
+            </a:r>
           </a:p>
         </p:txBody>
       </p:sp>
     </p:spTree>
     <p:extLst>
       <p:ext uri="{BB962C8B-B14F-4D97-AF65-F5344CB8AC3E}">
-        <p14:creationId xmlns:p14="http://schemas.microsoft.com/office/powerpoint/2010/main" val="1276361415"/>
+        <p14:creationId xmlns:p14="http://schemas.microsoft.com/office/powerpoint/2010/main" val="3523522342"/>
       </p:ext>
     </p:extLst>
   </p:cSld>
@@ -4017,16 +6589,46 @@
           <a:chExt cx="0" cy="0"/>
         </a:xfrm>
       </p:grpSpPr>
-      <p:sp>
-        <p:nvSpPr>
-          <p:cNvPr id="2" name="Rectangle 1"/>
+      <p:pic>
+        <p:nvPicPr>
+          <p:cNvPr id="2" name="Image 1"/>
+          <p:cNvPicPr>
+            <a:picLocks noChangeAspect="1"/>
+          </p:cNvPicPr>
+          <p:nvPr/>
+        </p:nvPicPr>
+        <p:blipFill>
+          <a:blip r:embed="rId2">
+            <a:extLst>
+              <a:ext uri="{28A0092B-C50C-407E-A947-70E740481C1C}">
+                <a14:useLocalDpi xmlns:a14="http://schemas.microsoft.com/office/drawing/2010/main" val="0"/>
+              </a:ext>
+            </a:extLst>
+          </a:blip>
+          <a:stretch>
+            <a:fillRect/>
+          </a:stretch>
+        </p:blipFill>
+        <p:spPr>
+          <a:xfrm>
+            <a:off x="2959331" y="2113651"/>
+            <a:ext cx="5445253" cy="2692871"/>
+          </a:xfrm>
+          <a:prstGeom prst="rect">
+            <a:avLst/>
+          </a:prstGeom>
+        </p:spPr>
+      </p:pic>
+      <p:sp>
+        <p:nvSpPr>
+          <p:cNvPr id="3" name="Rectangle 2"/>
           <p:cNvSpPr/>
           <p:nvPr/>
         </p:nvSpPr>
         <p:spPr>
           <a:xfrm>
-            <a:off x="262069" y="285003"/>
-            <a:ext cx="1393330" cy="369332"/>
+            <a:off x="202730" y="376443"/>
+            <a:ext cx="880241" cy="369332"/>
           </a:xfrm>
           <a:prstGeom prst="rect">
             <a:avLst/>
@@ -4039,18 +6641,303 @@
           <a:lstStyle/>
           <a:p>
             <a:r>
-              <a:rPr lang="fr-FR" dirty="0" smtClean="0">
+              <a:rPr lang="fr-FR" dirty="0">
+                <a:solidFill>
+                  <a:srgbClr val="FF0000"/>
+                </a:solidFill>
+              </a:rPr>
+              <a:t>V. MCD</a:t>
+            </a:r>
+          </a:p>
+        </p:txBody>
+      </p:sp>
+    </p:spTree>
+    <p:extLst>
+      <p:ext uri="{BB962C8B-B14F-4D97-AF65-F5344CB8AC3E}">
+        <p14:creationId xmlns:p14="http://schemas.microsoft.com/office/powerpoint/2010/main" val="2715056959"/>
+      </p:ext>
+    </p:extLst>
+  </p:cSld>
+  <p:clrMapOvr>
+    <a:masterClrMapping/>
+  </p:clrMapOvr>
+</p:sld>
+</file>
+
+<file path=ppt/slides/slide12.xml><?xml version="1.0" encoding="utf-8"?>
+<p:sld xmlns:a="http://schemas.openxmlformats.org/drawingml/2006/main" xmlns:r="http://schemas.openxmlformats.org/officeDocument/2006/relationships" xmlns:p="http://schemas.openxmlformats.org/presentationml/2006/main">
+  <p:cSld>
+    <p:spTree>
+      <p:nvGrpSpPr>
+        <p:cNvPr id="1" name=""/>
+        <p:cNvGrpSpPr/>
+        <p:nvPr/>
+      </p:nvGrpSpPr>
+      <p:grpSpPr>
+        <a:xfrm>
+          <a:off x="0" y="0"/>
+          <a:ext cx="0" cy="0"/>
+          <a:chOff x="0" y="0"/>
+          <a:chExt cx="0" cy="0"/>
+        </a:xfrm>
+      </p:grpSpPr>
+      <p:pic>
+        <p:nvPicPr>
+          <p:cNvPr id="2" name="Image 1"/>
+          <p:cNvPicPr>
+            <a:picLocks noChangeAspect="1"/>
+          </p:cNvPicPr>
+          <p:nvPr/>
+        </p:nvPicPr>
+        <p:blipFill>
+          <a:blip r:embed="rId2">
+            <a:extLst>
+              <a:ext uri="{28A0092B-C50C-407E-A947-70E740481C1C}">
+                <a14:useLocalDpi xmlns:a14="http://schemas.microsoft.com/office/drawing/2010/main" val="0"/>
+              </a:ext>
+            </a:extLst>
+          </a:blip>
+          <a:stretch>
+            <a:fillRect/>
+          </a:stretch>
+        </p:blipFill>
+        <p:spPr>
+          <a:xfrm>
+            <a:off x="230750" y="714895"/>
+            <a:ext cx="11599188" cy="5748451"/>
+          </a:xfrm>
+          <a:prstGeom prst="rect">
+            <a:avLst/>
+          </a:prstGeom>
+        </p:spPr>
+      </p:pic>
+      <p:sp>
+        <p:nvSpPr>
+          <p:cNvPr id="3" name="Rectangle 2"/>
+          <p:cNvSpPr/>
+          <p:nvPr/>
+        </p:nvSpPr>
+        <p:spPr>
+          <a:xfrm>
+            <a:off x="230750" y="345563"/>
+            <a:ext cx="2589170" cy="369332"/>
+          </a:xfrm>
+          <a:prstGeom prst="rect">
+            <a:avLst/>
+          </a:prstGeom>
+        </p:spPr>
+        <p:txBody>
+          <a:bodyPr wrap="none">
+            <a:spAutoFit/>
+          </a:bodyPr>
+          <a:lstStyle/>
+          <a:p>
+            <a:r>
+              <a:rPr lang="fr-FR" dirty="0">
+                <a:solidFill>
+                  <a:srgbClr val="FF0000"/>
+                </a:solidFill>
+              </a:rPr>
+              <a:t>VI. Diagramme de classe</a:t>
+            </a:r>
+          </a:p>
+        </p:txBody>
+      </p:sp>
+      <p:sp>
+        <p:nvSpPr>
+          <p:cNvPr id="5" name="ZoneTexte 4">
+            <a:extLst>
+              <a:ext uri="{FF2B5EF4-FFF2-40B4-BE49-F238E27FC236}">
+                <a16:creationId xmlns:a16="http://schemas.microsoft.com/office/drawing/2014/main" id="{2AF41A51-1252-43EE-A92B-E094AFF9BF0F}"/>
+              </a:ext>
+            </a:extLst>
+          </p:cNvPr>
+          <p:cNvSpPr txBox="1"/>
+          <p:nvPr/>
+        </p:nvSpPr>
+        <p:spPr>
+          <a:xfrm>
+            <a:off x="5553512" y="209988"/>
+            <a:ext cx="2080470" cy="369332"/>
+          </a:xfrm>
+          <a:prstGeom prst="rect">
+            <a:avLst/>
+          </a:prstGeom>
+          <a:noFill/>
+        </p:spPr>
+        <p:txBody>
+          <a:bodyPr wrap="square" rtlCol="0">
+            <a:spAutoFit/>
+          </a:bodyPr>
+          <a:lstStyle/>
+          <a:p>
+            <a:r>
+              <a:rPr lang="fr-FR" dirty="0"/>
+              <a:t>Etudiant  1</a:t>
+            </a:r>
+          </a:p>
+        </p:txBody>
+      </p:sp>
+    </p:spTree>
+    <p:extLst>
+      <p:ext uri="{BB962C8B-B14F-4D97-AF65-F5344CB8AC3E}">
+        <p14:creationId xmlns:p14="http://schemas.microsoft.com/office/powerpoint/2010/main" val="1276361415"/>
+      </p:ext>
+    </p:extLst>
+  </p:cSld>
+  <p:clrMapOvr>
+    <a:masterClrMapping/>
+  </p:clrMapOvr>
+</p:sld>
+</file>
+
+<file path=ppt/slides/slide13.xml><?xml version="1.0" encoding="utf-8"?>
+<p:sld xmlns:a="http://schemas.openxmlformats.org/drawingml/2006/main" xmlns:r="http://schemas.openxmlformats.org/officeDocument/2006/relationships" xmlns:p="http://schemas.openxmlformats.org/presentationml/2006/main">
+  <p:cSld>
+    <p:spTree>
+      <p:nvGrpSpPr>
+        <p:cNvPr id="1" name=""/>
+        <p:cNvGrpSpPr/>
+        <p:nvPr/>
+      </p:nvGrpSpPr>
+      <p:grpSpPr>
+        <a:xfrm>
+          <a:off x="0" y="0"/>
+          <a:ext cx="0" cy="0"/>
+          <a:chOff x="0" y="0"/>
+          <a:chExt cx="0" cy="0"/>
+        </a:xfrm>
+      </p:grpSpPr>
+      <p:sp>
+        <p:nvSpPr>
+          <p:cNvPr id="6" name="ZoneTexte 5">
+            <a:extLst>
+              <a:ext uri="{FF2B5EF4-FFF2-40B4-BE49-F238E27FC236}">
+                <a16:creationId xmlns:a16="http://schemas.microsoft.com/office/drawing/2014/main" id="{D3CF817F-0ABA-4F0A-9608-9CC5197078E8}"/>
+              </a:ext>
+            </a:extLst>
+          </p:cNvPr>
+          <p:cNvSpPr txBox="1"/>
+          <p:nvPr/>
+        </p:nvSpPr>
+        <p:spPr>
+          <a:xfrm>
+            <a:off x="5532539" y="167672"/>
+            <a:ext cx="2457975" cy="369332"/>
+          </a:xfrm>
+          <a:prstGeom prst="rect">
+            <a:avLst/>
+          </a:prstGeom>
+          <a:noFill/>
+        </p:spPr>
+        <p:txBody>
+          <a:bodyPr wrap="square" rtlCol="0">
+            <a:spAutoFit/>
+          </a:bodyPr>
+          <a:lstStyle/>
+          <a:p>
+            <a:r>
+              <a:rPr lang="fr-FR" dirty="0"/>
+              <a:t>Etudiant 3</a:t>
+            </a:r>
+          </a:p>
+        </p:txBody>
+      </p:sp>
+      <p:pic>
+        <p:nvPicPr>
+          <p:cNvPr id="8" name="Image 7">
+            <a:extLst>
+              <a:ext uri="{FF2B5EF4-FFF2-40B4-BE49-F238E27FC236}">
+                <a16:creationId xmlns:a16="http://schemas.microsoft.com/office/drawing/2014/main" id="{4732AAF5-7BC1-440A-9AFD-70B409DE87BF}"/>
+              </a:ext>
+            </a:extLst>
+          </p:cNvPr>
+          <p:cNvPicPr>
+            <a:picLocks noChangeAspect="1"/>
+          </p:cNvPicPr>
+          <p:nvPr/>
+        </p:nvPicPr>
+        <p:blipFill>
+          <a:blip r:embed="rId2">
+            <a:extLst>
+              <a:ext uri="{28A0092B-C50C-407E-A947-70E740481C1C}">
+                <a14:useLocalDpi xmlns:a14="http://schemas.microsoft.com/office/drawing/2010/main" val="0"/>
+              </a:ext>
+            </a:extLst>
+          </a:blip>
+          <a:stretch>
+            <a:fillRect/>
+          </a:stretch>
+        </p:blipFill>
+        <p:spPr>
+          <a:xfrm>
+            <a:off x="426462" y="1333850"/>
+            <a:ext cx="11577439" cy="4278385"/>
+          </a:xfrm>
+          <a:prstGeom prst="rect">
+            <a:avLst/>
+          </a:prstGeom>
+        </p:spPr>
+      </p:pic>
+    </p:spTree>
+    <p:extLst>
+      <p:ext uri="{BB962C8B-B14F-4D97-AF65-F5344CB8AC3E}">
+        <p14:creationId xmlns:p14="http://schemas.microsoft.com/office/powerpoint/2010/main" val="2051653351"/>
+      </p:ext>
+    </p:extLst>
+  </p:cSld>
+  <p:clrMapOvr>
+    <a:masterClrMapping/>
+  </p:clrMapOvr>
+</p:sld>
+</file>
+
+<file path=ppt/slides/slide14.xml><?xml version="1.0" encoding="utf-8"?>
+<p:sld xmlns:a="http://schemas.openxmlformats.org/drawingml/2006/main" xmlns:r="http://schemas.openxmlformats.org/officeDocument/2006/relationships" xmlns:p="http://schemas.openxmlformats.org/presentationml/2006/main">
+  <p:cSld>
+    <p:spTree>
+      <p:nvGrpSpPr>
+        <p:cNvPr id="1" name=""/>
+        <p:cNvGrpSpPr/>
+        <p:nvPr/>
+      </p:nvGrpSpPr>
+      <p:grpSpPr>
+        <a:xfrm>
+          <a:off x="0" y="0"/>
+          <a:ext cx="0" cy="0"/>
+          <a:chOff x="0" y="0"/>
+          <a:chExt cx="0" cy="0"/>
+        </a:xfrm>
+      </p:grpSpPr>
+      <p:sp>
+        <p:nvSpPr>
+          <p:cNvPr id="2" name="Rectangle 1"/>
+          <p:cNvSpPr/>
+          <p:nvPr/>
+        </p:nvSpPr>
+        <p:spPr>
+          <a:xfrm>
+            <a:off x="262069" y="285003"/>
+            <a:ext cx="1393330" cy="369332"/>
+          </a:xfrm>
+          <a:prstGeom prst="rect">
+            <a:avLst/>
+          </a:prstGeom>
+        </p:spPr>
+        <p:txBody>
+          <a:bodyPr wrap="none">
+            <a:spAutoFit/>
+          </a:bodyPr>
+          <a:lstStyle/>
+          <a:p>
+            <a:r>
+              <a:rPr lang="fr-FR" dirty="0">
                 <a:solidFill>
                   <a:srgbClr val="FF0000"/>
                 </a:solidFill>
               </a:rPr>
               <a:t>VII. Scénario</a:t>
             </a:r>
-            <a:endParaRPr lang="fr-FR" dirty="0" smtClean="0">
-              <a:solidFill>
-                <a:srgbClr val="FF0000"/>
-              </a:solidFill>
-            </a:endParaRPr>
           </a:p>
         </p:txBody>
       </p:sp>
@@ -4086,7 +6973,7 @@
               <a:buAutoNum type="arabicPeriod"/>
             </a:pPr>
             <a:r>
-              <a:rPr lang="fr-FR" sz="1600" dirty="0" smtClean="0">
+              <a:rPr lang="fr-FR" sz="1600" dirty="0">
                 <a:effectLst/>
                 <a:latin typeface="Calibri" panose="020F0502020204030204" pitchFamily="34" charset="0"/>
                 <a:ea typeface="Calibri" panose="020F0502020204030204" pitchFamily="34" charset="0"/>
@@ -4094,7 +6981,7 @@
               </a:rPr>
               <a:t>Le capteur mesure le niveau d’eau des cuves</a:t>
             </a:r>
-            <a:endParaRPr lang="fr-FR" sz="1400" dirty="0" smtClean="0">
+            <a:endParaRPr lang="fr-FR" sz="1400" dirty="0">
               <a:effectLst/>
               <a:latin typeface="Calibri" panose="020F0502020204030204" pitchFamily="34" charset="0"/>
               <a:ea typeface="Calibri" panose="020F0502020204030204" pitchFamily="34" charset="0"/>
@@ -4113,7 +7000,7 @@
               <a:buAutoNum type="arabicPeriod"/>
             </a:pPr>
             <a:r>
-              <a:rPr lang="fr-FR" sz="1600" dirty="0" smtClean="0">
+              <a:rPr lang="fr-FR" sz="1600" dirty="0">
                 <a:effectLst/>
                 <a:latin typeface="Calibri" panose="020F0502020204030204" pitchFamily="34" charset="0"/>
                 <a:ea typeface="Calibri" panose="020F0502020204030204" pitchFamily="34" charset="0"/>
@@ -4121,7 +7008,7 @@
               </a:rPr>
               <a:t>Si la cuve du toit n’est pas remplie et que celle de récupération l’est, activer la pompe de relevage</a:t>
             </a:r>
-            <a:endParaRPr lang="fr-FR" sz="1400" dirty="0" smtClean="0">
+            <a:endParaRPr lang="fr-FR" sz="1400" dirty="0">
               <a:effectLst/>
               <a:latin typeface="Calibri" panose="020F0502020204030204" pitchFamily="34" charset="0"/>
               <a:ea typeface="Calibri" panose="020F0502020204030204" pitchFamily="34" charset="0"/>
@@ -4140,7 +7027,7 @@
               <a:buAutoNum type="arabicPeriod"/>
             </a:pPr>
             <a:r>
-              <a:rPr lang="fr-FR" sz="1600" dirty="0" smtClean="0">
+              <a:rPr lang="fr-FR" sz="1600" dirty="0">
                 <a:effectLst/>
                 <a:latin typeface="Calibri" panose="020F0502020204030204" pitchFamily="34" charset="0"/>
                 <a:ea typeface="Calibri" panose="020F0502020204030204" pitchFamily="34" charset="0"/>
@@ -4148,7 +7035,7 @@
               </a:rPr>
               <a:t>Si la cuve du toit est pleine, le système utilise l’eau de pluie</a:t>
             </a:r>
-            <a:endParaRPr lang="fr-FR" sz="1400" dirty="0" smtClean="0">
+            <a:endParaRPr lang="fr-FR" sz="1400" dirty="0">
               <a:effectLst/>
               <a:latin typeface="Calibri" panose="020F0502020204030204" pitchFamily="34" charset="0"/>
               <a:ea typeface="Calibri" panose="020F0502020204030204" pitchFamily="34" charset="0"/>
@@ -4167,7 +7054,7 @@
               <a:buAutoNum type="arabicPeriod"/>
             </a:pPr>
             <a:r>
-              <a:rPr lang="fr-FR" sz="1600" dirty="0" smtClean="0">
+              <a:rPr lang="fr-FR" sz="1600" dirty="0">
                 <a:effectLst/>
                 <a:latin typeface="Calibri" panose="020F0502020204030204" pitchFamily="34" charset="0"/>
                 <a:ea typeface="Calibri" panose="020F0502020204030204" pitchFamily="34" charset="0"/>
@@ -4175,7 +7062,7 @@
               </a:rPr>
               <a:t>Si la cuve du toit et de récupération sont vides ou à un niveau critique (&lt;10 cm), utiliser l’eau courante.</a:t>
             </a:r>
-            <a:endParaRPr lang="fr-FR" sz="1400" dirty="0" smtClean="0">
+            <a:endParaRPr lang="fr-FR" sz="1400" dirty="0">
               <a:effectLst/>
               <a:latin typeface="Calibri" panose="020F0502020204030204" pitchFamily="34" charset="0"/>
               <a:ea typeface="Calibri" panose="020F0502020204030204" pitchFamily="34" charset="0"/>
@@ -4194,7 +7081,7 @@
               <a:buAutoNum type="arabicPeriod"/>
             </a:pPr>
             <a:r>
-              <a:rPr lang="fr-FR" sz="1600" dirty="0" smtClean="0">
+              <a:rPr lang="fr-FR" sz="1600" dirty="0">
                 <a:effectLst/>
                 <a:latin typeface="Calibri" panose="020F0502020204030204" pitchFamily="34" charset="0"/>
                 <a:ea typeface="Calibri" panose="020F0502020204030204" pitchFamily="34" charset="0"/>
@@ -4202,7 +7089,7 @@
               </a:rPr>
               <a:t>Le capteur mesure la température de l’air</a:t>
             </a:r>
-            <a:endParaRPr lang="fr-FR" sz="1400" dirty="0" smtClean="0">
+            <a:endParaRPr lang="fr-FR" sz="1400" dirty="0">
               <a:effectLst/>
               <a:latin typeface="Calibri" panose="020F0502020204030204" pitchFamily="34" charset="0"/>
               <a:ea typeface="Calibri" panose="020F0502020204030204" pitchFamily="34" charset="0"/>
@@ -4219,7 +7106,7 @@
               </a:spcAft>
             </a:pPr>
             <a:r>
-              <a:rPr lang="fr-FR" sz="1600" dirty="0" smtClean="0">
+              <a:rPr lang="fr-FR" sz="1600" dirty="0">
                 <a:effectLst/>
                 <a:latin typeface="Calibri" panose="020F0502020204030204" pitchFamily="34" charset="0"/>
                 <a:ea typeface="Calibri" panose="020F0502020204030204" pitchFamily="34" charset="0"/>
@@ -4227,7 +7114,7 @@
               </a:rPr>
               <a:t>2.1 Si la température est égale ou inférieure à zéro, le système utilise l’eau courante</a:t>
             </a:r>
-            <a:endParaRPr lang="fr-FR" sz="1400" dirty="0" smtClean="0">
+            <a:endParaRPr lang="fr-FR" sz="1400" dirty="0">
               <a:effectLst/>
               <a:latin typeface="Calibri" panose="020F0502020204030204" pitchFamily="34" charset="0"/>
               <a:ea typeface="Calibri" panose="020F0502020204030204" pitchFamily="34" charset="0"/>
@@ -4244,7 +7131,7 @@
               </a:spcAft>
             </a:pPr>
             <a:r>
-              <a:rPr lang="fr-FR" sz="1600" dirty="0" smtClean="0">
+              <a:rPr lang="fr-FR" sz="1600" dirty="0">
                 <a:effectLst/>
                 <a:latin typeface="Calibri" panose="020F0502020204030204" pitchFamily="34" charset="0"/>
                 <a:ea typeface="Calibri" panose="020F0502020204030204" pitchFamily="34" charset="0"/>
@@ -4252,7 +7139,7 @@
               </a:rPr>
               <a:t> </a:t>
             </a:r>
-            <a:endParaRPr lang="fr-FR" sz="1400" dirty="0" smtClean="0">
+            <a:endParaRPr lang="fr-FR" sz="1400" dirty="0">
               <a:effectLst/>
               <a:latin typeface="Calibri" panose="020F0502020204030204" pitchFamily="34" charset="0"/>
               <a:ea typeface="Calibri" panose="020F0502020204030204" pitchFamily="34" charset="0"/>
@@ -4271,7 +7158,7 @@
               <a:buAutoNum type="arabicPeriod"/>
             </a:pPr>
             <a:r>
-              <a:rPr lang="fr-FR" sz="1600" dirty="0" smtClean="0">
+              <a:rPr lang="fr-FR" sz="1600" dirty="0">
                 <a:effectLst/>
                 <a:latin typeface="Calibri" panose="020F0502020204030204" pitchFamily="34" charset="0"/>
                 <a:ea typeface="Calibri" panose="020F0502020204030204" pitchFamily="34" charset="0"/>
@@ -4279,7 +7166,7 @@
               </a:rPr>
               <a:t>La serre est alimentée en eau</a:t>
             </a:r>
-            <a:endParaRPr lang="fr-FR" sz="1400" dirty="0" smtClean="0">
+            <a:endParaRPr lang="fr-FR" sz="1400" dirty="0">
               <a:effectLst/>
               <a:latin typeface="Calibri" panose="020F0502020204030204" pitchFamily="34" charset="0"/>
               <a:ea typeface="Calibri" panose="020F0502020204030204" pitchFamily="34" charset="0"/>
@@ -4298,7 +7185,7 @@
               <a:buAutoNum type="arabicPeriod"/>
             </a:pPr>
             <a:r>
-              <a:rPr lang="fr-FR" sz="1600" dirty="0" smtClean="0">
+              <a:rPr lang="fr-FR" sz="1600" dirty="0">
                 <a:effectLst/>
                 <a:latin typeface="Calibri" panose="020F0502020204030204" pitchFamily="34" charset="0"/>
                 <a:ea typeface="Calibri" panose="020F0502020204030204" pitchFamily="34" charset="0"/>
@@ -4306,7 +7193,7 @@
               </a:rPr>
               <a:t>Le système mesure la consommation en eau de la serre sur les deux réseaux (eau de pluie et eau courante)</a:t>
             </a:r>
-            <a:endParaRPr lang="fr-FR" sz="1400" dirty="0" smtClean="0">
+            <a:endParaRPr lang="fr-FR" sz="1400" dirty="0">
               <a:effectLst/>
               <a:latin typeface="Calibri" panose="020F0502020204030204" pitchFamily="34" charset="0"/>
               <a:ea typeface="Calibri" panose="020F0502020204030204" pitchFamily="34" charset="0"/>
@@ -4323,7 +7210,7 @@
               </a:spcAft>
             </a:pPr>
             <a:r>
-              <a:rPr lang="fr-FR" sz="1600" dirty="0" smtClean="0">
+              <a:rPr lang="fr-FR" sz="1600" dirty="0">
                 <a:effectLst/>
                 <a:latin typeface="Calibri" panose="020F0502020204030204" pitchFamily="34" charset="0"/>
                 <a:ea typeface="Calibri" panose="020F0502020204030204" pitchFamily="34" charset="0"/>
@@ -4331,7 +7218,7 @@
               </a:rPr>
               <a:t>4.1 Enregistrer la consommation d’eau heure par heure dans la BDD</a:t>
             </a:r>
-            <a:endParaRPr lang="fr-FR" sz="1400" dirty="0" smtClean="0">
+            <a:endParaRPr lang="fr-FR" sz="1400" dirty="0">
               <a:effectLst/>
               <a:latin typeface="Calibri" panose="020F0502020204030204" pitchFamily="34" charset="0"/>
               <a:ea typeface="Calibri" panose="020F0502020204030204" pitchFamily="34" charset="0"/>
@@ -4348,7 +7235,7 @@
               </a:spcAft>
             </a:pPr>
             <a:r>
-              <a:rPr lang="fr-FR" sz="1600" dirty="0" smtClean="0">
+              <a:rPr lang="fr-FR" sz="1600" dirty="0">
                 <a:effectLst/>
                 <a:latin typeface="Calibri" panose="020F0502020204030204" pitchFamily="34" charset="0"/>
                 <a:ea typeface="Calibri" panose="020F0502020204030204" pitchFamily="34" charset="0"/>
@@ -4356,7 +7243,7 @@
               </a:rPr>
               <a:t>4.2 Afficher sous forme graphique les données de consommation d’eau par période</a:t>
             </a:r>
-            <a:endParaRPr lang="fr-FR" sz="1400" dirty="0" smtClean="0">
+            <a:endParaRPr lang="fr-FR" sz="1400" dirty="0">
               <a:effectLst/>
               <a:latin typeface="Calibri" panose="020F0502020204030204" pitchFamily="34" charset="0"/>
               <a:ea typeface="Calibri" panose="020F0502020204030204" pitchFamily="34" charset="0"/>
@@ -4373,7 +7260,7 @@
               </a:spcAft>
             </a:pPr>
             <a:r>
-              <a:rPr lang="fr-FR" sz="1600" dirty="0" smtClean="0">
+              <a:rPr lang="fr-FR" sz="1600" dirty="0">
                 <a:effectLst/>
                 <a:latin typeface="Calibri" panose="020F0502020204030204" pitchFamily="34" charset="0"/>
                 <a:ea typeface="Calibri" panose="020F0502020204030204" pitchFamily="34" charset="0"/>
@@ -4381,7 +7268,7 @@
               </a:rPr>
               <a:t>5.   Administrer la BDD</a:t>
             </a:r>
-            <a:endParaRPr lang="fr-FR" sz="1400" dirty="0" smtClean="0">
+            <a:endParaRPr lang="fr-FR" sz="1400" dirty="0">
               <a:effectLst/>
               <a:latin typeface="Calibri" panose="020F0502020204030204" pitchFamily="34" charset="0"/>
               <a:ea typeface="Calibri" panose="020F0502020204030204" pitchFamily="34" charset="0"/>
@@ -4398,7 +7285,7 @@
               </a:spcAft>
             </a:pPr>
             <a:r>
-              <a:rPr lang="fr-FR" sz="1600" dirty="0" smtClean="0">
+              <a:rPr lang="fr-FR" sz="1600" dirty="0">
                 <a:effectLst/>
                 <a:latin typeface="Calibri" panose="020F0502020204030204" pitchFamily="34" charset="0"/>
                 <a:ea typeface="Calibri" panose="020F0502020204030204" pitchFamily="34" charset="0"/>
@@ -4406,7 +7293,7 @@
               </a:rPr>
               <a:t>6.   Afficher l’état du système</a:t>
             </a:r>
-            <a:endParaRPr lang="fr-FR" sz="1400" dirty="0" smtClean="0">
+            <a:endParaRPr lang="fr-FR" sz="1400" dirty="0">
               <a:effectLst/>
               <a:latin typeface="Calibri" panose="020F0502020204030204" pitchFamily="34" charset="0"/>
               <a:ea typeface="Calibri" panose="020F0502020204030204" pitchFamily="34" charset="0"/>
@@ -4423,7 +7310,7 @@
               </a:spcAft>
             </a:pPr>
             <a:r>
-              <a:rPr lang="fr-FR" sz="1600" dirty="0" smtClean="0">
+              <a:rPr lang="fr-FR" sz="1600" dirty="0">
                 <a:effectLst/>
                 <a:latin typeface="Calibri" panose="020F0502020204030204" pitchFamily="34" charset="0"/>
                 <a:ea typeface="Calibri" panose="020F0502020204030204" pitchFamily="34" charset="0"/>
@@ -4444,6 +7331,414 @@
     <p:extLst>
       <p:ext uri="{BB962C8B-B14F-4D97-AF65-F5344CB8AC3E}">
         <p14:creationId xmlns:p14="http://schemas.microsoft.com/office/powerpoint/2010/main" val="5633379"/>
+      </p:ext>
+    </p:extLst>
+  </p:cSld>
+  <p:clrMapOvr>
+    <a:masterClrMapping/>
+  </p:clrMapOvr>
+</p:sld>
+</file>
+
+<file path=ppt/slides/slide15.xml><?xml version="1.0" encoding="utf-8"?>
+<p:sld xmlns:a="http://schemas.openxmlformats.org/drawingml/2006/main" xmlns:r="http://schemas.openxmlformats.org/officeDocument/2006/relationships" xmlns:p="http://schemas.openxmlformats.org/presentationml/2006/main">
+  <p:cSld>
+    <p:spTree>
+      <p:nvGrpSpPr>
+        <p:cNvPr id="1" name=""/>
+        <p:cNvGrpSpPr/>
+        <p:nvPr/>
+      </p:nvGrpSpPr>
+      <p:grpSpPr>
+        <a:xfrm>
+          <a:off x="0" y="0"/>
+          <a:ext cx="0" cy="0"/>
+          <a:chOff x="0" y="0"/>
+          <a:chExt cx="0" cy="0"/>
+        </a:xfrm>
+      </p:grpSpPr>
+      <p:sp>
+        <p:nvSpPr>
+          <p:cNvPr id="2" name="Titre 1">
+            <a:extLst>
+              <a:ext uri="{FF2B5EF4-FFF2-40B4-BE49-F238E27FC236}">
+                <a16:creationId xmlns:a16="http://schemas.microsoft.com/office/drawing/2014/main" id="{3026004A-87E6-4DED-B667-257A29000D7F}"/>
+              </a:ext>
+            </a:extLst>
+          </p:cNvPr>
+          <p:cNvSpPr>
+            <a:spLocks noGrp="1"/>
+          </p:cNvSpPr>
+          <p:nvPr>
+            <p:ph type="title"/>
+          </p:nvPr>
+        </p:nvSpPr>
+        <p:spPr>
+          <a:xfrm>
+            <a:off x="675313" y="0"/>
+            <a:ext cx="9601200" cy="536895"/>
+          </a:xfrm>
+        </p:spPr>
+        <p:txBody>
+          <a:bodyPr>
+            <a:normAutofit/>
+          </a:bodyPr>
+          <a:lstStyle/>
+          <a:p>
+            <a:r>
+              <a:rPr lang="fr-FR" sz="1800" dirty="0">
+                <a:solidFill>
+                  <a:srgbClr val="FF0000"/>
+                </a:solidFill>
+              </a:rPr>
+              <a:t>VIII. Proposition de capteur</a:t>
+            </a:r>
+          </a:p>
+        </p:txBody>
+      </p:sp>
+      <p:pic>
+        <p:nvPicPr>
+          <p:cNvPr id="4" name="Image 3">
+            <a:extLst>
+              <a:ext uri="{FF2B5EF4-FFF2-40B4-BE49-F238E27FC236}">
+                <a16:creationId xmlns:a16="http://schemas.microsoft.com/office/drawing/2014/main" id="{8417A30D-E612-424E-974F-79EDE048DB8E}"/>
+              </a:ext>
+            </a:extLst>
+          </p:cNvPr>
+          <p:cNvPicPr>
+            <a:picLocks noChangeAspect="1"/>
+          </p:cNvPicPr>
+          <p:nvPr/>
+        </p:nvPicPr>
+        <p:blipFill>
+          <a:blip r:embed="rId2"/>
+          <a:stretch>
+            <a:fillRect/>
+          </a:stretch>
+        </p:blipFill>
+        <p:spPr>
+          <a:xfrm>
+            <a:off x="366712" y="347706"/>
+            <a:ext cx="11458575" cy="3981450"/>
+          </a:xfrm>
+          <a:prstGeom prst="rect">
+            <a:avLst/>
+          </a:prstGeom>
+        </p:spPr>
+      </p:pic>
+      <p:sp>
+        <p:nvSpPr>
+          <p:cNvPr id="5" name="ZoneTexte 4">
+            <a:extLst>
+              <a:ext uri="{FF2B5EF4-FFF2-40B4-BE49-F238E27FC236}">
+                <a16:creationId xmlns:a16="http://schemas.microsoft.com/office/drawing/2014/main" id="{CD23AE6B-0101-4951-B5AC-C56F2FF99B1A}"/>
+              </a:ext>
+            </a:extLst>
+          </p:cNvPr>
+          <p:cNvSpPr txBox="1"/>
+          <p:nvPr/>
+        </p:nvSpPr>
+        <p:spPr>
+          <a:xfrm>
+            <a:off x="3323635" y="4329156"/>
+            <a:ext cx="5544728" cy="369332"/>
+          </a:xfrm>
+          <a:prstGeom prst="rect">
+            <a:avLst/>
+          </a:prstGeom>
+          <a:noFill/>
+        </p:spPr>
+        <p:txBody>
+          <a:bodyPr wrap="square" rtlCol="0">
+            <a:spAutoFit/>
+          </a:bodyPr>
+          <a:lstStyle/>
+          <a:p>
+            <a:r>
+              <a:rPr lang="fr-FR" dirty="0"/>
+              <a:t>Capteur de Température et de niveau d’eau.</a:t>
+            </a:r>
+          </a:p>
+        </p:txBody>
+      </p:sp>
+    </p:spTree>
+    <p:extLst>
+      <p:ext uri="{BB962C8B-B14F-4D97-AF65-F5344CB8AC3E}">
+        <p14:creationId xmlns:p14="http://schemas.microsoft.com/office/powerpoint/2010/main" val="1403222135"/>
+      </p:ext>
+    </p:extLst>
+  </p:cSld>
+  <p:clrMapOvr>
+    <a:masterClrMapping/>
+  </p:clrMapOvr>
+</p:sld>
+</file>
+
+<file path=ppt/slides/slide16.xml><?xml version="1.0" encoding="utf-8"?>
+<p:sld xmlns:a="http://schemas.openxmlformats.org/drawingml/2006/main" xmlns:r="http://schemas.openxmlformats.org/officeDocument/2006/relationships" xmlns:p="http://schemas.openxmlformats.org/presentationml/2006/main">
+  <p:cSld>
+    <p:spTree>
+      <p:nvGrpSpPr>
+        <p:cNvPr id="1" name=""/>
+        <p:cNvGrpSpPr/>
+        <p:nvPr/>
+      </p:nvGrpSpPr>
+      <p:grpSpPr>
+        <a:xfrm>
+          <a:off x="0" y="0"/>
+          <a:ext cx="0" cy="0"/>
+          <a:chOff x="0" y="0"/>
+          <a:chExt cx="0" cy="0"/>
+        </a:xfrm>
+      </p:grpSpPr>
+      <p:pic>
+        <p:nvPicPr>
+          <p:cNvPr id="4" name="Image 3">
+            <a:extLst>
+              <a:ext uri="{FF2B5EF4-FFF2-40B4-BE49-F238E27FC236}">
+                <a16:creationId xmlns:a16="http://schemas.microsoft.com/office/drawing/2014/main" id="{96B54DF2-DEAA-47D8-B69D-9BE28262E8BE}"/>
+              </a:ext>
+            </a:extLst>
+          </p:cNvPr>
+          <p:cNvPicPr>
+            <a:picLocks noChangeAspect="1"/>
+          </p:cNvPicPr>
+          <p:nvPr/>
+        </p:nvPicPr>
+        <p:blipFill>
+          <a:blip r:embed="rId2"/>
+          <a:stretch>
+            <a:fillRect/>
+          </a:stretch>
+        </p:blipFill>
+        <p:spPr>
+          <a:xfrm>
+            <a:off x="602506" y="0"/>
+            <a:ext cx="5148249" cy="6858000"/>
+          </a:xfrm>
+          <a:prstGeom prst="rect">
+            <a:avLst/>
+          </a:prstGeom>
+        </p:spPr>
+      </p:pic>
+      <p:pic>
+        <p:nvPicPr>
+          <p:cNvPr id="5" name="Image 4">
+            <a:extLst>
+              <a:ext uri="{FF2B5EF4-FFF2-40B4-BE49-F238E27FC236}">
+                <a16:creationId xmlns:a16="http://schemas.microsoft.com/office/drawing/2014/main" id="{FED7D196-6067-4E1B-8A70-F985604B24BB}"/>
+              </a:ext>
+            </a:extLst>
+          </p:cNvPr>
+          <p:cNvPicPr>
+            <a:picLocks noChangeAspect="1"/>
+          </p:cNvPicPr>
+          <p:nvPr/>
+        </p:nvPicPr>
+        <p:blipFill>
+          <a:blip r:embed="rId3"/>
+          <a:stretch>
+            <a:fillRect/>
+          </a:stretch>
+        </p:blipFill>
+        <p:spPr>
+          <a:xfrm>
+            <a:off x="6206516" y="0"/>
+            <a:ext cx="5215034" cy="6858000"/>
+          </a:xfrm>
+          <a:prstGeom prst="rect">
+            <a:avLst/>
+          </a:prstGeom>
+        </p:spPr>
+      </p:pic>
+    </p:spTree>
+    <p:extLst>
+      <p:ext uri="{BB962C8B-B14F-4D97-AF65-F5344CB8AC3E}">
+        <p14:creationId xmlns:p14="http://schemas.microsoft.com/office/powerpoint/2010/main" val="1043868686"/>
+      </p:ext>
+    </p:extLst>
+  </p:cSld>
+  <p:clrMapOvr>
+    <a:masterClrMapping/>
+  </p:clrMapOvr>
+</p:sld>
+</file>
+
+<file path=ppt/slides/slide17.xml><?xml version="1.0" encoding="utf-8"?>
+<p:sld xmlns:a="http://schemas.openxmlformats.org/drawingml/2006/main" xmlns:r="http://schemas.openxmlformats.org/officeDocument/2006/relationships" xmlns:p="http://schemas.openxmlformats.org/presentationml/2006/main">
+  <p:cSld>
+    <p:spTree>
+      <p:nvGrpSpPr>
+        <p:cNvPr id="1" name=""/>
+        <p:cNvGrpSpPr/>
+        <p:nvPr/>
+      </p:nvGrpSpPr>
+      <p:grpSpPr>
+        <a:xfrm>
+          <a:off x="0" y="0"/>
+          <a:ext cx="0" cy="0"/>
+          <a:chOff x="0" y="0"/>
+          <a:chExt cx="0" cy="0"/>
+        </a:xfrm>
+      </p:grpSpPr>
+      <p:pic>
+        <p:nvPicPr>
+          <p:cNvPr id="4" name="Image 3">
+            <a:extLst>
+              <a:ext uri="{FF2B5EF4-FFF2-40B4-BE49-F238E27FC236}">
+                <a16:creationId xmlns:a16="http://schemas.microsoft.com/office/drawing/2014/main" id="{81B02786-A5BC-4294-AC4A-8DF566E10CA6}"/>
+              </a:ext>
+            </a:extLst>
+          </p:cNvPr>
+          <p:cNvPicPr>
+            <a:picLocks noChangeAspect="1"/>
+          </p:cNvPicPr>
+          <p:nvPr/>
+        </p:nvPicPr>
+        <p:blipFill>
+          <a:blip r:embed="rId2"/>
+          <a:stretch>
+            <a:fillRect/>
+          </a:stretch>
+        </p:blipFill>
+        <p:spPr>
+          <a:xfrm>
+            <a:off x="793022" y="424124"/>
+            <a:ext cx="5505450" cy="5724525"/>
+          </a:xfrm>
+          <a:prstGeom prst="rect">
+            <a:avLst/>
+          </a:prstGeom>
+        </p:spPr>
+      </p:pic>
+      <p:pic>
+        <p:nvPicPr>
+          <p:cNvPr id="5" name="Image 4">
+            <a:extLst>
+              <a:ext uri="{FF2B5EF4-FFF2-40B4-BE49-F238E27FC236}">
+                <a16:creationId xmlns:a16="http://schemas.microsoft.com/office/drawing/2014/main" id="{A0C0C1BD-F605-4EEC-B7D1-CF843287FC02}"/>
+              </a:ext>
+            </a:extLst>
+          </p:cNvPr>
+          <p:cNvPicPr>
+            <a:picLocks noChangeAspect="1"/>
+          </p:cNvPicPr>
+          <p:nvPr/>
+        </p:nvPicPr>
+        <p:blipFill>
+          <a:blip r:embed="rId3"/>
+          <a:stretch>
+            <a:fillRect/>
+          </a:stretch>
+        </p:blipFill>
+        <p:spPr>
+          <a:xfrm>
+            <a:off x="6417403" y="530997"/>
+            <a:ext cx="4981575" cy="1400175"/>
+          </a:xfrm>
+          <a:prstGeom prst="rect">
+            <a:avLst/>
+          </a:prstGeom>
+        </p:spPr>
+      </p:pic>
+    </p:spTree>
+    <p:extLst>
+      <p:ext uri="{BB962C8B-B14F-4D97-AF65-F5344CB8AC3E}">
+        <p14:creationId xmlns:p14="http://schemas.microsoft.com/office/powerpoint/2010/main" val="739060653"/>
+      </p:ext>
+    </p:extLst>
+  </p:cSld>
+  <p:clrMapOvr>
+    <a:masterClrMapping/>
+  </p:clrMapOvr>
+</p:sld>
+</file>
+
+<file path=ppt/slides/slide18.xml><?xml version="1.0" encoding="utf-8"?>
+<p:sld xmlns:a="http://schemas.openxmlformats.org/drawingml/2006/main" xmlns:r="http://schemas.openxmlformats.org/officeDocument/2006/relationships" xmlns:p="http://schemas.openxmlformats.org/presentationml/2006/main">
+  <p:cSld>
+    <p:spTree>
+      <p:nvGrpSpPr>
+        <p:cNvPr id="1" name=""/>
+        <p:cNvGrpSpPr/>
+        <p:nvPr/>
+      </p:nvGrpSpPr>
+      <p:grpSpPr>
+        <a:xfrm>
+          <a:off x="0" y="0"/>
+          <a:ext cx="0" cy="0"/>
+          <a:chOff x="0" y="0"/>
+          <a:chExt cx="0" cy="0"/>
+        </a:xfrm>
+      </p:grpSpPr>
+      <p:sp>
+        <p:nvSpPr>
+          <p:cNvPr id="2" name="Titre 1">
+            <a:extLst>
+              <a:ext uri="{FF2B5EF4-FFF2-40B4-BE49-F238E27FC236}">
+                <a16:creationId xmlns:a16="http://schemas.microsoft.com/office/drawing/2014/main" id="{AC9D787D-E006-46BB-8905-42D75C7B133A}"/>
+              </a:ext>
+            </a:extLst>
+          </p:cNvPr>
+          <p:cNvSpPr>
+            <a:spLocks noGrp="1"/>
+          </p:cNvSpPr>
+          <p:nvPr>
+            <p:ph type="title"/>
+          </p:nvPr>
+        </p:nvSpPr>
+        <p:spPr>
+          <a:xfrm>
+            <a:off x="750815" y="247650"/>
+            <a:ext cx="2638337" cy="448636"/>
+          </a:xfrm>
+        </p:spPr>
+        <p:txBody>
+          <a:bodyPr>
+            <a:normAutofit/>
+          </a:bodyPr>
+          <a:lstStyle/>
+          <a:p>
+            <a:r>
+              <a:rPr lang="fr-FR" sz="1800" dirty="0">
+                <a:solidFill>
+                  <a:srgbClr val="FF0000"/>
+                </a:solidFill>
+              </a:rPr>
+              <a:t>IX. Gantt prévisionnel</a:t>
+            </a:r>
+          </a:p>
+        </p:txBody>
+      </p:sp>
+      <p:sp>
+        <p:nvSpPr>
+          <p:cNvPr id="3" name="Espace réservé du contenu 2">
+            <a:extLst>
+              <a:ext uri="{FF2B5EF4-FFF2-40B4-BE49-F238E27FC236}">
+                <a16:creationId xmlns:a16="http://schemas.microsoft.com/office/drawing/2014/main" id="{98E109A6-4F09-4B29-8080-D3E416BCB69B}"/>
+              </a:ext>
+            </a:extLst>
+          </p:cNvPr>
+          <p:cNvSpPr>
+            <a:spLocks noGrp="1"/>
+          </p:cNvSpPr>
+          <p:nvPr>
+            <p:ph idx="1"/>
+          </p:nvPr>
+        </p:nvSpPr>
+        <p:spPr/>
+        <p:txBody>
+          <a:bodyPr/>
+          <a:lstStyle/>
+          <a:p>
+            <a:endParaRPr lang="fr-FR"/>
+          </a:p>
+        </p:txBody>
+      </p:sp>
+    </p:spTree>
+    <p:extLst>
+      <p:ext uri="{BB962C8B-B14F-4D97-AF65-F5344CB8AC3E}">
+        <p14:creationId xmlns:p14="http://schemas.microsoft.com/office/powerpoint/2010/main" val="1825272433"/>
       </p:ext>
     </p:extLst>
   </p:cSld>
@@ -4472,60 +7767,14 @@
       </p:grpSpPr>
       <p:sp>
         <p:nvSpPr>
-          <p:cNvPr id="2" name="Rectangle 1"/>
-          <p:cNvSpPr/>
-          <p:nvPr/>
-        </p:nvSpPr>
-        <p:spPr>
-          <a:xfrm>
-            <a:off x="266007" y="324196"/>
-            <a:ext cx="4123113" cy="5178829"/>
-          </a:xfrm>
-          <a:prstGeom prst="rect">
-            <a:avLst/>
-          </a:prstGeom>
-          <a:solidFill>
-            <a:srgbClr val="EFEDE3"/>
-          </a:solidFill>
-          <a:ln>
-            <a:noFill/>
-          </a:ln>
-        </p:spPr>
-        <p:style>
-          <a:lnRef idx="2">
-            <a:schemeClr val="accent1">
-              <a:shade val="50000"/>
-            </a:schemeClr>
-          </a:lnRef>
-          <a:fillRef idx="1">
-            <a:schemeClr val="accent1"/>
-          </a:fillRef>
-          <a:effectRef idx="0">
-            <a:schemeClr val="accent1"/>
-          </a:effectRef>
-          <a:fontRef idx="minor">
-            <a:schemeClr val="lt1"/>
-          </a:fontRef>
-        </p:style>
-        <p:txBody>
-          <a:bodyPr rtlCol="0" anchor="ctr"/>
-          <a:lstStyle/>
-          <a:p>
-            <a:pPr algn="ctr"/>
-            <a:endParaRPr lang="fr-FR"/>
-          </a:p>
-        </p:txBody>
-      </p:sp>
-      <p:sp>
-        <p:nvSpPr>
           <p:cNvPr id="3" name="ZoneTexte 2"/>
           <p:cNvSpPr txBox="1"/>
           <p:nvPr/>
         </p:nvSpPr>
         <p:spPr>
           <a:xfrm>
-            <a:off x="955963" y="656705"/>
-            <a:ext cx="2959331" cy="2862322"/>
+            <a:off x="955963" y="698650"/>
+            <a:ext cx="2959331" cy="3139321"/>
           </a:xfrm>
           <a:prstGeom prst="rect">
             <a:avLst/>
@@ -4539,7 +7788,7 @@
           <a:lstStyle/>
           <a:p>
             <a:r>
-              <a:rPr lang="fr-FR" dirty="0" smtClean="0">
+              <a:rPr lang="fr-FR" dirty="0">
                 <a:solidFill>
                   <a:srgbClr val="FF0000"/>
                 </a:solidFill>
@@ -4556,71 +7805,37 @@
           </a:p>
           <a:p>
             <a:r>
-              <a:rPr lang="fr-FR" dirty="0" smtClean="0">
+              <a:rPr lang="fr-FR" dirty="0">
                 <a:solidFill>
                   <a:srgbClr val="FF0000"/>
                 </a:solidFill>
               </a:rPr>
-              <a:t>I. </a:t>
-            </a:r>
-            <a:r>
-              <a:rPr lang="fr-FR" dirty="0" smtClean="0">
+              <a:t>I. Cas d’utilisation</a:t>
+            </a:r>
+          </a:p>
+          <a:p>
+            <a:r>
+              <a:rPr lang="fr-FR" dirty="0">
                 <a:solidFill>
                   <a:srgbClr val="FF0000"/>
                 </a:solidFill>
               </a:rPr>
-              <a:t>Cas d’utilisation</a:t>
-            </a:r>
-            <a:endParaRPr lang="fr-FR" dirty="0" smtClean="0">
-              <a:solidFill>
-                <a:srgbClr val="FF0000"/>
-              </a:solidFill>
-            </a:endParaRPr>
-          </a:p>
-          <a:p>
-            <a:r>
-              <a:rPr lang="fr-FR" dirty="0" smtClean="0">
+              <a:t>II. Cas d’utilisation simplifié</a:t>
+            </a:r>
+          </a:p>
+          <a:p>
+            <a:r>
+              <a:rPr lang="fr-FR" dirty="0">
                 <a:solidFill>
                   <a:srgbClr val="FF0000"/>
                 </a:solidFill>
               </a:rPr>
-              <a:t>II. </a:t>
-            </a:r>
-            <a:r>
-              <a:rPr lang="fr-FR" dirty="0" smtClean="0">
-                <a:solidFill>
-                  <a:srgbClr val="FF0000"/>
-                </a:solidFill>
-              </a:rPr>
-              <a:t>Cas d’utilisation simplifié</a:t>
-            </a:r>
-          </a:p>
-          <a:p>
-            <a:r>
-              <a:rPr lang="fr-FR" dirty="0" smtClean="0">
-                <a:solidFill>
-                  <a:srgbClr val="FF0000"/>
-                </a:solidFill>
-              </a:rPr>
-              <a:t>III. </a:t>
-            </a:r>
-            <a:r>
-              <a:rPr lang="fr-FR" dirty="0" smtClean="0">
-                <a:solidFill>
-                  <a:srgbClr val="FF0000"/>
-                </a:solidFill>
-              </a:rPr>
-              <a:t>Diagramme de séquence</a:t>
-            </a:r>
-            <a:endParaRPr lang="fr-FR" dirty="0" smtClean="0">
-              <a:solidFill>
-                <a:srgbClr val="FF0000"/>
-              </a:solidFill>
-            </a:endParaRPr>
-          </a:p>
-          <a:p>
-            <a:r>
-              <a:rPr lang="fr-FR" dirty="0" smtClean="0">
+              <a:t>III. Diagramme de séquence</a:t>
+            </a:r>
+          </a:p>
+          <a:p>
+            <a:r>
+              <a:rPr lang="fr-FR" dirty="0">
                 <a:solidFill>
                   <a:srgbClr val="FF0000"/>
                 </a:solidFill>
@@ -4630,7 +7845,7 @@
           </a:p>
           <a:p>
             <a:r>
-              <a:rPr lang="fr-FR" dirty="0" smtClean="0">
+              <a:rPr lang="fr-FR" dirty="0">
                 <a:solidFill>
                   <a:srgbClr val="FF0000"/>
                 </a:solidFill>
@@ -4640,7 +7855,7 @@
           </a:p>
           <a:p>
             <a:r>
-              <a:rPr lang="fr-FR" dirty="0" smtClean="0">
+              <a:rPr lang="fr-FR" dirty="0">
                 <a:solidFill>
                   <a:srgbClr val="FF0000"/>
                 </a:solidFill>
@@ -4650,7 +7865,7 @@
           </a:p>
           <a:p>
             <a:r>
-              <a:rPr lang="fr-FR" dirty="0" smtClean="0">
+              <a:rPr lang="fr-FR" dirty="0">
                 <a:solidFill>
                   <a:srgbClr val="FF0000"/>
                 </a:solidFill>
@@ -4660,18 +7875,23 @@
           </a:p>
           <a:p>
             <a:r>
-              <a:rPr lang="fr-FR" dirty="0" smtClean="0">
+              <a:rPr lang="fr-FR" dirty="0">
                 <a:solidFill>
                   <a:srgbClr val="FF0000"/>
                 </a:solidFill>
               </a:rPr>
-              <a:t>VIII.</a:t>
-            </a:r>
-            <a:endParaRPr lang="fr-FR" dirty="0">
-              <a:solidFill>
-                <a:srgbClr val="FF0000"/>
-              </a:solidFill>
-            </a:endParaRPr>
+              <a:t>VIII. Proposition de capteur</a:t>
+            </a:r>
+          </a:p>
+          <a:p>
+            <a:r>
+              <a:rPr lang="fr-FR" dirty="0">
+                <a:solidFill>
+                  <a:srgbClr val="FF0000"/>
+                </a:solidFill>
+              </a:rPr>
+              <a:t>IX. Gantt prévisionnel</a:t>
+            </a:r>
           </a:p>
         </p:txBody>
       </p:sp>
@@ -4757,18 +7977,13 @@
           <a:lstStyle/>
           <a:p>
             <a:r>
-              <a:rPr lang="fr-FR" dirty="0" smtClean="0">
+              <a:rPr lang="fr-FR" dirty="0">
                 <a:solidFill>
                   <a:srgbClr val="FF0000"/>
                 </a:solidFill>
               </a:rPr>
               <a:t>I. Cas d’utilisation</a:t>
             </a:r>
-            <a:endParaRPr lang="fr-FR" dirty="0" smtClean="0">
-              <a:solidFill>
-                <a:srgbClr val="FF0000"/>
-              </a:solidFill>
-            </a:endParaRPr>
           </a:p>
         </p:txBody>
       </p:sp>
@@ -4786,6 +8001,320 @@
 </file>
 
 <file path=ppt/slides/slide4.xml><?xml version="1.0" encoding="utf-8"?>
+<p:sld xmlns:a="http://schemas.openxmlformats.org/drawingml/2006/main" xmlns:r="http://schemas.openxmlformats.org/officeDocument/2006/relationships" xmlns:p="http://schemas.openxmlformats.org/presentationml/2006/main">
+  <p:cSld>
+    <p:spTree>
+      <p:nvGrpSpPr>
+        <p:cNvPr id="1" name=""/>
+        <p:cNvGrpSpPr/>
+        <p:nvPr/>
+      </p:nvGrpSpPr>
+      <p:grpSpPr>
+        <a:xfrm>
+          <a:off x="0" y="0"/>
+          <a:ext cx="0" cy="0"/>
+          <a:chOff x="0" y="0"/>
+          <a:chExt cx="0" cy="0"/>
+        </a:xfrm>
+      </p:grpSpPr>
+      <p:sp>
+        <p:nvSpPr>
+          <p:cNvPr id="7" name="Rectangle 6"/>
+          <p:cNvSpPr/>
+          <p:nvPr/>
+        </p:nvSpPr>
+        <p:spPr>
+          <a:xfrm>
+            <a:off x="66745" y="148277"/>
+            <a:ext cx="2846548" cy="369332"/>
+          </a:xfrm>
+          <a:prstGeom prst="rect">
+            <a:avLst/>
+          </a:prstGeom>
+        </p:spPr>
+        <p:txBody>
+          <a:bodyPr wrap="none">
+            <a:spAutoFit/>
+          </a:bodyPr>
+          <a:lstStyle/>
+          <a:p>
+            <a:r>
+              <a:rPr lang="fr-FR" dirty="0">
+                <a:solidFill>
+                  <a:srgbClr val="FF0000"/>
+                </a:solidFill>
+              </a:rPr>
+              <a:t>II. Cas d’utilisation simplifié</a:t>
+            </a:r>
+          </a:p>
+        </p:txBody>
+      </p:sp>
+      <p:pic>
+        <p:nvPicPr>
+          <p:cNvPr id="5" name="Image 4">
+            <a:extLst>
+              <a:ext uri="{FF2B5EF4-FFF2-40B4-BE49-F238E27FC236}">
+                <a16:creationId xmlns:a16="http://schemas.microsoft.com/office/drawing/2014/main" id="{F1A45E4D-F7D7-431C-B7CD-EFDF4DB907D2}"/>
+              </a:ext>
+            </a:extLst>
+          </p:cNvPr>
+          <p:cNvPicPr>
+            <a:picLocks noChangeAspect="1"/>
+          </p:cNvPicPr>
+          <p:nvPr/>
+        </p:nvPicPr>
+        <p:blipFill>
+          <a:blip r:embed="rId2"/>
+          <a:stretch>
+            <a:fillRect/>
+          </a:stretch>
+        </p:blipFill>
+        <p:spPr>
+          <a:xfrm>
+            <a:off x="1336733" y="517609"/>
+            <a:ext cx="9048750" cy="6477000"/>
+          </a:xfrm>
+          <a:prstGeom prst="rect">
+            <a:avLst/>
+          </a:prstGeom>
+        </p:spPr>
+      </p:pic>
+    </p:spTree>
+    <p:extLst>
+      <p:ext uri="{BB962C8B-B14F-4D97-AF65-F5344CB8AC3E}">
+        <p14:creationId xmlns:p14="http://schemas.microsoft.com/office/powerpoint/2010/main" val="1958413745"/>
+      </p:ext>
+    </p:extLst>
+  </p:cSld>
+  <p:clrMapOvr>
+    <a:masterClrMapping/>
+  </p:clrMapOvr>
+</p:sld>
+</file>
+
+<file path=ppt/slides/slide5.xml><?xml version="1.0" encoding="utf-8"?>
+<p:sld xmlns:a="http://schemas.openxmlformats.org/drawingml/2006/main" xmlns:r="http://schemas.openxmlformats.org/officeDocument/2006/relationships" xmlns:p="http://schemas.openxmlformats.org/presentationml/2006/main">
+  <p:cSld>
+    <p:spTree>
+      <p:nvGrpSpPr>
+        <p:cNvPr id="1" name=""/>
+        <p:cNvGrpSpPr/>
+        <p:nvPr/>
+      </p:nvGrpSpPr>
+      <p:grpSpPr>
+        <a:xfrm>
+          <a:off x="0" y="0"/>
+          <a:ext cx="0" cy="0"/>
+          <a:chOff x="0" y="0"/>
+          <a:chExt cx="0" cy="0"/>
+        </a:xfrm>
+      </p:grpSpPr>
+      <p:sp>
+        <p:nvSpPr>
+          <p:cNvPr id="2" name="Rectangle 1"/>
+          <p:cNvSpPr/>
+          <p:nvPr/>
+        </p:nvSpPr>
+        <p:spPr>
+          <a:xfrm>
+            <a:off x="101884" y="268377"/>
+            <a:ext cx="2910733" cy="369332"/>
+          </a:xfrm>
+          <a:prstGeom prst="rect">
+            <a:avLst/>
+          </a:prstGeom>
+        </p:spPr>
+        <p:txBody>
+          <a:bodyPr wrap="none">
+            <a:spAutoFit/>
+          </a:bodyPr>
+          <a:lstStyle/>
+          <a:p>
+            <a:r>
+              <a:rPr lang="fr-FR" dirty="0">
+                <a:solidFill>
+                  <a:srgbClr val="FF0000"/>
+                </a:solidFill>
+              </a:rPr>
+              <a:t>III. Diagramme de séquence</a:t>
+            </a:r>
+          </a:p>
+        </p:txBody>
+      </p:sp>
+      <p:sp>
+        <p:nvSpPr>
+          <p:cNvPr id="3" name="ZoneTexte 2">
+            <a:extLst>
+              <a:ext uri="{FF2B5EF4-FFF2-40B4-BE49-F238E27FC236}">
+                <a16:creationId xmlns:a16="http://schemas.microsoft.com/office/drawing/2014/main" id="{8185D6C2-D95C-4E45-A146-B74583E5BE84}"/>
+              </a:ext>
+            </a:extLst>
+          </p:cNvPr>
+          <p:cNvSpPr txBox="1"/>
+          <p:nvPr/>
+        </p:nvSpPr>
+        <p:spPr>
+          <a:xfrm>
+            <a:off x="5378741" y="83711"/>
+            <a:ext cx="1434517" cy="369332"/>
+          </a:xfrm>
+          <a:prstGeom prst="rect">
+            <a:avLst/>
+          </a:prstGeom>
+          <a:noFill/>
+        </p:spPr>
+        <p:txBody>
+          <a:bodyPr wrap="square" rtlCol="0">
+            <a:spAutoFit/>
+          </a:bodyPr>
+          <a:lstStyle/>
+          <a:p>
+            <a:r>
+              <a:rPr lang="fr-FR" dirty="0"/>
+              <a:t>Etudiant 3</a:t>
+            </a:r>
+          </a:p>
+        </p:txBody>
+      </p:sp>
+      <p:pic>
+        <p:nvPicPr>
+          <p:cNvPr id="5" name="Image 4">
+            <a:extLst>
+              <a:ext uri="{FF2B5EF4-FFF2-40B4-BE49-F238E27FC236}">
+                <a16:creationId xmlns:a16="http://schemas.microsoft.com/office/drawing/2014/main" id="{911A8E25-D6B9-4FE1-8F10-03F1E9AF6824}"/>
+              </a:ext>
+            </a:extLst>
+          </p:cNvPr>
+          <p:cNvPicPr>
+            <a:picLocks noChangeAspect="1"/>
+          </p:cNvPicPr>
+          <p:nvPr/>
+        </p:nvPicPr>
+        <p:blipFill>
+          <a:blip r:embed="rId2">
+            <a:extLst>
+              <a:ext uri="{28A0092B-C50C-407E-A947-70E740481C1C}">
+                <a14:useLocalDpi xmlns:a14="http://schemas.microsoft.com/office/drawing/2010/main" val="0"/>
+              </a:ext>
+            </a:extLst>
+          </a:blip>
+          <a:stretch>
+            <a:fillRect/>
+          </a:stretch>
+        </p:blipFill>
+        <p:spPr>
+          <a:xfrm>
+            <a:off x="153314" y="637708"/>
+            <a:ext cx="11759053" cy="5755071"/>
+          </a:xfrm>
+          <a:prstGeom prst="rect">
+            <a:avLst/>
+          </a:prstGeom>
+        </p:spPr>
+      </p:pic>
+    </p:spTree>
+    <p:extLst>
+      <p:ext uri="{BB962C8B-B14F-4D97-AF65-F5344CB8AC3E}">
+        <p14:creationId xmlns:p14="http://schemas.microsoft.com/office/powerpoint/2010/main" val="3295572073"/>
+      </p:ext>
+    </p:extLst>
+  </p:cSld>
+  <p:clrMapOvr>
+    <a:masterClrMapping/>
+  </p:clrMapOvr>
+</p:sld>
+</file>
+
+<file path=ppt/slides/slide6.xml><?xml version="1.0" encoding="utf-8"?>
+<p:sld xmlns:a="http://schemas.openxmlformats.org/drawingml/2006/main" xmlns:r="http://schemas.openxmlformats.org/officeDocument/2006/relationships" xmlns:p="http://schemas.openxmlformats.org/presentationml/2006/main">
+  <p:cSld>
+    <p:spTree>
+      <p:nvGrpSpPr>
+        <p:cNvPr id="1" name=""/>
+        <p:cNvGrpSpPr/>
+        <p:nvPr/>
+      </p:nvGrpSpPr>
+      <p:grpSpPr>
+        <a:xfrm>
+          <a:off x="0" y="0"/>
+          <a:ext cx="0" cy="0"/>
+          <a:chOff x="0" y="0"/>
+          <a:chExt cx="0" cy="0"/>
+        </a:xfrm>
+      </p:grpSpPr>
+      <p:pic>
+        <p:nvPicPr>
+          <p:cNvPr id="3" name="Image 2"/>
+          <p:cNvPicPr>
+            <a:picLocks noChangeAspect="1"/>
+          </p:cNvPicPr>
+          <p:nvPr/>
+        </p:nvPicPr>
+        <p:blipFill>
+          <a:blip r:embed="rId2">
+            <a:extLst>
+              <a:ext uri="{28A0092B-C50C-407E-A947-70E740481C1C}">
+                <a14:useLocalDpi xmlns:a14="http://schemas.microsoft.com/office/drawing/2010/main" val="0"/>
+              </a:ext>
+            </a:extLst>
+          </a:blip>
+          <a:stretch>
+            <a:fillRect/>
+          </a:stretch>
+        </p:blipFill>
+        <p:spPr>
+          <a:xfrm>
+            <a:off x="1479665" y="903031"/>
+            <a:ext cx="8088283" cy="5884519"/>
+          </a:xfrm>
+          <a:prstGeom prst="rect">
+            <a:avLst/>
+          </a:prstGeom>
+        </p:spPr>
+      </p:pic>
+      <p:sp>
+        <p:nvSpPr>
+          <p:cNvPr id="4" name="ZoneTexte 3"/>
+          <p:cNvSpPr txBox="1"/>
+          <p:nvPr/>
+        </p:nvSpPr>
+        <p:spPr>
+          <a:xfrm>
+            <a:off x="4829693" y="390697"/>
+            <a:ext cx="1388226" cy="369332"/>
+          </a:xfrm>
+          <a:prstGeom prst="rect">
+            <a:avLst/>
+          </a:prstGeom>
+          <a:noFill/>
+        </p:spPr>
+        <p:txBody>
+          <a:bodyPr wrap="square" rtlCol="0">
+            <a:spAutoFit/>
+          </a:bodyPr>
+          <a:lstStyle/>
+          <a:p>
+            <a:r>
+              <a:rPr lang="fr-FR" dirty="0" smtClean="0"/>
+              <a:t>Etudiant 1</a:t>
+            </a:r>
+          </a:p>
+        </p:txBody>
+      </p:sp>
+    </p:spTree>
+    <p:extLst>
+      <p:ext uri="{BB962C8B-B14F-4D97-AF65-F5344CB8AC3E}">
+        <p14:creationId xmlns:p14="http://schemas.microsoft.com/office/powerpoint/2010/main" val="3467233865"/>
+      </p:ext>
+    </p:extLst>
+  </p:cSld>
+  <p:clrMapOvr>
+    <a:masterClrMapping/>
+  </p:clrMapOvr>
+</p:sld>
+</file>
+
+<file path=ppt/slides/slide7.xml><?xml version="1.0" encoding="utf-8"?>
 <p:sld xmlns:a="http://schemas.openxmlformats.org/drawingml/2006/main" xmlns:r="http://schemas.openxmlformats.org/officeDocument/2006/relationships" xmlns:p="http://schemas.openxmlformats.org/presentationml/2006/main">
   <p:cSld>
     <p:spTree>
@@ -4824,8 +8353,8 @@
         </p:blipFill>
         <p:spPr>
           <a:xfrm>
-            <a:off x="1490019" y="665886"/>
-            <a:ext cx="9211961" cy="6192114"/>
+            <a:off x="2743199" y="885701"/>
+            <a:ext cx="5561214" cy="5854681"/>
           </a:xfrm>
           <a:prstGeom prst="rect">
             <a:avLst/>
@@ -4834,172 +8363,37 @@
       </p:pic>
       <p:sp>
         <p:nvSpPr>
-          <p:cNvPr id="7" name="Rectangle 6"/>
-          <p:cNvSpPr/>
+          <p:cNvPr id="3" name="ZoneTexte 2"/>
+          <p:cNvSpPr txBox="1"/>
           <p:nvPr/>
         </p:nvSpPr>
         <p:spPr>
           <a:xfrm>
-            <a:off x="66745" y="148277"/>
-            <a:ext cx="2846548" cy="369332"/>
+            <a:off x="4829693" y="390697"/>
+            <a:ext cx="1388226" cy="369332"/>
           </a:xfrm>
           <a:prstGeom prst="rect">
             <a:avLst/>
           </a:prstGeom>
-        </p:spPr>
-        <p:txBody>
-          <a:bodyPr wrap="none">
+          <a:noFill/>
+        </p:spPr>
+        <p:txBody>
+          <a:bodyPr wrap="square" rtlCol="0">
             <a:spAutoFit/>
           </a:bodyPr>
           <a:lstStyle/>
           <a:p>
             <a:r>
-              <a:rPr lang="fr-FR" dirty="0" smtClean="0">
-                <a:solidFill>
-                  <a:srgbClr val="FF0000"/>
-                </a:solidFill>
-              </a:rPr>
-              <a:t>II. Cas d’utilisation simplifié</a:t>
-            </a:r>
-            <a:endParaRPr lang="fr-FR" dirty="0" smtClean="0">
-              <a:solidFill>
-                <a:srgbClr val="FF0000"/>
-              </a:solidFill>
-            </a:endParaRPr>
+              <a:rPr lang="fr-FR" dirty="0" smtClean="0"/>
+              <a:t>Etudiant 1</a:t>
+            </a:r>
           </a:p>
         </p:txBody>
       </p:sp>
     </p:spTree>
     <p:extLst>
       <p:ext uri="{BB962C8B-B14F-4D97-AF65-F5344CB8AC3E}">
-        <p14:creationId xmlns:p14="http://schemas.microsoft.com/office/powerpoint/2010/main" val="1958413745"/>
-      </p:ext>
-    </p:extLst>
-  </p:cSld>
-  <p:clrMapOvr>
-    <a:masterClrMapping/>
-  </p:clrMapOvr>
-</p:sld>
-</file>
-
-<file path=ppt/slides/slide5.xml><?xml version="1.0" encoding="utf-8"?>
-<p:sld xmlns:a="http://schemas.openxmlformats.org/drawingml/2006/main" xmlns:r="http://schemas.openxmlformats.org/officeDocument/2006/relationships" xmlns:p="http://schemas.openxmlformats.org/presentationml/2006/main">
-  <p:cSld>
-    <p:spTree>
-      <p:nvGrpSpPr>
-        <p:cNvPr id="1" name=""/>
-        <p:cNvGrpSpPr/>
-        <p:nvPr/>
-      </p:nvGrpSpPr>
-      <p:grpSpPr>
-        <a:xfrm>
-          <a:off x="0" y="0"/>
-          <a:ext cx="0" cy="0"/>
-          <a:chOff x="0" y="0"/>
-          <a:chExt cx="0" cy="0"/>
-        </a:xfrm>
-      </p:grpSpPr>
-      <p:sp>
-        <p:nvSpPr>
-          <p:cNvPr id="2" name="Rectangle 1"/>
-          <p:cNvSpPr/>
-          <p:nvPr/>
-        </p:nvSpPr>
-        <p:spPr>
-          <a:xfrm>
-            <a:off x="101884" y="268377"/>
-            <a:ext cx="2910733" cy="369332"/>
-          </a:xfrm>
-          <a:prstGeom prst="rect">
-            <a:avLst/>
-          </a:prstGeom>
-        </p:spPr>
-        <p:txBody>
-          <a:bodyPr wrap="none">
-            <a:spAutoFit/>
-          </a:bodyPr>
-          <a:lstStyle/>
-          <a:p>
-            <a:r>
-              <a:rPr lang="fr-FR" dirty="0" smtClean="0">
-                <a:solidFill>
-                  <a:srgbClr val="FF0000"/>
-                </a:solidFill>
-              </a:rPr>
-              <a:t>III. Diagramme de séquence</a:t>
-            </a:r>
-            <a:endParaRPr lang="fr-FR" dirty="0" smtClean="0">
-              <a:solidFill>
-                <a:srgbClr val="FF0000"/>
-              </a:solidFill>
-            </a:endParaRPr>
-          </a:p>
-        </p:txBody>
-      </p:sp>
-    </p:spTree>
-    <p:extLst>
-      <p:ext uri="{BB962C8B-B14F-4D97-AF65-F5344CB8AC3E}">
-        <p14:creationId xmlns:p14="http://schemas.microsoft.com/office/powerpoint/2010/main" val="3295572073"/>
-      </p:ext>
-    </p:extLst>
-  </p:cSld>
-  <p:clrMapOvr>
-    <a:masterClrMapping/>
-  </p:clrMapOvr>
-</p:sld>
-</file>
-
-<file path=ppt/slides/slide6.xml><?xml version="1.0" encoding="utf-8"?>
-<p:sld xmlns:a="http://schemas.openxmlformats.org/drawingml/2006/main" xmlns:r="http://schemas.openxmlformats.org/officeDocument/2006/relationships" xmlns:p="http://schemas.openxmlformats.org/presentationml/2006/main">
-  <p:cSld>
-    <p:spTree>
-      <p:nvGrpSpPr>
-        <p:cNvPr id="1" name=""/>
-        <p:cNvGrpSpPr/>
-        <p:nvPr/>
-      </p:nvGrpSpPr>
-      <p:grpSpPr>
-        <a:xfrm>
-          <a:off x="0" y="0"/>
-          <a:ext cx="0" cy="0"/>
-          <a:chOff x="0" y="0"/>
-          <a:chExt cx="0" cy="0"/>
-        </a:xfrm>
-      </p:grpSpPr>
-    </p:spTree>
-    <p:extLst>
-      <p:ext uri="{BB962C8B-B14F-4D97-AF65-F5344CB8AC3E}">
-        <p14:creationId xmlns:p14="http://schemas.microsoft.com/office/powerpoint/2010/main" val="1820718287"/>
-      </p:ext>
-    </p:extLst>
-  </p:cSld>
-  <p:clrMapOvr>
-    <a:masterClrMapping/>
-  </p:clrMapOvr>
-</p:sld>
-</file>
-
-<file path=ppt/slides/slide7.xml><?xml version="1.0" encoding="utf-8"?>
-<p:sld xmlns:a="http://schemas.openxmlformats.org/drawingml/2006/main" xmlns:r="http://schemas.openxmlformats.org/officeDocument/2006/relationships" xmlns:p="http://schemas.openxmlformats.org/presentationml/2006/main">
-  <p:cSld>
-    <p:spTree>
-      <p:nvGrpSpPr>
-        <p:cNvPr id="1" name=""/>
-        <p:cNvGrpSpPr/>
-        <p:nvPr/>
-      </p:nvGrpSpPr>
-      <p:grpSpPr>
-        <a:xfrm>
-          <a:off x="0" y="0"/>
-          <a:ext cx="0" cy="0"/>
-          <a:chOff x="0" y="0"/>
-          <a:chExt cx="0" cy="0"/>
-        </a:xfrm>
-      </p:grpSpPr>
-    </p:spTree>
-    <p:extLst>
-      <p:ext uri="{BB962C8B-B14F-4D97-AF65-F5344CB8AC3E}">
-        <p14:creationId xmlns:p14="http://schemas.microsoft.com/office/powerpoint/2010/main" val="3467233865"/>
+        <p14:creationId xmlns:p14="http://schemas.microsoft.com/office/powerpoint/2010/main" val="3107562155"/>
       </p:ext>
     </p:extLst>
   </p:cSld>
@@ -5048,8 +8442,8 @@
         </p:blipFill>
         <p:spPr>
           <a:xfrm>
-            <a:off x="2375028" y="533843"/>
-            <a:ext cx="7259063" cy="6039693"/>
+            <a:off x="1694694" y="878278"/>
+            <a:ext cx="7658223" cy="5846717"/>
           </a:xfrm>
           <a:prstGeom prst="rect">
             <a:avLst/>
@@ -5058,32 +8452,29 @@
       </p:pic>
       <p:sp>
         <p:nvSpPr>
-          <p:cNvPr id="4" name="Rectangle 3"/>
-          <p:cNvSpPr/>
+          <p:cNvPr id="6" name="ZoneTexte 5"/>
+          <p:cNvSpPr txBox="1"/>
           <p:nvPr/>
         </p:nvSpPr>
         <p:spPr>
           <a:xfrm>
-            <a:off x="209950" y="164511"/>
-            <a:ext cx="1675330" cy="369332"/>
+            <a:off x="4829693" y="390697"/>
+            <a:ext cx="1388226" cy="369332"/>
           </a:xfrm>
           <a:prstGeom prst="rect">
             <a:avLst/>
           </a:prstGeom>
-        </p:spPr>
-        <p:txBody>
-          <a:bodyPr wrap="none">
+          <a:noFill/>
+        </p:spPr>
+        <p:txBody>
+          <a:bodyPr wrap="square" rtlCol="0">
             <a:spAutoFit/>
           </a:bodyPr>
           <a:lstStyle/>
           <a:p>
             <a:r>
-              <a:rPr lang="fr-FR" dirty="0" smtClean="0">
-                <a:solidFill>
-                  <a:srgbClr val="FF0000"/>
-                </a:solidFill>
-              </a:rPr>
-              <a:t>IV. Logigramme</a:t>
+              <a:rPr lang="fr-FR" dirty="0" smtClean="0"/>
+              <a:t>Etudiant 1</a:t>
             </a:r>
           </a:p>
         </p:txBody>
@@ -5091,7 +8482,7 @@
     </p:spTree>
     <p:extLst>
       <p:ext uri="{BB962C8B-B14F-4D97-AF65-F5344CB8AC3E}">
-        <p14:creationId xmlns:p14="http://schemas.microsoft.com/office/powerpoint/2010/main" val="3523522342"/>
+        <p14:creationId xmlns:p14="http://schemas.microsoft.com/office/powerpoint/2010/main" val="1820718287"/>
       </p:ext>
     </p:extLst>
   </p:cSld>
@@ -5118,77 +8509,10 @@
           <a:chExt cx="0" cy="0"/>
         </a:xfrm>
       </p:grpSpPr>
-      <p:pic>
-        <p:nvPicPr>
-          <p:cNvPr id="2" name="Image 1"/>
-          <p:cNvPicPr>
-            <a:picLocks noChangeAspect="1"/>
-          </p:cNvPicPr>
-          <p:nvPr/>
-        </p:nvPicPr>
-        <p:blipFill>
-          <a:blip r:embed="rId2">
-            <a:extLst>
-              <a:ext uri="{28A0092B-C50C-407E-A947-70E740481C1C}">
-                <a14:useLocalDpi xmlns:a14="http://schemas.microsoft.com/office/drawing/2010/main" val="0"/>
-              </a:ext>
-            </a:extLst>
-          </a:blip>
-          <a:stretch>
-            <a:fillRect/>
-          </a:stretch>
-        </p:blipFill>
-        <p:spPr>
-          <a:xfrm>
-            <a:off x="2959331" y="2113651"/>
-            <a:ext cx="5445253" cy="2692871"/>
-          </a:xfrm>
-          <a:prstGeom prst="rect">
-            <a:avLst/>
-          </a:prstGeom>
-        </p:spPr>
-      </p:pic>
-      <p:sp>
-        <p:nvSpPr>
-          <p:cNvPr id="3" name="Rectangle 2"/>
-          <p:cNvSpPr/>
-          <p:nvPr/>
-        </p:nvSpPr>
-        <p:spPr>
-          <a:xfrm>
-            <a:off x="202730" y="376443"/>
-            <a:ext cx="880241" cy="369332"/>
-          </a:xfrm>
-          <a:prstGeom prst="rect">
-            <a:avLst/>
-          </a:prstGeom>
-        </p:spPr>
-        <p:txBody>
-          <a:bodyPr wrap="none">
-            <a:spAutoFit/>
-          </a:bodyPr>
-          <a:lstStyle/>
-          <a:p>
-            <a:r>
-              <a:rPr lang="fr-FR" dirty="0" smtClean="0">
-                <a:solidFill>
-                  <a:srgbClr val="FF0000"/>
-                </a:solidFill>
-              </a:rPr>
-              <a:t>V. MCD</a:t>
-            </a:r>
-            <a:endParaRPr lang="fr-FR" dirty="0" smtClean="0">
-              <a:solidFill>
-                <a:srgbClr val="FF0000"/>
-              </a:solidFill>
-            </a:endParaRPr>
-          </a:p>
-        </p:txBody>
-      </p:sp>
     </p:spTree>
     <p:extLst>
       <p:ext uri="{BB962C8B-B14F-4D97-AF65-F5344CB8AC3E}">
-        <p14:creationId xmlns:p14="http://schemas.microsoft.com/office/powerpoint/2010/main" val="2715056959"/>
+        <p14:creationId xmlns:p14="http://schemas.microsoft.com/office/powerpoint/2010/main" val="1827654857"/>
       </p:ext>
     </p:extLst>
   </p:cSld>
@@ -5199,9 +8523,9 @@
 </file>
 
 <file path=ppt/theme/theme1.xml><?xml version="1.0" encoding="utf-8"?>
-<a:theme xmlns:a="http://schemas.openxmlformats.org/drawingml/2006/main" name="Crop">
+<a:theme xmlns:a="http://schemas.openxmlformats.org/drawingml/2006/main" name="Ion">
   <a:themeElements>
-    <a:clrScheme name="Crop">
+    <a:clrScheme name="Ion">
       <a:dk1>
         <a:sysClr val="windowText" lastClr="000000"/>
       </a:dk1>
@@ -5209,48 +8533,83 @@
         <a:sysClr val="window" lastClr="FFFFFF"/>
       </a:lt1>
       <a:dk2>
-        <a:srgbClr val="191B0E"/>
+        <a:srgbClr val="0E5580"/>
       </a:dk2>
       <a:lt2>
-        <a:srgbClr val="EFEDE3"/>
+        <a:srgbClr val="EBEBEB"/>
       </a:lt2>
       <a:accent1>
-        <a:srgbClr val="8C8D86"/>
+        <a:srgbClr val="ACD433"/>
       </a:accent1>
       <a:accent2>
-        <a:srgbClr val="E6C069"/>
+        <a:srgbClr val="E6C133"/>
       </a:accent2>
       <a:accent3>
-        <a:srgbClr val="897B61"/>
+        <a:srgbClr val="EF7A24"/>
       </a:accent3>
       <a:accent4>
-        <a:srgbClr val="8DAB8E"/>
+        <a:srgbClr val="5AA0F5"/>
       </a:accent4>
       <a:accent5>
-        <a:srgbClr val="77A2BB"/>
+        <a:srgbClr val="75CEEC"/>
       </a:accent5>
       <a:accent6>
-        <a:srgbClr val="E28394"/>
+        <a:srgbClr val="65D6A0"/>
       </a:accent6>
       <a:hlink>
-        <a:srgbClr val="77A2BB"/>
+        <a:srgbClr val="C4E46E"/>
       </a:hlink>
       <a:folHlink>
-        <a:srgbClr val="957A99"/>
+        <a:srgbClr val="BDE0FB"/>
       </a:folHlink>
     </a:clrScheme>
-    <a:fontScheme name="Crop">
+    <a:fontScheme name="Ion">
       <a:majorFont>
-        <a:latin typeface="Franklin Gothic Book" panose="020B0503020102020204"/>
+        <a:latin typeface="Century Gothic" panose="020B0502020202020204"/>
         <a:ea typeface=""/>
         <a:cs typeface=""/>
         <a:font script="Jpan" typeface="メイリオ"/>
-        <a:font script="Hang" typeface="돋움"/>
-        <a:font script="Hans" typeface="华文楷体"/>
-        <a:font script="Hant" typeface="微軟正黑體"/>
-        <a:font script="Arab" typeface="Tahoma"/>
-        <a:font script="Hebr" typeface="Aharoni"/>
-        <a:font script="Thai" typeface="LilyUPC"/>
+        <a:font script="Hang" typeface="맑은 고딕"/>
+        <a:font script="Hans" typeface="宋体"/>
+        <a:font script="Hant" typeface="新細明體"/>
+        <a:font script="Arab" typeface="Times New Roman"/>
+        <a:font script="Hebr" typeface="Times New Roman"/>
+        <a:font script="Thai" typeface="Angsana New"/>
+        <a:font script="Ethi" typeface="Nyala"/>
+        <a:font script="Beng" typeface="Vrinda"/>
+        <a:font script="Gujr" typeface="Shruti"/>
+        <a:font script="Khmr" typeface="MoolBoran"/>
+        <a:font script="Knda" typeface="Tunga"/>
+        <a:font script="Guru" typeface="Raavi"/>
+        <a:font script="Cans" typeface="Euphemia"/>
+        <a:font script="Cher" typeface="Plantagenet Cherokee"/>
+        <a:font script="Yiii" typeface="Microsoft Yi Baiti"/>
+        <a:font script="Tibt" typeface="Microsoft Himalaya"/>
+        <a:font script="Thaa" typeface="MV Boli"/>
+        <a:font script="Deva" typeface="Mangal"/>
+        <a:font script="Telu" typeface="Gautami"/>
+        <a:font script="Taml" typeface="Latha"/>
+        <a:font script="Syrc" typeface="Estrangelo Edessa"/>
+        <a:font script="Orya" typeface="Kalinga"/>
+        <a:font script="Mlym" typeface="Kartika"/>
+        <a:font script="Laoo" typeface="DokChampa"/>
+        <a:font script="Sinh" typeface="Iskoola Pota"/>
+        <a:font script="Mong" typeface="Mongolian Baiti"/>
+        <a:font script="Viet" typeface="Times New Roman"/>
+        <a:font script="Uigh" typeface="Microsoft Uighur"/>
+        <a:font script="Geor" typeface="Sylfaen"/>
+      </a:majorFont>
+      <a:minorFont>
+        <a:latin typeface="Century Gothic" panose="020B0502020202020204"/>
+        <a:ea typeface=""/>
+        <a:cs typeface=""/>
+        <a:font script="Jpan" typeface="メイリオ"/>
+        <a:font script="Hang" typeface="맑은 고딕"/>
+        <a:font script="Hans" typeface="宋体"/>
+        <a:font script="Hant" typeface="新細明體"/>
+        <a:font script="Arab" typeface="Arial"/>
+        <a:font script="Hebr" typeface="Arial"/>
+        <a:font script="Thai" typeface="Cordia New"/>
         <a:font script="Ethi" typeface="Nyala"/>
         <a:font script="Beng" typeface="Vrinda"/>
         <a:font script="Gujr" typeface="Shruti"/>
@@ -5271,21 +8630,268 @@
         <a:font script="Laoo" typeface="DokChampa"/>
         <a:font script="Sinh" typeface="Iskoola Pota"/>
         <a:font script="Mong" typeface="Mongolian Baiti"/>
-        <a:font script="Viet" typeface="Tahoma"/>
+        <a:font script="Viet" typeface="Arial"/>
         <a:font script="Uigh" typeface="Microsoft Uighur"/>
         <a:font script="Geor" typeface="Sylfaen"/>
+      </a:minorFont>
+    </a:fontScheme>
+    <a:fmtScheme name="Ion">
+      <a:fillStyleLst>
+        <a:solidFill>
+          <a:schemeClr val="phClr"/>
+        </a:solidFill>
+        <a:gradFill rotWithShape="1">
+          <a:gsLst>
+            <a:gs pos="0">
+              <a:schemeClr val="phClr">
+                <a:tint val="64000"/>
+                <a:lumMod val="118000"/>
+              </a:schemeClr>
+            </a:gs>
+            <a:gs pos="100000">
+              <a:schemeClr val="phClr">
+                <a:tint val="92000"/>
+                <a:alpha val="100000"/>
+                <a:lumMod val="110000"/>
+              </a:schemeClr>
+            </a:gs>
+          </a:gsLst>
+          <a:lin ang="5400000" scaled="0"/>
+        </a:gradFill>
+        <a:gradFill rotWithShape="1">
+          <a:gsLst>
+            <a:gs pos="0">
+              <a:schemeClr val="phClr">
+                <a:tint val="98000"/>
+                <a:lumMod val="114000"/>
+              </a:schemeClr>
+            </a:gs>
+            <a:gs pos="100000">
+              <a:schemeClr val="phClr">
+                <a:shade val="90000"/>
+                <a:lumMod val="84000"/>
+              </a:schemeClr>
+            </a:gs>
+          </a:gsLst>
+          <a:lin ang="5400000" scaled="0"/>
+        </a:gradFill>
+      </a:fillStyleLst>
+      <a:lnStyleLst>
+        <a:ln w="9525" cap="rnd" cmpd="sng" algn="ctr">
+          <a:solidFill>
+            <a:schemeClr val="phClr"/>
+          </a:solidFill>
+          <a:prstDash val="solid"/>
+        </a:ln>
+        <a:ln w="19050" cap="rnd" cmpd="sng" algn="ctr">
+          <a:solidFill>
+            <a:schemeClr val="phClr"/>
+          </a:solidFill>
+          <a:prstDash val="solid"/>
+        </a:ln>
+        <a:ln w="28575" cap="rnd" cmpd="sng" algn="ctr">
+          <a:solidFill>
+            <a:schemeClr val="phClr"/>
+          </a:solidFill>
+          <a:prstDash val="solid"/>
+        </a:ln>
+      </a:lnStyleLst>
+      <a:effectStyleLst>
+        <a:effectStyle>
+          <a:effectLst/>
+        </a:effectStyle>
+        <a:effectStyle>
+          <a:effectLst>
+            <a:outerShdw blurRad="38100" dist="25400" dir="5400000" rotWithShape="0">
+              <a:srgbClr val="000000">
+                <a:alpha val="45000"/>
+              </a:srgbClr>
+            </a:outerShdw>
+          </a:effectLst>
+        </a:effectStyle>
+        <a:effectStyle>
+          <a:effectLst>
+            <a:outerShdw blurRad="63500" dist="38100" dir="5400000" rotWithShape="0">
+              <a:srgbClr val="000000">
+                <a:alpha val="60000"/>
+              </a:srgbClr>
+            </a:outerShdw>
+          </a:effectLst>
+          <a:scene3d>
+            <a:camera prst="orthographicFront">
+              <a:rot lat="0" lon="0" rev="0"/>
+            </a:camera>
+            <a:lightRig rig="threePt" dir="tl"/>
+          </a:scene3d>
+          <a:sp3d prstMaterial="plastic">
+            <a:bevelT w="0" h="0"/>
+          </a:sp3d>
+        </a:effectStyle>
+      </a:effectStyleLst>
+      <a:bgFillStyleLst>
+        <a:solidFill>
+          <a:schemeClr val="phClr"/>
+        </a:solidFill>
+        <a:gradFill rotWithShape="1">
+          <a:gsLst>
+            <a:gs pos="0">
+              <a:schemeClr val="phClr">
+                <a:tint val="92000"/>
+                <a:hueMod val="96000"/>
+                <a:satMod val="128000"/>
+                <a:lumMod val="114000"/>
+              </a:schemeClr>
+            </a:gs>
+            <a:gs pos="100000">
+              <a:schemeClr val="phClr">
+                <a:shade val="62000"/>
+                <a:hueMod val="100000"/>
+                <a:satMod val="134000"/>
+                <a:lumMod val="56000"/>
+              </a:schemeClr>
+            </a:gs>
+          </a:gsLst>
+          <a:path path="circle">
+            <a:fillToRect l="45000" t="65000" r="125000" b="100000"/>
+          </a:path>
+        </a:gradFill>
+        <a:blipFill rotWithShape="1">
+          <a:blip xmlns:r="http://schemas.openxmlformats.org/officeDocument/2006/relationships" r:embed="rId1">
+            <a:duotone>
+              <a:schemeClr val="phClr">
+                <a:shade val="62000"/>
+                <a:hueMod val="108000"/>
+                <a:satMod val="164000"/>
+                <a:lumMod val="69000"/>
+              </a:schemeClr>
+              <a:schemeClr val="phClr">
+                <a:tint val="96000"/>
+                <a:hueMod val="90000"/>
+                <a:satMod val="130000"/>
+                <a:lumMod val="134000"/>
+              </a:schemeClr>
+            </a:duotone>
+          </a:blip>
+          <a:stretch/>
+        </a:blipFill>
+      </a:bgFillStyleLst>
+    </a:fmtScheme>
+  </a:themeElements>
+  <a:objectDefaults/>
+  <a:extraClrSchemeLst/>
+  <a:extLst>
+    <a:ext uri="{05A4C25C-085E-4340-85A3-A5531E510DB2}">
+      <thm15:themeFamily xmlns:thm15="http://schemas.microsoft.com/office/thememl/2012/main" name="Ion" id="{B8441ADB-2E43-4AF7-B97A-BD870242C6A8}" vid="{BACC050B-8757-4460-95D8-E37B46A6B421}"/>
+    </a:ext>
+  </a:extLst>
+</a:theme>
+</file>
+
+<file path=ppt/theme/theme2.xml><?xml version="1.0" encoding="utf-8"?>
+<a:theme xmlns:a="http://schemas.openxmlformats.org/drawingml/2006/main" name="Thème Office">
+  <a:themeElements>
+    <a:clrScheme name="Office">
+      <a:dk1>
+        <a:sysClr val="windowText" lastClr="000000"/>
+      </a:dk1>
+      <a:lt1>
+        <a:sysClr val="window" lastClr="FFFFFF"/>
+      </a:lt1>
+      <a:dk2>
+        <a:srgbClr val="44546A"/>
+      </a:dk2>
+      <a:lt2>
+        <a:srgbClr val="E7E6E6"/>
+      </a:lt2>
+      <a:accent1>
+        <a:srgbClr val="4472C4"/>
+      </a:accent1>
+      <a:accent2>
+        <a:srgbClr val="ED7D31"/>
+      </a:accent2>
+      <a:accent3>
+        <a:srgbClr val="A5A5A5"/>
+      </a:accent3>
+      <a:accent4>
+        <a:srgbClr val="FFC000"/>
+      </a:accent4>
+      <a:accent5>
+        <a:srgbClr val="5B9BD5"/>
+      </a:accent5>
+      <a:accent6>
+        <a:srgbClr val="70AD47"/>
+      </a:accent6>
+      <a:hlink>
+        <a:srgbClr val="0563C1"/>
+      </a:hlink>
+      <a:folHlink>
+        <a:srgbClr val="954F72"/>
+      </a:folHlink>
+    </a:clrScheme>
+    <a:fontScheme name="Office">
+      <a:majorFont>
+        <a:latin typeface="Calibri Light" panose="020F0302020204030204"/>
+        <a:ea typeface=""/>
+        <a:cs typeface=""/>
+        <a:font script="Jpan" typeface="游ゴシック Light"/>
+        <a:font script="Hang" typeface="맑은 고딕"/>
+        <a:font script="Hans" typeface="等线 Light"/>
+        <a:font script="Hant" typeface="新細明體"/>
+        <a:font script="Arab" typeface="Times New Roman"/>
+        <a:font script="Hebr" typeface="Times New Roman"/>
+        <a:font script="Thai" typeface="Angsana New"/>
+        <a:font script="Ethi" typeface="Nyala"/>
+        <a:font script="Beng" typeface="Vrinda"/>
+        <a:font script="Gujr" typeface="Shruti"/>
+        <a:font script="Khmr" typeface="MoolBoran"/>
+        <a:font script="Knda" typeface="Tunga"/>
+        <a:font script="Guru" typeface="Raavi"/>
+        <a:font script="Cans" typeface="Euphemia"/>
+        <a:font script="Cher" typeface="Plantagenet Cherokee"/>
+        <a:font script="Yiii" typeface="Microsoft Yi Baiti"/>
+        <a:font script="Tibt" typeface="Microsoft Himalaya"/>
+        <a:font script="Thaa" typeface="MV Boli"/>
+        <a:font script="Deva" typeface="Mangal"/>
+        <a:font script="Telu" typeface="Gautami"/>
+        <a:font script="Taml" typeface="Latha"/>
+        <a:font script="Syrc" typeface="Estrangelo Edessa"/>
+        <a:font script="Orya" typeface="Kalinga"/>
+        <a:font script="Mlym" typeface="Kartika"/>
+        <a:font script="Laoo" typeface="DokChampa"/>
+        <a:font script="Sinh" typeface="Iskoola Pota"/>
+        <a:font script="Mong" typeface="Mongolian Baiti"/>
+        <a:font script="Viet" typeface="Times New Roman"/>
+        <a:font script="Uigh" typeface="Microsoft Uighur"/>
+        <a:font script="Geor" typeface="Sylfaen"/>
+        <a:font script="Armn" typeface="Arial"/>
+        <a:font script="Bugi" typeface="Leelawadee UI"/>
+        <a:font script="Bopo" typeface="Microsoft JhengHei"/>
+        <a:font script="Java" typeface="Javanese Text"/>
+        <a:font script="Lisu" typeface="Segoe UI"/>
+        <a:font script="Mymr" typeface="Myanmar Text"/>
+        <a:font script="Nkoo" typeface="Ebrima"/>
+        <a:font script="Olck" typeface="Nirmala UI"/>
+        <a:font script="Osma" typeface="Ebrima"/>
+        <a:font script="Phag" typeface="Phagspa"/>
+        <a:font script="Syrn" typeface="Estrangelo Edessa"/>
+        <a:font script="Syrj" typeface="Estrangelo Edessa"/>
+        <a:font script="Syre" typeface="Estrangelo Edessa"/>
+        <a:font script="Sora" typeface="Nirmala UI"/>
+        <a:font script="Tale" typeface="Microsoft Tai Le"/>
+        <a:font script="Talu" typeface="Microsoft New Tai Lue"/>
+        <a:font script="Tfng" typeface="Ebrima"/>
       </a:majorFont>
       <a:minorFont>
-        <a:latin typeface="Franklin Gothic Book" panose="020B0503020102020204"/>
+        <a:latin typeface="Calibri" panose="020F0502020204030204"/>
         <a:ea typeface=""/>
         <a:cs typeface=""/>
-        <a:font script="Jpan" typeface="メイリオ"/>
-        <a:font script="Hang" typeface="돋움"/>
-        <a:font script="Hans" typeface="华文楷体"/>
-        <a:font script="Hant" typeface="微軟正黑體"/>
-        <a:font script="Arab" typeface="Tahoma"/>
-        <a:font script="Hebr" typeface="Aharoni"/>
-        <a:font script="Thai" typeface="LilyUPC"/>
+        <a:font script="Jpan" typeface="游ゴシック"/>
+        <a:font script="Hang" typeface="맑은 고딕"/>
+        <a:font script="Hans" typeface="等线"/>
+        <a:font script="Hant" typeface="新細明體"/>
+        <a:font script="Arab" typeface="Arial"/>
+        <a:font script="Hebr" typeface="Arial"/>
+        <a:font script="Thai" typeface="Cordia New"/>
         <a:font script="Ethi" typeface="Nyala"/>
         <a:font script="Beng" typeface="Vrinda"/>
         <a:font script="Gujr" typeface="Shruti"/>
@@ -5306,12 +8912,29 @@
         <a:font script="Laoo" typeface="DokChampa"/>
         <a:font script="Sinh" typeface="Iskoola Pota"/>
         <a:font script="Mong" typeface="Mongolian Baiti"/>
-        <a:font script="Viet" typeface="Tahoma"/>
+        <a:font script="Viet" typeface="Arial"/>
         <a:font script="Uigh" typeface="Microsoft Uighur"/>
         <a:font script="Geor" typeface="Sylfaen"/>
+        <a:font script="Armn" typeface="Arial"/>
+        <a:font script="Bugi" typeface="Leelawadee UI"/>
+        <a:font script="Bopo" typeface="Microsoft JhengHei"/>
+        <a:font script="Java" typeface="Javanese Text"/>
+        <a:font script="Lisu" typeface="Segoe UI"/>
+        <a:font script="Mymr" typeface="Myanmar Text"/>
+        <a:font script="Nkoo" typeface="Ebrima"/>
+        <a:font script="Olck" typeface="Nirmala UI"/>
+        <a:font script="Osma" typeface="Ebrima"/>
+        <a:font script="Phag" typeface="Phagspa"/>
+        <a:font script="Syrn" typeface="Estrangelo Edessa"/>
+        <a:font script="Syrj" typeface="Estrangelo Edessa"/>
+        <a:font script="Syre" typeface="Estrangelo Edessa"/>
+        <a:font script="Sora" typeface="Nirmala UI"/>
+        <a:font script="Tale" typeface="Microsoft Tai Le"/>
+        <a:font script="Talu" typeface="Microsoft New Tai Lue"/>
+        <a:font script="Tfng" typeface="Ebrima"/>
       </a:minorFont>
     </a:fontScheme>
-    <a:fmtScheme name="Crop">
+    <a:fmtScheme name="Office">
       <a:fillStyleLst>
         <a:solidFill>
           <a:schemeClr val="phClr"/>
@@ -5320,23 +8943,23 @@
           <a:gsLst>
             <a:gs pos="0">
               <a:schemeClr val="phClr">
+                <a:lumMod val="110000"/>
+                <a:satMod val="105000"/>
                 <a:tint val="67000"/>
-                <a:satMod val="105000"/>
-                <a:lumMod val="110000"/>
               </a:schemeClr>
             </a:gs>
             <a:gs pos="50000">
               <a:schemeClr val="phClr">
+                <a:lumMod val="105000"/>
+                <a:satMod val="103000"/>
                 <a:tint val="73000"/>
-                <a:satMod val="103000"/>
-                <a:lumMod val="105000"/>
               </a:schemeClr>
             </a:gs>
             <a:gs pos="100000">
               <a:schemeClr val="phClr">
+                <a:lumMod val="105000"/>
+                <a:satMod val="109000"/>
                 <a:tint val="81000"/>
-                <a:satMod val="109000"/>
-                <a:lumMod val="105000"/>
               </a:schemeClr>
             </a:gs>
           </a:gsLst>
@@ -5346,23 +8969,23 @@
           <a:gsLst>
             <a:gs pos="0">
               <a:schemeClr val="phClr">
-                <a:tint val="94000"/>
                 <a:satMod val="103000"/>
                 <a:lumMod val="102000"/>
+                <a:tint val="94000"/>
               </a:schemeClr>
             </a:gs>
             <a:gs pos="50000">
               <a:schemeClr val="phClr">
-                <a:shade val="100000"/>
                 <a:satMod val="110000"/>
                 <a:lumMod val="100000"/>
+                <a:shade val="100000"/>
               </a:schemeClr>
             </a:gs>
             <a:gs pos="100000">
               <a:schemeClr val="phClr">
+                <a:lumMod val="99000"/>
+                <a:satMod val="120000"/>
                 <a:shade val="78000"/>
-                <a:satMod val="120000"/>
-                <a:lumMod val="99000"/>
               </a:schemeClr>
             </a:gs>
           </a:gsLst>
@@ -5370,23 +8993,26 @@
         </a:gradFill>
       </a:fillStyleLst>
       <a:lnStyleLst>
-        <a:ln w="6350" cap="flat" cmpd="sng" algn="in">
+        <a:ln w="6350" cap="flat" cmpd="sng" algn="ctr">
           <a:solidFill>
             <a:schemeClr val="phClr"/>
           </a:solidFill>
           <a:prstDash val="solid"/>
+          <a:miter lim="800000"/>
         </a:ln>
-        <a:ln w="34925" cap="flat" cmpd="sng" algn="in">
+        <a:ln w="12700" cap="flat" cmpd="sng" algn="ctr">
           <a:solidFill>
             <a:schemeClr val="phClr"/>
           </a:solidFill>
           <a:prstDash val="solid"/>
+          <a:miter lim="800000"/>
         </a:ln>
-        <a:ln w="19050" cap="flat" cmpd="sng" algn="in">
+        <a:ln w="19050" cap="flat" cmpd="sng" algn="ctr">
           <a:solidFill>
             <a:schemeClr val="phClr"/>
           </a:solidFill>
           <a:prstDash val="solid"/>
+          <a:miter lim="800000"/>
         </a:ln>
       </a:lnStyleLst>
       <a:effectStyleLst>
@@ -5400,7 +9026,7 @@
           <a:effectLst>
             <a:outerShdw blurRad="57150" dist="19050" dir="5400000" algn="ctr" rotWithShape="0">
               <a:srgbClr val="000000">
-                <a:alpha val="35000"/>
+                <a:alpha val="63000"/>
               </a:srgbClr>
             </a:outerShdw>
           </a:effectLst>
@@ -5421,16 +9047,16 @@
             <a:gs pos="0">
               <a:schemeClr val="phClr">
                 <a:tint val="93000"/>
+                <a:satMod val="150000"/>
                 <a:shade val="98000"/>
-                <a:satMod val="150000"/>
                 <a:lumMod val="102000"/>
               </a:schemeClr>
             </a:gs>
             <a:gs pos="50000">
               <a:schemeClr val="phClr">
                 <a:tint val="98000"/>
+                <a:satMod val="130000"/>
                 <a:shade val="90000"/>
-                <a:satMod val="130000"/>
                 <a:lumMod val="103000"/>
               </a:schemeClr>
             </a:gs>
@@ -5450,7 +9076,7 @@
   <a:extraClrSchemeLst/>
   <a:extLst>
     <a:ext uri="{05A4C25C-085E-4340-85A3-A5531E510DB2}">
-      <thm15:themeFamily xmlns:thm15="http://schemas.microsoft.com/office/thememl/2012/main" name="Crop" id="{EC9488ED-E761-4D60-9AC4-764D1FE2C171}" vid="{CE19780C-D67D-4C13-9DE9-A52BC3BA51B4}"/>
+      <thm15:themeFamily xmlns:thm15="http://schemas.microsoft.com/office/thememl/2012/main" name="Office Theme" id="{62F939B6-93AF-4DB8-9C6B-D6C7DFDC589F}" vid="{4A3C46E8-61CC-4603-A589-7422A47A8E4A}"/>
     </a:ext>
   </a:extLst>
 </a:theme>

--- a/Presentation revue 0 projet serre.pptx
+++ b/Presentation revue 0 projet serre.pptx
@@ -12,10 +12,10 @@
     <p:sldId id="257" r:id="rId3"/>
     <p:sldId id="259" r:id="rId4"/>
     <p:sldId id="258" r:id="rId5"/>
-    <p:sldId id="263" r:id="rId6"/>
-    <p:sldId id="265" r:id="rId7"/>
-    <p:sldId id="272" r:id="rId8"/>
-    <p:sldId id="264" r:id="rId9"/>
+    <p:sldId id="265" r:id="rId6"/>
+    <p:sldId id="272" r:id="rId7"/>
+    <p:sldId id="264" r:id="rId8"/>
+    <p:sldId id="263" r:id="rId9"/>
     <p:sldId id="273" r:id="rId10"/>
     <p:sldId id="260" r:id="rId11"/>
     <p:sldId id="261" r:id="rId12"/>
@@ -8109,82 +8109,9 @@
           <a:chExt cx="0" cy="0"/>
         </a:xfrm>
       </p:grpSpPr>
-      <p:sp>
-        <p:nvSpPr>
-          <p:cNvPr id="2" name="Rectangle 1"/>
-          <p:cNvSpPr/>
-          <p:nvPr/>
-        </p:nvSpPr>
-        <p:spPr>
-          <a:xfrm>
-            <a:off x="101884" y="268377"/>
-            <a:ext cx="2910733" cy="369332"/>
-          </a:xfrm>
-          <a:prstGeom prst="rect">
-            <a:avLst/>
-          </a:prstGeom>
-        </p:spPr>
-        <p:txBody>
-          <a:bodyPr wrap="none">
-            <a:spAutoFit/>
-          </a:bodyPr>
-          <a:lstStyle/>
-          <a:p>
-            <a:r>
-              <a:rPr lang="fr-FR" dirty="0">
-                <a:solidFill>
-                  <a:srgbClr val="FF0000"/>
-                </a:solidFill>
-              </a:rPr>
-              <a:t>III. Diagramme de séquence</a:t>
-            </a:r>
-          </a:p>
-        </p:txBody>
-      </p:sp>
-      <p:sp>
-        <p:nvSpPr>
-          <p:cNvPr id="3" name="ZoneTexte 2">
-            <a:extLst>
-              <a:ext uri="{FF2B5EF4-FFF2-40B4-BE49-F238E27FC236}">
-                <a16:creationId xmlns:a16="http://schemas.microsoft.com/office/drawing/2014/main" id="{8185D6C2-D95C-4E45-A146-B74583E5BE84}"/>
-              </a:ext>
-            </a:extLst>
-          </p:cNvPr>
-          <p:cNvSpPr txBox="1"/>
-          <p:nvPr/>
-        </p:nvSpPr>
-        <p:spPr>
-          <a:xfrm>
-            <a:off x="5378741" y="83711"/>
-            <a:ext cx="1434517" cy="369332"/>
-          </a:xfrm>
-          <a:prstGeom prst="rect">
-            <a:avLst/>
-          </a:prstGeom>
-          <a:noFill/>
-        </p:spPr>
-        <p:txBody>
-          <a:bodyPr wrap="square" rtlCol="0">
-            <a:spAutoFit/>
-          </a:bodyPr>
-          <a:lstStyle/>
-          <a:p>
-            <a:r>
-              <a:rPr lang="fr-FR" dirty="0"/>
-              <a:t>Etudiant 3</a:t>
-            </a:r>
-          </a:p>
-        </p:txBody>
-      </p:sp>
       <p:pic>
         <p:nvPicPr>
-          <p:cNvPr id="5" name="Image 4">
-            <a:extLst>
-              <a:ext uri="{FF2B5EF4-FFF2-40B4-BE49-F238E27FC236}">
-                <a16:creationId xmlns:a16="http://schemas.microsoft.com/office/drawing/2014/main" id="{911A8E25-D6B9-4FE1-8F10-03F1E9AF6824}"/>
-              </a:ext>
-            </a:extLst>
-          </p:cNvPr>
+          <p:cNvPr id="3" name="Image 2"/>
           <p:cNvPicPr>
             <a:picLocks noChangeAspect="1"/>
           </p:cNvPicPr>
@@ -8204,18 +8131,79 @@
         </p:blipFill>
         <p:spPr>
           <a:xfrm>
-            <a:off x="153314" y="637708"/>
-            <a:ext cx="11759053" cy="5755071"/>
+            <a:off x="1479665" y="903031"/>
+            <a:ext cx="8088283" cy="5884519"/>
           </a:xfrm>
           <a:prstGeom prst="rect">
             <a:avLst/>
           </a:prstGeom>
         </p:spPr>
       </p:pic>
+      <p:sp>
+        <p:nvSpPr>
+          <p:cNvPr id="4" name="ZoneTexte 3"/>
+          <p:cNvSpPr txBox="1"/>
+          <p:nvPr/>
+        </p:nvSpPr>
+        <p:spPr>
+          <a:xfrm>
+            <a:off x="4829693" y="390697"/>
+            <a:ext cx="1388226" cy="369332"/>
+          </a:xfrm>
+          <a:prstGeom prst="rect">
+            <a:avLst/>
+          </a:prstGeom>
+          <a:noFill/>
+        </p:spPr>
+        <p:txBody>
+          <a:bodyPr wrap="square" rtlCol="0">
+            <a:spAutoFit/>
+          </a:bodyPr>
+          <a:lstStyle/>
+          <a:p>
+            <a:r>
+              <a:rPr lang="fr-FR" dirty="0" smtClean="0"/>
+              <a:t>Etudiant 1</a:t>
+            </a:r>
+          </a:p>
+        </p:txBody>
+      </p:sp>
+      <p:sp>
+        <p:nvSpPr>
+          <p:cNvPr id="5" name="Rectangle 4"/>
+          <p:cNvSpPr/>
+          <p:nvPr/>
+        </p:nvSpPr>
+        <p:spPr>
+          <a:xfrm>
+            <a:off x="101884" y="268377"/>
+            <a:ext cx="3447651" cy="369332"/>
+          </a:xfrm>
+          <a:prstGeom prst="rect">
+            <a:avLst/>
+          </a:prstGeom>
+        </p:spPr>
+        <p:txBody>
+          <a:bodyPr wrap="square">
+            <a:spAutoFit/>
+          </a:bodyPr>
+          <a:lstStyle/>
+          <a:p>
+            <a:r>
+              <a:rPr lang="fr-FR" dirty="0">
+                <a:solidFill>
+                  <a:srgbClr val="FF0000"/>
+                </a:solidFill>
+              </a:rPr>
+              <a:t>III. Diagramme de séquence</a:t>
+            </a:r>
+          </a:p>
+        </p:txBody>
+      </p:sp>
     </p:spTree>
     <p:extLst>
       <p:ext uri="{BB962C8B-B14F-4D97-AF65-F5344CB8AC3E}">
-        <p14:creationId xmlns:p14="http://schemas.microsoft.com/office/powerpoint/2010/main" val="3295572073"/>
+        <p14:creationId xmlns:p14="http://schemas.microsoft.com/office/powerpoint/2010/main" val="3467233865"/>
       </p:ext>
     </p:extLst>
   </p:cSld>
@@ -8244,7 +8232,7 @@
       </p:grpSpPr>
       <p:pic>
         <p:nvPicPr>
-          <p:cNvPr id="3" name="Image 2"/>
+          <p:cNvPr id="2" name="Image 1"/>
           <p:cNvPicPr>
             <a:picLocks noChangeAspect="1"/>
           </p:cNvPicPr>
@@ -8264,8 +8252,8 @@
         </p:blipFill>
         <p:spPr>
           <a:xfrm>
-            <a:off x="1479665" y="903031"/>
-            <a:ext cx="8088283" cy="5884519"/>
+            <a:off x="2743199" y="885701"/>
+            <a:ext cx="5561214" cy="5854681"/>
           </a:xfrm>
           <a:prstGeom prst="rect">
             <a:avLst/>
@@ -8274,7 +8262,7 @@
       </p:pic>
       <p:sp>
         <p:nvSpPr>
-          <p:cNvPr id="4" name="ZoneTexte 3"/>
+          <p:cNvPr id="3" name="ZoneTexte 2"/>
           <p:cNvSpPr txBox="1"/>
           <p:nvPr/>
         </p:nvSpPr>
@@ -8304,7 +8292,7 @@
     </p:spTree>
     <p:extLst>
       <p:ext uri="{BB962C8B-B14F-4D97-AF65-F5344CB8AC3E}">
-        <p14:creationId xmlns:p14="http://schemas.microsoft.com/office/powerpoint/2010/main" val="3467233865"/>
+        <p14:creationId xmlns:p14="http://schemas.microsoft.com/office/powerpoint/2010/main" val="3107562155"/>
       </p:ext>
     </p:extLst>
   </p:cSld>
@@ -8353,8 +8341,8 @@
         </p:blipFill>
         <p:spPr>
           <a:xfrm>
-            <a:off x="2743199" y="885701"/>
-            <a:ext cx="5561214" cy="5854681"/>
+            <a:off x="1694694" y="878278"/>
+            <a:ext cx="7658223" cy="5846717"/>
           </a:xfrm>
           <a:prstGeom prst="rect">
             <a:avLst/>
@@ -8363,7 +8351,7 @@
       </p:pic>
       <p:sp>
         <p:nvSpPr>
-          <p:cNvPr id="3" name="ZoneTexte 2"/>
+          <p:cNvPr id="6" name="ZoneTexte 5"/>
           <p:cNvSpPr txBox="1"/>
           <p:nvPr/>
         </p:nvSpPr>
@@ -8393,7 +8381,7 @@
     </p:spTree>
     <p:extLst>
       <p:ext uri="{BB962C8B-B14F-4D97-AF65-F5344CB8AC3E}">
-        <p14:creationId xmlns:p14="http://schemas.microsoft.com/office/powerpoint/2010/main" val="3107562155"/>
+        <p14:creationId xmlns:p14="http://schemas.microsoft.com/office/powerpoint/2010/main" val="1820718287"/>
       </p:ext>
     </p:extLst>
   </p:cSld>
@@ -8420,9 +8408,50 @@
           <a:chExt cx="0" cy="0"/>
         </a:xfrm>
       </p:grpSpPr>
+      <p:sp>
+        <p:nvSpPr>
+          <p:cNvPr id="3" name="ZoneTexte 2">
+            <a:extLst>
+              <a:ext uri="{FF2B5EF4-FFF2-40B4-BE49-F238E27FC236}">
+                <a16:creationId xmlns:a16="http://schemas.microsoft.com/office/drawing/2014/main" id="{8185D6C2-D95C-4E45-A146-B74583E5BE84}"/>
+              </a:ext>
+            </a:extLst>
+          </p:cNvPr>
+          <p:cNvSpPr txBox="1"/>
+          <p:nvPr/>
+        </p:nvSpPr>
+        <p:spPr>
+          <a:xfrm>
+            <a:off x="5378741" y="83711"/>
+            <a:ext cx="1434517" cy="369332"/>
+          </a:xfrm>
+          <a:prstGeom prst="rect">
+            <a:avLst/>
+          </a:prstGeom>
+          <a:noFill/>
+        </p:spPr>
+        <p:txBody>
+          <a:bodyPr wrap="square" rtlCol="0">
+            <a:spAutoFit/>
+          </a:bodyPr>
+          <a:lstStyle/>
+          <a:p>
+            <a:r>
+              <a:rPr lang="fr-FR" dirty="0"/>
+              <a:t>Etudiant 3</a:t>
+            </a:r>
+          </a:p>
+        </p:txBody>
+      </p:sp>
       <p:pic>
         <p:nvPicPr>
-          <p:cNvPr id="2" name="Image 1"/>
+          <p:cNvPr id="5" name="Image 4">
+            <a:extLst>
+              <a:ext uri="{FF2B5EF4-FFF2-40B4-BE49-F238E27FC236}">
+                <a16:creationId xmlns:a16="http://schemas.microsoft.com/office/drawing/2014/main" id="{911A8E25-D6B9-4FE1-8F10-03F1E9AF6824}"/>
+              </a:ext>
+            </a:extLst>
+          </p:cNvPr>
           <p:cNvPicPr>
             <a:picLocks noChangeAspect="1"/>
           </p:cNvPicPr>
@@ -8442,47 +8471,18 @@
         </p:blipFill>
         <p:spPr>
           <a:xfrm>
-            <a:off x="1694694" y="878278"/>
-            <a:ext cx="7658223" cy="5846717"/>
+            <a:off x="153314" y="637708"/>
+            <a:ext cx="11759053" cy="5755071"/>
           </a:xfrm>
           <a:prstGeom prst="rect">
             <a:avLst/>
           </a:prstGeom>
         </p:spPr>
       </p:pic>
-      <p:sp>
-        <p:nvSpPr>
-          <p:cNvPr id="6" name="ZoneTexte 5"/>
-          <p:cNvSpPr txBox="1"/>
-          <p:nvPr/>
-        </p:nvSpPr>
-        <p:spPr>
-          <a:xfrm>
-            <a:off x="4829693" y="390697"/>
-            <a:ext cx="1388226" cy="369332"/>
-          </a:xfrm>
-          <a:prstGeom prst="rect">
-            <a:avLst/>
-          </a:prstGeom>
-          <a:noFill/>
-        </p:spPr>
-        <p:txBody>
-          <a:bodyPr wrap="square" rtlCol="0">
-            <a:spAutoFit/>
-          </a:bodyPr>
-          <a:lstStyle/>
-          <a:p>
-            <a:r>
-              <a:rPr lang="fr-FR" dirty="0" smtClean="0"/>
-              <a:t>Etudiant 1</a:t>
-            </a:r>
-          </a:p>
-        </p:txBody>
-      </p:sp>
     </p:spTree>
     <p:extLst>
       <p:ext uri="{BB962C8B-B14F-4D97-AF65-F5344CB8AC3E}">
-        <p14:creationId xmlns:p14="http://schemas.microsoft.com/office/powerpoint/2010/main" val="1820718287"/>
+        <p14:creationId xmlns:p14="http://schemas.microsoft.com/office/powerpoint/2010/main" val="3295572073"/>
       </p:ext>
     </p:extLst>
   </p:cSld>

--- a/Presentation revue 0 projet serre.pptx
+++ b/Presentation revue 0 projet serre.pptx
@@ -5,27 +5,31 @@
     <p:sldMasterId id="2147483850" r:id="rId1"/>
   </p:sldMasterIdLst>
   <p:notesMasterIdLst>
-    <p:notesMasterId r:id="rId20"/>
+    <p:notesMasterId r:id="rId24"/>
   </p:notesMasterIdLst>
   <p:sldIdLst>
     <p:sldId id="256" r:id="rId2"/>
     <p:sldId id="257" r:id="rId3"/>
     <p:sldId id="259" r:id="rId4"/>
     <p:sldId id="258" r:id="rId5"/>
-    <p:sldId id="263" r:id="rId6"/>
-    <p:sldId id="265" r:id="rId7"/>
-    <p:sldId id="272" r:id="rId8"/>
-    <p:sldId id="264" r:id="rId9"/>
-    <p:sldId id="273" r:id="rId10"/>
+    <p:sldId id="272" r:id="rId6"/>
+    <p:sldId id="273" r:id="rId7"/>
+    <p:sldId id="274" r:id="rId8"/>
+    <p:sldId id="275" r:id="rId9"/>
+    <p:sldId id="263" r:id="rId10"/>
     <p:sldId id="260" r:id="rId11"/>
     <p:sldId id="261" r:id="rId12"/>
     <p:sldId id="262" r:id="rId13"/>
     <p:sldId id="267" r:id="rId14"/>
     <p:sldId id="266" r:id="rId15"/>
-    <p:sldId id="269" r:id="rId16"/>
-    <p:sldId id="270" r:id="rId17"/>
-    <p:sldId id="271" r:id="rId18"/>
-    <p:sldId id="268" r:id="rId19"/>
+    <p:sldId id="276" r:id="rId16"/>
+    <p:sldId id="277" r:id="rId17"/>
+    <p:sldId id="278" r:id="rId18"/>
+    <p:sldId id="269" r:id="rId19"/>
+    <p:sldId id="270" r:id="rId20"/>
+    <p:sldId id="271" r:id="rId21"/>
+    <p:sldId id="279" r:id="rId22"/>
+    <p:sldId id="268" r:id="rId23"/>
   </p:sldIdLst>
   <p:sldSz cx="12192000" cy="6858000"/>
   <p:notesSz cx="6858000" cy="9144000"/>
@@ -6477,6 +6481,13 @@
   <p:clrMapOvr>
     <a:masterClrMapping/>
   </p:clrMapOvr>
+  <p:timing>
+    <p:tnLst>
+      <p:par>
+        <p:cTn id="1" dur="indefinite" restart="never" nodeType="tmRoot"/>
+      </p:par>
+    </p:tnLst>
+  </p:timing>
 </p:sld>
 </file>
 
@@ -6569,6 +6580,13 @@
   <p:clrMapOvr>
     <a:masterClrMapping/>
   </p:clrMapOvr>
+  <p:timing>
+    <p:tnLst>
+      <p:par>
+        <p:cTn id="1" dur="indefinite" restart="never" nodeType="tmRoot"/>
+      </p:par>
+    </p:tnLst>
+  </p:timing>
 </p:sld>
 </file>
 
@@ -6661,6 +6679,13 @@
   <p:clrMapOvr>
     <a:masterClrMapping/>
   </p:clrMapOvr>
+  <p:timing>
+    <p:tnLst>
+      <p:par>
+        <p:cTn id="1" dur="indefinite" restart="never" nodeType="tmRoot"/>
+      </p:par>
+    </p:tnLst>
+  </p:timing>
 </p:sld>
 </file>
 
@@ -6788,6 +6813,13 @@
   <p:clrMapOvr>
     <a:masterClrMapping/>
   </p:clrMapOvr>
+  <p:timing>
+    <p:tnLst>
+      <p:par>
+        <p:cTn id="1" dur="indefinite" restart="never" nodeType="tmRoot"/>
+      </p:par>
+    </p:tnLst>
+  </p:timing>
 </p:sld>
 </file>
 
@@ -6889,6 +6921,13 @@
   <p:clrMapOvr>
     <a:masterClrMapping/>
   </p:clrMapOvr>
+  <p:timing>
+    <p:tnLst>
+      <p:par>
+        <p:cTn id="1" dur="indefinite" restart="never" nodeType="tmRoot"/>
+      </p:par>
+    </p:tnLst>
+  </p:timing>
 </p:sld>
 </file>
 
@@ -7337,6 +7376,13 @@
   <p:clrMapOvr>
     <a:masterClrMapping/>
   </p:clrMapOvr>
+  <p:timing>
+    <p:tnLst>
+      <p:par>
+        <p:cTn id="1" dur="indefinite" restart="never" nodeType="tmRoot"/>
+      </p:par>
+    </p:tnLst>
+  </p:timing>
 </p:sld>
 </file>
 
@@ -7359,6 +7405,256 @@
       </p:grpSpPr>
       <p:sp>
         <p:nvSpPr>
+          <p:cNvPr id="2" name="Titre 1"/>
+          <p:cNvSpPr>
+            <a:spLocks noGrp="1"/>
+          </p:cNvSpPr>
+          <p:nvPr>
+            <p:ph type="title"/>
+          </p:nvPr>
+        </p:nvSpPr>
+        <p:spPr>
+          <a:xfrm>
+            <a:off x="646111" y="452718"/>
+            <a:ext cx="9404723" cy="327675"/>
+          </a:xfrm>
+        </p:spPr>
+        <p:txBody>
+          <a:bodyPr/>
+          <a:lstStyle/>
+          <a:p>
+            <a:r>
+              <a:rPr lang="fr-FR" sz="1800" dirty="0">
+                <a:solidFill>
+                  <a:srgbClr val="FF0000"/>
+                </a:solidFill>
+              </a:rPr>
+              <a:t>VIII. Carte E/S</a:t>
+            </a:r>
+            <a:br>
+              <a:rPr lang="fr-FR" sz="1800" dirty="0">
+                <a:solidFill>
+                  <a:srgbClr val="FF0000"/>
+                </a:solidFill>
+              </a:rPr>
+            </a:br>
+            <a:endParaRPr lang="fr-FR" sz="1800" dirty="0"/>
+          </a:p>
+        </p:txBody>
+      </p:sp>
+      <p:pic>
+        <p:nvPicPr>
+          <p:cNvPr id="5" name="Image 4"/>
+          <p:cNvPicPr/>
+          <p:nvPr/>
+        </p:nvPicPr>
+        <p:blipFill rotWithShape="1">
+          <a:blip r:embed="rId2"/>
+          <a:srcRect t="1061"/>
+          <a:stretch/>
+        </p:blipFill>
+        <p:spPr bwMode="auto">
+          <a:xfrm>
+            <a:off x="3389060" y="275898"/>
+            <a:ext cx="5069139" cy="6507448"/>
+          </a:xfrm>
+          <a:prstGeom prst="rect">
+            <a:avLst/>
+          </a:prstGeom>
+          <a:ln>
+            <a:noFill/>
+          </a:ln>
+          <a:extLst>
+            <a:ext uri="{53640926-AAD7-44D8-BBD7-CCE9431645EC}">
+              <a14:shadowObscured xmlns:a14="http://schemas.microsoft.com/office/drawing/2010/main"/>
+            </a:ext>
+          </a:extLst>
+        </p:spPr>
+      </p:pic>
+    </p:spTree>
+    <p:extLst>
+      <p:ext uri="{BB962C8B-B14F-4D97-AF65-F5344CB8AC3E}">
+        <p14:creationId xmlns:p14="http://schemas.microsoft.com/office/powerpoint/2010/main" val="3474273564"/>
+      </p:ext>
+    </p:extLst>
+  </p:cSld>
+  <p:clrMapOvr>
+    <a:masterClrMapping/>
+  </p:clrMapOvr>
+  <p:timing>
+    <p:tnLst>
+      <p:par>
+        <p:cTn id="1" dur="indefinite" restart="never" nodeType="tmRoot"/>
+      </p:par>
+    </p:tnLst>
+  </p:timing>
+</p:sld>
+</file>
+
+<file path=ppt/slides/slide16.xml><?xml version="1.0" encoding="utf-8"?>
+<p:sld xmlns:a="http://schemas.openxmlformats.org/drawingml/2006/main" xmlns:r="http://schemas.openxmlformats.org/officeDocument/2006/relationships" xmlns:p="http://schemas.openxmlformats.org/presentationml/2006/main">
+  <p:cSld>
+    <p:spTree>
+      <p:nvGrpSpPr>
+        <p:cNvPr id="1" name=""/>
+        <p:cNvGrpSpPr/>
+        <p:nvPr/>
+      </p:nvGrpSpPr>
+      <p:grpSpPr>
+        <a:xfrm>
+          <a:off x="0" y="0"/>
+          <a:ext cx="0" cy="0"/>
+          <a:chOff x="0" y="0"/>
+          <a:chExt cx="0" cy="0"/>
+        </a:xfrm>
+      </p:grpSpPr>
+      <p:sp>
+        <p:nvSpPr>
+          <p:cNvPr id="3" name="Espace réservé du contenu 2"/>
+          <p:cNvSpPr>
+            <a:spLocks noGrp="1"/>
+          </p:cNvSpPr>
+          <p:nvPr>
+            <p:ph idx="1"/>
+          </p:nvPr>
+        </p:nvSpPr>
+        <p:spPr>
+          <a:xfrm>
+            <a:off x="133733" y="168939"/>
+            <a:ext cx="8946541" cy="406503"/>
+          </a:xfrm>
+        </p:spPr>
+        <p:txBody>
+          <a:bodyPr>
+            <a:normAutofit/>
+          </a:bodyPr>
+          <a:lstStyle/>
+          <a:p>
+            <a:pPr marL="0" indent="0">
+              <a:buNone/>
+            </a:pPr>
+            <a:r>
+              <a:rPr lang="fr-FR" sz="1800" dirty="0" smtClean="0">
+                <a:solidFill>
+                  <a:srgbClr val="FF0000"/>
+                </a:solidFill>
+              </a:rPr>
+              <a:t>IX. Capteur de débit</a:t>
+            </a:r>
+            <a:endParaRPr lang="fr-FR" sz="1800" dirty="0">
+              <a:solidFill>
+                <a:srgbClr val="FF0000"/>
+              </a:solidFill>
+            </a:endParaRPr>
+          </a:p>
+        </p:txBody>
+      </p:sp>
+      <p:pic>
+        <p:nvPicPr>
+          <p:cNvPr id="4" name="Image 3"/>
+          <p:cNvPicPr/>
+          <p:nvPr/>
+        </p:nvPicPr>
+        <p:blipFill>
+          <a:blip r:embed="rId2"/>
+          <a:stretch>
+            <a:fillRect/>
+          </a:stretch>
+        </p:blipFill>
+        <p:spPr>
+          <a:xfrm>
+            <a:off x="2995449" y="372190"/>
+            <a:ext cx="6004560" cy="6281073"/>
+          </a:xfrm>
+          <a:prstGeom prst="rect">
+            <a:avLst/>
+          </a:prstGeom>
+        </p:spPr>
+      </p:pic>
+    </p:spTree>
+    <p:extLst>
+      <p:ext uri="{BB962C8B-B14F-4D97-AF65-F5344CB8AC3E}">
+        <p14:creationId xmlns:p14="http://schemas.microsoft.com/office/powerpoint/2010/main" val="840899611"/>
+      </p:ext>
+    </p:extLst>
+  </p:cSld>
+  <p:clrMapOvr>
+    <a:masterClrMapping/>
+  </p:clrMapOvr>
+</p:sld>
+</file>
+
+<file path=ppt/slides/slide17.xml><?xml version="1.0" encoding="utf-8"?>
+<p:sld xmlns:a="http://schemas.openxmlformats.org/drawingml/2006/main" xmlns:r="http://schemas.openxmlformats.org/officeDocument/2006/relationships" xmlns:p="http://schemas.openxmlformats.org/presentationml/2006/main">
+  <p:cSld>
+    <p:spTree>
+      <p:nvGrpSpPr>
+        <p:cNvPr id="1" name=""/>
+        <p:cNvGrpSpPr/>
+        <p:nvPr/>
+      </p:nvGrpSpPr>
+      <p:grpSpPr>
+        <a:xfrm>
+          <a:off x="0" y="0"/>
+          <a:ext cx="0" cy="0"/>
+          <a:chOff x="0" y="0"/>
+          <a:chExt cx="0" cy="0"/>
+        </a:xfrm>
+      </p:grpSpPr>
+      <p:pic>
+        <p:nvPicPr>
+          <p:cNvPr id="4" name="Image 3"/>
+          <p:cNvPicPr/>
+          <p:nvPr/>
+        </p:nvPicPr>
+        <p:blipFill>
+          <a:blip r:embed="rId2"/>
+          <a:stretch>
+            <a:fillRect/>
+          </a:stretch>
+        </p:blipFill>
+        <p:spPr>
+          <a:xfrm>
+            <a:off x="2829910" y="1529255"/>
+            <a:ext cx="6225277" cy="3296779"/>
+          </a:xfrm>
+          <a:prstGeom prst="rect">
+            <a:avLst/>
+          </a:prstGeom>
+        </p:spPr>
+      </p:pic>
+    </p:spTree>
+    <p:extLst>
+      <p:ext uri="{BB962C8B-B14F-4D97-AF65-F5344CB8AC3E}">
+        <p14:creationId xmlns:p14="http://schemas.microsoft.com/office/powerpoint/2010/main" val="4095895974"/>
+      </p:ext>
+    </p:extLst>
+  </p:cSld>
+  <p:clrMapOvr>
+    <a:masterClrMapping/>
+  </p:clrMapOvr>
+</p:sld>
+</file>
+
+<file path=ppt/slides/slide18.xml><?xml version="1.0" encoding="utf-8"?>
+<p:sld xmlns:a="http://schemas.openxmlformats.org/drawingml/2006/main" xmlns:r="http://schemas.openxmlformats.org/officeDocument/2006/relationships" xmlns:p="http://schemas.openxmlformats.org/presentationml/2006/main">
+  <p:cSld>
+    <p:spTree>
+      <p:nvGrpSpPr>
+        <p:cNvPr id="1" name=""/>
+        <p:cNvGrpSpPr/>
+        <p:nvPr/>
+      </p:nvGrpSpPr>
+      <p:grpSpPr>
+        <a:xfrm>
+          <a:off x="0" y="0"/>
+          <a:ext cx="0" cy="0"/>
+          <a:chOff x="0" y="0"/>
+          <a:chExt cx="0" cy="0"/>
+        </a:xfrm>
+      </p:grpSpPr>
+      <p:sp>
+        <p:nvSpPr>
           <p:cNvPr id="2" name="Titre 1">
             <a:extLst>
               <a:ext uri="{FF2B5EF4-FFF2-40B4-BE49-F238E27FC236}">
@@ -7386,12 +7682,20 @@
           <a:lstStyle/>
           <a:p>
             <a:r>
+              <a:rPr lang="fr-FR" sz="1800" dirty="0" smtClean="0">
+                <a:solidFill>
+                  <a:srgbClr val="FF0000"/>
+                </a:solidFill>
+              </a:rPr>
+              <a:t>X. </a:t>
+            </a:r>
+            <a:r>
               <a:rPr lang="fr-FR" sz="1800" dirty="0">
                 <a:solidFill>
                   <a:srgbClr val="FF0000"/>
                 </a:solidFill>
               </a:rPr>
-              <a:t>VIII. Proposition de capteur</a:t>
+              <a:t>Proposition de capteur</a:t>
             </a:r>
           </a:p>
         </p:txBody>
@@ -7471,10 +7775,17 @@
   <p:clrMapOvr>
     <a:masterClrMapping/>
   </p:clrMapOvr>
+  <p:timing>
+    <p:tnLst>
+      <p:par>
+        <p:cTn id="1" dur="indefinite" restart="never" nodeType="tmRoot"/>
+      </p:par>
+    </p:tnLst>
+  </p:timing>
 </p:sld>
 </file>
 
-<file path=ppt/slides/slide16.xml><?xml version="1.0" encoding="utf-8"?>
+<file path=ppt/slides/slide19.xml><?xml version="1.0" encoding="utf-8"?>
 <p:sld xmlns:a="http://schemas.openxmlformats.org/drawingml/2006/main" xmlns:r="http://schemas.openxmlformats.org/officeDocument/2006/relationships" xmlns:p="http://schemas.openxmlformats.org/presentationml/2006/main">
   <p:cSld>
     <p:spTree>
@@ -7561,10 +7872,241 @@
   <p:clrMapOvr>
     <a:masterClrMapping/>
   </p:clrMapOvr>
+  <p:timing>
+    <p:tnLst>
+      <p:par>
+        <p:cTn id="1" dur="indefinite" restart="never" nodeType="tmRoot"/>
+      </p:par>
+    </p:tnLst>
+  </p:timing>
 </p:sld>
 </file>
 
-<file path=ppt/slides/slide17.xml><?xml version="1.0" encoding="utf-8"?>
+<file path=ppt/slides/slide2.xml><?xml version="1.0" encoding="utf-8"?>
+<p:sld xmlns:a="http://schemas.openxmlformats.org/drawingml/2006/main" xmlns:r="http://schemas.openxmlformats.org/officeDocument/2006/relationships" xmlns:p="http://schemas.openxmlformats.org/presentationml/2006/main">
+  <p:cSld>
+    <p:spTree>
+      <p:nvGrpSpPr>
+        <p:cNvPr id="1" name=""/>
+        <p:cNvGrpSpPr/>
+        <p:nvPr/>
+      </p:nvGrpSpPr>
+      <p:grpSpPr>
+        <a:xfrm>
+          <a:off x="0" y="0"/>
+          <a:ext cx="0" cy="0"/>
+          <a:chOff x="0" y="0"/>
+          <a:chExt cx="0" cy="0"/>
+        </a:xfrm>
+      </p:grpSpPr>
+      <p:sp>
+        <p:nvSpPr>
+          <p:cNvPr id="3" name="ZoneTexte 2"/>
+          <p:cNvSpPr txBox="1"/>
+          <p:nvPr/>
+        </p:nvSpPr>
+        <p:spPr>
+          <a:xfrm>
+            <a:off x="955963" y="698650"/>
+            <a:ext cx="2959331" cy="4801314"/>
+          </a:xfrm>
+          <a:prstGeom prst="rect">
+            <a:avLst/>
+          </a:prstGeom>
+          <a:noFill/>
+        </p:spPr>
+        <p:txBody>
+          <a:bodyPr wrap="square" rtlCol="0">
+            <a:spAutoFit/>
+          </a:bodyPr>
+          <a:lstStyle/>
+          <a:p>
+            <a:r>
+              <a:rPr lang="fr-FR" dirty="0">
+                <a:solidFill>
+                  <a:srgbClr val="FF0000"/>
+                </a:solidFill>
+              </a:rPr>
+              <a:t>Sommaire</a:t>
+            </a:r>
+          </a:p>
+          <a:p>
+            <a:endParaRPr lang="fr-FR" dirty="0">
+              <a:solidFill>
+                <a:srgbClr val="FF0000"/>
+              </a:solidFill>
+            </a:endParaRPr>
+          </a:p>
+          <a:p>
+            <a:r>
+              <a:rPr lang="fr-FR" dirty="0">
+                <a:solidFill>
+                  <a:srgbClr val="FF0000"/>
+                </a:solidFill>
+              </a:rPr>
+              <a:t>I. Cas d’utilisation</a:t>
+            </a:r>
+          </a:p>
+          <a:p>
+            <a:r>
+              <a:rPr lang="fr-FR" dirty="0">
+                <a:solidFill>
+                  <a:srgbClr val="FF0000"/>
+                </a:solidFill>
+              </a:rPr>
+              <a:t>II. Cas d’utilisation simplifié</a:t>
+            </a:r>
+          </a:p>
+          <a:p>
+            <a:r>
+              <a:rPr lang="fr-FR" dirty="0">
+                <a:solidFill>
+                  <a:srgbClr val="FF0000"/>
+                </a:solidFill>
+              </a:rPr>
+              <a:t>III. Diagramme de séquence</a:t>
+            </a:r>
+          </a:p>
+          <a:p>
+            <a:r>
+              <a:rPr lang="fr-FR" dirty="0">
+                <a:solidFill>
+                  <a:srgbClr val="FF0000"/>
+                </a:solidFill>
+              </a:rPr>
+              <a:t>IV. Logigramme</a:t>
+            </a:r>
+          </a:p>
+          <a:p>
+            <a:r>
+              <a:rPr lang="fr-FR" dirty="0">
+                <a:solidFill>
+                  <a:srgbClr val="FF0000"/>
+                </a:solidFill>
+              </a:rPr>
+              <a:t>V. MCD</a:t>
+            </a:r>
+          </a:p>
+          <a:p>
+            <a:r>
+              <a:rPr lang="fr-FR" dirty="0">
+                <a:solidFill>
+                  <a:srgbClr val="FF0000"/>
+                </a:solidFill>
+              </a:rPr>
+              <a:t>VI. Diagramme de classe</a:t>
+            </a:r>
+          </a:p>
+          <a:p>
+            <a:r>
+              <a:rPr lang="fr-FR" dirty="0">
+                <a:solidFill>
+                  <a:srgbClr val="FF0000"/>
+                </a:solidFill>
+              </a:rPr>
+              <a:t>VII. </a:t>
+            </a:r>
+            <a:r>
+              <a:rPr lang="fr-FR" dirty="0" smtClean="0">
+                <a:solidFill>
+                  <a:srgbClr val="FF0000"/>
+                </a:solidFill>
+              </a:rPr>
+              <a:t>Scénario</a:t>
+            </a:r>
+          </a:p>
+          <a:p>
+            <a:r>
+              <a:rPr lang="fr-FR" dirty="0" smtClean="0">
+                <a:solidFill>
+                  <a:srgbClr val="FF0000"/>
+                </a:solidFill>
+              </a:rPr>
+              <a:t>VIII. Carte E/S</a:t>
+            </a:r>
+          </a:p>
+          <a:p>
+            <a:r>
+              <a:rPr lang="fr-FR" dirty="0" smtClean="0">
+                <a:solidFill>
+                  <a:srgbClr val="FF0000"/>
+                </a:solidFill>
+              </a:rPr>
+              <a:t>IX. Capteur de débit</a:t>
+            </a:r>
+            <a:endParaRPr lang="fr-FR" dirty="0">
+              <a:solidFill>
+                <a:srgbClr val="FF0000"/>
+              </a:solidFill>
+            </a:endParaRPr>
+          </a:p>
+          <a:p>
+            <a:r>
+              <a:rPr lang="fr-FR" dirty="0" smtClean="0">
+                <a:solidFill>
+                  <a:srgbClr val="FF0000"/>
+                </a:solidFill>
+              </a:rPr>
+              <a:t>X. </a:t>
+            </a:r>
+            <a:r>
+              <a:rPr lang="fr-FR" dirty="0">
+                <a:solidFill>
+                  <a:srgbClr val="FF0000"/>
+                </a:solidFill>
+              </a:rPr>
+              <a:t>Proposition de capteur</a:t>
+            </a:r>
+          </a:p>
+          <a:p>
+            <a:r>
+              <a:rPr lang="fr-FR" dirty="0" smtClean="0">
+                <a:solidFill>
+                  <a:srgbClr val="FF0000"/>
+                </a:solidFill>
+              </a:rPr>
+              <a:t>XI</a:t>
+            </a:r>
+            <a:r>
+              <a:rPr lang="fr-FR" dirty="0" smtClean="0">
+                <a:solidFill>
+                  <a:srgbClr val="FF0000"/>
+                </a:solidFill>
+              </a:rPr>
+              <a:t>. </a:t>
+            </a:r>
+            <a:r>
+              <a:rPr lang="fr-FR" dirty="0">
+                <a:solidFill>
+                  <a:srgbClr val="FF0000"/>
+                </a:solidFill>
+              </a:rPr>
+              <a:t>Gantt prévisionnel</a:t>
+            </a:r>
+          </a:p>
+        </p:txBody>
+      </p:sp>
+    </p:spTree>
+    <p:extLst>
+      <p:ext uri="{BB962C8B-B14F-4D97-AF65-F5344CB8AC3E}">
+        <p14:creationId xmlns:p14="http://schemas.microsoft.com/office/powerpoint/2010/main" val="3938027227"/>
+      </p:ext>
+    </p:extLst>
+  </p:cSld>
+  <p:clrMapOvr>
+    <a:masterClrMapping/>
+  </p:clrMapOvr>
+  <p:timing>
+    <p:tnLst>
+      <p:par>
+        <p:cTn id="1" dur="indefinite" restart="never" nodeType="tmRoot"/>
+      </p:par>
+    </p:tnLst>
+  </p:timing>
+</p:sld>
+</file>
+
+<file path=ppt/slides/slide20.xml><?xml version="1.0" encoding="utf-8"?>
 <p:sld xmlns:a="http://schemas.openxmlformats.org/drawingml/2006/main" xmlns:r="http://schemas.openxmlformats.org/officeDocument/2006/relationships" xmlns:p="http://schemas.openxmlformats.org/presentationml/2006/main">
   <p:cSld>
     <p:spTree>
@@ -7654,7 +8196,7 @@
 </p:sld>
 </file>
 
-<file path=ppt/slides/slide18.xml><?xml version="1.0" encoding="utf-8"?>
+<file path=ppt/slides/slide21.xml><?xml version="1.0" encoding="utf-8"?>
 <p:sld xmlns:a="http://schemas.openxmlformats.org/drawingml/2006/main" xmlns:r="http://schemas.openxmlformats.org/officeDocument/2006/relationships" xmlns:p="http://schemas.openxmlformats.org/presentationml/2006/main">
   <p:cSld>
     <p:spTree>
@@ -7671,74 +8213,32 @@
           <a:chExt cx="0" cy="0"/>
         </a:xfrm>
       </p:grpSpPr>
-      <p:sp>
-        <p:nvSpPr>
-          <p:cNvPr id="2" name="Titre 1">
-            <a:extLst>
-              <a:ext uri="{FF2B5EF4-FFF2-40B4-BE49-F238E27FC236}">
-                <a16:creationId xmlns:a16="http://schemas.microsoft.com/office/drawing/2014/main" id="{AC9D787D-E006-46BB-8905-42D75C7B133A}"/>
-              </a:ext>
-            </a:extLst>
-          </p:cNvPr>
-          <p:cNvSpPr>
-            <a:spLocks noGrp="1"/>
-          </p:cNvSpPr>
-          <p:nvPr>
-            <p:ph type="title"/>
-          </p:nvPr>
-        </p:nvSpPr>
-        <p:spPr>
-          <a:xfrm>
-            <a:off x="750815" y="247650"/>
-            <a:ext cx="2638337" cy="448636"/>
-          </a:xfrm>
-        </p:spPr>
-        <p:txBody>
-          <a:bodyPr>
-            <a:normAutofit/>
-          </a:bodyPr>
-          <a:lstStyle/>
-          <a:p>
-            <a:r>
-              <a:rPr lang="fr-FR" sz="1800" dirty="0">
-                <a:solidFill>
-                  <a:srgbClr val="FF0000"/>
-                </a:solidFill>
-              </a:rPr>
-              <a:t>IX. Gantt prévisionnel</a:t>
-            </a:r>
-          </a:p>
-        </p:txBody>
-      </p:sp>
-      <p:sp>
-        <p:nvSpPr>
-          <p:cNvPr id="3" name="Espace réservé du contenu 2">
-            <a:extLst>
-              <a:ext uri="{FF2B5EF4-FFF2-40B4-BE49-F238E27FC236}">
-                <a16:creationId xmlns:a16="http://schemas.microsoft.com/office/drawing/2014/main" id="{98E109A6-4F09-4B29-8080-D3E416BCB69B}"/>
-              </a:ext>
-            </a:extLst>
-          </p:cNvPr>
-          <p:cNvSpPr>
-            <a:spLocks noGrp="1"/>
-          </p:cNvSpPr>
-          <p:nvPr>
-            <p:ph idx="1"/>
-          </p:nvPr>
-        </p:nvSpPr>
-        <p:spPr/>
-        <p:txBody>
-          <a:bodyPr/>
-          <a:lstStyle/>
-          <a:p>
-            <a:endParaRPr lang="fr-FR"/>
-          </a:p>
-        </p:txBody>
-      </p:sp>
+      <p:pic>
+        <p:nvPicPr>
+          <p:cNvPr id="4" name="Image 3"/>
+          <p:cNvPicPr/>
+          <p:nvPr/>
+        </p:nvPicPr>
+        <p:blipFill>
+          <a:blip r:embed="rId2"/>
+          <a:stretch>
+            <a:fillRect/>
+          </a:stretch>
+        </p:blipFill>
+        <p:spPr>
+          <a:xfrm>
+            <a:off x="2207173" y="591208"/>
+            <a:ext cx="7257919" cy="5661714"/>
+          </a:xfrm>
+          <a:prstGeom prst="rect">
+            <a:avLst/>
+          </a:prstGeom>
+        </p:spPr>
+      </p:pic>
     </p:spTree>
     <p:extLst>
       <p:ext uri="{BB962C8B-B14F-4D97-AF65-F5344CB8AC3E}">
-        <p14:creationId xmlns:p14="http://schemas.microsoft.com/office/powerpoint/2010/main" val="1825272433"/>
+        <p14:creationId xmlns:p14="http://schemas.microsoft.com/office/powerpoint/2010/main" val="3100464317"/>
       </p:ext>
     </p:extLst>
   </p:cSld>
@@ -7748,7 +8248,7 @@
 </p:sld>
 </file>
 
-<file path=ppt/slides/slide2.xml><?xml version="1.0" encoding="utf-8"?>
+<file path=ppt/slides/slide22.xml><?xml version="1.0" encoding="utf-8"?>
 <p:sld xmlns:a="http://schemas.openxmlformats.org/drawingml/2006/main" xmlns:r="http://schemas.openxmlformats.org/officeDocument/2006/relationships" xmlns:p="http://schemas.openxmlformats.org/presentationml/2006/main">
   <p:cSld>
     <p:spTree>
@@ -7767,138 +8267,79 @@
       </p:grpSpPr>
       <p:sp>
         <p:nvSpPr>
-          <p:cNvPr id="3" name="ZoneTexte 2"/>
-          <p:cNvSpPr txBox="1"/>
-          <p:nvPr/>
-        </p:nvSpPr>
-        <p:spPr>
-          <a:xfrm>
-            <a:off x="955963" y="698650"/>
-            <a:ext cx="2959331" cy="3139321"/>
-          </a:xfrm>
-          <a:prstGeom prst="rect">
-            <a:avLst/>
-          </a:prstGeom>
-          <a:noFill/>
-        </p:spPr>
-        <p:txBody>
-          <a:bodyPr wrap="square" rtlCol="0">
-            <a:spAutoFit/>
+          <p:cNvPr id="2" name="Titre 1">
+            <a:extLst>
+              <a:ext uri="{FF2B5EF4-FFF2-40B4-BE49-F238E27FC236}">
+                <a16:creationId xmlns:a16="http://schemas.microsoft.com/office/drawing/2014/main" id="{AC9D787D-E006-46BB-8905-42D75C7B133A}"/>
+              </a:ext>
+            </a:extLst>
+          </p:cNvPr>
+          <p:cNvSpPr>
+            <a:spLocks noGrp="1"/>
+          </p:cNvSpPr>
+          <p:nvPr>
+            <p:ph type="title"/>
+          </p:nvPr>
+        </p:nvSpPr>
+        <p:spPr>
+          <a:xfrm>
+            <a:off x="750815" y="247650"/>
+            <a:ext cx="2638337" cy="448636"/>
+          </a:xfrm>
+        </p:spPr>
+        <p:txBody>
+          <a:bodyPr>
+            <a:normAutofit/>
           </a:bodyPr>
           <a:lstStyle/>
           <a:p>
             <a:r>
-              <a:rPr lang="fr-FR" dirty="0">
+              <a:rPr lang="fr-FR" sz="1800" dirty="0" smtClean="0">
                 <a:solidFill>
                   <a:srgbClr val="FF0000"/>
                 </a:solidFill>
               </a:rPr>
-              <a:t>Sommaire</a:t>
-            </a:r>
-          </a:p>
-          <a:p>
-            <a:endParaRPr lang="fr-FR" dirty="0">
-              <a:solidFill>
-                <a:srgbClr val="FF0000"/>
-              </a:solidFill>
-            </a:endParaRPr>
-          </a:p>
-          <a:p>
-            <a:r>
-              <a:rPr lang="fr-FR" dirty="0">
+              <a:t>XI. </a:t>
+            </a:r>
+            <a:r>
+              <a:rPr lang="fr-FR" sz="1800" dirty="0">
                 <a:solidFill>
                   <a:srgbClr val="FF0000"/>
                 </a:solidFill>
               </a:rPr>
-              <a:t>I. Cas d’utilisation</a:t>
-            </a:r>
-          </a:p>
-          <a:p>
-            <a:r>
-              <a:rPr lang="fr-FR" dirty="0">
-                <a:solidFill>
-                  <a:srgbClr val="FF0000"/>
-                </a:solidFill>
-              </a:rPr>
-              <a:t>II. Cas d’utilisation simplifié</a:t>
-            </a:r>
-          </a:p>
-          <a:p>
-            <a:r>
-              <a:rPr lang="fr-FR" dirty="0">
-                <a:solidFill>
-                  <a:srgbClr val="FF0000"/>
-                </a:solidFill>
-              </a:rPr>
-              <a:t>III. Diagramme de séquence</a:t>
-            </a:r>
-          </a:p>
-          <a:p>
-            <a:r>
-              <a:rPr lang="fr-FR" dirty="0">
-                <a:solidFill>
-                  <a:srgbClr val="FF0000"/>
-                </a:solidFill>
-              </a:rPr>
-              <a:t>IV. Logigramme</a:t>
-            </a:r>
-          </a:p>
-          <a:p>
-            <a:r>
-              <a:rPr lang="fr-FR" dirty="0">
-                <a:solidFill>
-                  <a:srgbClr val="FF0000"/>
-                </a:solidFill>
-              </a:rPr>
-              <a:t>V. MCD</a:t>
-            </a:r>
-          </a:p>
-          <a:p>
-            <a:r>
-              <a:rPr lang="fr-FR" dirty="0">
-                <a:solidFill>
-                  <a:srgbClr val="FF0000"/>
-                </a:solidFill>
-              </a:rPr>
-              <a:t>VI. Diagramme de classe</a:t>
-            </a:r>
-          </a:p>
-          <a:p>
-            <a:r>
-              <a:rPr lang="fr-FR" dirty="0">
-                <a:solidFill>
-                  <a:srgbClr val="FF0000"/>
-                </a:solidFill>
-              </a:rPr>
-              <a:t>VII. Scénario</a:t>
-            </a:r>
-          </a:p>
-          <a:p>
-            <a:r>
-              <a:rPr lang="fr-FR" dirty="0">
-                <a:solidFill>
-                  <a:srgbClr val="FF0000"/>
-                </a:solidFill>
-              </a:rPr>
-              <a:t>VIII. Proposition de capteur</a:t>
-            </a:r>
-          </a:p>
-          <a:p>
-            <a:r>
-              <a:rPr lang="fr-FR" dirty="0">
-                <a:solidFill>
-                  <a:srgbClr val="FF0000"/>
-                </a:solidFill>
-              </a:rPr>
-              <a:t>IX. Gantt prévisionnel</a:t>
-            </a:r>
-          </a:p>
-        </p:txBody>
-      </p:sp>
+              <a:t>Gantt prévisionnel</a:t>
+            </a:r>
+          </a:p>
+        </p:txBody>
+      </p:sp>
+      <p:pic>
+        <p:nvPicPr>
+          <p:cNvPr id="4" name="Image 3"/>
+          <p:cNvPicPr>
+            <a:picLocks noChangeAspect="1"/>
+          </p:cNvPicPr>
+          <p:nvPr/>
+        </p:nvPicPr>
+        <p:blipFill>
+          <a:blip r:embed="rId2"/>
+          <a:stretch>
+            <a:fillRect/>
+          </a:stretch>
+        </p:blipFill>
+        <p:spPr>
+          <a:xfrm>
+            <a:off x="62618" y="1513490"/>
+            <a:ext cx="11815386" cy="4052771"/>
+          </a:xfrm>
+          <a:prstGeom prst="rect">
+            <a:avLst/>
+          </a:prstGeom>
+        </p:spPr>
+      </p:pic>
     </p:spTree>
     <p:extLst>
       <p:ext uri="{BB962C8B-B14F-4D97-AF65-F5344CB8AC3E}">
-        <p14:creationId xmlns:p14="http://schemas.microsoft.com/office/powerpoint/2010/main" val="3938027227"/>
+        <p14:creationId xmlns:p14="http://schemas.microsoft.com/office/powerpoint/2010/main" val="1825272433"/>
       </p:ext>
     </p:extLst>
   </p:cSld>
@@ -7997,6 +8438,13 @@
   <p:clrMapOvr>
     <a:masterClrMapping/>
   </p:clrMapOvr>
+  <p:timing>
+    <p:tnLst>
+      <p:par>
+        <p:cTn id="1" dur="indefinite" restart="never" nodeType="tmRoot"/>
+      </p:par>
+    </p:tnLst>
+  </p:timing>
 </p:sld>
 </file>
 
@@ -8089,10 +8537,313 @@
   <p:clrMapOvr>
     <a:masterClrMapping/>
   </p:clrMapOvr>
+  <p:timing>
+    <p:tnLst>
+      <p:par>
+        <p:cTn id="1" dur="indefinite" restart="never" nodeType="tmRoot"/>
+      </p:par>
+    </p:tnLst>
+  </p:timing>
 </p:sld>
 </file>
 
 <file path=ppt/slides/slide5.xml><?xml version="1.0" encoding="utf-8"?>
+<p:sld xmlns:a="http://schemas.openxmlformats.org/drawingml/2006/main" xmlns:r="http://schemas.openxmlformats.org/officeDocument/2006/relationships" xmlns:p="http://schemas.openxmlformats.org/presentationml/2006/main">
+  <p:cSld>
+    <p:spTree>
+      <p:nvGrpSpPr>
+        <p:cNvPr id="1" name=""/>
+        <p:cNvGrpSpPr/>
+        <p:nvPr/>
+      </p:nvGrpSpPr>
+      <p:grpSpPr>
+        <a:xfrm>
+          <a:off x="0" y="0"/>
+          <a:ext cx="0" cy="0"/>
+          <a:chOff x="0" y="0"/>
+          <a:chExt cx="0" cy="0"/>
+        </a:xfrm>
+      </p:grpSpPr>
+      <p:sp>
+        <p:nvSpPr>
+          <p:cNvPr id="2" name="Titre 1"/>
+          <p:cNvSpPr>
+            <a:spLocks noGrp="1"/>
+          </p:cNvSpPr>
+          <p:nvPr>
+            <p:ph type="title"/>
+          </p:nvPr>
+        </p:nvSpPr>
+        <p:spPr>
+          <a:xfrm>
+            <a:off x="646111" y="452718"/>
+            <a:ext cx="9404723" cy="690282"/>
+          </a:xfrm>
+        </p:spPr>
+        <p:txBody>
+          <a:bodyPr/>
+          <a:lstStyle/>
+          <a:p>
+            <a:r>
+              <a:rPr lang="fr-FR" sz="1800" dirty="0" smtClean="0"/>
+              <a:t>Etudiant 2:</a:t>
+            </a:r>
+            <a:endParaRPr lang="fr-FR" sz="1800" dirty="0"/>
+          </a:p>
+        </p:txBody>
+      </p:sp>
+      <p:pic>
+        <p:nvPicPr>
+          <p:cNvPr id="4" name="Image 3"/>
+          <p:cNvPicPr>
+            <a:picLocks noChangeAspect="1"/>
+          </p:cNvPicPr>
+          <p:nvPr/>
+        </p:nvPicPr>
+        <p:blipFill>
+          <a:blip r:embed="rId2">
+            <a:extLst>
+              <a:ext uri="{28A0092B-C50C-407E-A947-70E740481C1C}">
+                <a14:useLocalDpi xmlns:a14="http://schemas.microsoft.com/office/drawing/2010/main" val="0"/>
+              </a:ext>
+            </a:extLst>
+          </a:blip>
+          <a:stretch>
+            <a:fillRect/>
+          </a:stretch>
+        </p:blipFill>
+        <p:spPr>
+          <a:xfrm>
+            <a:off x="2443655" y="797859"/>
+            <a:ext cx="6964587" cy="5757392"/>
+          </a:xfrm>
+          <a:prstGeom prst="rect">
+            <a:avLst/>
+          </a:prstGeom>
+        </p:spPr>
+      </p:pic>
+    </p:spTree>
+    <p:extLst>
+      <p:ext uri="{BB962C8B-B14F-4D97-AF65-F5344CB8AC3E}">
+        <p14:creationId xmlns:p14="http://schemas.microsoft.com/office/powerpoint/2010/main" val="1606981072"/>
+      </p:ext>
+    </p:extLst>
+  </p:cSld>
+  <p:clrMapOvr>
+    <a:masterClrMapping/>
+  </p:clrMapOvr>
+  <p:timing>
+    <p:tnLst>
+      <p:par>
+        <p:cTn id="1" dur="indefinite" restart="never" nodeType="tmRoot"/>
+      </p:par>
+    </p:tnLst>
+  </p:timing>
+</p:sld>
+</file>
+
+<file path=ppt/slides/slide6.xml><?xml version="1.0" encoding="utf-8"?>
+<p:sld xmlns:a="http://schemas.openxmlformats.org/drawingml/2006/main" xmlns:r="http://schemas.openxmlformats.org/officeDocument/2006/relationships" xmlns:p="http://schemas.openxmlformats.org/presentationml/2006/main">
+  <p:cSld>
+    <p:spTree>
+      <p:nvGrpSpPr>
+        <p:cNvPr id="1" name=""/>
+        <p:cNvGrpSpPr/>
+        <p:nvPr/>
+      </p:nvGrpSpPr>
+      <p:grpSpPr>
+        <a:xfrm>
+          <a:off x="0" y="0"/>
+          <a:ext cx="0" cy="0"/>
+          <a:chOff x="0" y="0"/>
+          <a:chExt cx="0" cy="0"/>
+        </a:xfrm>
+      </p:grpSpPr>
+      <p:pic>
+        <p:nvPicPr>
+          <p:cNvPr id="4" name="Image 3"/>
+          <p:cNvPicPr>
+            <a:picLocks noChangeAspect="1"/>
+          </p:cNvPicPr>
+          <p:nvPr/>
+        </p:nvPicPr>
+        <p:blipFill>
+          <a:blip r:embed="rId2">
+            <a:extLst>
+              <a:ext uri="{28A0092B-C50C-407E-A947-70E740481C1C}">
+                <a14:useLocalDpi xmlns:a14="http://schemas.microsoft.com/office/drawing/2010/main" val="0"/>
+              </a:ext>
+            </a:extLst>
+          </a:blip>
+          <a:stretch>
+            <a:fillRect/>
+          </a:stretch>
+        </p:blipFill>
+        <p:spPr>
+          <a:xfrm>
+            <a:off x="1852448" y="574868"/>
+            <a:ext cx="7857788" cy="5594228"/>
+          </a:xfrm>
+          <a:prstGeom prst="rect">
+            <a:avLst/>
+          </a:prstGeom>
+        </p:spPr>
+      </p:pic>
+    </p:spTree>
+    <p:extLst>
+      <p:ext uri="{BB962C8B-B14F-4D97-AF65-F5344CB8AC3E}">
+        <p14:creationId xmlns:p14="http://schemas.microsoft.com/office/powerpoint/2010/main" val="649762590"/>
+      </p:ext>
+    </p:extLst>
+  </p:cSld>
+  <p:clrMapOvr>
+    <a:masterClrMapping/>
+  </p:clrMapOvr>
+  <p:timing>
+    <p:tnLst>
+      <p:par>
+        <p:cTn id="1" dur="indefinite" restart="never" nodeType="tmRoot"/>
+      </p:par>
+    </p:tnLst>
+  </p:timing>
+</p:sld>
+</file>
+
+<file path=ppt/slides/slide7.xml><?xml version="1.0" encoding="utf-8"?>
+<p:sld xmlns:a="http://schemas.openxmlformats.org/drawingml/2006/main" xmlns:r="http://schemas.openxmlformats.org/officeDocument/2006/relationships" xmlns:p="http://schemas.openxmlformats.org/presentationml/2006/main">
+  <p:cSld>
+    <p:spTree>
+      <p:nvGrpSpPr>
+        <p:cNvPr id="1" name=""/>
+        <p:cNvGrpSpPr/>
+        <p:nvPr/>
+      </p:nvGrpSpPr>
+      <p:grpSpPr>
+        <a:xfrm>
+          <a:off x="0" y="0"/>
+          <a:ext cx="0" cy="0"/>
+          <a:chOff x="0" y="0"/>
+          <a:chExt cx="0" cy="0"/>
+        </a:xfrm>
+      </p:grpSpPr>
+      <p:pic>
+        <p:nvPicPr>
+          <p:cNvPr id="4" name="Image 3"/>
+          <p:cNvPicPr>
+            <a:picLocks noChangeAspect="1"/>
+          </p:cNvPicPr>
+          <p:nvPr/>
+        </p:nvPicPr>
+        <p:blipFill>
+          <a:blip r:embed="rId2">
+            <a:extLst>
+              <a:ext uri="{28A0092B-C50C-407E-A947-70E740481C1C}">
+                <a14:useLocalDpi xmlns:a14="http://schemas.microsoft.com/office/drawing/2010/main" val="0"/>
+              </a:ext>
+            </a:extLst>
+          </a:blip>
+          <a:stretch>
+            <a:fillRect/>
+          </a:stretch>
+        </p:blipFill>
+        <p:spPr>
+          <a:xfrm>
+            <a:off x="2546131" y="344820"/>
+            <a:ext cx="6272253" cy="6012321"/>
+          </a:xfrm>
+          <a:prstGeom prst="rect">
+            <a:avLst/>
+          </a:prstGeom>
+        </p:spPr>
+      </p:pic>
+    </p:spTree>
+    <p:extLst>
+      <p:ext uri="{BB962C8B-B14F-4D97-AF65-F5344CB8AC3E}">
+        <p14:creationId xmlns:p14="http://schemas.microsoft.com/office/powerpoint/2010/main" val="3602473879"/>
+      </p:ext>
+    </p:extLst>
+  </p:cSld>
+  <p:clrMapOvr>
+    <a:masterClrMapping/>
+  </p:clrMapOvr>
+  <p:timing>
+    <p:tnLst>
+      <p:par>
+        <p:cTn id="1" dur="indefinite" restart="never" nodeType="tmRoot"/>
+      </p:par>
+    </p:tnLst>
+  </p:timing>
+</p:sld>
+</file>
+
+<file path=ppt/slides/slide8.xml><?xml version="1.0" encoding="utf-8"?>
+<p:sld xmlns:a="http://schemas.openxmlformats.org/drawingml/2006/main" xmlns:r="http://schemas.openxmlformats.org/officeDocument/2006/relationships" xmlns:p="http://schemas.openxmlformats.org/presentationml/2006/main">
+  <p:cSld>
+    <p:spTree>
+      <p:nvGrpSpPr>
+        <p:cNvPr id="1" name=""/>
+        <p:cNvGrpSpPr/>
+        <p:nvPr/>
+      </p:nvGrpSpPr>
+      <p:grpSpPr>
+        <a:xfrm>
+          <a:off x="0" y="0"/>
+          <a:ext cx="0" cy="0"/>
+          <a:chOff x="0" y="0"/>
+          <a:chExt cx="0" cy="0"/>
+        </a:xfrm>
+      </p:grpSpPr>
+      <p:pic>
+        <p:nvPicPr>
+          <p:cNvPr id="4" name="Image 3"/>
+          <p:cNvPicPr>
+            <a:picLocks noChangeAspect="1"/>
+          </p:cNvPicPr>
+          <p:nvPr/>
+        </p:nvPicPr>
+        <p:blipFill>
+          <a:blip r:embed="rId2">
+            <a:extLst>
+              <a:ext uri="{28A0092B-C50C-407E-A947-70E740481C1C}">
+                <a14:useLocalDpi xmlns:a14="http://schemas.microsoft.com/office/drawing/2010/main" val="0"/>
+              </a:ext>
+            </a:extLst>
+          </a:blip>
+          <a:stretch>
+            <a:fillRect/>
+          </a:stretch>
+        </p:blipFill>
+        <p:spPr>
+          <a:xfrm>
+            <a:off x="2293882" y="737901"/>
+            <a:ext cx="6808448" cy="5422443"/>
+          </a:xfrm>
+          <a:prstGeom prst="rect">
+            <a:avLst/>
+          </a:prstGeom>
+        </p:spPr>
+      </p:pic>
+    </p:spTree>
+    <p:extLst>
+      <p:ext uri="{BB962C8B-B14F-4D97-AF65-F5344CB8AC3E}">
+        <p14:creationId xmlns:p14="http://schemas.microsoft.com/office/powerpoint/2010/main" val="2943724827"/>
+      </p:ext>
+    </p:extLst>
+  </p:cSld>
+  <p:clrMapOvr>
+    <a:masterClrMapping/>
+  </p:clrMapOvr>
+  <p:timing>
+    <p:tnLst>
+      <p:par>
+        <p:cTn id="1" dur="indefinite" restart="never" nodeType="tmRoot"/>
+      </p:par>
+    </p:tnLst>
+  </p:timing>
+</p:sld>
+</file>
+
+<file path=ppt/slides/slide9.xml><?xml version="1.0" encoding="utf-8"?>
 <p:sld xmlns:a="http://schemas.openxmlformats.org/drawingml/2006/main" xmlns:r="http://schemas.openxmlformats.org/officeDocument/2006/relationships" xmlns:p="http://schemas.openxmlformats.org/presentationml/2006/main">
   <p:cSld>
     <p:spTree>
@@ -8222,303 +8973,13 @@
   <p:clrMapOvr>
     <a:masterClrMapping/>
   </p:clrMapOvr>
-</p:sld>
-</file>
-
-<file path=ppt/slides/slide6.xml><?xml version="1.0" encoding="utf-8"?>
-<p:sld xmlns:a="http://schemas.openxmlformats.org/drawingml/2006/main" xmlns:r="http://schemas.openxmlformats.org/officeDocument/2006/relationships" xmlns:p="http://schemas.openxmlformats.org/presentationml/2006/main">
-  <p:cSld>
-    <p:spTree>
-      <p:nvGrpSpPr>
-        <p:cNvPr id="1" name=""/>
-        <p:cNvGrpSpPr/>
-        <p:nvPr/>
-      </p:nvGrpSpPr>
-      <p:grpSpPr>
-        <a:xfrm>
-          <a:off x="0" y="0"/>
-          <a:ext cx="0" cy="0"/>
-          <a:chOff x="0" y="0"/>
-          <a:chExt cx="0" cy="0"/>
-        </a:xfrm>
-      </p:grpSpPr>
-      <p:pic>
-        <p:nvPicPr>
-          <p:cNvPr id="3" name="Image 2"/>
-          <p:cNvPicPr>
-            <a:picLocks noChangeAspect="1"/>
-          </p:cNvPicPr>
-          <p:nvPr/>
-        </p:nvPicPr>
-        <p:blipFill>
-          <a:blip r:embed="rId2">
-            <a:extLst>
-              <a:ext uri="{28A0092B-C50C-407E-A947-70E740481C1C}">
-                <a14:useLocalDpi xmlns:a14="http://schemas.microsoft.com/office/drawing/2010/main" val="0"/>
-              </a:ext>
-            </a:extLst>
-          </a:blip>
-          <a:stretch>
-            <a:fillRect/>
-          </a:stretch>
-        </p:blipFill>
-        <p:spPr>
-          <a:xfrm>
-            <a:off x="1479665" y="903031"/>
-            <a:ext cx="8088283" cy="5884519"/>
-          </a:xfrm>
-          <a:prstGeom prst="rect">
-            <a:avLst/>
-          </a:prstGeom>
-        </p:spPr>
-      </p:pic>
-      <p:sp>
-        <p:nvSpPr>
-          <p:cNvPr id="4" name="ZoneTexte 3"/>
-          <p:cNvSpPr txBox="1"/>
-          <p:nvPr/>
-        </p:nvSpPr>
-        <p:spPr>
-          <a:xfrm>
-            <a:off x="4829693" y="390697"/>
-            <a:ext cx="1388226" cy="369332"/>
-          </a:xfrm>
-          <a:prstGeom prst="rect">
-            <a:avLst/>
-          </a:prstGeom>
-          <a:noFill/>
-        </p:spPr>
-        <p:txBody>
-          <a:bodyPr wrap="square" rtlCol="0">
-            <a:spAutoFit/>
-          </a:bodyPr>
-          <a:lstStyle/>
-          <a:p>
-            <a:r>
-              <a:rPr lang="fr-FR" dirty="0" smtClean="0"/>
-              <a:t>Etudiant 1</a:t>
-            </a:r>
-          </a:p>
-        </p:txBody>
-      </p:sp>
-    </p:spTree>
-    <p:extLst>
-      <p:ext uri="{BB962C8B-B14F-4D97-AF65-F5344CB8AC3E}">
-        <p14:creationId xmlns:p14="http://schemas.microsoft.com/office/powerpoint/2010/main" val="3467233865"/>
-      </p:ext>
-    </p:extLst>
-  </p:cSld>
-  <p:clrMapOvr>
-    <a:masterClrMapping/>
-  </p:clrMapOvr>
-</p:sld>
-</file>
-
-<file path=ppt/slides/slide7.xml><?xml version="1.0" encoding="utf-8"?>
-<p:sld xmlns:a="http://schemas.openxmlformats.org/drawingml/2006/main" xmlns:r="http://schemas.openxmlformats.org/officeDocument/2006/relationships" xmlns:p="http://schemas.openxmlformats.org/presentationml/2006/main">
-  <p:cSld>
-    <p:spTree>
-      <p:nvGrpSpPr>
-        <p:cNvPr id="1" name=""/>
-        <p:cNvGrpSpPr/>
-        <p:nvPr/>
-      </p:nvGrpSpPr>
-      <p:grpSpPr>
-        <a:xfrm>
-          <a:off x="0" y="0"/>
-          <a:ext cx="0" cy="0"/>
-          <a:chOff x="0" y="0"/>
-          <a:chExt cx="0" cy="0"/>
-        </a:xfrm>
-      </p:grpSpPr>
-      <p:pic>
-        <p:nvPicPr>
-          <p:cNvPr id="2" name="Image 1"/>
-          <p:cNvPicPr>
-            <a:picLocks noChangeAspect="1"/>
-          </p:cNvPicPr>
-          <p:nvPr/>
-        </p:nvPicPr>
-        <p:blipFill>
-          <a:blip r:embed="rId2">
-            <a:extLst>
-              <a:ext uri="{28A0092B-C50C-407E-A947-70E740481C1C}">
-                <a14:useLocalDpi xmlns:a14="http://schemas.microsoft.com/office/drawing/2010/main" val="0"/>
-              </a:ext>
-            </a:extLst>
-          </a:blip>
-          <a:stretch>
-            <a:fillRect/>
-          </a:stretch>
-        </p:blipFill>
-        <p:spPr>
-          <a:xfrm>
-            <a:off x="2743199" y="885701"/>
-            <a:ext cx="5561214" cy="5854681"/>
-          </a:xfrm>
-          <a:prstGeom prst="rect">
-            <a:avLst/>
-          </a:prstGeom>
-        </p:spPr>
-      </p:pic>
-      <p:sp>
-        <p:nvSpPr>
-          <p:cNvPr id="3" name="ZoneTexte 2"/>
-          <p:cNvSpPr txBox="1"/>
-          <p:nvPr/>
-        </p:nvSpPr>
-        <p:spPr>
-          <a:xfrm>
-            <a:off x="4829693" y="390697"/>
-            <a:ext cx="1388226" cy="369332"/>
-          </a:xfrm>
-          <a:prstGeom prst="rect">
-            <a:avLst/>
-          </a:prstGeom>
-          <a:noFill/>
-        </p:spPr>
-        <p:txBody>
-          <a:bodyPr wrap="square" rtlCol="0">
-            <a:spAutoFit/>
-          </a:bodyPr>
-          <a:lstStyle/>
-          <a:p>
-            <a:r>
-              <a:rPr lang="fr-FR" dirty="0" smtClean="0"/>
-              <a:t>Etudiant 1</a:t>
-            </a:r>
-          </a:p>
-        </p:txBody>
-      </p:sp>
-    </p:spTree>
-    <p:extLst>
-      <p:ext uri="{BB962C8B-B14F-4D97-AF65-F5344CB8AC3E}">
-        <p14:creationId xmlns:p14="http://schemas.microsoft.com/office/powerpoint/2010/main" val="3107562155"/>
-      </p:ext>
-    </p:extLst>
-  </p:cSld>
-  <p:clrMapOvr>
-    <a:masterClrMapping/>
-  </p:clrMapOvr>
-</p:sld>
-</file>
-
-<file path=ppt/slides/slide8.xml><?xml version="1.0" encoding="utf-8"?>
-<p:sld xmlns:a="http://schemas.openxmlformats.org/drawingml/2006/main" xmlns:r="http://schemas.openxmlformats.org/officeDocument/2006/relationships" xmlns:p="http://schemas.openxmlformats.org/presentationml/2006/main">
-  <p:cSld>
-    <p:spTree>
-      <p:nvGrpSpPr>
-        <p:cNvPr id="1" name=""/>
-        <p:cNvGrpSpPr/>
-        <p:nvPr/>
-      </p:nvGrpSpPr>
-      <p:grpSpPr>
-        <a:xfrm>
-          <a:off x="0" y="0"/>
-          <a:ext cx="0" cy="0"/>
-          <a:chOff x="0" y="0"/>
-          <a:chExt cx="0" cy="0"/>
-        </a:xfrm>
-      </p:grpSpPr>
-      <p:pic>
-        <p:nvPicPr>
-          <p:cNvPr id="2" name="Image 1"/>
-          <p:cNvPicPr>
-            <a:picLocks noChangeAspect="1"/>
-          </p:cNvPicPr>
-          <p:nvPr/>
-        </p:nvPicPr>
-        <p:blipFill>
-          <a:blip r:embed="rId2">
-            <a:extLst>
-              <a:ext uri="{28A0092B-C50C-407E-A947-70E740481C1C}">
-                <a14:useLocalDpi xmlns:a14="http://schemas.microsoft.com/office/drawing/2010/main" val="0"/>
-              </a:ext>
-            </a:extLst>
-          </a:blip>
-          <a:stretch>
-            <a:fillRect/>
-          </a:stretch>
-        </p:blipFill>
-        <p:spPr>
-          <a:xfrm>
-            <a:off x="1694694" y="878278"/>
-            <a:ext cx="7658223" cy="5846717"/>
-          </a:xfrm>
-          <a:prstGeom prst="rect">
-            <a:avLst/>
-          </a:prstGeom>
-        </p:spPr>
-      </p:pic>
-      <p:sp>
-        <p:nvSpPr>
-          <p:cNvPr id="6" name="ZoneTexte 5"/>
-          <p:cNvSpPr txBox="1"/>
-          <p:nvPr/>
-        </p:nvSpPr>
-        <p:spPr>
-          <a:xfrm>
-            <a:off x="4829693" y="390697"/>
-            <a:ext cx="1388226" cy="369332"/>
-          </a:xfrm>
-          <a:prstGeom prst="rect">
-            <a:avLst/>
-          </a:prstGeom>
-          <a:noFill/>
-        </p:spPr>
-        <p:txBody>
-          <a:bodyPr wrap="square" rtlCol="0">
-            <a:spAutoFit/>
-          </a:bodyPr>
-          <a:lstStyle/>
-          <a:p>
-            <a:r>
-              <a:rPr lang="fr-FR" dirty="0" smtClean="0"/>
-              <a:t>Etudiant 1</a:t>
-            </a:r>
-          </a:p>
-        </p:txBody>
-      </p:sp>
-    </p:spTree>
-    <p:extLst>
-      <p:ext uri="{BB962C8B-B14F-4D97-AF65-F5344CB8AC3E}">
-        <p14:creationId xmlns:p14="http://schemas.microsoft.com/office/powerpoint/2010/main" val="1820718287"/>
-      </p:ext>
-    </p:extLst>
-  </p:cSld>
-  <p:clrMapOvr>
-    <a:masterClrMapping/>
-  </p:clrMapOvr>
-</p:sld>
-</file>
-
-<file path=ppt/slides/slide9.xml><?xml version="1.0" encoding="utf-8"?>
-<p:sld xmlns:a="http://schemas.openxmlformats.org/drawingml/2006/main" xmlns:r="http://schemas.openxmlformats.org/officeDocument/2006/relationships" xmlns:p="http://schemas.openxmlformats.org/presentationml/2006/main">
-  <p:cSld>
-    <p:spTree>
-      <p:nvGrpSpPr>
-        <p:cNvPr id="1" name=""/>
-        <p:cNvGrpSpPr/>
-        <p:nvPr/>
-      </p:nvGrpSpPr>
-      <p:grpSpPr>
-        <a:xfrm>
-          <a:off x="0" y="0"/>
-          <a:ext cx="0" cy="0"/>
-          <a:chOff x="0" y="0"/>
-          <a:chExt cx="0" cy="0"/>
-        </a:xfrm>
-      </p:grpSpPr>
-    </p:spTree>
-    <p:extLst>
-      <p:ext uri="{BB962C8B-B14F-4D97-AF65-F5344CB8AC3E}">
-        <p14:creationId xmlns:p14="http://schemas.microsoft.com/office/powerpoint/2010/main" val="1827654857"/>
-      </p:ext>
-    </p:extLst>
-  </p:cSld>
-  <p:clrMapOvr>
-    <a:masterClrMapping/>
-  </p:clrMapOvr>
+  <p:timing>
+    <p:tnLst>
+      <p:par>
+        <p:cTn id="1" dur="indefinite" restart="never" nodeType="tmRoot"/>
+      </p:par>
+    </p:tnLst>
+  </p:timing>
 </p:sld>
 </file>
 

--- a/Presentation revue 0 projet serre.pptx
+++ b/Presentation revue 0 projet serre.pptx
@@ -6989,7 +6989,7 @@
         <p:spPr>
           <a:xfrm>
             <a:off x="1147156" y="1191743"/>
-            <a:ext cx="10083338" cy="4088683"/>
+            <a:ext cx="10083338" cy="4421788"/>
           </a:xfrm>
           <a:prstGeom prst="rect">
             <a:avLst/>
@@ -7290,6 +7290,44 @@
             </a:endParaRPr>
           </a:p>
           <a:p>
+            <a:pPr marL="342900" indent="-342900">
+              <a:lnSpc>
+                <a:spcPct val="107000"/>
+              </a:lnSpc>
+              <a:spcAft>
+                <a:spcPts val="800"/>
+              </a:spcAft>
+              <a:buAutoNum type="arabicPeriod" startAt="5"/>
+            </a:pPr>
+            <a:r>
+              <a:rPr lang="fr-FR" sz="1600" dirty="0" smtClean="0">
+                <a:effectLst/>
+                <a:latin typeface="Calibri" panose="020F0502020204030204" pitchFamily="34" charset="0"/>
+                <a:ea typeface="Calibri" panose="020F0502020204030204" pitchFamily="34" charset="0"/>
+                <a:cs typeface="Times New Roman" panose="02020603050405020304" pitchFamily="18" charset="0"/>
+              </a:rPr>
+              <a:t>Administrer </a:t>
+            </a:r>
+            <a:r>
+              <a:rPr lang="fr-FR" sz="1600" dirty="0">
+                <a:effectLst/>
+                <a:latin typeface="Calibri" panose="020F0502020204030204" pitchFamily="34" charset="0"/>
+                <a:ea typeface="Calibri" panose="020F0502020204030204" pitchFamily="34" charset="0"/>
+                <a:cs typeface="Times New Roman" panose="02020603050405020304" pitchFamily="18" charset="0"/>
+              </a:rPr>
+              <a:t>la </a:t>
+            </a:r>
+            <a:r>
+              <a:rPr lang="fr-FR" sz="1600" dirty="0" smtClean="0">
+                <a:effectLst/>
+                <a:latin typeface="Calibri" panose="020F0502020204030204" pitchFamily="34" charset="0"/>
+                <a:ea typeface="Calibri" panose="020F0502020204030204" pitchFamily="34" charset="0"/>
+                <a:cs typeface="Times New Roman" panose="02020603050405020304" pitchFamily="18" charset="0"/>
+              </a:rPr>
+              <a:t>BDD</a:t>
+            </a:r>
+          </a:p>
+          <a:p>
             <a:pPr>
               <a:lnSpc>
                 <a:spcPct val="107000"/>
@@ -7299,13 +7337,13 @@
               </a:spcAft>
             </a:pPr>
             <a:r>
-              <a:rPr lang="fr-FR" sz="1600" dirty="0">
+              <a:rPr lang="fr-FR" sz="1400" dirty="0" smtClean="0">
                 <a:effectLst/>
                 <a:latin typeface="Calibri" panose="020F0502020204030204" pitchFamily="34" charset="0"/>
                 <a:ea typeface="Calibri" panose="020F0502020204030204" pitchFamily="34" charset="0"/>
                 <a:cs typeface="Times New Roman" panose="02020603050405020304" pitchFamily="18" charset="0"/>
               </a:rPr>
-              <a:t>5.   Administrer la BDD</a:t>
+              <a:t>5.1 Purger la BDD quand la date du fichier dépasse 1an</a:t>
             </a:r>
             <a:endParaRPr lang="fr-FR" sz="1400" dirty="0">
               <a:effectLst/>
@@ -8065,15 +8103,7 @@
                   <a:srgbClr val="FF0000"/>
                 </a:solidFill>
               </a:rPr>
-              <a:t>XI</a:t>
-            </a:r>
-            <a:r>
-              <a:rPr lang="fr-FR" dirty="0" smtClean="0">
-                <a:solidFill>
-                  <a:srgbClr val="FF0000"/>
-                </a:solidFill>
-              </a:rPr>
-              <a:t>. </a:t>
+              <a:t>XI. </a:t>
             </a:r>
             <a:r>
               <a:rPr lang="fr-FR" dirty="0">

--- a/Presentation revue 0 projet serre.pptx
+++ b/Presentation revue 0 projet serre.pptx
@@ -5,31 +5,34 @@
     <p:sldMasterId id="2147483850" r:id="rId1"/>
   </p:sldMasterIdLst>
   <p:notesMasterIdLst>
-    <p:notesMasterId r:id="rId24"/>
+    <p:notesMasterId r:id="rId27"/>
   </p:notesMasterIdLst>
   <p:sldIdLst>
     <p:sldId id="256" r:id="rId2"/>
     <p:sldId id="257" r:id="rId3"/>
     <p:sldId id="259" r:id="rId4"/>
     <p:sldId id="258" r:id="rId5"/>
-    <p:sldId id="272" r:id="rId6"/>
-    <p:sldId id="273" r:id="rId7"/>
-    <p:sldId id="274" r:id="rId8"/>
-    <p:sldId id="275" r:id="rId9"/>
-    <p:sldId id="263" r:id="rId10"/>
-    <p:sldId id="260" r:id="rId11"/>
-    <p:sldId id="261" r:id="rId12"/>
-    <p:sldId id="262" r:id="rId13"/>
-    <p:sldId id="267" r:id="rId14"/>
-    <p:sldId id="266" r:id="rId15"/>
-    <p:sldId id="276" r:id="rId16"/>
-    <p:sldId id="277" r:id="rId17"/>
-    <p:sldId id="278" r:id="rId18"/>
-    <p:sldId id="269" r:id="rId19"/>
-    <p:sldId id="270" r:id="rId20"/>
-    <p:sldId id="271" r:id="rId21"/>
-    <p:sldId id="279" r:id="rId22"/>
-    <p:sldId id="268" r:id="rId23"/>
+    <p:sldId id="280" r:id="rId6"/>
+    <p:sldId id="283" r:id="rId7"/>
+    <p:sldId id="281" r:id="rId8"/>
+    <p:sldId id="272" r:id="rId9"/>
+    <p:sldId id="273" r:id="rId10"/>
+    <p:sldId id="274" r:id="rId11"/>
+    <p:sldId id="275" r:id="rId12"/>
+    <p:sldId id="263" r:id="rId13"/>
+    <p:sldId id="260" r:id="rId14"/>
+    <p:sldId id="261" r:id="rId15"/>
+    <p:sldId id="262" r:id="rId16"/>
+    <p:sldId id="267" r:id="rId17"/>
+    <p:sldId id="266" r:id="rId18"/>
+    <p:sldId id="276" r:id="rId19"/>
+    <p:sldId id="277" r:id="rId20"/>
+    <p:sldId id="278" r:id="rId21"/>
+    <p:sldId id="269" r:id="rId22"/>
+    <p:sldId id="270" r:id="rId23"/>
+    <p:sldId id="271" r:id="rId24"/>
+    <p:sldId id="279" r:id="rId25"/>
+    <p:sldId id="268" r:id="rId26"/>
   </p:sldIdLst>
   <p:sldSz cx="12192000" cy="6858000"/>
   <p:notesSz cx="6858000" cy="9144000"/>
@@ -6510,7 +6513,7 @@
       </p:grpSpPr>
       <p:pic>
         <p:nvPicPr>
-          <p:cNvPr id="2" name="Image 1"/>
+          <p:cNvPr id="4" name="Image 3"/>
           <p:cNvPicPr>
             <a:picLocks noChangeAspect="1"/>
           </p:cNvPicPr>
@@ -6530,50 +6533,18 @@
         </p:blipFill>
         <p:spPr>
           <a:xfrm>
-            <a:off x="2375028" y="533843"/>
-            <a:ext cx="7259063" cy="6039693"/>
+            <a:off x="2546131" y="344820"/>
+            <a:ext cx="6272253" cy="6012321"/>
           </a:xfrm>
           <a:prstGeom prst="rect">
             <a:avLst/>
           </a:prstGeom>
         </p:spPr>
       </p:pic>
-      <p:sp>
-        <p:nvSpPr>
-          <p:cNvPr id="4" name="Rectangle 3"/>
-          <p:cNvSpPr/>
-          <p:nvPr/>
-        </p:nvSpPr>
-        <p:spPr>
-          <a:xfrm>
-            <a:off x="209950" y="164511"/>
-            <a:ext cx="1675330" cy="369332"/>
-          </a:xfrm>
-          <a:prstGeom prst="rect">
-            <a:avLst/>
-          </a:prstGeom>
-        </p:spPr>
-        <p:txBody>
-          <a:bodyPr wrap="none">
-            <a:spAutoFit/>
-          </a:bodyPr>
-          <a:lstStyle/>
-          <a:p>
-            <a:r>
-              <a:rPr lang="fr-FR" dirty="0">
-                <a:solidFill>
-                  <a:srgbClr val="FF0000"/>
-                </a:solidFill>
-              </a:rPr>
-              <a:t>IV. Logigramme</a:t>
-            </a:r>
-          </a:p>
-        </p:txBody>
-      </p:sp>
     </p:spTree>
     <p:extLst>
       <p:ext uri="{BB962C8B-B14F-4D97-AF65-F5344CB8AC3E}">
-        <p14:creationId xmlns:p14="http://schemas.microsoft.com/office/powerpoint/2010/main" val="3523522342"/>
+        <p14:creationId xmlns:p14="http://schemas.microsoft.com/office/powerpoint/2010/main" val="3602473879"/>
       </p:ext>
     </p:extLst>
   </p:cSld>
@@ -6591,6 +6562,181 @@
 </file>
 
 <file path=ppt/slides/slide11.xml><?xml version="1.0" encoding="utf-8"?>
+<p:sld xmlns:a="http://schemas.openxmlformats.org/drawingml/2006/main" xmlns:r="http://schemas.openxmlformats.org/officeDocument/2006/relationships" xmlns:p="http://schemas.openxmlformats.org/presentationml/2006/main">
+  <p:cSld>
+    <p:spTree>
+      <p:nvGrpSpPr>
+        <p:cNvPr id="1" name=""/>
+        <p:cNvGrpSpPr/>
+        <p:nvPr/>
+      </p:nvGrpSpPr>
+      <p:grpSpPr>
+        <a:xfrm>
+          <a:off x="0" y="0"/>
+          <a:ext cx="0" cy="0"/>
+          <a:chOff x="0" y="0"/>
+          <a:chExt cx="0" cy="0"/>
+        </a:xfrm>
+      </p:grpSpPr>
+      <p:pic>
+        <p:nvPicPr>
+          <p:cNvPr id="4" name="Image 3"/>
+          <p:cNvPicPr>
+            <a:picLocks noChangeAspect="1"/>
+          </p:cNvPicPr>
+          <p:nvPr/>
+        </p:nvPicPr>
+        <p:blipFill>
+          <a:blip r:embed="rId2">
+            <a:extLst>
+              <a:ext uri="{28A0092B-C50C-407E-A947-70E740481C1C}">
+                <a14:useLocalDpi xmlns:a14="http://schemas.microsoft.com/office/drawing/2010/main" val="0"/>
+              </a:ext>
+            </a:extLst>
+          </a:blip>
+          <a:stretch>
+            <a:fillRect/>
+          </a:stretch>
+        </p:blipFill>
+        <p:spPr>
+          <a:xfrm>
+            <a:off x="2293882" y="737901"/>
+            <a:ext cx="6808448" cy="5422443"/>
+          </a:xfrm>
+          <a:prstGeom prst="rect">
+            <a:avLst/>
+          </a:prstGeom>
+        </p:spPr>
+      </p:pic>
+    </p:spTree>
+    <p:extLst>
+      <p:ext uri="{BB962C8B-B14F-4D97-AF65-F5344CB8AC3E}">
+        <p14:creationId xmlns:p14="http://schemas.microsoft.com/office/powerpoint/2010/main" val="2943724827"/>
+      </p:ext>
+    </p:extLst>
+  </p:cSld>
+  <p:clrMapOvr>
+    <a:masterClrMapping/>
+  </p:clrMapOvr>
+  <p:timing>
+    <p:tnLst>
+      <p:par>
+        <p:cTn id="1" dur="indefinite" restart="never" nodeType="tmRoot"/>
+      </p:par>
+    </p:tnLst>
+  </p:timing>
+</p:sld>
+</file>
+
+<file path=ppt/slides/slide12.xml><?xml version="1.0" encoding="utf-8"?>
+<p:sld xmlns:a="http://schemas.openxmlformats.org/drawingml/2006/main" xmlns:r="http://schemas.openxmlformats.org/officeDocument/2006/relationships" xmlns:p="http://schemas.openxmlformats.org/presentationml/2006/main">
+  <p:cSld>
+    <p:spTree>
+      <p:nvGrpSpPr>
+        <p:cNvPr id="1" name=""/>
+        <p:cNvGrpSpPr/>
+        <p:nvPr/>
+      </p:nvGrpSpPr>
+      <p:grpSpPr>
+        <a:xfrm>
+          <a:off x="0" y="0"/>
+          <a:ext cx="0" cy="0"/>
+          <a:chOff x="0" y="0"/>
+          <a:chExt cx="0" cy="0"/>
+        </a:xfrm>
+      </p:grpSpPr>
+      <p:sp>
+        <p:nvSpPr>
+          <p:cNvPr id="3" name="ZoneTexte 2">
+            <a:extLst>
+              <a:ext uri="{FF2B5EF4-FFF2-40B4-BE49-F238E27FC236}">
+                <a16:creationId xmlns:a16="http://schemas.microsoft.com/office/drawing/2014/main" id="{8185D6C2-D95C-4E45-A146-B74583E5BE84}"/>
+              </a:ext>
+            </a:extLst>
+          </p:cNvPr>
+          <p:cNvSpPr txBox="1"/>
+          <p:nvPr/>
+        </p:nvSpPr>
+        <p:spPr>
+          <a:xfrm>
+            <a:off x="5378741" y="83711"/>
+            <a:ext cx="1434517" cy="369332"/>
+          </a:xfrm>
+          <a:prstGeom prst="rect">
+            <a:avLst/>
+          </a:prstGeom>
+          <a:noFill/>
+        </p:spPr>
+        <p:txBody>
+          <a:bodyPr wrap="square" rtlCol="0">
+            <a:spAutoFit/>
+          </a:bodyPr>
+          <a:lstStyle/>
+          <a:p>
+            <a:r>
+              <a:rPr lang="fr-FR" dirty="0"/>
+              <a:t>Etudiant 3</a:t>
+            </a:r>
+          </a:p>
+        </p:txBody>
+      </p:sp>
+      <p:pic>
+        <p:nvPicPr>
+          <p:cNvPr id="5" name="Image 4">
+            <a:extLst>
+              <a:ext uri="{FF2B5EF4-FFF2-40B4-BE49-F238E27FC236}">
+                <a16:creationId xmlns:a16="http://schemas.microsoft.com/office/drawing/2014/main" id="{911A8E25-D6B9-4FE1-8F10-03F1E9AF6824}"/>
+              </a:ext>
+            </a:extLst>
+          </p:cNvPr>
+          <p:cNvPicPr>
+            <a:picLocks noChangeAspect="1"/>
+          </p:cNvPicPr>
+          <p:nvPr/>
+        </p:nvPicPr>
+        <p:blipFill>
+          <a:blip r:embed="rId2">
+            <a:extLst>
+              <a:ext uri="{28A0092B-C50C-407E-A947-70E740481C1C}">
+                <a14:useLocalDpi xmlns:a14="http://schemas.microsoft.com/office/drawing/2010/main" val="0"/>
+              </a:ext>
+            </a:extLst>
+          </a:blip>
+          <a:stretch>
+            <a:fillRect/>
+          </a:stretch>
+        </p:blipFill>
+        <p:spPr>
+          <a:xfrm>
+            <a:off x="153314" y="637708"/>
+            <a:ext cx="11759053" cy="5755071"/>
+          </a:xfrm>
+          <a:prstGeom prst="rect">
+            <a:avLst/>
+          </a:prstGeom>
+        </p:spPr>
+      </p:pic>
+    </p:spTree>
+    <p:extLst>
+      <p:ext uri="{BB962C8B-B14F-4D97-AF65-F5344CB8AC3E}">
+        <p14:creationId xmlns:p14="http://schemas.microsoft.com/office/powerpoint/2010/main" val="3295572073"/>
+      </p:ext>
+    </p:extLst>
+  </p:cSld>
+  <p:clrMapOvr>
+    <a:masterClrMapping/>
+  </p:clrMapOvr>
+  <p:timing>
+    <p:tnLst>
+      <p:par>
+        <p:cTn id="1" dur="indefinite" restart="never" nodeType="tmRoot"/>
+      </p:par>
+    </p:tnLst>
+  </p:timing>
+</p:sld>
+</file>
+
+<file path=ppt/slides/slide13.xml><?xml version="1.0" encoding="utf-8"?>
 <p:sld xmlns:a="http://schemas.openxmlformats.org/drawingml/2006/main" xmlns:r="http://schemas.openxmlformats.org/officeDocument/2006/relationships" xmlns:p="http://schemas.openxmlformats.org/presentationml/2006/main">
   <p:cSld>
     <p:spTree>
@@ -6629,8 +6775,8 @@
         </p:blipFill>
         <p:spPr>
           <a:xfrm>
-            <a:off x="2959331" y="2113651"/>
-            <a:ext cx="5445253" cy="2692871"/>
+            <a:off x="2375028" y="533843"/>
+            <a:ext cx="7259063" cy="6039693"/>
           </a:xfrm>
           <a:prstGeom prst="rect">
             <a:avLst/>
@@ -6639,14 +6785,14 @@
       </p:pic>
       <p:sp>
         <p:nvSpPr>
-          <p:cNvPr id="3" name="Rectangle 2"/>
+          <p:cNvPr id="4" name="Rectangle 3"/>
           <p:cNvSpPr/>
           <p:nvPr/>
         </p:nvSpPr>
         <p:spPr>
           <a:xfrm>
-            <a:off x="202730" y="376443"/>
-            <a:ext cx="880241" cy="369332"/>
+            <a:off x="209950" y="164511"/>
+            <a:ext cx="1675330" cy="369332"/>
           </a:xfrm>
           <a:prstGeom prst="rect">
             <a:avLst/>
@@ -6664,7 +6810,7 @@
                   <a:srgbClr val="FF0000"/>
                 </a:solidFill>
               </a:rPr>
-              <a:t>V. MCD</a:t>
+              <a:t>IV. Logigramme</a:t>
             </a:r>
           </a:p>
         </p:txBody>
@@ -6672,7 +6818,7 @@
     </p:spTree>
     <p:extLst>
       <p:ext uri="{BB962C8B-B14F-4D97-AF65-F5344CB8AC3E}">
-        <p14:creationId xmlns:p14="http://schemas.microsoft.com/office/powerpoint/2010/main" val="2715056959"/>
+        <p14:creationId xmlns:p14="http://schemas.microsoft.com/office/powerpoint/2010/main" val="3523522342"/>
       </p:ext>
     </p:extLst>
   </p:cSld>
@@ -6689,7 +6835,7 @@
 </p:sld>
 </file>
 
-<file path=ppt/slides/slide12.xml><?xml version="1.0" encoding="utf-8"?>
+<file path=ppt/slides/slide14.xml><?xml version="1.0" encoding="utf-8"?>
 <p:sld xmlns:a="http://schemas.openxmlformats.org/drawingml/2006/main" xmlns:r="http://schemas.openxmlformats.org/officeDocument/2006/relationships" xmlns:p="http://schemas.openxmlformats.org/presentationml/2006/main">
   <p:cSld>
     <p:spTree>
@@ -6728,8 +6874,8 @@
         </p:blipFill>
         <p:spPr>
           <a:xfrm>
-            <a:off x="230750" y="714895"/>
-            <a:ext cx="11599188" cy="5748451"/>
+            <a:off x="2959331" y="2113651"/>
+            <a:ext cx="5445253" cy="2692871"/>
           </a:xfrm>
           <a:prstGeom prst="rect">
             <a:avLst/>
@@ -6744,8 +6890,8 @@
         </p:nvSpPr>
         <p:spPr>
           <a:xfrm>
-            <a:off x="230750" y="345563"/>
-            <a:ext cx="2589170" cy="369332"/>
+            <a:off x="202730" y="376443"/>
+            <a:ext cx="880241" cy="369332"/>
           </a:xfrm>
           <a:prstGeom prst="rect">
             <a:avLst/>
@@ -6763,42 +6909,7 @@
                   <a:srgbClr val="FF0000"/>
                 </a:solidFill>
               </a:rPr>
-              <a:t>VI. Diagramme de classe</a:t>
-            </a:r>
-          </a:p>
-        </p:txBody>
-      </p:sp>
-      <p:sp>
-        <p:nvSpPr>
-          <p:cNvPr id="5" name="ZoneTexte 4">
-            <a:extLst>
-              <a:ext uri="{FF2B5EF4-FFF2-40B4-BE49-F238E27FC236}">
-                <a16:creationId xmlns:a16="http://schemas.microsoft.com/office/drawing/2014/main" id="{2AF41A51-1252-43EE-A92B-E094AFF9BF0F}"/>
-              </a:ext>
-            </a:extLst>
-          </p:cNvPr>
-          <p:cNvSpPr txBox="1"/>
-          <p:nvPr/>
-        </p:nvSpPr>
-        <p:spPr>
-          <a:xfrm>
-            <a:off x="5553512" y="209988"/>
-            <a:ext cx="2080470" cy="369332"/>
-          </a:xfrm>
-          <a:prstGeom prst="rect">
-            <a:avLst/>
-          </a:prstGeom>
-          <a:noFill/>
-        </p:spPr>
-        <p:txBody>
-          <a:bodyPr wrap="square" rtlCol="0">
-            <a:spAutoFit/>
-          </a:bodyPr>
-          <a:lstStyle/>
-          <a:p>
-            <a:r>
-              <a:rPr lang="fr-FR" dirty="0"/>
-              <a:t>Etudiant  1</a:t>
+              <a:t>V. MCD</a:t>
             </a:r>
           </a:p>
         </p:txBody>
@@ -6806,608 +6917,7 @@
     </p:spTree>
     <p:extLst>
       <p:ext uri="{BB962C8B-B14F-4D97-AF65-F5344CB8AC3E}">
-        <p14:creationId xmlns:p14="http://schemas.microsoft.com/office/powerpoint/2010/main" val="1276361415"/>
-      </p:ext>
-    </p:extLst>
-  </p:cSld>
-  <p:clrMapOvr>
-    <a:masterClrMapping/>
-  </p:clrMapOvr>
-  <p:timing>
-    <p:tnLst>
-      <p:par>
-        <p:cTn id="1" dur="indefinite" restart="never" nodeType="tmRoot"/>
-      </p:par>
-    </p:tnLst>
-  </p:timing>
-</p:sld>
-</file>
-
-<file path=ppt/slides/slide13.xml><?xml version="1.0" encoding="utf-8"?>
-<p:sld xmlns:a="http://schemas.openxmlformats.org/drawingml/2006/main" xmlns:r="http://schemas.openxmlformats.org/officeDocument/2006/relationships" xmlns:p="http://schemas.openxmlformats.org/presentationml/2006/main">
-  <p:cSld>
-    <p:spTree>
-      <p:nvGrpSpPr>
-        <p:cNvPr id="1" name=""/>
-        <p:cNvGrpSpPr/>
-        <p:nvPr/>
-      </p:nvGrpSpPr>
-      <p:grpSpPr>
-        <a:xfrm>
-          <a:off x="0" y="0"/>
-          <a:ext cx="0" cy="0"/>
-          <a:chOff x="0" y="0"/>
-          <a:chExt cx="0" cy="0"/>
-        </a:xfrm>
-      </p:grpSpPr>
-      <p:sp>
-        <p:nvSpPr>
-          <p:cNvPr id="6" name="ZoneTexte 5">
-            <a:extLst>
-              <a:ext uri="{FF2B5EF4-FFF2-40B4-BE49-F238E27FC236}">
-                <a16:creationId xmlns:a16="http://schemas.microsoft.com/office/drawing/2014/main" id="{D3CF817F-0ABA-4F0A-9608-9CC5197078E8}"/>
-              </a:ext>
-            </a:extLst>
-          </p:cNvPr>
-          <p:cNvSpPr txBox="1"/>
-          <p:nvPr/>
-        </p:nvSpPr>
-        <p:spPr>
-          <a:xfrm>
-            <a:off x="5532539" y="167672"/>
-            <a:ext cx="2457975" cy="369332"/>
-          </a:xfrm>
-          <a:prstGeom prst="rect">
-            <a:avLst/>
-          </a:prstGeom>
-          <a:noFill/>
-        </p:spPr>
-        <p:txBody>
-          <a:bodyPr wrap="square" rtlCol="0">
-            <a:spAutoFit/>
-          </a:bodyPr>
-          <a:lstStyle/>
-          <a:p>
-            <a:r>
-              <a:rPr lang="fr-FR" dirty="0"/>
-              <a:t>Etudiant 3</a:t>
-            </a:r>
-          </a:p>
-        </p:txBody>
-      </p:sp>
-      <p:pic>
-        <p:nvPicPr>
-          <p:cNvPr id="8" name="Image 7">
-            <a:extLst>
-              <a:ext uri="{FF2B5EF4-FFF2-40B4-BE49-F238E27FC236}">
-                <a16:creationId xmlns:a16="http://schemas.microsoft.com/office/drawing/2014/main" id="{4732AAF5-7BC1-440A-9AFD-70B409DE87BF}"/>
-              </a:ext>
-            </a:extLst>
-          </p:cNvPr>
-          <p:cNvPicPr>
-            <a:picLocks noChangeAspect="1"/>
-          </p:cNvPicPr>
-          <p:nvPr/>
-        </p:nvPicPr>
-        <p:blipFill>
-          <a:blip r:embed="rId2">
-            <a:extLst>
-              <a:ext uri="{28A0092B-C50C-407E-A947-70E740481C1C}">
-                <a14:useLocalDpi xmlns:a14="http://schemas.microsoft.com/office/drawing/2010/main" val="0"/>
-              </a:ext>
-            </a:extLst>
-          </a:blip>
-          <a:stretch>
-            <a:fillRect/>
-          </a:stretch>
-        </p:blipFill>
-        <p:spPr>
-          <a:xfrm>
-            <a:off x="426462" y="1333850"/>
-            <a:ext cx="11577439" cy="4278385"/>
-          </a:xfrm>
-          <a:prstGeom prst="rect">
-            <a:avLst/>
-          </a:prstGeom>
-        </p:spPr>
-      </p:pic>
-    </p:spTree>
-    <p:extLst>
-      <p:ext uri="{BB962C8B-B14F-4D97-AF65-F5344CB8AC3E}">
-        <p14:creationId xmlns:p14="http://schemas.microsoft.com/office/powerpoint/2010/main" val="2051653351"/>
-      </p:ext>
-    </p:extLst>
-  </p:cSld>
-  <p:clrMapOvr>
-    <a:masterClrMapping/>
-  </p:clrMapOvr>
-  <p:timing>
-    <p:tnLst>
-      <p:par>
-        <p:cTn id="1" dur="indefinite" restart="never" nodeType="tmRoot"/>
-      </p:par>
-    </p:tnLst>
-  </p:timing>
-</p:sld>
-</file>
-
-<file path=ppt/slides/slide14.xml><?xml version="1.0" encoding="utf-8"?>
-<p:sld xmlns:a="http://schemas.openxmlformats.org/drawingml/2006/main" xmlns:r="http://schemas.openxmlformats.org/officeDocument/2006/relationships" xmlns:p="http://schemas.openxmlformats.org/presentationml/2006/main">
-  <p:cSld>
-    <p:spTree>
-      <p:nvGrpSpPr>
-        <p:cNvPr id="1" name=""/>
-        <p:cNvGrpSpPr/>
-        <p:nvPr/>
-      </p:nvGrpSpPr>
-      <p:grpSpPr>
-        <a:xfrm>
-          <a:off x="0" y="0"/>
-          <a:ext cx="0" cy="0"/>
-          <a:chOff x="0" y="0"/>
-          <a:chExt cx="0" cy="0"/>
-        </a:xfrm>
-      </p:grpSpPr>
-      <p:sp>
-        <p:nvSpPr>
-          <p:cNvPr id="2" name="Rectangle 1"/>
-          <p:cNvSpPr/>
-          <p:nvPr/>
-        </p:nvSpPr>
-        <p:spPr>
-          <a:xfrm>
-            <a:off x="262069" y="285003"/>
-            <a:ext cx="1393330" cy="369332"/>
-          </a:xfrm>
-          <a:prstGeom prst="rect">
-            <a:avLst/>
-          </a:prstGeom>
-        </p:spPr>
-        <p:txBody>
-          <a:bodyPr wrap="none">
-            <a:spAutoFit/>
-          </a:bodyPr>
-          <a:lstStyle/>
-          <a:p>
-            <a:r>
-              <a:rPr lang="fr-FR" dirty="0">
-                <a:solidFill>
-                  <a:srgbClr val="FF0000"/>
-                </a:solidFill>
-              </a:rPr>
-              <a:t>VII. Scénario</a:t>
-            </a:r>
-          </a:p>
-        </p:txBody>
-      </p:sp>
-      <p:sp>
-        <p:nvSpPr>
-          <p:cNvPr id="3" name="Rectangle 2"/>
-          <p:cNvSpPr/>
-          <p:nvPr/>
-        </p:nvSpPr>
-        <p:spPr>
-          <a:xfrm>
-            <a:off x="1147156" y="1191743"/>
-            <a:ext cx="10083338" cy="4421788"/>
-          </a:xfrm>
-          <a:prstGeom prst="rect">
-            <a:avLst/>
-          </a:prstGeom>
-        </p:spPr>
-        <p:txBody>
-          <a:bodyPr wrap="square">
-            <a:spAutoFit/>
-          </a:bodyPr>
-          <a:lstStyle/>
-          <a:p>
-            <a:pPr marL="342900" lvl="0" indent="-342900">
-              <a:lnSpc>
-                <a:spcPct val="107000"/>
-              </a:lnSpc>
-              <a:spcAft>
-                <a:spcPts val="0"/>
-              </a:spcAft>
-              <a:buFont typeface="+mj-lt"/>
-              <a:buAutoNum type="arabicPeriod"/>
-            </a:pPr>
-            <a:r>
-              <a:rPr lang="fr-FR" sz="1600" dirty="0">
-                <a:effectLst/>
-                <a:latin typeface="Calibri" panose="020F0502020204030204" pitchFamily="34" charset="0"/>
-                <a:ea typeface="Calibri" panose="020F0502020204030204" pitchFamily="34" charset="0"/>
-                <a:cs typeface="Times New Roman" panose="02020603050405020304" pitchFamily="18" charset="0"/>
-              </a:rPr>
-              <a:t>Le capteur mesure le niveau d’eau des cuves</a:t>
-            </a:r>
-            <a:endParaRPr lang="fr-FR" sz="1400" dirty="0">
-              <a:effectLst/>
-              <a:latin typeface="Calibri" panose="020F0502020204030204" pitchFamily="34" charset="0"/>
-              <a:ea typeface="Calibri" panose="020F0502020204030204" pitchFamily="34" charset="0"/>
-              <a:cs typeface="Times New Roman" panose="02020603050405020304" pitchFamily="18" charset="0"/>
-            </a:endParaRPr>
-          </a:p>
-          <a:p>
-            <a:pPr marL="742950" lvl="1" indent="-285750">
-              <a:lnSpc>
-                <a:spcPct val="107000"/>
-              </a:lnSpc>
-              <a:spcAft>
-                <a:spcPts val="0"/>
-              </a:spcAft>
-              <a:buFont typeface="+mj-lt"/>
-              <a:buAutoNum type="arabicPeriod"/>
-            </a:pPr>
-            <a:r>
-              <a:rPr lang="fr-FR" sz="1600" dirty="0">
-                <a:effectLst/>
-                <a:latin typeface="Calibri" panose="020F0502020204030204" pitchFamily="34" charset="0"/>
-                <a:ea typeface="Calibri" panose="020F0502020204030204" pitchFamily="34" charset="0"/>
-                <a:cs typeface="Times New Roman" panose="02020603050405020304" pitchFamily="18" charset="0"/>
-              </a:rPr>
-              <a:t>Si la cuve du toit n’est pas remplie et que celle de récupération l’est, activer la pompe de relevage</a:t>
-            </a:r>
-            <a:endParaRPr lang="fr-FR" sz="1400" dirty="0">
-              <a:effectLst/>
-              <a:latin typeface="Calibri" panose="020F0502020204030204" pitchFamily="34" charset="0"/>
-              <a:ea typeface="Calibri" panose="020F0502020204030204" pitchFamily="34" charset="0"/>
-              <a:cs typeface="Times New Roman" panose="02020603050405020304" pitchFamily="18" charset="0"/>
-            </a:endParaRPr>
-          </a:p>
-          <a:p>
-            <a:pPr marL="742950" lvl="1" indent="-285750">
-              <a:lnSpc>
-                <a:spcPct val="107000"/>
-              </a:lnSpc>
-              <a:spcAft>
-                <a:spcPts val="0"/>
-              </a:spcAft>
-              <a:buFont typeface="+mj-lt"/>
-              <a:buAutoNum type="arabicPeriod"/>
-            </a:pPr>
-            <a:r>
-              <a:rPr lang="fr-FR" sz="1600" dirty="0">
-                <a:effectLst/>
-                <a:latin typeface="Calibri" panose="020F0502020204030204" pitchFamily="34" charset="0"/>
-                <a:ea typeface="Calibri" panose="020F0502020204030204" pitchFamily="34" charset="0"/>
-                <a:cs typeface="Times New Roman" panose="02020603050405020304" pitchFamily="18" charset="0"/>
-              </a:rPr>
-              <a:t>Si la cuve du toit est pleine, le système utilise l’eau de pluie</a:t>
-            </a:r>
-            <a:endParaRPr lang="fr-FR" sz="1400" dirty="0">
-              <a:effectLst/>
-              <a:latin typeface="Calibri" panose="020F0502020204030204" pitchFamily="34" charset="0"/>
-              <a:ea typeface="Calibri" panose="020F0502020204030204" pitchFamily="34" charset="0"/>
-              <a:cs typeface="Times New Roman" panose="02020603050405020304" pitchFamily="18" charset="0"/>
-            </a:endParaRPr>
-          </a:p>
-          <a:p>
-            <a:pPr marL="742950" lvl="1" indent="-285750">
-              <a:lnSpc>
-                <a:spcPct val="107000"/>
-              </a:lnSpc>
-              <a:spcAft>
-                <a:spcPts val="0"/>
-              </a:spcAft>
-              <a:buFont typeface="+mj-lt"/>
-              <a:buAutoNum type="arabicPeriod"/>
-            </a:pPr>
-            <a:r>
-              <a:rPr lang="fr-FR" sz="1600" dirty="0">
-                <a:effectLst/>
-                <a:latin typeface="Calibri" panose="020F0502020204030204" pitchFamily="34" charset="0"/>
-                <a:ea typeface="Calibri" panose="020F0502020204030204" pitchFamily="34" charset="0"/>
-                <a:cs typeface="Times New Roman" panose="02020603050405020304" pitchFamily="18" charset="0"/>
-              </a:rPr>
-              <a:t>Si la cuve du toit et de récupération sont vides ou à un niveau critique (&lt;10 cm), utiliser l’eau courante.</a:t>
-            </a:r>
-            <a:endParaRPr lang="fr-FR" sz="1400" dirty="0">
-              <a:effectLst/>
-              <a:latin typeface="Calibri" panose="020F0502020204030204" pitchFamily="34" charset="0"/>
-              <a:ea typeface="Calibri" panose="020F0502020204030204" pitchFamily="34" charset="0"/>
-              <a:cs typeface="Times New Roman" panose="02020603050405020304" pitchFamily="18" charset="0"/>
-            </a:endParaRPr>
-          </a:p>
-          <a:p>
-            <a:pPr marL="342900" lvl="0" indent="-342900">
-              <a:lnSpc>
-                <a:spcPct val="107000"/>
-              </a:lnSpc>
-              <a:spcAft>
-                <a:spcPts val="0"/>
-              </a:spcAft>
-              <a:buFont typeface="+mj-lt"/>
-              <a:buAutoNum type="arabicPeriod"/>
-            </a:pPr>
-            <a:r>
-              <a:rPr lang="fr-FR" sz="1600" dirty="0">
-                <a:effectLst/>
-                <a:latin typeface="Calibri" panose="020F0502020204030204" pitchFamily="34" charset="0"/>
-                <a:ea typeface="Calibri" panose="020F0502020204030204" pitchFamily="34" charset="0"/>
-                <a:cs typeface="Times New Roman" panose="02020603050405020304" pitchFamily="18" charset="0"/>
-              </a:rPr>
-              <a:t>Le capteur mesure la température de l’air</a:t>
-            </a:r>
-            <a:endParaRPr lang="fr-FR" sz="1400" dirty="0">
-              <a:effectLst/>
-              <a:latin typeface="Calibri" panose="020F0502020204030204" pitchFamily="34" charset="0"/>
-              <a:ea typeface="Calibri" panose="020F0502020204030204" pitchFamily="34" charset="0"/>
-              <a:cs typeface="Times New Roman" panose="02020603050405020304" pitchFamily="18" charset="0"/>
-            </a:endParaRPr>
-          </a:p>
-          <a:p>
-            <a:pPr marL="228600">
-              <a:lnSpc>
-                <a:spcPct val="107000"/>
-              </a:lnSpc>
-              <a:spcAft>
-                <a:spcPts val="0"/>
-              </a:spcAft>
-            </a:pPr>
-            <a:r>
-              <a:rPr lang="fr-FR" sz="1600" dirty="0">
-                <a:effectLst/>
-                <a:latin typeface="Calibri" panose="020F0502020204030204" pitchFamily="34" charset="0"/>
-                <a:ea typeface="Calibri" panose="020F0502020204030204" pitchFamily="34" charset="0"/>
-                <a:cs typeface="Times New Roman" panose="02020603050405020304" pitchFamily="18" charset="0"/>
-              </a:rPr>
-              <a:t>2.1 Si la température est égale ou inférieure à zéro, le système utilise l’eau courante</a:t>
-            </a:r>
-            <a:endParaRPr lang="fr-FR" sz="1400" dirty="0">
-              <a:effectLst/>
-              <a:latin typeface="Calibri" panose="020F0502020204030204" pitchFamily="34" charset="0"/>
-              <a:ea typeface="Calibri" panose="020F0502020204030204" pitchFamily="34" charset="0"/>
-              <a:cs typeface="Times New Roman" panose="02020603050405020304" pitchFamily="18" charset="0"/>
-            </a:endParaRPr>
-          </a:p>
-          <a:p>
-            <a:pPr marL="228600">
-              <a:lnSpc>
-                <a:spcPct val="107000"/>
-              </a:lnSpc>
-              <a:spcAft>
-                <a:spcPts val="0"/>
-              </a:spcAft>
-            </a:pPr>
-            <a:r>
-              <a:rPr lang="fr-FR" sz="1600" dirty="0">
-                <a:effectLst/>
-                <a:latin typeface="Calibri" panose="020F0502020204030204" pitchFamily="34" charset="0"/>
-                <a:ea typeface="Calibri" panose="020F0502020204030204" pitchFamily="34" charset="0"/>
-                <a:cs typeface="Times New Roman" panose="02020603050405020304" pitchFamily="18" charset="0"/>
-              </a:rPr>
-              <a:t> </a:t>
-            </a:r>
-            <a:endParaRPr lang="fr-FR" sz="1400" dirty="0">
-              <a:effectLst/>
-              <a:latin typeface="Calibri" panose="020F0502020204030204" pitchFamily="34" charset="0"/>
-              <a:ea typeface="Calibri" panose="020F0502020204030204" pitchFamily="34" charset="0"/>
-              <a:cs typeface="Times New Roman" panose="02020603050405020304" pitchFamily="18" charset="0"/>
-            </a:endParaRPr>
-          </a:p>
-          <a:p>
-            <a:pPr marL="342900" lvl="0" indent="-342900">
-              <a:lnSpc>
-                <a:spcPct val="107000"/>
-              </a:lnSpc>
-              <a:spcAft>
-                <a:spcPts val="0"/>
-              </a:spcAft>
-              <a:buFont typeface="+mj-lt"/>
-              <a:buAutoNum type="arabicPeriod"/>
-            </a:pPr>
-            <a:r>
-              <a:rPr lang="fr-FR" sz="1600" dirty="0">
-                <a:effectLst/>
-                <a:latin typeface="Calibri" panose="020F0502020204030204" pitchFamily="34" charset="0"/>
-                <a:ea typeface="Calibri" panose="020F0502020204030204" pitchFamily="34" charset="0"/>
-                <a:cs typeface="Times New Roman" panose="02020603050405020304" pitchFamily="18" charset="0"/>
-              </a:rPr>
-              <a:t>La serre est alimentée en eau</a:t>
-            </a:r>
-            <a:endParaRPr lang="fr-FR" sz="1400" dirty="0">
-              <a:effectLst/>
-              <a:latin typeface="Calibri" panose="020F0502020204030204" pitchFamily="34" charset="0"/>
-              <a:ea typeface="Calibri" panose="020F0502020204030204" pitchFamily="34" charset="0"/>
-              <a:cs typeface="Times New Roman" panose="02020603050405020304" pitchFamily="18" charset="0"/>
-            </a:endParaRPr>
-          </a:p>
-          <a:p>
-            <a:pPr marL="342900" lvl="0" indent="-342900">
-              <a:lnSpc>
-                <a:spcPct val="107000"/>
-              </a:lnSpc>
-              <a:spcAft>
-                <a:spcPts val="0"/>
-              </a:spcAft>
-              <a:buFont typeface="+mj-lt"/>
-              <a:buAutoNum type="arabicPeriod"/>
-            </a:pPr>
-            <a:r>
-              <a:rPr lang="fr-FR" sz="1600" dirty="0">
-                <a:effectLst/>
-                <a:latin typeface="Calibri" panose="020F0502020204030204" pitchFamily="34" charset="0"/>
-                <a:ea typeface="Calibri" panose="020F0502020204030204" pitchFamily="34" charset="0"/>
-                <a:cs typeface="Times New Roman" panose="02020603050405020304" pitchFamily="18" charset="0"/>
-              </a:rPr>
-              <a:t>Le système mesure la consommation en eau de la serre sur les deux réseaux (eau de pluie et eau courante)</a:t>
-            </a:r>
-            <a:endParaRPr lang="fr-FR" sz="1400" dirty="0">
-              <a:effectLst/>
-              <a:latin typeface="Calibri" panose="020F0502020204030204" pitchFamily="34" charset="0"/>
-              <a:ea typeface="Calibri" panose="020F0502020204030204" pitchFamily="34" charset="0"/>
-              <a:cs typeface="Times New Roman" panose="02020603050405020304" pitchFamily="18" charset="0"/>
-            </a:endParaRPr>
-          </a:p>
-          <a:p>
-            <a:pPr marL="228600">
-              <a:lnSpc>
-                <a:spcPct val="107000"/>
-              </a:lnSpc>
-              <a:spcAft>
-                <a:spcPts val="0"/>
-              </a:spcAft>
-            </a:pPr>
-            <a:r>
-              <a:rPr lang="fr-FR" sz="1600" dirty="0">
-                <a:effectLst/>
-                <a:latin typeface="Calibri" panose="020F0502020204030204" pitchFamily="34" charset="0"/>
-                <a:ea typeface="Calibri" panose="020F0502020204030204" pitchFamily="34" charset="0"/>
-                <a:cs typeface="Times New Roman" panose="02020603050405020304" pitchFamily="18" charset="0"/>
-              </a:rPr>
-              <a:t>4.1 Enregistrer la consommation d’eau heure par heure dans la BDD</a:t>
-            </a:r>
-            <a:endParaRPr lang="fr-FR" sz="1400" dirty="0">
-              <a:effectLst/>
-              <a:latin typeface="Calibri" panose="020F0502020204030204" pitchFamily="34" charset="0"/>
-              <a:ea typeface="Calibri" panose="020F0502020204030204" pitchFamily="34" charset="0"/>
-              <a:cs typeface="Times New Roman" panose="02020603050405020304" pitchFamily="18" charset="0"/>
-            </a:endParaRPr>
-          </a:p>
-          <a:p>
-            <a:pPr marL="228600">
-              <a:lnSpc>
-                <a:spcPct val="107000"/>
-              </a:lnSpc>
-              <a:spcAft>
-                <a:spcPts val="800"/>
-              </a:spcAft>
-            </a:pPr>
-            <a:r>
-              <a:rPr lang="fr-FR" sz="1600" dirty="0">
-                <a:effectLst/>
-                <a:latin typeface="Calibri" panose="020F0502020204030204" pitchFamily="34" charset="0"/>
-                <a:ea typeface="Calibri" panose="020F0502020204030204" pitchFamily="34" charset="0"/>
-                <a:cs typeface="Times New Roman" panose="02020603050405020304" pitchFamily="18" charset="0"/>
-              </a:rPr>
-              <a:t>4.2 Afficher sous forme graphique les données de consommation d’eau par période</a:t>
-            </a:r>
-            <a:endParaRPr lang="fr-FR" sz="1400" dirty="0">
-              <a:effectLst/>
-              <a:latin typeface="Calibri" panose="020F0502020204030204" pitchFamily="34" charset="0"/>
-              <a:ea typeface="Calibri" panose="020F0502020204030204" pitchFamily="34" charset="0"/>
-              <a:cs typeface="Times New Roman" panose="02020603050405020304" pitchFamily="18" charset="0"/>
-            </a:endParaRPr>
-          </a:p>
-          <a:p>
-            <a:pPr marL="342900" indent="-342900">
-              <a:lnSpc>
-                <a:spcPct val="107000"/>
-              </a:lnSpc>
-              <a:spcAft>
-                <a:spcPts val="800"/>
-              </a:spcAft>
-              <a:buAutoNum type="arabicPeriod" startAt="5"/>
-            </a:pPr>
-            <a:r>
-              <a:rPr lang="fr-FR" sz="1600" dirty="0" smtClean="0">
-                <a:effectLst/>
-                <a:latin typeface="Calibri" panose="020F0502020204030204" pitchFamily="34" charset="0"/>
-                <a:ea typeface="Calibri" panose="020F0502020204030204" pitchFamily="34" charset="0"/>
-                <a:cs typeface="Times New Roman" panose="02020603050405020304" pitchFamily="18" charset="0"/>
-              </a:rPr>
-              <a:t>Administrer </a:t>
-            </a:r>
-            <a:r>
-              <a:rPr lang="fr-FR" sz="1600" dirty="0">
-                <a:effectLst/>
-                <a:latin typeface="Calibri" panose="020F0502020204030204" pitchFamily="34" charset="0"/>
-                <a:ea typeface="Calibri" panose="020F0502020204030204" pitchFamily="34" charset="0"/>
-                <a:cs typeface="Times New Roman" panose="02020603050405020304" pitchFamily="18" charset="0"/>
-              </a:rPr>
-              <a:t>la </a:t>
-            </a:r>
-            <a:r>
-              <a:rPr lang="fr-FR" sz="1600" dirty="0" smtClean="0">
-                <a:effectLst/>
-                <a:latin typeface="Calibri" panose="020F0502020204030204" pitchFamily="34" charset="0"/>
-                <a:ea typeface="Calibri" panose="020F0502020204030204" pitchFamily="34" charset="0"/>
-                <a:cs typeface="Times New Roman" panose="02020603050405020304" pitchFamily="18" charset="0"/>
-              </a:rPr>
-              <a:t>BDD</a:t>
-            </a:r>
-          </a:p>
-          <a:p>
-            <a:pPr>
-              <a:lnSpc>
-                <a:spcPct val="107000"/>
-              </a:lnSpc>
-              <a:spcAft>
-                <a:spcPts val="800"/>
-              </a:spcAft>
-            </a:pPr>
-            <a:r>
-              <a:rPr lang="fr-FR" sz="1400" dirty="0" smtClean="0">
-                <a:effectLst/>
-                <a:latin typeface="Calibri" panose="020F0502020204030204" pitchFamily="34" charset="0"/>
-                <a:ea typeface="Calibri" panose="020F0502020204030204" pitchFamily="34" charset="0"/>
-                <a:cs typeface="Times New Roman" panose="02020603050405020304" pitchFamily="18" charset="0"/>
-              </a:rPr>
-              <a:t>5.1 Purger la BDD quand la date du fichier dépasse 1an</a:t>
-            </a:r>
-            <a:endParaRPr lang="fr-FR" sz="1400" dirty="0">
-              <a:effectLst/>
-              <a:latin typeface="Calibri" panose="020F0502020204030204" pitchFamily="34" charset="0"/>
-              <a:ea typeface="Calibri" panose="020F0502020204030204" pitchFamily="34" charset="0"/>
-              <a:cs typeface="Times New Roman" panose="02020603050405020304" pitchFamily="18" charset="0"/>
-            </a:endParaRPr>
-          </a:p>
-          <a:p>
-            <a:pPr>
-              <a:lnSpc>
-                <a:spcPct val="107000"/>
-              </a:lnSpc>
-              <a:spcAft>
-                <a:spcPts val="800"/>
-              </a:spcAft>
-            </a:pPr>
-            <a:r>
-              <a:rPr lang="fr-FR" sz="1600" dirty="0">
-                <a:effectLst/>
-                <a:latin typeface="Calibri" panose="020F0502020204030204" pitchFamily="34" charset="0"/>
-                <a:ea typeface="Calibri" panose="020F0502020204030204" pitchFamily="34" charset="0"/>
-                <a:cs typeface="Times New Roman" panose="02020603050405020304" pitchFamily="18" charset="0"/>
-              </a:rPr>
-              <a:t>6.   Afficher l’état du système</a:t>
-            </a:r>
-            <a:endParaRPr lang="fr-FR" sz="1400" dirty="0">
-              <a:effectLst/>
-              <a:latin typeface="Calibri" panose="020F0502020204030204" pitchFamily="34" charset="0"/>
-              <a:ea typeface="Calibri" panose="020F0502020204030204" pitchFamily="34" charset="0"/>
-              <a:cs typeface="Times New Roman" panose="02020603050405020304" pitchFamily="18" charset="0"/>
-            </a:endParaRPr>
-          </a:p>
-          <a:p>
-            <a:pPr>
-              <a:lnSpc>
-                <a:spcPct val="107000"/>
-              </a:lnSpc>
-              <a:spcAft>
-                <a:spcPts val="800"/>
-              </a:spcAft>
-            </a:pPr>
-            <a:r>
-              <a:rPr lang="fr-FR" sz="1600" dirty="0">
-                <a:effectLst/>
-                <a:latin typeface="Calibri" panose="020F0502020204030204" pitchFamily="34" charset="0"/>
-                <a:ea typeface="Calibri" panose="020F0502020204030204" pitchFamily="34" charset="0"/>
-                <a:cs typeface="Times New Roman" panose="02020603050405020304" pitchFamily="18" charset="0"/>
-              </a:rPr>
-              <a:t>      6.1 Les données instantanées de consommation d’eau seront affichés sur un site web</a:t>
-            </a:r>
-            <a:endParaRPr lang="fr-FR" sz="1400" dirty="0">
-              <a:effectLst/>
-              <a:latin typeface="Calibri" panose="020F0502020204030204" pitchFamily="34" charset="0"/>
-              <a:ea typeface="Calibri" panose="020F0502020204030204" pitchFamily="34" charset="0"/>
-              <a:cs typeface="Times New Roman" panose="02020603050405020304" pitchFamily="18" charset="0"/>
-            </a:endParaRPr>
-          </a:p>
-        </p:txBody>
-      </p:sp>
-    </p:spTree>
-    <p:extLst>
-      <p:ext uri="{BB962C8B-B14F-4D97-AF65-F5344CB8AC3E}">
-        <p14:creationId xmlns:p14="http://schemas.microsoft.com/office/powerpoint/2010/main" val="5633379"/>
+        <p14:creationId xmlns:p14="http://schemas.microsoft.com/office/powerpoint/2010/main" val="2715056959"/>
       </p:ext>
     </p:extLst>
   </p:cSld>
@@ -7441,78 +6951,107 @@
           <a:chExt cx="0" cy="0"/>
         </a:xfrm>
       </p:grpSpPr>
-      <p:sp>
-        <p:nvSpPr>
-          <p:cNvPr id="2" name="Titre 1"/>
-          <p:cNvSpPr>
-            <a:spLocks noGrp="1"/>
-          </p:cNvSpPr>
-          <p:nvPr>
-            <p:ph type="title"/>
-          </p:nvPr>
-        </p:nvSpPr>
-        <p:spPr>
-          <a:xfrm>
-            <a:off x="646111" y="452718"/>
-            <a:ext cx="9404723" cy="327675"/>
-          </a:xfrm>
-        </p:spPr>
-        <p:txBody>
-          <a:bodyPr/>
+      <p:pic>
+        <p:nvPicPr>
+          <p:cNvPr id="2" name="Image 1"/>
+          <p:cNvPicPr>
+            <a:picLocks noChangeAspect="1"/>
+          </p:cNvPicPr>
+          <p:nvPr/>
+        </p:nvPicPr>
+        <p:blipFill>
+          <a:blip r:embed="rId2">
+            <a:extLst>
+              <a:ext uri="{28A0092B-C50C-407E-A947-70E740481C1C}">
+                <a14:useLocalDpi xmlns:a14="http://schemas.microsoft.com/office/drawing/2010/main" val="0"/>
+              </a:ext>
+            </a:extLst>
+          </a:blip>
+          <a:stretch>
+            <a:fillRect/>
+          </a:stretch>
+        </p:blipFill>
+        <p:spPr>
+          <a:xfrm>
+            <a:off x="230750" y="714895"/>
+            <a:ext cx="11599188" cy="5748451"/>
+          </a:xfrm>
+          <a:prstGeom prst="rect">
+            <a:avLst/>
+          </a:prstGeom>
+        </p:spPr>
+      </p:pic>
+      <p:sp>
+        <p:nvSpPr>
+          <p:cNvPr id="3" name="Rectangle 2"/>
+          <p:cNvSpPr/>
+          <p:nvPr/>
+        </p:nvSpPr>
+        <p:spPr>
+          <a:xfrm>
+            <a:off x="230750" y="345563"/>
+            <a:ext cx="2589170" cy="369332"/>
+          </a:xfrm>
+          <a:prstGeom prst="rect">
+            <a:avLst/>
+          </a:prstGeom>
+        </p:spPr>
+        <p:txBody>
+          <a:bodyPr wrap="none">
+            <a:spAutoFit/>
+          </a:bodyPr>
           <a:lstStyle/>
           <a:p>
             <a:r>
-              <a:rPr lang="fr-FR" sz="1800" dirty="0">
+              <a:rPr lang="fr-FR" dirty="0">
                 <a:solidFill>
                   <a:srgbClr val="FF0000"/>
                 </a:solidFill>
               </a:rPr>
-              <a:t>VIII. Carte E/S</a:t>
-            </a:r>
-            <a:br>
-              <a:rPr lang="fr-FR" sz="1800" dirty="0">
-                <a:solidFill>
-                  <a:srgbClr val="FF0000"/>
-                </a:solidFill>
-              </a:rPr>
-            </a:br>
-            <a:endParaRPr lang="fr-FR" sz="1800" dirty="0"/>
-          </a:p>
-        </p:txBody>
-      </p:sp>
-      <p:pic>
-        <p:nvPicPr>
-          <p:cNvPr id="5" name="Image 4"/>
-          <p:cNvPicPr/>
+              <a:t>VI. Diagramme de classe</a:t>
+            </a:r>
+          </a:p>
+        </p:txBody>
+      </p:sp>
+      <p:sp>
+        <p:nvSpPr>
+          <p:cNvPr id="5" name="ZoneTexte 4">
+            <a:extLst>
+              <a:ext uri="{FF2B5EF4-FFF2-40B4-BE49-F238E27FC236}">
+                <a16:creationId xmlns:a16="http://schemas.microsoft.com/office/drawing/2014/main" id="{2AF41A51-1252-43EE-A92B-E094AFF9BF0F}"/>
+              </a:ext>
+            </a:extLst>
+          </p:cNvPr>
+          <p:cNvSpPr txBox="1"/>
           <p:nvPr/>
-        </p:nvPicPr>
-        <p:blipFill rotWithShape="1">
-          <a:blip r:embed="rId2"/>
-          <a:srcRect t="1061"/>
-          <a:stretch/>
-        </p:blipFill>
-        <p:spPr bwMode="auto">
-          <a:xfrm>
-            <a:off x="3389060" y="275898"/>
-            <a:ext cx="5069139" cy="6507448"/>
+        </p:nvSpPr>
+        <p:spPr>
+          <a:xfrm>
+            <a:off x="5553512" y="209988"/>
+            <a:ext cx="2080470" cy="369332"/>
           </a:xfrm>
           <a:prstGeom prst="rect">
             <a:avLst/>
           </a:prstGeom>
-          <a:ln>
-            <a:noFill/>
-          </a:ln>
-          <a:extLst>
-            <a:ext uri="{53640926-AAD7-44D8-BBD7-CCE9431645EC}">
-              <a14:shadowObscured xmlns:a14="http://schemas.microsoft.com/office/drawing/2010/main"/>
-            </a:ext>
-          </a:extLst>
-        </p:spPr>
-      </p:pic>
+          <a:noFill/>
+        </p:spPr>
+        <p:txBody>
+          <a:bodyPr wrap="square" rtlCol="0">
+            <a:spAutoFit/>
+          </a:bodyPr>
+          <a:lstStyle/>
+          <a:p>
+            <a:r>
+              <a:rPr lang="fr-FR" dirty="0"/>
+              <a:t>Etudiant  1</a:t>
+            </a:r>
+          </a:p>
+        </p:txBody>
+      </p:sp>
     </p:spTree>
     <p:extLst>
       <p:ext uri="{BB962C8B-B14F-4D97-AF65-F5344CB8AC3E}">
-        <p14:creationId xmlns:p14="http://schemas.microsoft.com/office/powerpoint/2010/main" val="3474273564"/>
+        <p14:creationId xmlns:p14="http://schemas.microsoft.com/office/powerpoint/2010/main" val="1276361415"/>
       </p:ext>
     </p:extLst>
   </p:cSld>
@@ -7548,61 +7087,69 @@
       </p:grpSpPr>
       <p:sp>
         <p:nvSpPr>
-          <p:cNvPr id="3" name="Espace réservé du contenu 2"/>
-          <p:cNvSpPr>
-            <a:spLocks noGrp="1"/>
-          </p:cNvSpPr>
-          <p:nvPr>
-            <p:ph idx="1"/>
-          </p:nvPr>
-        </p:nvSpPr>
-        <p:spPr>
-          <a:xfrm>
-            <a:off x="133733" y="168939"/>
-            <a:ext cx="8946541" cy="406503"/>
-          </a:xfrm>
-        </p:spPr>
-        <p:txBody>
-          <a:bodyPr>
-            <a:normAutofit/>
+          <p:cNvPr id="6" name="ZoneTexte 5">
+            <a:extLst>
+              <a:ext uri="{FF2B5EF4-FFF2-40B4-BE49-F238E27FC236}">
+                <a16:creationId xmlns:a16="http://schemas.microsoft.com/office/drawing/2014/main" id="{D3CF817F-0ABA-4F0A-9608-9CC5197078E8}"/>
+              </a:ext>
+            </a:extLst>
+          </p:cNvPr>
+          <p:cNvSpPr txBox="1"/>
+          <p:nvPr/>
+        </p:nvSpPr>
+        <p:spPr>
+          <a:xfrm>
+            <a:off x="5532539" y="167672"/>
+            <a:ext cx="2457975" cy="369332"/>
+          </a:xfrm>
+          <a:prstGeom prst="rect">
+            <a:avLst/>
+          </a:prstGeom>
+          <a:noFill/>
+        </p:spPr>
+        <p:txBody>
+          <a:bodyPr wrap="square" rtlCol="0">
+            <a:spAutoFit/>
           </a:bodyPr>
           <a:lstStyle/>
           <a:p>
-            <a:pPr marL="0" indent="0">
-              <a:buNone/>
-            </a:pPr>
-            <a:r>
-              <a:rPr lang="fr-FR" sz="1800" dirty="0" smtClean="0">
-                <a:solidFill>
-                  <a:srgbClr val="FF0000"/>
-                </a:solidFill>
-              </a:rPr>
-              <a:t>IX. Capteur de débit</a:t>
-            </a:r>
-            <a:endParaRPr lang="fr-FR" sz="1800" dirty="0">
-              <a:solidFill>
-                <a:srgbClr val="FF0000"/>
-              </a:solidFill>
-            </a:endParaRPr>
+            <a:r>
+              <a:rPr lang="fr-FR" dirty="0"/>
+              <a:t>Etudiant 3</a:t>
+            </a:r>
           </a:p>
         </p:txBody>
       </p:sp>
       <p:pic>
         <p:nvPicPr>
-          <p:cNvPr id="4" name="Image 3"/>
-          <p:cNvPicPr/>
+          <p:cNvPr id="8" name="Image 7">
+            <a:extLst>
+              <a:ext uri="{FF2B5EF4-FFF2-40B4-BE49-F238E27FC236}">
+                <a16:creationId xmlns:a16="http://schemas.microsoft.com/office/drawing/2014/main" id="{4732AAF5-7BC1-440A-9AFD-70B409DE87BF}"/>
+              </a:ext>
+            </a:extLst>
+          </p:cNvPr>
+          <p:cNvPicPr>
+            <a:picLocks noChangeAspect="1"/>
+          </p:cNvPicPr>
           <p:nvPr/>
         </p:nvPicPr>
         <p:blipFill>
-          <a:blip r:embed="rId2"/>
+          <a:blip r:embed="rId2">
+            <a:extLst>
+              <a:ext uri="{28A0092B-C50C-407E-A947-70E740481C1C}">
+                <a14:useLocalDpi xmlns:a14="http://schemas.microsoft.com/office/drawing/2010/main" val="0"/>
+              </a:ext>
+            </a:extLst>
+          </a:blip>
           <a:stretch>
             <a:fillRect/>
           </a:stretch>
         </p:blipFill>
         <p:spPr>
           <a:xfrm>
-            <a:off x="2995449" y="372190"/>
-            <a:ext cx="6004560" cy="6281073"/>
+            <a:off x="426462" y="1333850"/>
+            <a:ext cx="11577439" cy="4278385"/>
           </a:xfrm>
           <a:prstGeom prst="rect">
             <a:avLst/>
@@ -7612,13 +7159,20 @@
     </p:spTree>
     <p:extLst>
       <p:ext uri="{BB962C8B-B14F-4D97-AF65-F5344CB8AC3E}">
-        <p14:creationId xmlns:p14="http://schemas.microsoft.com/office/powerpoint/2010/main" val="840899611"/>
+        <p14:creationId xmlns:p14="http://schemas.microsoft.com/office/powerpoint/2010/main" val="2051653351"/>
       </p:ext>
     </p:extLst>
   </p:cSld>
   <p:clrMapOvr>
     <a:masterClrMapping/>
   </p:clrMapOvr>
+  <p:timing>
+    <p:tnLst>
+      <p:par>
+        <p:cTn id="1" dur="indefinite" restart="never" nodeType="tmRoot"/>
+      </p:par>
+    </p:tnLst>
+  </p:timing>
 </p:sld>
 </file>
 
@@ -7639,38 +7193,479 @@
           <a:chExt cx="0" cy="0"/>
         </a:xfrm>
       </p:grpSpPr>
-      <p:pic>
-        <p:nvPicPr>
-          <p:cNvPr id="4" name="Image 3"/>
-          <p:cNvPicPr/>
+      <p:sp>
+        <p:nvSpPr>
+          <p:cNvPr id="2" name="Rectangle 1"/>
+          <p:cNvSpPr/>
           <p:nvPr/>
-        </p:nvPicPr>
-        <p:blipFill>
-          <a:blip r:embed="rId2"/>
-          <a:stretch>
-            <a:fillRect/>
-          </a:stretch>
-        </p:blipFill>
-        <p:spPr>
-          <a:xfrm>
-            <a:off x="2829910" y="1529255"/>
-            <a:ext cx="6225277" cy="3296779"/>
+        </p:nvSpPr>
+        <p:spPr>
+          <a:xfrm>
+            <a:off x="262069" y="285003"/>
+            <a:ext cx="1393330" cy="369332"/>
           </a:xfrm>
           <a:prstGeom prst="rect">
             <a:avLst/>
           </a:prstGeom>
         </p:spPr>
-      </p:pic>
+        <p:txBody>
+          <a:bodyPr wrap="none">
+            <a:spAutoFit/>
+          </a:bodyPr>
+          <a:lstStyle/>
+          <a:p>
+            <a:r>
+              <a:rPr lang="fr-FR" dirty="0">
+                <a:solidFill>
+                  <a:srgbClr val="FF0000"/>
+                </a:solidFill>
+              </a:rPr>
+              <a:t>VII. Scénario</a:t>
+            </a:r>
+          </a:p>
+        </p:txBody>
+      </p:sp>
+      <p:sp>
+        <p:nvSpPr>
+          <p:cNvPr id="3" name="Rectangle 2"/>
+          <p:cNvSpPr/>
+          <p:nvPr/>
+        </p:nvSpPr>
+        <p:spPr>
+          <a:xfrm>
+            <a:off x="1147156" y="1191743"/>
+            <a:ext cx="10083338" cy="4421788"/>
+          </a:xfrm>
+          <a:prstGeom prst="rect">
+            <a:avLst/>
+          </a:prstGeom>
+        </p:spPr>
+        <p:txBody>
+          <a:bodyPr wrap="square">
+            <a:spAutoFit/>
+          </a:bodyPr>
+          <a:lstStyle/>
+          <a:p>
+            <a:pPr marL="342900" lvl="0" indent="-342900">
+              <a:lnSpc>
+                <a:spcPct val="107000"/>
+              </a:lnSpc>
+              <a:spcAft>
+                <a:spcPts val="0"/>
+              </a:spcAft>
+              <a:buFont typeface="+mj-lt"/>
+              <a:buAutoNum type="arabicPeriod"/>
+            </a:pPr>
+            <a:r>
+              <a:rPr lang="fr-FR" sz="1600" dirty="0">
+                <a:effectLst/>
+                <a:latin typeface="Calibri" panose="020F0502020204030204" pitchFamily="34" charset="0"/>
+                <a:ea typeface="Calibri" panose="020F0502020204030204" pitchFamily="34" charset="0"/>
+                <a:cs typeface="Times New Roman" panose="02020603050405020304" pitchFamily="18" charset="0"/>
+              </a:rPr>
+              <a:t>Le capteur mesure le niveau d’eau des cuves</a:t>
+            </a:r>
+            <a:endParaRPr lang="fr-FR" sz="1400" dirty="0">
+              <a:effectLst/>
+              <a:latin typeface="Calibri" panose="020F0502020204030204" pitchFamily="34" charset="0"/>
+              <a:ea typeface="Calibri" panose="020F0502020204030204" pitchFamily="34" charset="0"/>
+              <a:cs typeface="Times New Roman" panose="02020603050405020304" pitchFamily="18" charset="0"/>
+            </a:endParaRPr>
+          </a:p>
+          <a:p>
+            <a:pPr marL="742950" lvl="1" indent="-285750">
+              <a:lnSpc>
+                <a:spcPct val="107000"/>
+              </a:lnSpc>
+              <a:spcAft>
+                <a:spcPts val="0"/>
+              </a:spcAft>
+              <a:buFont typeface="+mj-lt"/>
+              <a:buAutoNum type="arabicPeriod"/>
+            </a:pPr>
+            <a:r>
+              <a:rPr lang="fr-FR" sz="1600" dirty="0">
+                <a:effectLst/>
+                <a:latin typeface="Calibri" panose="020F0502020204030204" pitchFamily="34" charset="0"/>
+                <a:ea typeface="Calibri" panose="020F0502020204030204" pitchFamily="34" charset="0"/>
+                <a:cs typeface="Times New Roman" panose="02020603050405020304" pitchFamily="18" charset="0"/>
+              </a:rPr>
+              <a:t>Si la cuve du toit n’est pas remplie et que celle de récupération l’est, activer la pompe de relevage</a:t>
+            </a:r>
+            <a:endParaRPr lang="fr-FR" sz="1400" dirty="0">
+              <a:effectLst/>
+              <a:latin typeface="Calibri" panose="020F0502020204030204" pitchFamily="34" charset="0"/>
+              <a:ea typeface="Calibri" panose="020F0502020204030204" pitchFamily="34" charset="0"/>
+              <a:cs typeface="Times New Roman" panose="02020603050405020304" pitchFamily="18" charset="0"/>
+            </a:endParaRPr>
+          </a:p>
+          <a:p>
+            <a:pPr marL="742950" lvl="1" indent="-285750">
+              <a:lnSpc>
+                <a:spcPct val="107000"/>
+              </a:lnSpc>
+              <a:spcAft>
+                <a:spcPts val="0"/>
+              </a:spcAft>
+              <a:buFont typeface="+mj-lt"/>
+              <a:buAutoNum type="arabicPeriod"/>
+            </a:pPr>
+            <a:r>
+              <a:rPr lang="fr-FR" sz="1600" dirty="0">
+                <a:effectLst/>
+                <a:latin typeface="Calibri" panose="020F0502020204030204" pitchFamily="34" charset="0"/>
+                <a:ea typeface="Calibri" panose="020F0502020204030204" pitchFamily="34" charset="0"/>
+                <a:cs typeface="Times New Roman" panose="02020603050405020304" pitchFamily="18" charset="0"/>
+              </a:rPr>
+              <a:t>Si la cuve du toit est pleine, le système utilise l’eau de pluie</a:t>
+            </a:r>
+            <a:endParaRPr lang="fr-FR" sz="1400" dirty="0">
+              <a:effectLst/>
+              <a:latin typeface="Calibri" panose="020F0502020204030204" pitchFamily="34" charset="0"/>
+              <a:ea typeface="Calibri" panose="020F0502020204030204" pitchFamily="34" charset="0"/>
+              <a:cs typeface="Times New Roman" panose="02020603050405020304" pitchFamily="18" charset="0"/>
+            </a:endParaRPr>
+          </a:p>
+          <a:p>
+            <a:pPr marL="742950" lvl="1" indent="-285750">
+              <a:lnSpc>
+                <a:spcPct val="107000"/>
+              </a:lnSpc>
+              <a:spcAft>
+                <a:spcPts val="0"/>
+              </a:spcAft>
+              <a:buFont typeface="+mj-lt"/>
+              <a:buAutoNum type="arabicPeriod"/>
+            </a:pPr>
+            <a:r>
+              <a:rPr lang="fr-FR" sz="1600" dirty="0">
+                <a:effectLst/>
+                <a:latin typeface="Calibri" panose="020F0502020204030204" pitchFamily="34" charset="0"/>
+                <a:ea typeface="Calibri" panose="020F0502020204030204" pitchFamily="34" charset="0"/>
+                <a:cs typeface="Times New Roman" panose="02020603050405020304" pitchFamily="18" charset="0"/>
+              </a:rPr>
+              <a:t>Si la cuve du toit et de récupération sont vides ou à un niveau critique (&lt;10 cm), utiliser l’eau courante.</a:t>
+            </a:r>
+            <a:endParaRPr lang="fr-FR" sz="1400" dirty="0">
+              <a:effectLst/>
+              <a:latin typeface="Calibri" panose="020F0502020204030204" pitchFamily="34" charset="0"/>
+              <a:ea typeface="Calibri" panose="020F0502020204030204" pitchFamily="34" charset="0"/>
+              <a:cs typeface="Times New Roman" panose="02020603050405020304" pitchFamily="18" charset="0"/>
+            </a:endParaRPr>
+          </a:p>
+          <a:p>
+            <a:pPr marL="342900" lvl="0" indent="-342900">
+              <a:lnSpc>
+                <a:spcPct val="107000"/>
+              </a:lnSpc>
+              <a:spcAft>
+                <a:spcPts val="0"/>
+              </a:spcAft>
+              <a:buFont typeface="+mj-lt"/>
+              <a:buAutoNum type="arabicPeriod"/>
+            </a:pPr>
+            <a:r>
+              <a:rPr lang="fr-FR" sz="1600" dirty="0">
+                <a:effectLst/>
+                <a:latin typeface="Calibri" panose="020F0502020204030204" pitchFamily="34" charset="0"/>
+                <a:ea typeface="Calibri" panose="020F0502020204030204" pitchFamily="34" charset="0"/>
+                <a:cs typeface="Times New Roman" panose="02020603050405020304" pitchFamily="18" charset="0"/>
+              </a:rPr>
+              <a:t>Le capteur mesure la température de l’air</a:t>
+            </a:r>
+            <a:endParaRPr lang="fr-FR" sz="1400" dirty="0">
+              <a:effectLst/>
+              <a:latin typeface="Calibri" panose="020F0502020204030204" pitchFamily="34" charset="0"/>
+              <a:ea typeface="Calibri" panose="020F0502020204030204" pitchFamily="34" charset="0"/>
+              <a:cs typeface="Times New Roman" panose="02020603050405020304" pitchFamily="18" charset="0"/>
+            </a:endParaRPr>
+          </a:p>
+          <a:p>
+            <a:pPr marL="228600">
+              <a:lnSpc>
+                <a:spcPct val="107000"/>
+              </a:lnSpc>
+              <a:spcAft>
+                <a:spcPts val="0"/>
+              </a:spcAft>
+            </a:pPr>
+            <a:r>
+              <a:rPr lang="fr-FR" sz="1600" dirty="0">
+                <a:effectLst/>
+                <a:latin typeface="Calibri" panose="020F0502020204030204" pitchFamily="34" charset="0"/>
+                <a:ea typeface="Calibri" panose="020F0502020204030204" pitchFamily="34" charset="0"/>
+                <a:cs typeface="Times New Roman" panose="02020603050405020304" pitchFamily="18" charset="0"/>
+              </a:rPr>
+              <a:t>2.1 Si la température est égale ou inférieure à zéro, le système utilise l’eau courante</a:t>
+            </a:r>
+            <a:endParaRPr lang="fr-FR" sz="1400" dirty="0">
+              <a:effectLst/>
+              <a:latin typeface="Calibri" panose="020F0502020204030204" pitchFamily="34" charset="0"/>
+              <a:ea typeface="Calibri" panose="020F0502020204030204" pitchFamily="34" charset="0"/>
+              <a:cs typeface="Times New Roman" panose="02020603050405020304" pitchFamily="18" charset="0"/>
+            </a:endParaRPr>
+          </a:p>
+          <a:p>
+            <a:pPr marL="228600">
+              <a:lnSpc>
+                <a:spcPct val="107000"/>
+              </a:lnSpc>
+              <a:spcAft>
+                <a:spcPts val="0"/>
+              </a:spcAft>
+            </a:pPr>
+            <a:r>
+              <a:rPr lang="fr-FR" sz="1600" dirty="0">
+                <a:effectLst/>
+                <a:latin typeface="Calibri" panose="020F0502020204030204" pitchFamily="34" charset="0"/>
+                <a:ea typeface="Calibri" panose="020F0502020204030204" pitchFamily="34" charset="0"/>
+                <a:cs typeface="Times New Roman" panose="02020603050405020304" pitchFamily="18" charset="0"/>
+              </a:rPr>
+              <a:t> </a:t>
+            </a:r>
+            <a:endParaRPr lang="fr-FR" sz="1400" dirty="0">
+              <a:effectLst/>
+              <a:latin typeface="Calibri" panose="020F0502020204030204" pitchFamily="34" charset="0"/>
+              <a:ea typeface="Calibri" panose="020F0502020204030204" pitchFamily="34" charset="0"/>
+              <a:cs typeface="Times New Roman" panose="02020603050405020304" pitchFamily="18" charset="0"/>
+            </a:endParaRPr>
+          </a:p>
+          <a:p>
+            <a:pPr marL="342900" lvl="0" indent="-342900">
+              <a:lnSpc>
+                <a:spcPct val="107000"/>
+              </a:lnSpc>
+              <a:spcAft>
+                <a:spcPts val="0"/>
+              </a:spcAft>
+              <a:buFont typeface="+mj-lt"/>
+              <a:buAutoNum type="arabicPeriod"/>
+            </a:pPr>
+            <a:r>
+              <a:rPr lang="fr-FR" sz="1600" dirty="0">
+                <a:effectLst/>
+                <a:latin typeface="Calibri" panose="020F0502020204030204" pitchFamily="34" charset="0"/>
+                <a:ea typeface="Calibri" panose="020F0502020204030204" pitchFamily="34" charset="0"/>
+                <a:cs typeface="Times New Roman" panose="02020603050405020304" pitchFamily="18" charset="0"/>
+              </a:rPr>
+              <a:t>La serre est alimentée en eau</a:t>
+            </a:r>
+            <a:endParaRPr lang="fr-FR" sz="1400" dirty="0">
+              <a:effectLst/>
+              <a:latin typeface="Calibri" panose="020F0502020204030204" pitchFamily="34" charset="0"/>
+              <a:ea typeface="Calibri" panose="020F0502020204030204" pitchFamily="34" charset="0"/>
+              <a:cs typeface="Times New Roman" panose="02020603050405020304" pitchFamily="18" charset="0"/>
+            </a:endParaRPr>
+          </a:p>
+          <a:p>
+            <a:pPr marL="342900" lvl="0" indent="-342900">
+              <a:lnSpc>
+                <a:spcPct val="107000"/>
+              </a:lnSpc>
+              <a:spcAft>
+                <a:spcPts val="0"/>
+              </a:spcAft>
+              <a:buFont typeface="+mj-lt"/>
+              <a:buAutoNum type="arabicPeriod"/>
+            </a:pPr>
+            <a:r>
+              <a:rPr lang="fr-FR" sz="1600" dirty="0">
+                <a:effectLst/>
+                <a:latin typeface="Calibri" panose="020F0502020204030204" pitchFamily="34" charset="0"/>
+                <a:ea typeface="Calibri" panose="020F0502020204030204" pitchFamily="34" charset="0"/>
+                <a:cs typeface="Times New Roman" panose="02020603050405020304" pitchFamily="18" charset="0"/>
+              </a:rPr>
+              <a:t>Le système mesure la consommation en eau de la serre sur les deux réseaux (eau de pluie et eau courante)</a:t>
+            </a:r>
+            <a:endParaRPr lang="fr-FR" sz="1400" dirty="0">
+              <a:effectLst/>
+              <a:latin typeface="Calibri" panose="020F0502020204030204" pitchFamily="34" charset="0"/>
+              <a:ea typeface="Calibri" panose="020F0502020204030204" pitchFamily="34" charset="0"/>
+              <a:cs typeface="Times New Roman" panose="02020603050405020304" pitchFamily="18" charset="0"/>
+            </a:endParaRPr>
+          </a:p>
+          <a:p>
+            <a:pPr marL="228600">
+              <a:lnSpc>
+                <a:spcPct val="107000"/>
+              </a:lnSpc>
+              <a:spcAft>
+                <a:spcPts val="0"/>
+              </a:spcAft>
+            </a:pPr>
+            <a:r>
+              <a:rPr lang="fr-FR" sz="1600" dirty="0">
+                <a:effectLst/>
+                <a:latin typeface="Calibri" panose="020F0502020204030204" pitchFamily="34" charset="0"/>
+                <a:ea typeface="Calibri" panose="020F0502020204030204" pitchFamily="34" charset="0"/>
+                <a:cs typeface="Times New Roman" panose="02020603050405020304" pitchFamily="18" charset="0"/>
+              </a:rPr>
+              <a:t>4.1 Enregistrer la consommation d’eau heure par heure dans la BDD</a:t>
+            </a:r>
+            <a:endParaRPr lang="fr-FR" sz="1400" dirty="0">
+              <a:effectLst/>
+              <a:latin typeface="Calibri" panose="020F0502020204030204" pitchFamily="34" charset="0"/>
+              <a:ea typeface="Calibri" panose="020F0502020204030204" pitchFamily="34" charset="0"/>
+              <a:cs typeface="Times New Roman" panose="02020603050405020304" pitchFamily="18" charset="0"/>
+            </a:endParaRPr>
+          </a:p>
+          <a:p>
+            <a:pPr marL="228600">
+              <a:lnSpc>
+                <a:spcPct val="107000"/>
+              </a:lnSpc>
+              <a:spcAft>
+                <a:spcPts val="800"/>
+              </a:spcAft>
+            </a:pPr>
+            <a:r>
+              <a:rPr lang="fr-FR" sz="1600" dirty="0">
+                <a:effectLst/>
+                <a:latin typeface="Calibri" panose="020F0502020204030204" pitchFamily="34" charset="0"/>
+                <a:ea typeface="Calibri" panose="020F0502020204030204" pitchFamily="34" charset="0"/>
+                <a:cs typeface="Times New Roman" panose="02020603050405020304" pitchFamily="18" charset="0"/>
+              </a:rPr>
+              <a:t>4.2 Afficher sous forme graphique les données de consommation d’eau par période</a:t>
+            </a:r>
+            <a:endParaRPr lang="fr-FR" sz="1400" dirty="0">
+              <a:effectLst/>
+              <a:latin typeface="Calibri" panose="020F0502020204030204" pitchFamily="34" charset="0"/>
+              <a:ea typeface="Calibri" panose="020F0502020204030204" pitchFamily="34" charset="0"/>
+              <a:cs typeface="Times New Roman" panose="02020603050405020304" pitchFamily="18" charset="0"/>
+            </a:endParaRPr>
+          </a:p>
+          <a:p>
+            <a:pPr marL="342900" indent="-342900">
+              <a:lnSpc>
+                <a:spcPct val="107000"/>
+              </a:lnSpc>
+              <a:spcAft>
+                <a:spcPts val="800"/>
+              </a:spcAft>
+              <a:buAutoNum type="arabicPeriod" startAt="5"/>
+            </a:pPr>
+            <a:r>
+              <a:rPr lang="fr-FR" sz="1600" dirty="0" smtClean="0">
+                <a:effectLst/>
+                <a:latin typeface="Calibri" panose="020F0502020204030204" pitchFamily="34" charset="0"/>
+                <a:ea typeface="Calibri" panose="020F0502020204030204" pitchFamily="34" charset="0"/>
+                <a:cs typeface="Times New Roman" panose="02020603050405020304" pitchFamily="18" charset="0"/>
+              </a:rPr>
+              <a:t>Administrer </a:t>
+            </a:r>
+            <a:r>
+              <a:rPr lang="fr-FR" sz="1600" dirty="0">
+                <a:effectLst/>
+                <a:latin typeface="Calibri" panose="020F0502020204030204" pitchFamily="34" charset="0"/>
+                <a:ea typeface="Calibri" panose="020F0502020204030204" pitchFamily="34" charset="0"/>
+                <a:cs typeface="Times New Roman" panose="02020603050405020304" pitchFamily="18" charset="0"/>
+              </a:rPr>
+              <a:t>la </a:t>
+            </a:r>
+            <a:r>
+              <a:rPr lang="fr-FR" sz="1600" dirty="0" smtClean="0">
+                <a:effectLst/>
+                <a:latin typeface="Calibri" panose="020F0502020204030204" pitchFamily="34" charset="0"/>
+                <a:ea typeface="Calibri" panose="020F0502020204030204" pitchFamily="34" charset="0"/>
+                <a:cs typeface="Times New Roman" panose="02020603050405020304" pitchFamily="18" charset="0"/>
+              </a:rPr>
+              <a:t>BDD</a:t>
+            </a:r>
+          </a:p>
+          <a:p>
+            <a:pPr>
+              <a:lnSpc>
+                <a:spcPct val="107000"/>
+              </a:lnSpc>
+              <a:spcAft>
+                <a:spcPts val="800"/>
+              </a:spcAft>
+            </a:pPr>
+            <a:r>
+              <a:rPr lang="fr-FR" sz="1400" dirty="0" smtClean="0">
+                <a:effectLst/>
+                <a:latin typeface="Calibri" panose="020F0502020204030204" pitchFamily="34" charset="0"/>
+                <a:ea typeface="Calibri" panose="020F0502020204030204" pitchFamily="34" charset="0"/>
+                <a:cs typeface="Times New Roman" panose="02020603050405020304" pitchFamily="18" charset="0"/>
+              </a:rPr>
+              <a:t>5.1 Purger la BDD quand la date du fichier dépasse 1an</a:t>
+            </a:r>
+            <a:endParaRPr lang="fr-FR" sz="1400" dirty="0">
+              <a:effectLst/>
+              <a:latin typeface="Calibri" panose="020F0502020204030204" pitchFamily="34" charset="0"/>
+              <a:ea typeface="Calibri" panose="020F0502020204030204" pitchFamily="34" charset="0"/>
+              <a:cs typeface="Times New Roman" panose="02020603050405020304" pitchFamily="18" charset="0"/>
+            </a:endParaRPr>
+          </a:p>
+          <a:p>
+            <a:pPr>
+              <a:lnSpc>
+                <a:spcPct val="107000"/>
+              </a:lnSpc>
+              <a:spcAft>
+                <a:spcPts val="800"/>
+              </a:spcAft>
+            </a:pPr>
+            <a:r>
+              <a:rPr lang="fr-FR" sz="1600" dirty="0">
+                <a:effectLst/>
+                <a:latin typeface="Calibri" panose="020F0502020204030204" pitchFamily="34" charset="0"/>
+                <a:ea typeface="Calibri" panose="020F0502020204030204" pitchFamily="34" charset="0"/>
+                <a:cs typeface="Times New Roman" panose="02020603050405020304" pitchFamily="18" charset="0"/>
+              </a:rPr>
+              <a:t>6.   Afficher l’état du système</a:t>
+            </a:r>
+            <a:endParaRPr lang="fr-FR" sz="1400" dirty="0">
+              <a:effectLst/>
+              <a:latin typeface="Calibri" panose="020F0502020204030204" pitchFamily="34" charset="0"/>
+              <a:ea typeface="Calibri" panose="020F0502020204030204" pitchFamily="34" charset="0"/>
+              <a:cs typeface="Times New Roman" panose="02020603050405020304" pitchFamily="18" charset="0"/>
+            </a:endParaRPr>
+          </a:p>
+          <a:p>
+            <a:pPr>
+              <a:lnSpc>
+                <a:spcPct val="107000"/>
+              </a:lnSpc>
+              <a:spcAft>
+                <a:spcPts val="800"/>
+              </a:spcAft>
+            </a:pPr>
+            <a:r>
+              <a:rPr lang="fr-FR" sz="1600" dirty="0">
+                <a:effectLst/>
+                <a:latin typeface="Calibri" panose="020F0502020204030204" pitchFamily="34" charset="0"/>
+                <a:ea typeface="Calibri" panose="020F0502020204030204" pitchFamily="34" charset="0"/>
+                <a:cs typeface="Times New Roman" panose="02020603050405020304" pitchFamily="18" charset="0"/>
+              </a:rPr>
+              <a:t>      6.1 Les données instantanées de consommation d’eau seront affichés sur un site web</a:t>
+            </a:r>
+            <a:endParaRPr lang="fr-FR" sz="1400" dirty="0">
+              <a:effectLst/>
+              <a:latin typeface="Calibri" panose="020F0502020204030204" pitchFamily="34" charset="0"/>
+              <a:ea typeface="Calibri" panose="020F0502020204030204" pitchFamily="34" charset="0"/>
+              <a:cs typeface="Times New Roman" panose="02020603050405020304" pitchFamily="18" charset="0"/>
+            </a:endParaRPr>
+          </a:p>
+        </p:txBody>
+      </p:sp>
     </p:spTree>
     <p:extLst>
       <p:ext uri="{BB962C8B-B14F-4D97-AF65-F5344CB8AC3E}">
-        <p14:creationId xmlns:p14="http://schemas.microsoft.com/office/powerpoint/2010/main" val="4095895974"/>
+        <p14:creationId xmlns:p14="http://schemas.microsoft.com/office/powerpoint/2010/main" val="5633379"/>
       </p:ext>
     </p:extLst>
   </p:cSld>
   <p:clrMapOvr>
     <a:masterClrMapping/>
   </p:clrMapOvr>
+  <p:timing>
+    <p:tnLst>
+      <p:par>
+        <p:cTn id="1" dur="indefinite" restart="never" nodeType="tmRoot"/>
+      </p:par>
+    </p:tnLst>
+  </p:timing>
 </p:sld>
 </file>
 
@@ -7693,13 +7688,7 @@
       </p:grpSpPr>
       <p:sp>
         <p:nvSpPr>
-          <p:cNvPr id="2" name="Titre 1">
-            <a:extLst>
-              <a:ext uri="{FF2B5EF4-FFF2-40B4-BE49-F238E27FC236}">
-                <a16:creationId xmlns:a16="http://schemas.microsoft.com/office/drawing/2014/main" id="{3026004A-87E6-4DED-B667-257A29000D7F}"/>
-              </a:ext>
-            </a:extLst>
-          </p:cNvPr>
+          <p:cNvPr id="2" name="Titre 1"/>
           <p:cNvSpPr>
             <a:spLocks noGrp="1"/>
           </p:cNvSpPr>
@@ -7709,104 +7698,66 @@
         </p:nvSpPr>
         <p:spPr>
           <a:xfrm>
-            <a:off x="675313" y="0"/>
-            <a:ext cx="9601200" cy="536895"/>
-          </a:xfrm>
-        </p:spPr>
-        <p:txBody>
-          <a:bodyPr>
-            <a:normAutofit/>
-          </a:bodyPr>
+            <a:off x="646111" y="452718"/>
+            <a:ext cx="9404723" cy="327675"/>
+          </a:xfrm>
+        </p:spPr>
+        <p:txBody>
+          <a:bodyPr/>
           <a:lstStyle/>
           <a:p>
-            <a:r>
-              <a:rPr lang="fr-FR" sz="1800" dirty="0" smtClean="0">
-                <a:solidFill>
-                  <a:srgbClr val="FF0000"/>
-                </a:solidFill>
-              </a:rPr>
-              <a:t>X. </a:t>
-            </a:r>
             <a:r>
               <a:rPr lang="fr-FR" sz="1800" dirty="0">
                 <a:solidFill>
                   <a:srgbClr val="FF0000"/>
                 </a:solidFill>
               </a:rPr>
-              <a:t>Proposition de capteur</a:t>
-            </a:r>
+              <a:t>VIII. Carte E/S</a:t>
+            </a:r>
+            <a:br>
+              <a:rPr lang="fr-FR" sz="1800" dirty="0">
+                <a:solidFill>
+                  <a:srgbClr val="FF0000"/>
+                </a:solidFill>
+              </a:rPr>
+            </a:br>
+            <a:endParaRPr lang="fr-FR" sz="1800" dirty="0"/>
           </a:p>
         </p:txBody>
       </p:sp>
       <p:pic>
         <p:nvPicPr>
-          <p:cNvPr id="4" name="Image 3">
-            <a:extLst>
-              <a:ext uri="{FF2B5EF4-FFF2-40B4-BE49-F238E27FC236}">
-                <a16:creationId xmlns:a16="http://schemas.microsoft.com/office/drawing/2014/main" id="{8417A30D-E612-424E-974F-79EDE048DB8E}"/>
-              </a:ext>
-            </a:extLst>
-          </p:cNvPr>
-          <p:cNvPicPr>
-            <a:picLocks noChangeAspect="1"/>
-          </p:cNvPicPr>
+          <p:cNvPr id="5" name="Image 4"/>
+          <p:cNvPicPr/>
           <p:nvPr/>
         </p:nvPicPr>
-        <p:blipFill>
+        <p:blipFill rotWithShape="1">
           <a:blip r:embed="rId2"/>
-          <a:stretch>
-            <a:fillRect/>
-          </a:stretch>
+          <a:srcRect t="1061"/>
+          <a:stretch/>
         </p:blipFill>
-        <p:spPr>
-          <a:xfrm>
-            <a:off x="366712" y="347706"/>
-            <a:ext cx="11458575" cy="3981450"/>
+        <p:spPr bwMode="auto">
+          <a:xfrm>
+            <a:off x="3389060" y="275898"/>
+            <a:ext cx="5069139" cy="6507448"/>
           </a:xfrm>
           <a:prstGeom prst="rect">
             <a:avLst/>
           </a:prstGeom>
+          <a:ln>
+            <a:noFill/>
+          </a:ln>
+          <a:extLst>
+            <a:ext uri="{53640926-AAD7-44D8-BBD7-CCE9431645EC}">
+              <a14:shadowObscured xmlns:a14="http://schemas.microsoft.com/office/drawing/2010/main"/>
+            </a:ext>
+          </a:extLst>
         </p:spPr>
       </p:pic>
-      <p:sp>
-        <p:nvSpPr>
-          <p:cNvPr id="5" name="ZoneTexte 4">
-            <a:extLst>
-              <a:ext uri="{FF2B5EF4-FFF2-40B4-BE49-F238E27FC236}">
-                <a16:creationId xmlns:a16="http://schemas.microsoft.com/office/drawing/2014/main" id="{CD23AE6B-0101-4951-B5AC-C56F2FF99B1A}"/>
-              </a:ext>
-            </a:extLst>
-          </p:cNvPr>
-          <p:cNvSpPr txBox="1"/>
-          <p:nvPr/>
-        </p:nvSpPr>
-        <p:spPr>
-          <a:xfrm>
-            <a:off x="3323635" y="4329156"/>
-            <a:ext cx="5544728" cy="369332"/>
-          </a:xfrm>
-          <a:prstGeom prst="rect">
-            <a:avLst/>
-          </a:prstGeom>
-          <a:noFill/>
-        </p:spPr>
-        <p:txBody>
-          <a:bodyPr wrap="square" rtlCol="0">
-            <a:spAutoFit/>
-          </a:bodyPr>
-          <a:lstStyle/>
-          <a:p>
-            <a:r>
-              <a:rPr lang="fr-FR" dirty="0"/>
-              <a:t>Capteur de Température et de niveau d’eau.</a:t>
-            </a:r>
-          </a:p>
-        </p:txBody>
-      </p:sp>
     </p:spTree>
     <p:extLst>
       <p:ext uri="{BB962C8B-B14F-4D97-AF65-F5344CB8AC3E}">
-        <p14:creationId xmlns:p14="http://schemas.microsoft.com/office/powerpoint/2010/main" val="1403222135"/>
+        <p14:creationId xmlns:p14="http://schemas.microsoft.com/office/powerpoint/2010/main" val="3474273564"/>
       </p:ext>
     </p:extLst>
   </p:cSld>
@@ -7840,18 +7791,51 @@
           <a:chExt cx="0" cy="0"/>
         </a:xfrm>
       </p:grpSpPr>
+      <p:sp>
+        <p:nvSpPr>
+          <p:cNvPr id="3" name="Espace réservé du contenu 2"/>
+          <p:cNvSpPr>
+            <a:spLocks noGrp="1"/>
+          </p:cNvSpPr>
+          <p:nvPr>
+            <p:ph idx="1"/>
+          </p:nvPr>
+        </p:nvSpPr>
+        <p:spPr>
+          <a:xfrm>
+            <a:off x="133733" y="168939"/>
+            <a:ext cx="8946541" cy="406503"/>
+          </a:xfrm>
+        </p:spPr>
+        <p:txBody>
+          <a:bodyPr>
+            <a:normAutofit/>
+          </a:bodyPr>
+          <a:lstStyle/>
+          <a:p>
+            <a:pPr marL="0" indent="0">
+              <a:buNone/>
+            </a:pPr>
+            <a:r>
+              <a:rPr lang="fr-FR" sz="1800" dirty="0" smtClean="0">
+                <a:solidFill>
+                  <a:srgbClr val="FF0000"/>
+                </a:solidFill>
+              </a:rPr>
+              <a:t>IX. Capteur de débit</a:t>
+            </a:r>
+            <a:endParaRPr lang="fr-FR" sz="1800" dirty="0">
+              <a:solidFill>
+                <a:srgbClr val="FF0000"/>
+              </a:solidFill>
+            </a:endParaRPr>
+          </a:p>
+        </p:txBody>
+      </p:sp>
       <p:pic>
         <p:nvPicPr>
-          <p:cNvPr id="4" name="Image 3">
-            <a:extLst>
-              <a:ext uri="{FF2B5EF4-FFF2-40B4-BE49-F238E27FC236}">
-                <a16:creationId xmlns:a16="http://schemas.microsoft.com/office/drawing/2014/main" id="{96B54DF2-DEAA-47D8-B69D-9BE28262E8BE}"/>
-              </a:ext>
-            </a:extLst>
-          </p:cNvPr>
-          <p:cNvPicPr>
-            <a:picLocks noChangeAspect="1"/>
-          </p:cNvPicPr>
+          <p:cNvPr id="4" name="Image 3"/>
+          <p:cNvPicPr/>
           <p:nvPr/>
         </p:nvPicPr>
         <p:blipFill>
@@ -7862,38 +7846,8 @@
         </p:blipFill>
         <p:spPr>
           <a:xfrm>
-            <a:off x="602506" y="0"/>
-            <a:ext cx="5148249" cy="6858000"/>
-          </a:xfrm>
-          <a:prstGeom prst="rect">
-            <a:avLst/>
-          </a:prstGeom>
-        </p:spPr>
-      </p:pic>
-      <p:pic>
-        <p:nvPicPr>
-          <p:cNvPr id="5" name="Image 4">
-            <a:extLst>
-              <a:ext uri="{FF2B5EF4-FFF2-40B4-BE49-F238E27FC236}">
-                <a16:creationId xmlns:a16="http://schemas.microsoft.com/office/drawing/2014/main" id="{FED7D196-6067-4E1B-8A70-F985604B24BB}"/>
-              </a:ext>
-            </a:extLst>
-          </p:cNvPr>
-          <p:cNvPicPr>
-            <a:picLocks noChangeAspect="1"/>
-          </p:cNvPicPr>
-          <p:nvPr/>
-        </p:nvPicPr>
-        <p:blipFill>
-          <a:blip r:embed="rId3"/>
-          <a:stretch>
-            <a:fillRect/>
-          </a:stretch>
-        </p:blipFill>
-        <p:spPr>
-          <a:xfrm>
-            <a:off x="6206516" y="0"/>
-            <a:ext cx="5215034" cy="6858000"/>
+            <a:off x="2995449" y="372190"/>
+            <a:ext cx="6004560" cy="6281073"/>
           </a:xfrm>
           <a:prstGeom prst="rect">
             <a:avLst/>
@@ -7903,20 +7857,13 @@
     </p:spTree>
     <p:extLst>
       <p:ext uri="{BB962C8B-B14F-4D97-AF65-F5344CB8AC3E}">
-        <p14:creationId xmlns:p14="http://schemas.microsoft.com/office/powerpoint/2010/main" val="1043868686"/>
+        <p14:creationId xmlns:p14="http://schemas.microsoft.com/office/powerpoint/2010/main" val="840899611"/>
       </p:ext>
     </p:extLst>
   </p:cSld>
   <p:clrMapOvr>
     <a:masterClrMapping/>
   </p:clrMapOvr>
-  <p:timing>
-    <p:tnLst>
-      <p:par>
-        <p:cTn id="1" dur="indefinite" restart="never" nodeType="tmRoot"/>
-      </p:par>
-    </p:tnLst>
-  </p:timing>
 </p:sld>
 </file>
 
@@ -8155,6 +8102,304 @@
       </p:grpSpPr>
       <p:pic>
         <p:nvPicPr>
+          <p:cNvPr id="4" name="Image 3"/>
+          <p:cNvPicPr/>
+          <p:nvPr/>
+        </p:nvPicPr>
+        <p:blipFill>
+          <a:blip r:embed="rId2"/>
+          <a:stretch>
+            <a:fillRect/>
+          </a:stretch>
+        </p:blipFill>
+        <p:spPr>
+          <a:xfrm>
+            <a:off x="2829910" y="1529255"/>
+            <a:ext cx="6225277" cy="3296779"/>
+          </a:xfrm>
+          <a:prstGeom prst="rect">
+            <a:avLst/>
+          </a:prstGeom>
+        </p:spPr>
+      </p:pic>
+    </p:spTree>
+    <p:extLst>
+      <p:ext uri="{BB962C8B-B14F-4D97-AF65-F5344CB8AC3E}">
+        <p14:creationId xmlns:p14="http://schemas.microsoft.com/office/powerpoint/2010/main" val="4095895974"/>
+      </p:ext>
+    </p:extLst>
+  </p:cSld>
+  <p:clrMapOvr>
+    <a:masterClrMapping/>
+  </p:clrMapOvr>
+</p:sld>
+</file>
+
+<file path=ppt/slides/slide21.xml><?xml version="1.0" encoding="utf-8"?>
+<p:sld xmlns:a="http://schemas.openxmlformats.org/drawingml/2006/main" xmlns:r="http://schemas.openxmlformats.org/officeDocument/2006/relationships" xmlns:p="http://schemas.openxmlformats.org/presentationml/2006/main">
+  <p:cSld>
+    <p:spTree>
+      <p:nvGrpSpPr>
+        <p:cNvPr id="1" name=""/>
+        <p:cNvGrpSpPr/>
+        <p:nvPr/>
+      </p:nvGrpSpPr>
+      <p:grpSpPr>
+        <a:xfrm>
+          <a:off x="0" y="0"/>
+          <a:ext cx="0" cy="0"/>
+          <a:chOff x="0" y="0"/>
+          <a:chExt cx="0" cy="0"/>
+        </a:xfrm>
+      </p:grpSpPr>
+      <p:sp>
+        <p:nvSpPr>
+          <p:cNvPr id="2" name="Titre 1">
+            <a:extLst>
+              <a:ext uri="{FF2B5EF4-FFF2-40B4-BE49-F238E27FC236}">
+                <a16:creationId xmlns:a16="http://schemas.microsoft.com/office/drawing/2014/main" id="{3026004A-87E6-4DED-B667-257A29000D7F}"/>
+              </a:ext>
+            </a:extLst>
+          </p:cNvPr>
+          <p:cNvSpPr>
+            <a:spLocks noGrp="1"/>
+          </p:cNvSpPr>
+          <p:nvPr>
+            <p:ph type="title"/>
+          </p:nvPr>
+        </p:nvSpPr>
+        <p:spPr>
+          <a:xfrm>
+            <a:off x="675313" y="0"/>
+            <a:ext cx="9601200" cy="536895"/>
+          </a:xfrm>
+        </p:spPr>
+        <p:txBody>
+          <a:bodyPr>
+            <a:normAutofit/>
+          </a:bodyPr>
+          <a:lstStyle/>
+          <a:p>
+            <a:r>
+              <a:rPr lang="fr-FR" sz="1800" dirty="0" smtClean="0">
+                <a:solidFill>
+                  <a:srgbClr val="FF0000"/>
+                </a:solidFill>
+              </a:rPr>
+              <a:t>X. </a:t>
+            </a:r>
+            <a:r>
+              <a:rPr lang="fr-FR" sz="1800" dirty="0">
+                <a:solidFill>
+                  <a:srgbClr val="FF0000"/>
+                </a:solidFill>
+              </a:rPr>
+              <a:t>Proposition de capteur</a:t>
+            </a:r>
+          </a:p>
+        </p:txBody>
+      </p:sp>
+      <p:pic>
+        <p:nvPicPr>
+          <p:cNvPr id="4" name="Image 3">
+            <a:extLst>
+              <a:ext uri="{FF2B5EF4-FFF2-40B4-BE49-F238E27FC236}">
+                <a16:creationId xmlns:a16="http://schemas.microsoft.com/office/drawing/2014/main" id="{8417A30D-E612-424E-974F-79EDE048DB8E}"/>
+              </a:ext>
+            </a:extLst>
+          </p:cNvPr>
+          <p:cNvPicPr>
+            <a:picLocks noChangeAspect="1"/>
+          </p:cNvPicPr>
+          <p:nvPr/>
+        </p:nvPicPr>
+        <p:blipFill>
+          <a:blip r:embed="rId2"/>
+          <a:stretch>
+            <a:fillRect/>
+          </a:stretch>
+        </p:blipFill>
+        <p:spPr>
+          <a:xfrm>
+            <a:off x="366712" y="347706"/>
+            <a:ext cx="11458575" cy="3981450"/>
+          </a:xfrm>
+          <a:prstGeom prst="rect">
+            <a:avLst/>
+          </a:prstGeom>
+        </p:spPr>
+      </p:pic>
+      <p:sp>
+        <p:nvSpPr>
+          <p:cNvPr id="5" name="ZoneTexte 4">
+            <a:extLst>
+              <a:ext uri="{FF2B5EF4-FFF2-40B4-BE49-F238E27FC236}">
+                <a16:creationId xmlns:a16="http://schemas.microsoft.com/office/drawing/2014/main" id="{CD23AE6B-0101-4951-B5AC-C56F2FF99B1A}"/>
+              </a:ext>
+            </a:extLst>
+          </p:cNvPr>
+          <p:cNvSpPr txBox="1"/>
+          <p:nvPr/>
+        </p:nvSpPr>
+        <p:spPr>
+          <a:xfrm>
+            <a:off x="3323635" y="4329156"/>
+            <a:ext cx="5544728" cy="369332"/>
+          </a:xfrm>
+          <a:prstGeom prst="rect">
+            <a:avLst/>
+          </a:prstGeom>
+          <a:noFill/>
+        </p:spPr>
+        <p:txBody>
+          <a:bodyPr wrap="square" rtlCol="0">
+            <a:spAutoFit/>
+          </a:bodyPr>
+          <a:lstStyle/>
+          <a:p>
+            <a:r>
+              <a:rPr lang="fr-FR" dirty="0"/>
+              <a:t>Capteur de Température et de niveau d’eau.</a:t>
+            </a:r>
+          </a:p>
+        </p:txBody>
+      </p:sp>
+    </p:spTree>
+    <p:extLst>
+      <p:ext uri="{BB962C8B-B14F-4D97-AF65-F5344CB8AC3E}">
+        <p14:creationId xmlns:p14="http://schemas.microsoft.com/office/powerpoint/2010/main" val="1403222135"/>
+      </p:ext>
+    </p:extLst>
+  </p:cSld>
+  <p:clrMapOvr>
+    <a:masterClrMapping/>
+  </p:clrMapOvr>
+  <p:timing>
+    <p:tnLst>
+      <p:par>
+        <p:cTn id="1" dur="indefinite" restart="never" nodeType="tmRoot"/>
+      </p:par>
+    </p:tnLst>
+  </p:timing>
+</p:sld>
+</file>
+
+<file path=ppt/slides/slide22.xml><?xml version="1.0" encoding="utf-8"?>
+<p:sld xmlns:a="http://schemas.openxmlformats.org/drawingml/2006/main" xmlns:r="http://schemas.openxmlformats.org/officeDocument/2006/relationships" xmlns:p="http://schemas.openxmlformats.org/presentationml/2006/main">
+  <p:cSld>
+    <p:spTree>
+      <p:nvGrpSpPr>
+        <p:cNvPr id="1" name=""/>
+        <p:cNvGrpSpPr/>
+        <p:nvPr/>
+      </p:nvGrpSpPr>
+      <p:grpSpPr>
+        <a:xfrm>
+          <a:off x="0" y="0"/>
+          <a:ext cx="0" cy="0"/>
+          <a:chOff x="0" y="0"/>
+          <a:chExt cx="0" cy="0"/>
+        </a:xfrm>
+      </p:grpSpPr>
+      <p:pic>
+        <p:nvPicPr>
+          <p:cNvPr id="4" name="Image 3">
+            <a:extLst>
+              <a:ext uri="{FF2B5EF4-FFF2-40B4-BE49-F238E27FC236}">
+                <a16:creationId xmlns:a16="http://schemas.microsoft.com/office/drawing/2014/main" id="{96B54DF2-DEAA-47D8-B69D-9BE28262E8BE}"/>
+              </a:ext>
+            </a:extLst>
+          </p:cNvPr>
+          <p:cNvPicPr>
+            <a:picLocks noChangeAspect="1"/>
+          </p:cNvPicPr>
+          <p:nvPr/>
+        </p:nvPicPr>
+        <p:blipFill>
+          <a:blip r:embed="rId2"/>
+          <a:stretch>
+            <a:fillRect/>
+          </a:stretch>
+        </p:blipFill>
+        <p:spPr>
+          <a:xfrm>
+            <a:off x="602506" y="0"/>
+            <a:ext cx="5148249" cy="6858000"/>
+          </a:xfrm>
+          <a:prstGeom prst="rect">
+            <a:avLst/>
+          </a:prstGeom>
+        </p:spPr>
+      </p:pic>
+      <p:pic>
+        <p:nvPicPr>
+          <p:cNvPr id="5" name="Image 4">
+            <a:extLst>
+              <a:ext uri="{FF2B5EF4-FFF2-40B4-BE49-F238E27FC236}">
+                <a16:creationId xmlns:a16="http://schemas.microsoft.com/office/drawing/2014/main" id="{FED7D196-6067-4E1B-8A70-F985604B24BB}"/>
+              </a:ext>
+            </a:extLst>
+          </p:cNvPr>
+          <p:cNvPicPr>
+            <a:picLocks noChangeAspect="1"/>
+          </p:cNvPicPr>
+          <p:nvPr/>
+        </p:nvPicPr>
+        <p:blipFill>
+          <a:blip r:embed="rId3"/>
+          <a:stretch>
+            <a:fillRect/>
+          </a:stretch>
+        </p:blipFill>
+        <p:spPr>
+          <a:xfrm>
+            <a:off x="6206516" y="0"/>
+            <a:ext cx="5215034" cy="6858000"/>
+          </a:xfrm>
+          <a:prstGeom prst="rect">
+            <a:avLst/>
+          </a:prstGeom>
+        </p:spPr>
+      </p:pic>
+    </p:spTree>
+    <p:extLst>
+      <p:ext uri="{BB962C8B-B14F-4D97-AF65-F5344CB8AC3E}">
+        <p14:creationId xmlns:p14="http://schemas.microsoft.com/office/powerpoint/2010/main" val="1043868686"/>
+      </p:ext>
+    </p:extLst>
+  </p:cSld>
+  <p:clrMapOvr>
+    <a:masterClrMapping/>
+  </p:clrMapOvr>
+  <p:timing>
+    <p:tnLst>
+      <p:par>
+        <p:cTn id="1" dur="indefinite" restart="never" nodeType="tmRoot"/>
+      </p:par>
+    </p:tnLst>
+  </p:timing>
+</p:sld>
+</file>
+
+<file path=ppt/slides/slide23.xml><?xml version="1.0" encoding="utf-8"?>
+<p:sld xmlns:a="http://schemas.openxmlformats.org/drawingml/2006/main" xmlns:r="http://schemas.openxmlformats.org/officeDocument/2006/relationships" xmlns:p="http://schemas.openxmlformats.org/presentationml/2006/main">
+  <p:cSld>
+    <p:spTree>
+      <p:nvGrpSpPr>
+        <p:cNvPr id="1" name=""/>
+        <p:cNvGrpSpPr/>
+        <p:nvPr/>
+      </p:nvGrpSpPr>
+      <p:grpSpPr>
+        <a:xfrm>
+          <a:off x="0" y="0"/>
+          <a:ext cx="0" cy="0"/>
+          <a:chOff x="0" y="0"/>
+          <a:chExt cx="0" cy="0"/>
+        </a:xfrm>
+      </p:grpSpPr>
+      <p:pic>
+        <p:nvPicPr>
           <p:cNvPr id="4" name="Image 3">
             <a:extLst>
               <a:ext uri="{FF2B5EF4-FFF2-40B4-BE49-F238E27FC236}">
@@ -8226,7 +8471,7 @@
 </p:sld>
 </file>
 
-<file path=ppt/slides/slide21.xml><?xml version="1.0" encoding="utf-8"?>
+<file path=ppt/slides/slide24.xml><?xml version="1.0" encoding="utf-8"?>
 <p:sld xmlns:a="http://schemas.openxmlformats.org/drawingml/2006/main" xmlns:r="http://schemas.openxmlformats.org/officeDocument/2006/relationships" xmlns:p="http://schemas.openxmlformats.org/presentationml/2006/main">
   <p:cSld>
     <p:spTree>
@@ -8278,7 +8523,7 @@
 </p:sld>
 </file>
 
-<file path=ppt/slides/slide22.xml><?xml version="1.0" encoding="utf-8"?>
+<file path=ppt/slides/slide25.xml><?xml version="1.0" encoding="utf-8"?>
 <p:sld xmlns:a="http://schemas.openxmlformats.org/drawingml/2006/main" xmlns:r="http://schemas.openxmlformats.org/officeDocument/2006/relationships" xmlns:p="http://schemas.openxmlformats.org/presentationml/2006/main">
   <p:cSld>
     <p:spTree>
@@ -8344,22 +8589,28 @@
       </p:sp>
       <p:pic>
         <p:nvPicPr>
-          <p:cNvPr id="4" name="Image 3"/>
+          <p:cNvPr id="3" name="Image 2"/>
           <p:cNvPicPr>
             <a:picLocks noChangeAspect="1"/>
           </p:cNvPicPr>
           <p:nvPr/>
         </p:nvPicPr>
         <p:blipFill>
-          <a:blip r:embed="rId2"/>
+          <a:blip r:embed="rId2">
+            <a:extLst>
+              <a:ext uri="{28A0092B-C50C-407E-A947-70E740481C1C}">
+                <a14:useLocalDpi xmlns:a14="http://schemas.microsoft.com/office/drawing/2010/main" val="0"/>
+              </a:ext>
+            </a:extLst>
+          </a:blip>
           <a:stretch>
             <a:fillRect/>
           </a:stretch>
         </p:blipFill>
         <p:spPr>
           <a:xfrm>
-            <a:off x="62618" y="1513490"/>
-            <a:ext cx="11815386" cy="4052771"/>
+            <a:off x="0" y="1642884"/>
+            <a:ext cx="12192000" cy="3572231"/>
           </a:xfrm>
           <a:prstGeom prst="rect">
             <a:avLst/>
@@ -8596,6 +8847,308 @@
       </p:grpSpPr>
       <p:sp>
         <p:nvSpPr>
+          <p:cNvPr id="5" name="Rectangle 4"/>
+          <p:cNvSpPr/>
+          <p:nvPr/>
+        </p:nvSpPr>
+        <p:spPr>
+          <a:xfrm>
+            <a:off x="101884" y="268377"/>
+            <a:ext cx="2910733" cy="369332"/>
+          </a:xfrm>
+          <a:prstGeom prst="rect">
+            <a:avLst/>
+          </a:prstGeom>
+        </p:spPr>
+        <p:txBody>
+          <a:bodyPr wrap="none">
+            <a:spAutoFit/>
+          </a:bodyPr>
+          <a:lstStyle/>
+          <a:p>
+            <a:r>
+              <a:rPr lang="fr-FR" dirty="0">
+                <a:solidFill>
+                  <a:srgbClr val="FF0000"/>
+                </a:solidFill>
+              </a:rPr>
+              <a:t>III. Diagramme de séquence</a:t>
+            </a:r>
+          </a:p>
+        </p:txBody>
+      </p:sp>
+      <p:sp>
+        <p:nvSpPr>
+          <p:cNvPr id="6" name="ZoneTexte 5"/>
+          <p:cNvSpPr txBox="1"/>
+          <p:nvPr/>
+        </p:nvSpPr>
+        <p:spPr>
+          <a:xfrm>
+            <a:off x="4364182" y="268377"/>
+            <a:ext cx="1346662" cy="369332"/>
+          </a:xfrm>
+          <a:prstGeom prst="rect">
+            <a:avLst/>
+          </a:prstGeom>
+          <a:noFill/>
+        </p:spPr>
+        <p:txBody>
+          <a:bodyPr wrap="square" rtlCol="0">
+            <a:spAutoFit/>
+          </a:bodyPr>
+          <a:lstStyle/>
+          <a:p>
+            <a:r>
+              <a:rPr lang="fr-FR" dirty="0" smtClean="0"/>
+              <a:t>Etudiant 1</a:t>
+            </a:r>
+            <a:endParaRPr lang="fr-FR" dirty="0"/>
+          </a:p>
+        </p:txBody>
+      </p:sp>
+      <p:pic>
+        <p:nvPicPr>
+          <p:cNvPr id="7" name="Image 6"/>
+          <p:cNvPicPr>
+            <a:picLocks noChangeAspect="1"/>
+          </p:cNvPicPr>
+          <p:nvPr/>
+        </p:nvPicPr>
+        <p:blipFill>
+          <a:blip r:embed="rId2">
+            <a:extLst>
+              <a:ext uri="{28A0092B-C50C-407E-A947-70E740481C1C}">
+                <a14:useLocalDpi xmlns:a14="http://schemas.microsoft.com/office/drawing/2010/main" val="0"/>
+              </a:ext>
+            </a:extLst>
+          </a:blip>
+          <a:stretch>
+            <a:fillRect/>
+          </a:stretch>
+        </p:blipFill>
+        <p:spPr>
+          <a:xfrm>
+            <a:off x="1504605" y="921513"/>
+            <a:ext cx="7728350" cy="5622654"/>
+          </a:xfrm>
+          <a:prstGeom prst="rect">
+            <a:avLst/>
+          </a:prstGeom>
+        </p:spPr>
+      </p:pic>
+    </p:spTree>
+    <p:extLst>
+      <p:ext uri="{BB962C8B-B14F-4D97-AF65-F5344CB8AC3E}">
+        <p14:creationId xmlns:p14="http://schemas.microsoft.com/office/powerpoint/2010/main" val="2336041332"/>
+      </p:ext>
+    </p:extLst>
+  </p:cSld>
+  <p:clrMapOvr>
+    <a:masterClrMapping/>
+  </p:clrMapOvr>
+</p:sld>
+</file>
+
+<file path=ppt/slides/slide6.xml><?xml version="1.0" encoding="utf-8"?>
+<p:sld xmlns:a="http://schemas.openxmlformats.org/drawingml/2006/main" xmlns:r="http://schemas.openxmlformats.org/officeDocument/2006/relationships" xmlns:p="http://schemas.openxmlformats.org/presentationml/2006/main">
+  <p:cSld>
+    <p:spTree>
+      <p:nvGrpSpPr>
+        <p:cNvPr id="1" name=""/>
+        <p:cNvGrpSpPr/>
+        <p:nvPr/>
+      </p:nvGrpSpPr>
+      <p:grpSpPr>
+        <a:xfrm>
+          <a:off x="0" y="0"/>
+          <a:ext cx="0" cy="0"/>
+          <a:chOff x="0" y="0"/>
+          <a:chExt cx="0" cy="0"/>
+        </a:xfrm>
+      </p:grpSpPr>
+      <p:pic>
+        <p:nvPicPr>
+          <p:cNvPr id="2" name="Image 1"/>
+          <p:cNvPicPr>
+            <a:picLocks noChangeAspect="1"/>
+          </p:cNvPicPr>
+          <p:nvPr/>
+        </p:nvPicPr>
+        <p:blipFill>
+          <a:blip r:embed="rId2">
+            <a:extLst>
+              <a:ext uri="{28A0092B-C50C-407E-A947-70E740481C1C}">
+                <a14:useLocalDpi xmlns:a14="http://schemas.microsoft.com/office/drawing/2010/main" val="0"/>
+              </a:ext>
+            </a:extLst>
+          </a:blip>
+          <a:stretch>
+            <a:fillRect/>
+          </a:stretch>
+        </p:blipFill>
+        <p:spPr>
+          <a:xfrm>
+            <a:off x="2358741" y="979857"/>
+            <a:ext cx="5357544" cy="5640263"/>
+          </a:xfrm>
+          <a:prstGeom prst="rect">
+            <a:avLst/>
+          </a:prstGeom>
+        </p:spPr>
+      </p:pic>
+      <p:sp>
+        <p:nvSpPr>
+          <p:cNvPr id="5" name="ZoneTexte 4"/>
+          <p:cNvSpPr txBox="1"/>
+          <p:nvPr/>
+        </p:nvSpPr>
+        <p:spPr>
+          <a:xfrm>
+            <a:off x="4364182" y="268377"/>
+            <a:ext cx="1346662" cy="369332"/>
+          </a:xfrm>
+          <a:prstGeom prst="rect">
+            <a:avLst/>
+          </a:prstGeom>
+          <a:noFill/>
+        </p:spPr>
+        <p:txBody>
+          <a:bodyPr wrap="square" rtlCol="0">
+            <a:spAutoFit/>
+          </a:bodyPr>
+          <a:lstStyle/>
+          <a:p>
+            <a:r>
+              <a:rPr lang="fr-FR" dirty="0" smtClean="0"/>
+              <a:t>Etudiant 1</a:t>
+            </a:r>
+            <a:endParaRPr lang="fr-FR" dirty="0"/>
+          </a:p>
+        </p:txBody>
+      </p:sp>
+    </p:spTree>
+    <p:extLst>
+      <p:ext uri="{BB962C8B-B14F-4D97-AF65-F5344CB8AC3E}">
+        <p14:creationId xmlns:p14="http://schemas.microsoft.com/office/powerpoint/2010/main" val="1389442084"/>
+      </p:ext>
+    </p:extLst>
+  </p:cSld>
+  <p:clrMapOvr>
+    <a:masterClrMapping/>
+  </p:clrMapOvr>
+</p:sld>
+</file>
+
+<file path=ppt/slides/slide7.xml><?xml version="1.0" encoding="utf-8"?>
+<p:sld xmlns:a="http://schemas.openxmlformats.org/drawingml/2006/main" xmlns:r="http://schemas.openxmlformats.org/officeDocument/2006/relationships" xmlns:p="http://schemas.openxmlformats.org/presentationml/2006/main">
+  <p:cSld>
+    <p:spTree>
+      <p:nvGrpSpPr>
+        <p:cNvPr id="1" name=""/>
+        <p:cNvGrpSpPr/>
+        <p:nvPr/>
+      </p:nvGrpSpPr>
+      <p:grpSpPr>
+        <a:xfrm>
+          <a:off x="0" y="0"/>
+          <a:ext cx="0" cy="0"/>
+          <a:chOff x="0" y="0"/>
+          <a:chExt cx="0" cy="0"/>
+        </a:xfrm>
+      </p:grpSpPr>
+      <p:sp>
+        <p:nvSpPr>
+          <p:cNvPr id="3" name="ZoneTexte 2"/>
+          <p:cNvSpPr txBox="1"/>
+          <p:nvPr/>
+        </p:nvSpPr>
+        <p:spPr>
+          <a:xfrm>
+            <a:off x="4364182" y="268377"/>
+            <a:ext cx="1346662" cy="369332"/>
+          </a:xfrm>
+          <a:prstGeom prst="rect">
+            <a:avLst/>
+          </a:prstGeom>
+          <a:noFill/>
+        </p:spPr>
+        <p:txBody>
+          <a:bodyPr wrap="square" rtlCol="0">
+            <a:spAutoFit/>
+          </a:bodyPr>
+          <a:lstStyle/>
+          <a:p>
+            <a:r>
+              <a:rPr lang="fr-FR" dirty="0" smtClean="0"/>
+              <a:t>Etudiant 1</a:t>
+            </a:r>
+            <a:endParaRPr lang="fr-FR" dirty="0"/>
+          </a:p>
+        </p:txBody>
+      </p:sp>
+      <p:pic>
+        <p:nvPicPr>
+          <p:cNvPr id="4" name="Image 3"/>
+          <p:cNvPicPr>
+            <a:picLocks noChangeAspect="1"/>
+          </p:cNvPicPr>
+          <p:nvPr/>
+        </p:nvPicPr>
+        <p:blipFill>
+          <a:blip r:embed="rId2">
+            <a:extLst>
+              <a:ext uri="{28A0092B-C50C-407E-A947-70E740481C1C}">
+                <a14:useLocalDpi xmlns:a14="http://schemas.microsoft.com/office/drawing/2010/main" val="0"/>
+              </a:ext>
+            </a:extLst>
+          </a:blip>
+          <a:stretch>
+            <a:fillRect/>
+          </a:stretch>
+        </p:blipFill>
+        <p:spPr>
+          <a:xfrm>
+            <a:off x="2094809" y="786839"/>
+            <a:ext cx="7679870" cy="5863244"/>
+          </a:xfrm>
+          <a:prstGeom prst="rect">
+            <a:avLst/>
+          </a:prstGeom>
+        </p:spPr>
+      </p:pic>
+    </p:spTree>
+    <p:extLst>
+      <p:ext uri="{BB962C8B-B14F-4D97-AF65-F5344CB8AC3E}">
+        <p14:creationId xmlns:p14="http://schemas.microsoft.com/office/powerpoint/2010/main" val="3605433700"/>
+      </p:ext>
+    </p:extLst>
+  </p:cSld>
+  <p:clrMapOvr>
+    <a:masterClrMapping/>
+  </p:clrMapOvr>
+</p:sld>
+</file>
+
+<file path=ppt/slides/slide8.xml><?xml version="1.0" encoding="utf-8"?>
+<p:sld xmlns:a="http://schemas.openxmlformats.org/drawingml/2006/main" xmlns:r="http://schemas.openxmlformats.org/officeDocument/2006/relationships" xmlns:p="http://schemas.openxmlformats.org/presentationml/2006/main">
+  <p:cSld>
+    <p:spTree>
+      <p:nvGrpSpPr>
+        <p:cNvPr id="1" name=""/>
+        <p:cNvGrpSpPr/>
+        <p:nvPr/>
+      </p:nvGrpSpPr>
+      <p:grpSpPr>
+        <a:xfrm>
+          <a:off x="0" y="0"/>
+          <a:ext cx="0" cy="0"/>
+          <a:chOff x="0" y="0"/>
+          <a:chExt cx="0" cy="0"/>
+        </a:xfrm>
+      </p:grpSpPr>
+      <p:sp>
+        <p:nvSpPr>
           <p:cNvPr id="2" name="Titre 1"/>
           <p:cNvSpPr>
             <a:spLocks noGrp="1"/>
@@ -8672,7 +9225,7 @@
 </p:sld>
 </file>
 
-<file path=ppt/slides/slide6.xml><?xml version="1.0" encoding="utf-8"?>
+<file path=ppt/slides/slide9.xml><?xml version="1.0" encoding="utf-8"?>
 <p:sld xmlns:a="http://schemas.openxmlformats.org/drawingml/2006/main" xmlns:r="http://schemas.openxmlformats.org/officeDocument/2006/relationships" xmlns:p="http://schemas.openxmlformats.org/presentationml/2006/main">
   <p:cSld>
     <p:spTree>
@@ -8723,280 +9276,6 @@
     <p:extLst>
       <p:ext uri="{BB962C8B-B14F-4D97-AF65-F5344CB8AC3E}">
         <p14:creationId xmlns:p14="http://schemas.microsoft.com/office/powerpoint/2010/main" val="649762590"/>
-      </p:ext>
-    </p:extLst>
-  </p:cSld>
-  <p:clrMapOvr>
-    <a:masterClrMapping/>
-  </p:clrMapOvr>
-  <p:timing>
-    <p:tnLst>
-      <p:par>
-        <p:cTn id="1" dur="indefinite" restart="never" nodeType="tmRoot"/>
-      </p:par>
-    </p:tnLst>
-  </p:timing>
-</p:sld>
-</file>
-
-<file path=ppt/slides/slide7.xml><?xml version="1.0" encoding="utf-8"?>
-<p:sld xmlns:a="http://schemas.openxmlformats.org/drawingml/2006/main" xmlns:r="http://schemas.openxmlformats.org/officeDocument/2006/relationships" xmlns:p="http://schemas.openxmlformats.org/presentationml/2006/main">
-  <p:cSld>
-    <p:spTree>
-      <p:nvGrpSpPr>
-        <p:cNvPr id="1" name=""/>
-        <p:cNvGrpSpPr/>
-        <p:nvPr/>
-      </p:nvGrpSpPr>
-      <p:grpSpPr>
-        <a:xfrm>
-          <a:off x="0" y="0"/>
-          <a:ext cx="0" cy="0"/>
-          <a:chOff x="0" y="0"/>
-          <a:chExt cx="0" cy="0"/>
-        </a:xfrm>
-      </p:grpSpPr>
-      <p:pic>
-        <p:nvPicPr>
-          <p:cNvPr id="4" name="Image 3"/>
-          <p:cNvPicPr>
-            <a:picLocks noChangeAspect="1"/>
-          </p:cNvPicPr>
-          <p:nvPr/>
-        </p:nvPicPr>
-        <p:blipFill>
-          <a:blip r:embed="rId2">
-            <a:extLst>
-              <a:ext uri="{28A0092B-C50C-407E-A947-70E740481C1C}">
-                <a14:useLocalDpi xmlns:a14="http://schemas.microsoft.com/office/drawing/2010/main" val="0"/>
-              </a:ext>
-            </a:extLst>
-          </a:blip>
-          <a:stretch>
-            <a:fillRect/>
-          </a:stretch>
-        </p:blipFill>
-        <p:spPr>
-          <a:xfrm>
-            <a:off x="2546131" y="344820"/>
-            <a:ext cx="6272253" cy="6012321"/>
-          </a:xfrm>
-          <a:prstGeom prst="rect">
-            <a:avLst/>
-          </a:prstGeom>
-        </p:spPr>
-      </p:pic>
-    </p:spTree>
-    <p:extLst>
-      <p:ext uri="{BB962C8B-B14F-4D97-AF65-F5344CB8AC3E}">
-        <p14:creationId xmlns:p14="http://schemas.microsoft.com/office/powerpoint/2010/main" val="3602473879"/>
-      </p:ext>
-    </p:extLst>
-  </p:cSld>
-  <p:clrMapOvr>
-    <a:masterClrMapping/>
-  </p:clrMapOvr>
-  <p:timing>
-    <p:tnLst>
-      <p:par>
-        <p:cTn id="1" dur="indefinite" restart="never" nodeType="tmRoot"/>
-      </p:par>
-    </p:tnLst>
-  </p:timing>
-</p:sld>
-</file>
-
-<file path=ppt/slides/slide8.xml><?xml version="1.0" encoding="utf-8"?>
-<p:sld xmlns:a="http://schemas.openxmlformats.org/drawingml/2006/main" xmlns:r="http://schemas.openxmlformats.org/officeDocument/2006/relationships" xmlns:p="http://schemas.openxmlformats.org/presentationml/2006/main">
-  <p:cSld>
-    <p:spTree>
-      <p:nvGrpSpPr>
-        <p:cNvPr id="1" name=""/>
-        <p:cNvGrpSpPr/>
-        <p:nvPr/>
-      </p:nvGrpSpPr>
-      <p:grpSpPr>
-        <a:xfrm>
-          <a:off x="0" y="0"/>
-          <a:ext cx="0" cy="0"/>
-          <a:chOff x="0" y="0"/>
-          <a:chExt cx="0" cy="0"/>
-        </a:xfrm>
-      </p:grpSpPr>
-      <p:pic>
-        <p:nvPicPr>
-          <p:cNvPr id="4" name="Image 3"/>
-          <p:cNvPicPr>
-            <a:picLocks noChangeAspect="1"/>
-          </p:cNvPicPr>
-          <p:nvPr/>
-        </p:nvPicPr>
-        <p:blipFill>
-          <a:blip r:embed="rId2">
-            <a:extLst>
-              <a:ext uri="{28A0092B-C50C-407E-A947-70E740481C1C}">
-                <a14:useLocalDpi xmlns:a14="http://schemas.microsoft.com/office/drawing/2010/main" val="0"/>
-              </a:ext>
-            </a:extLst>
-          </a:blip>
-          <a:stretch>
-            <a:fillRect/>
-          </a:stretch>
-        </p:blipFill>
-        <p:spPr>
-          <a:xfrm>
-            <a:off x="2293882" y="737901"/>
-            <a:ext cx="6808448" cy="5422443"/>
-          </a:xfrm>
-          <a:prstGeom prst="rect">
-            <a:avLst/>
-          </a:prstGeom>
-        </p:spPr>
-      </p:pic>
-    </p:spTree>
-    <p:extLst>
-      <p:ext uri="{BB962C8B-B14F-4D97-AF65-F5344CB8AC3E}">
-        <p14:creationId xmlns:p14="http://schemas.microsoft.com/office/powerpoint/2010/main" val="2943724827"/>
-      </p:ext>
-    </p:extLst>
-  </p:cSld>
-  <p:clrMapOvr>
-    <a:masterClrMapping/>
-  </p:clrMapOvr>
-  <p:timing>
-    <p:tnLst>
-      <p:par>
-        <p:cTn id="1" dur="indefinite" restart="never" nodeType="tmRoot"/>
-      </p:par>
-    </p:tnLst>
-  </p:timing>
-</p:sld>
-</file>
-
-<file path=ppt/slides/slide9.xml><?xml version="1.0" encoding="utf-8"?>
-<p:sld xmlns:a="http://schemas.openxmlformats.org/drawingml/2006/main" xmlns:r="http://schemas.openxmlformats.org/officeDocument/2006/relationships" xmlns:p="http://schemas.openxmlformats.org/presentationml/2006/main">
-  <p:cSld>
-    <p:spTree>
-      <p:nvGrpSpPr>
-        <p:cNvPr id="1" name=""/>
-        <p:cNvGrpSpPr/>
-        <p:nvPr/>
-      </p:nvGrpSpPr>
-      <p:grpSpPr>
-        <a:xfrm>
-          <a:off x="0" y="0"/>
-          <a:ext cx="0" cy="0"/>
-          <a:chOff x="0" y="0"/>
-          <a:chExt cx="0" cy="0"/>
-        </a:xfrm>
-      </p:grpSpPr>
-      <p:sp>
-        <p:nvSpPr>
-          <p:cNvPr id="2" name="Rectangle 1"/>
-          <p:cNvSpPr/>
-          <p:nvPr/>
-        </p:nvSpPr>
-        <p:spPr>
-          <a:xfrm>
-            <a:off x="101884" y="268377"/>
-            <a:ext cx="2910733" cy="369332"/>
-          </a:xfrm>
-          <a:prstGeom prst="rect">
-            <a:avLst/>
-          </a:prstGeom>
-        </p:spPr>
-        <p:txBody>
-          <a:bodyPr wrap="none">
-            <a:spAutoFit/>
-          </a:bodyPr>
-          <a:lstStyle/>
-          <a:p>
-            <a:r>
-              <a:rPr lang="fr-FR" dirty="0">
-                <a:solidFill>
-                  <a:srgbClr val="FF0000"/>
-                </a:solidFill>
-              </a:rPr>
-              <a:t>III. Diagramme de séquence</a:t>
-            </a:r>
-          </a:p>
-        </p:txBody>
-      </p:sp>
-      <p:sp>
-        <p:nvSpPr>
-          <p:cNvPr id="3" name="ZoneTexte 2">
-            <a:extLst>
-              <a:ext uri="{FF2B5EF4-FFF2-40B4-BE49-F238E27FC236}">
-                <a16:creationId xmlns:a16="http://schemas.microsoft.com/office/drawing/2014/main" id="{8185D6C2-D95C-4E45-A146-B74583E5BE84}"/>
-              </a:ext>
-            </a:extLst>
-          </p:cNvPr>
-          <p:cNvSpPr txBox="1"/>
-          <p:nvPr/>
-        </p:nvSpPr>
-        <p:spPr>
-          <a:xfrm>
-            <a:off x="5378741" y="83711"/>
-            <a:ext cx="1434517" cy="369332"/>
-          </a:xfrm>
-          <a:prstGeom prst="rect">
-            <a:avLst/>
-          </a:prstGeom>
-          <a:noFill/>
-        </p:spPr>
-        <p:txBody>
-          <a:bodyPr wrap="square" rtlCol="0">
-            <a:spAutoFit/>
-          </a:bodyPr>
-          <a:lstStyle/>
-          <a:p>
-            <a:r>
-              <a:rPr lang="fr-FR" dirty="0"/>
-              <a:t>Etudiant 3</a:t>
-            </a:r>
-          </a:p>
-        </p:txBody>
-      </p:sp>
-      <p:pic>
-        <p:nvPicPr>
-          <p:cNvPr id="5" name="Image 4">
-            <a:extLst>
-              <a:ext uri="{FF2B5EF4-FFF2-40B4-BE49-F238E27FC236}">
-                <a16:creationId xmlns:a16="http://schemas.microsoft.com/office/drawing/2014/main" id="{911A8E25-D6B9-4FE1-8F10-03F1E9AF6824}"/>
-              </a:ext>
-            </a:extLst>
-          </p:cNvPr>
-          <p:cNvPicPr>
-            <a:picLocks noChangeAspect="1"/>
-          </p:cNvPicPr>
-          <p:nvPr/>
-        </p:nvPicPr>
-        <p:blipFill>
-          <a:blip r:embed="rId2">
-            <a:extLst>
-              <a:ext uri="{28A0092B-C50C-407E-A947-70E740481C1C}">
-                <a14:useLocalDpi xmlns:a14="http://schemas.microsoft.com/office/drawing/2010/main" val="0"/>
-              </a:ext>
-            </a:extLst>
-          </a:blip>
-          <a:stretch>
-            <a:fillRect/>
-          </a:stretch>
-        </p:blipFill>
-        <p:spPr>
-          <a:xfrm>
-            <a:off x="153314" y="637708"/>
-            <a:ext cx="11759053" cy="5755071"/>
-          </a:xfrm>
-          <a:prstGeom prst="rect">
-            <a:avLst/>
-          </a:prstGeom>
-        </p:spPr>
-      </p:pic>
-    </p:spTree>
-    <p:extLst>
-      <p:ext uri="{BB962C8B-B14F-4D97-AF65-F5344CB8AC3E}">
-        <p14:creationId xmlns:p14="http://schemas.microsoft.com/office/powerpoint/2010/main" val="3295572073"/>
       </p:ext>
     </p:extLst>
   </p:cSld>

--- a/Presentation revue 0 projet serre.pptx
+++ b/Presentation revue 0 projet serre.pptx
@@ -6716,6 +6716,41 @@
           </a:prstGeom>
         </p:spPr>
       </p:pic>
+      <p:sp>
+        <p:nvSpPr>
+          <p:cNvPr id="2" name="ZoneTexte 1"/>
+          <p:cNvSpPr txBox="1"/>
+          <p:nvPr/>
+        </p:nvSpPr>
+        <p:spPr>
+          <a:xfrm>
+            <a:off x="4028089" y="514597"/>
+            <a:ext cx="4319752" cy="246221"/>
+          </a:xfrm>
+          <a:prstGeom prst="rect">
+            <a:avLst/>
+          </a:prstGeom>
+          <a:solidFill>
+            <a:srgbClr val="7ACFF5"/>
+          </a:solidFill>
+        </p:spPr>
+        <p:txBody>
+          <a:bodyPr wrap="square" rtlCol="0">
+            <a:spAutoFit/>
+          </a:bodyPr>
+          <a:lstStyle/>
+          <a:p>
+            <a:r>
+              <a:rPr lang="fr-FR" sz="1000" b="1" dirty="0">
+                <a:solidFill>
+                  <a:schemeClr val="bg1"/>
+                </a:solidFill>
+              </a:rPr>
+              <a:t>Prérequis: L’utilisateur a saisie la période de visualisation souhaitée</a:t>
+            </a:r>
+          </a:p>
+        </p:txBody>
+      </p:sp>
     </p:spTree>
     <p:extLst>
       <p:ext uri="{BB962C8B-B14F-4D97-AF65-F5344CB8AC3E}">

--- a/Presentation revue 0 projet serre.pptx
+++ b/Presentation revue 0 projet serre.pptx
@@ -5,7 +5,7 @@
     <p:sldMasterId id="2147483850" r:id="rId1"/>
   </p:sldMasterIdLst>
   <p:notesMasterIdLst>
-    <p:notesMasterId r:id="rId27"/>
+    <p:notesMasterId r:id="rId28"/>
   </p:notesMasterIdLst>
   <p:sldIdLst>
     <p:sldId id="256" r:id="rId2"/>
@@ -23,16 +23,17 @@
     <p:sldId id="260" r:id="rId14"/>
     <p:sldId id="261" r:id="rId15"/>
     <p:sldId id="262" r:id="rId16"/>
-    <p:sldId id="267" r:id="rId17"/>
-    <p:sldId id="266" r:id="rId18"/>
-    <p:sldId id="276" r:id="rId19"/>
-    <p:sldId id="277" r:id="rId20"/>
-    <p:sldId id="278" r:id="rId21"/>
-    <p:sldId id="269" r:id="rId22"/>
-    <p:sldId id="270" r:id="rId23"/>
-    <p:sldId id="271" r:id="rId24"/>
-    <p:sldId id="279" r:id="rId25"/>
-    <p:sldId id="268" r:id="rId26"/>
+    <p:sldId id="284" r:id="rId17"/>
+    <p:sldId id="267" r:id="rId18"/>
+    <p:sldId id="266" r:id="rId19"/>
+    <p:sldId id="276" r:id="rId20"/>
+    <p:sldId id="277" r:id="rId21"/>
+    <p:sldId id="278" r:id="rId22"/>
+    <p:sldId id="269" r:id="rId23"/>
+    <p:sldId id="270" r:id="rId24"/>
+    <p:sldId id="271" r:id="rId25"/>
+    <p:sldId id="279" r:id="rId26"/>
+    <p:sldId id="268" r:id="rId27"/>
   </p:sldIdLst>
   <p:sldSz cx="12192000" cy="6858000"/>
   <p:notesSz cx="6858000" cy="9144000"/>
@@ -7122,6 +7123,94 @@
       </p:grpSpPr>
       <p:sp>
         <p:nvSpPr>
+          <p:cNvPr id="2" name="Titre 1"/>
+          <p:cNvSpPr>
+            <a:spLocks noGrp="1"/>
+          </p:cNvSpPr>
+          <p:nvPr>
+            <p:ph type="title"/>
+          </p:nvPr>
+        </p:nvSpPr>
+        <p:spPr>
+          <a:xfrm>
+            <a:off x="4816386" y="121641"/>
+            <a:ext cx="1520392" cy="524744"/>
+          </a:xfrm>
+        </p:spPr>
+        <p:txBody>
+          <a:bodyPr/>
+          <a:lstStyle/>
+          <a:p>
+            <a:r>
+              <a:rPr lang="fr-FR" sz="1800" dirty="0" smtClean="0"/>
+              <a:t>Etudiant 2:</a:t>
+            </a:r>
+            <a:endParaRPr lang="fr-FR" sz="1800" dirty="0"/>
+          </a:p>
+        </p:txBody>
+      </p:sp>
+      <p:pic>
+        <p:nvPicPr>
+          <p:cNvPr id="4" name="Image 3"/>
+          <p:cNvPicPr>
+            <a:picLocks noChangeAspect="1"/>
+          </p:cNvPicPr>
+          <p:nvPr/>
+        </p:nvPicPr>
+        <p:blipFill>
+          <a:blip r:embed="rId2">
+            <a:extLst>
+              <a:ext uri="{28A0092B-C50C-407E-A947-70E740481C1C}">
+                <a14:useLocalDpi xmlns:a14="http://schemas.microsoft.com/office/drawing/2010/main" val="0"/>
+              </a:ext>
+            </a:extLst>
+          </a:blip>
+          <a:stretch>
+            <a:fillRect/>
+          </a:stretch>
+        </p:blipFill>
+        <p:spPr>
+          <a:xfrm>
+            <a:off x="2856690" y="646385"/>
+            <a:ext cx="5439783" cy="5681318"/>
+          </a:xfrm>
+          <a:prstGeom prst="rect">
+            <a:avLst/>
+          </a:prstGeom>
+        </p:spPr>
+      </p:pic>
+    </p:spTree>
+    <p:extLst>
+      <p:ext uri="{BB962C8B-B14F-4D97-AF65-F5344CB8AC3E}">
+        <p14:creationId xmlns:p14="http://schemas.microsoft.com/office/powerpoint/2010/main" val="707135965"/>
+      </p:ext>
+    </p:extLst>
+  </p:cSld>
+  <p:clrMapOvr>
+    <a:masterClrMapping/>
+  </p:clrMapOvr>
+</p:sld>
+</file>
+
+<file path=ppt/slides/slide17.xml><?xml version="1.0" encoding="utf-8"?>
+<p:sld xmlns:a="http://schemas.openxmlformats.org/drawingml/2006/main" xmlns:r="http://schemas.openxmlformats.org/officeDocument/2006/relationships" xmlns:p="http://schemas.openxmlformats.org/presentationml/2006/main">
+  <p:cSld>
+    <p:spTree>
+      <p:nvGrpSpPr>
+        <p:cNvPr id="1" name=""/>
+        <p:cNvGrpSpPr/>
+        <p:nvPr/>
+      </p:nvGrpSpPr>
+      <p:grpSpPr>
+        <a:xfrm>
+          <a:off x="0" y="0"/>
+          <a:ext cx="0" cy="0"/>
+          <a:chOff x="0" y="0"/>
+          <a:chExt cx="0" cy="0"/>
+        </a:xfrm>
+      </p:grpSpPr>
+      <p:sp>
+        <p:nvSpPr>
           <p:cNvPr id="6" name="ZoneTexte 5">
             <a:extLst>
               <a:ext uri="{FF2B5EF4-FFF2-40B4-BE49-F238E27FC236}">
@@ -7195,499 +7284,6 @@
     <p:extLst>
       <p:ext uri="{BB962C8B-B14F-4D97-AF65-F5344CB8AC3E}">
         <p14:creationId xmlns:p14="http://schemas.microsoft.com/office/powerpoint/2010/main" val="2051653351"/>
-      </p:ext>
-    </p:extLst>
-  </p:cSld>
-  <p:clrMapOvr>
-    <a:masterClrMapping/>
-  </p:clrMapOvr>
-  <p:timing>
-    <p:tnLst>
-      <p:par>
-        <p:cTn id="1" dur="indefinite" restart="never" nodeType="tmRoot"/>
-      </p:par>
-    </p:tnLst>
-  </p:timing>
-</p:sld>
-</file>
-
-<file path=ppt/slides/slide17.xml><?xml version="1.0" encoding="utf-8"?>
-<p:sld xmlns:a="http://schemas.openxmlformats.org/drawingml/2006/main" xmlns:r="http://schemas.openxmlformats.org/officeDocument/2006/relationships" xmlns:p="http://schemas.openxmlformats.org/presentationml/2006/main">
-  <p:cSld>
-    <p:spTree>
-      <p:nvGrpSpPr>
-        <p:cNvPr id="1" name=""/>
-        <p:cNvGrpSpPr/>
-        <p:nvPr/>
-      </p:nvGrpSpPr>
-      <p:grpSpPr>
-        <a:xfrm>
-          <a:off x="0" y="0"/>
-          <a:ext cx="0" cy="0"/>
-          <a:chOff x="0" y="0"/>
-          <a:chExt cx="0" cy="0"/>
-        </a:xfrm>
-      </p:grpSpPr>
-      <p:sp>
-        <p:nvSpPr>
-          <p:cNvPr id="2" name="Rectangle 1"/>
-          <p:cNvSpPr/>
-          <p:nvPr/>
-        </p:nvSpPr>
-        <p:spPr>
-          <a:xfrm>
-            <a:off x="262069" y="285003"/>
-            <a:ext cx="1393330" cy="369332"/>
-          </a:xfrm>
-          <a:prstGeom prst="rect">
-            <a:avLst/>
-          </a:prstGeom>
-        </p:spPr>
-        <p:txBody>
-          <a:bodyPr wrap="none">
-            <a:spAutoFit/>
-          </a:bodyPr>
-          <a:lstStyle/>
-          <a:p>
-            <a:r>
-              <a:rPr lang="fr-FR" dirty="0">
-                <a:solidFill>
-                  <a:srgbClr val="FF0000"/>
-                </a:solidFill>
-              </a:rPr>
-              <a:t>VII. Scénario</a:t>
-            </a:r>
-          </a:p>
-        </p:txBody>
-      </p:sp>
-      <p:sp>
-        <p:nvSpPr>
-          <p:cNvPr id="3" name="Rectangle 2"/>
-          <p:cNvSpPr/>
-          <p:nvPr/>
-        </p:nvSpPr>
-        <p:spPr>
-          <a:xfrm>
-            <a:off x="1147156" y="1191743"/>
-            <a:ext cx="10083338" cy="4421788"/>
-          </a:xfrm>
-          <a:prstGeom prst="rect">
-            <a:avLst/>
-          </a:prstGeom>
-        </p:spPr>
-        <p:txBody>
-          <a:bodyPr wrap="square">
-            <a:spAutoFit/>
-          </a:bodyPr>
-          <a:lstStyle/>
-          <a:p>
-            <a:pPr marL="342900" lvl="0" indent="-342900">
-              <a:lnSpc>
-                <a:spcPct val="107000"/>
-              </a:lnSpc>
-              <a:spcAft>
-                <a:spcPts val="0"/>
-              </a:spcAft>
-              <a:buFont typeface="+mj-lt"/>
-              <a:buAutoNum type="arabicPeriod"/>
-            </a:pPr>
-            <a:r>
-              <a:rPr lang="fr-FR" sz="1600" dirty="0">
-                <a:effectLst/>
-                <a:latin typeface="Calibri" panose="020F0502020204030204" pitchFamily="34" charset="0"/>
-                <a:ea typeface="Calibri" panose="020F0502020204030204" pitchFamily="34" charset="0"/>
-                <a:cs typeface="Times New Roman" panose="02020603050405020304" pitchFamily="18" charset="0"/>
-              </a:rPr>
-              <a:t>Le capteur mesure le niveau d’eau des cuves</a:t>
-            </a:r>
-            <a:endParaRPr lang="fr-FR" sz="1400" dirty="0">
-              <a:effectLst/>
-              <a:latin typeface="Calibri" panose="020F0502020204030204" pitchFamily="34" charset="0"/>
-              <a:ea typeface="Calibri" panose="020F0502020204030204" pitchFamily="34" charset="0"/>
-              <a:cs typeface="Times New Roman" panose="02020603050405020304" pitchFamily="18" charset="0"/>
-            </a:endParaRPr>
-          </a:p>
-          <a:p>
-            <a:pPr marL="742950" lvl="1" indent="-285750">
-              <a:lnSpc>
-                <a:spcPct val="107000"/>
-              </a:lnSpc>
-              <a:spcAft>
-                <a:spcPts val="0"/>
-              </a:spcAft>
-              <a:buFont typeface="+mj-lt"/>
-              <a:buAutoNum type="arabicPeriod"/>
-            </a:pPr>
-            <a:r>
-              <a:rPr lang="fr-FR" sz="1600" dirty="0">
-                <a:effectLst/>
-                <a:latin typeface="Calibri" panose="020F0502020204030204" pitchFamily="34" charset="0"/>
-                <a:ea typeface="Calibri" panose="020F0502020204030204" pitchFamily="34" charset="0"/>
-                <a:cs typeface="Times New Roman" panose="02020603050405020304" pitchFamily="18" charset="0"/>
-              </a:rPr>
-              <a:t>Si la cuve du toit n’est pas remplie et que celle de récupération l’est, activer la pompe de relevage</a:t>
-            </a:r>
-            <a:endParaRPr lang="fr-FR" sz="1400" dirty="0">
-              <a:effectLst/>
-              <a:latin typeface="Calibri" panose="020F0502020204030204" pitchFamily="34" charset="0"/>
-              <a:ea typeface="Calibri" panose="020F0502020204030204" pitchFamily="34" charset="0"/>
-              <a:cs typeface="Times New Roman" panose="02020603050405020304" pitchFamily="18" charset="0"/>
-            </a:endParaRPr>
-          </a:p>
-          <a:p>
-            <a:pPr marL="742950" lvl="1" indent="-285750">
-              <a:lnSpc>
-                <a:spcPct val="107000"/>
-              </a:lnSpc>
-              <a:spcAft>
-                <a:spcPts val="0"/>
-              </a:spcAft>
-              <a:buFont typeface="+mj-lt"/>
-              <a:buAutoNum type="arabicPeriod"/>
-            </a:pPr>
-            <a:r>
-              <a:rPr lang="fr-FR" sz="1600" dirty="0">
-                <a:effectLst/>
-                <a:latin typeface="Calibri" panose="020F0502020204030204" pitchFamily="34" charset="0"/>
-                <a:ea typeface="Calibri" panose="020F0502020204030204" pitchFamily="34" charset="0"/>
-                <a:cs typeface="Times New Roman" panose="02020603050405020304" pitchFamily="18" charset="0"/>
-              </a:rPr>
-              <a:t>Si la cuve du toit est pleine, le système utilise l’eau de pluie</a:t>
-            </a:r>
-            <a:endParaRPr lang="fr-FR" sz="1400" dirty="0">
-              <a:effectLst/>
-              <a:latin typeface="Calibri" panose="020F0502020204030204" pitchFamily="34" charset="0"/>
-              <a:ea typeface="Calibri" panose="020F0502020204030204" pitchFamily="34" charset="0"/>
-              <a:cs typeface="Times New Roman" panose="02020603050405020304" pitchFamily="18" charset="0"/>
-            </a:endParaRPr>
-          </a:p>
-          <a:p>
-            <a:pPr marL="742950" lvl="1" indent="-285750">
-              <a:lnSpc>
-                <a:spcPct val="107000"/>
-              </a:lnSpc>
-              <a:spcAft>
-                <a:spcPts val="0"/>
-              </a:spcAft>
-              <a:buFont typeface="+mj-lt"/>
-              <a:buAutoNum type="arabicPeriod"/>
-            </a:pPr>
-            <a:r>
-              <a:rPr lang="fr-FR" sz="1600" dirty="0">
-                <a:effectLst/>
-                <a:latin typeface="Calibri" panose="020F0502020204030204" pitchFamily="34" charset="0"/>
-                <a:ea typeface="Calibri" panose="020F0502020204030204" pitchFamily="34" charset="0"/>
-                <a:cs typeface="Times New Roman" panose="02020603050405020304" pitchFamily="18" charset="0"/>
-              </a:rPr>
-              <a:t>Si la cuve du toit et de récupération sont vides ou à un niveau critique (&lt;10 cm), utiliser l’eau courante.</a:t>
-            </a:r>
-            <a:endParaRPr lang="fr-FR" sz="1400" dirty="0">
-              <a:effectLst/>
-              <a:latin typeface="Calibri" panose="020F0502020204030204" pitchFamily="34" charset="0"/>
-              <a:ea typeface="Calibri" panose="020F0502020204030204" pitchFamily="34" charset="0"/>
-              <a:cs typeface="Times New Roman" panose="02020603050405020304" pitchFamily="18" charset="0"/>
-            </a:endParaRPr>
-          </a:p>
-          <a:p>
-            <a:pPr marL="342900" lvl="0" indent="-342900">
-              <a:lnSpc>
-                <a:spcPct val="107000"/>
-              </a:lnSpc>
-              <a:spcAft>
-                <a:spcPts val="0"/>
-              </a:spcAft>
-              <a:buFont typeface="+mj-lt"/>
-              <a:buAutoNum type="arabicPeriod"/>
-            </a:pPr>
-            <a:r>
-              <a:rPr lang="fr-FR" sz="1600" dirty="0">
-                <a:effectLst/>
-                <a:latin typeface="Calibri" panose="020F0502020204030204" pitchFamily="34" charset="0"/>
-                <a:ea typeface="Calibri" panose="020F0502020204030204" pitchFamily="34" charset="0"/>
-                <a:cs typeface="Times New Roman" panose="02020603050405020304" pitchFamily="18" charset="0"/>
-              </a:rPr>
-              <a:t>Le capteur mesure la température de l’air</a:t>
-            </a:r>
-            <a:endParaRPr lang="fr-FR" sz="1400" dirty="0">
-              <a:effectLst/>
-              <a:latin typeface="Calibri" panose="020F0502020204030204" pitchFamily="34" charset="0"/>
-              <a:ea typeface="Calibri" panose="020F0502020204030204" pitchFamily="34" charset="0"/>
-              <a:cs typeface="Times New Roman" panose="02020603050405020304" pitchFamily="18" charset="0"/>
-            </a:endParaRPr>
-          </a:p>
-          <a:p>
-            <a:pPr marL="228600">
-              <a:lnSpc>
-                <a:spcPct val="107000"/>
-              </a:lnSpc>
-              <a:spcAft>
-                <a:spcPts val="0"/>
-              </a:spcAft>
-            </a:pPr>
-            <a:r>
-              <a:rPr lang="fr-FR" sz="1600" dirty="0">
-                <a:effectLst/>
-                <a:latin typeface="Calibri" panose="020F0502020204030204" pitchFamily="34" charset="0"/>
-                <a:ea typeface="Calibri" panose="020F0502020204030204" pitchFamily="34" charset="0"/>
-                <a:cs typeface="Times New Roman" panose="02020603050405020304" pitchFamily="18" charset="0"/>
-              </a:rPr>
-              <a:t>2.1 Si la température est égale ou inférieure à zéro, le système utilise l’eau courante</a:t>
-            </a:r>
-            <a:endParaRPr lang="fr-FR" sz="1400" dirty="0">
-              <a:effectLst/>
-              <a:latin typeface="Calibri" panose="020F0502020204030204" pitchFamily="34" charset="0"/>
-              <a:ea typeface="Calibri" panose="020F0502020204030204" pitchFamily="34" charset="0"/>
-              <a:cs typeface="Times New Roman" panose="02020603050405020304" pitchFamily="18" charset="0"/>
-            </a:endParaRPr>
-          </a:p>
-          <a:p>
-            <a:pPr marL="228600">
-              <a:lnSpc>
-                <a:spcPct val="107000"/>
-              </a:lnSpc>
-              <a:spcAft>
-                <a:spcPts val="0"/>
-              </a:spcAft>
-            </a:pPr>
-            <a:r>
-              <a:rPr lang="fr-FR" sz="1600" dirty="0">
-                <a:effectLst/>
-                <a:latin typeface="Calibri" panose="020F0502020204030204" pitchFamily="34" charset="0"/>
-                <a:ea typeface="Calibri" panose="020F0502020204030204" pitchFamily="34" charset="0"/>
-                <a:cs typeface="Times New Roman" panose="02020603050405020304" pitchFamily="18" charset="0"/>
-              </a:rPr>
-              <a:t> </a:t>
-            </a:r>
-            <a:endParaRPr lang="fr-FR" sz="1400" dirty="0">
-              <a:effectLst/>
-              <a:latin typeface="Calibri" panose="020F0502020204030204" pitchFamily="34" charset="0"/>
-              <a:ea typeface="Calibri" panose="020F0502020204030204" pitchFamily="34" charset="0"/>
-              <a:cs typeface="Times New Roman" panose="02020603050405020304" pitchFamily="18" charset="0"/>
-            </a:endParaRPr>
-          </a:p>
-          <a:p>
-            <a:pPr marL="342900" lvl="0" indent="-342900">
-              <a:lnSpc>
-                <a:spcPct val="107000"/>
-              </a:lnSpc>
-              <a:spcAft>
-                <a:spcPts val="0"/>
-              </a:spcAft>
-              <a:buFont typeface="+mj-lt"/>
-              <a:buAutoNum type="arabicPeriod"/>
-            </a:pPr>
-            <a:r>
-              <a:rPr lang="fr-FR" sz="1600" dirty="0">
-                <a:effectLst/>
-                <a:latin typeface="Calibri" panose="020F0502020204030204" pitchFamily="34" charset="0"/>
-                <a:ea typeface="Calibri" panose="020F0502020204030204" pitchFamily="34" charset="0"/>
-                <a:cs typeface="Times New Roman" panose="02020603050405020304" pitchFamily="18" charset="0"/>
-              </a:rPr>
-              <a:t>La serre est alimentée en eau</a:t>
-            </a:r>
-            <a:endParaRPr lang="fr-FR" sz="1400" dirty="0">
-              <a:effectLst/>
-              <a:latin typeface="Calibri" panose="020F0502020204030204" pitchFamily="34" charset="0"/>
-              <a:ea typeface="Calibri" panose="020F0502020204030204" pitchFamily="34" charset="0"/>
-              <a:cs typeface="Times New Roman" panose="02020603050405020304" pitchFamily="18" charset="0"/>
-            </a:endParaRPr>
-          </a:p>
-          <a:p>
-            <a:pPr marL="342900" lvl="0" indent="-342900">
-              <a:lnSpc>
-                <a:spcPct val="107000"/>
-              </a:lnSpc>
-              <a:spcAft>
-                <a:spcPts val="0"/>
-              </a:spcAft>
-              <a:buFont typeface="+mj-lt"/>
-              <a:buAutoNum type="arabicPeriod"/>
-            </a:pPr>
-            <a:r>
-              <a:rPr lang="fr-FR" sz="1600" dirty="0">
-                <a:effectLst/>
-                <a:latin typeface="Calibri" panose="020F0502020204030204" pitchFamily="34" charset="0"/>
-                <a:ea typeface="Calibri" panose="020F0502020204030204" pitchFamily="34" charset="0"/>
-                <a:cs typeface="Times New Roman" panose="02020603050405020304" pitchFamily="18" charset="0"/>
-              </a:rPr>
-              <a:t>Le système mesure la consommation en eau de la serre sur les deux réseaux (eau de pluie et eau courante)</a:t>
-            </a:r>
-            <a:endParaRPr lang="fr-FR" sz="1400" dirty="0">
-              <a:effectLst/>
-              <a:latin typeface="Calibri" panose="020F0502020204030204" pitchFamily="34" charset="0"/>
-              <a:ea typeface="Calibri" panose="020F0502020204030204" pitchFamily="34" charset="0"/>
-              <a:cs typeface="Times New Roman" panose="02020603050405020304" pitchFamily="18" charset="0"/>
-            </a:endParaRPr>
-          </a:p>
-          <a:p>
-            <a:pPr marL="228600">
-              <a:lnSpc>
-                <a:spcPct val="107000"/>
-              </a:lnSpc>
-              <a:spcAft>
-                <a:spcPts val="0"/>
-              </a:spcAft>
-            </a:pPr>
-            <a:r>
-              <a:rPr lang="fr-FR" sz="1600" dirty="0">
-                <a:effectLst/>
-                <a:latin typeface="Calibri" panose="020F0502020204030204" pitchFamily="34" charset="0"/>
-                <a:ea typeface="Calibri" panose="020F0502020204030204" pitchFamily="34" charset="0"/>
-                <a:cs typeface="Times New Roman" panose="02020603050405020304" pitchFamily="18" charset="0"/>
-              </a:rPr>
-              <a:t>4.1 Enregistrer la consommation d’eau heure par heure dans la BDD</a:t>
-            </a:r>
-            <a:endParaRPr lang="fr-FR" sz="1400" dirty="0">
-              <a:effectLst/>
-              <a:latin typeface="Calibri" panose="020F0502020204030204" pitchFamily="34" charset="0"/>
-              <a:ea typeface="Calibri" panose="020F0502020204030204" pitchFamily="34" charset="0"/>
-              <a:cs typeface="Times New Roman" panose="02020603050405020304" pitchFamily="18" charset="0"/>
-            </a:endParaRPr>
-          </a:p>
-          <a:p>
-            <a:pPr marL="228600">
-              <a:lnSpc>
-                <a:spcPct val="107000"/>
-              </a:lnSpc>
-              <a:spcAft>
-                <a:spcPts val="800"/>
-              </a:spcAft>
-            </a:pPr>
-            <a:r>
-              <a:rPr lang="fr-FR" sz="1600" dirty="0">
-                <a:effectLst/>
-                <a:latin typeface="Calibri" panose="020F0502020204030204" pitchFamily="34" charset="0"/>
-                <a:ea typeface="Calibri" panose="020F0502020204030204" pitchFamily="34" charset="0"/>
-                <a:cs typeface="Times New Roman" panose="02020603050405020304" pitchFamily="18" charset="0"/>
-              </a:rPr>
-              <a:t>4.2 Afficher sous forme graphique les données de consommation d’eau par période</a:t>
-            </a:r>
-            <a:endParaRPr lang="fr-FR" sz="1400" dirty="0">
-              <a:effectLst/>
-              <a:latin typeface="Calibri" panose="020F0502020204030204" pitchFamily="34" charset="0"/>
-              <a:ea typeface="Calibri" panose="020F0502020204030204" pitchFamily="34" charset="0"/>
-              <a:cs typeface="Times New Roman" panose="02020603050405020304" pitchFamily="18" charset="0"/>
-            </a:endParaRPr>
-          </a:p>
-          <a:p>
-            <a:pPr marL="342900" indent="-342900">
-              <a:lnSpc>
-                <a:spcPct val="107000"/>
-              </a:lnSpc>
-              <a:spcAft>
-                <a:spcPts val="800"/>
-              </a:spcAft>
-              <a:buAutoNum type="arabicPeriod" startAt="5"/>
-            </a:pPr>
-            <a:r>
-              <a:rPr lang="fr-FR" sz="1600" dirty="0" smtClean="0">
-                <a:effectLst/>
-                <a:latin typeface="Calibri" panose="020F0502020204030204" pitchFamily="34" charset="0"/>
-                <a:ea typeface="Calibri" panose="020F0502020204030204" pitchFamily="34" charset="0"/>
-                <a:cs typeface="Times New Roman" panose="02020603050405020304" pitchFamily="18" charset="0"/>
-              </a:rPr>
-              <a:t>Administrer </a:t>
-            </a:r>
-            <a:r>
-              <a:rPr lang="fr-FR" sz="1600" dirty="0">
-                <a:effectLst/>
-                <a:latin typeface="Calibri" panose="020F0502020204030204" pitchFamily="34" charset="0"/>
-                <a:ea typeface="Calibri" panose="020F0502020204030204" pitchFamily="34" charset="0"/>
-                <a:cs typeface="Times New Roman" panose="02020603050405020304" pitchFamily="18" charset="0"/>
-              </a:rPr>
-              <a:t>la </a:t>
-            </a:r>
-            <a:r>
-              <a:rPr lang="fr-FR" sz="1600" dirty="0" smtClean="0">
-                <a:effectLst/>
-                <a:latin typeface="Calibri" panose="020F0502020204030204" pitchFamily="34" charset="0"/>
-                <a:ea typeface="Calibri" panose="020F0502020204030204" pitchFamily="34" charset="0"/>
-                <a:cs typeface="Times New Roman" panose="02020603050405020304" pitchFamily="18" charset="0"/>
-              </a:rPr>
-              <a:t>BDD</a:t>
-            </a:r>
-          </a:p>
-          <a:p>
-            <a:pPr>
-              <a:lnSpc>
-                <a:spcPct val="107000"/>
-              </a:lnSpc>
-              <a:spcAft>
-                <a:spcPts val="800"/>
-              </a:spcAft>
-            </a:pPr>
-            <a:r>
-              <a:rPr lang="fr-FR" sz="1400" dirty="0" smtClean="0">
-                <a:effectLst/>
-                <a:latin typeface="Calibri" panose="020F0502020204030204" pitchFamily="34" charset="0"/>
-                <a:ea typeface="Calibri" panose="020F0502020204030204" pitchFamily="34" charset="0"/>
-                <a:cs typeface="Times New Roman" panose="02020603050405020304" pitchFamily="18" charset="0"/>
-              </a:rPr>
-              <a:t>5.1 Purger la BDD quand la date du fichier dépasse 1an</a:t>
-            </a:r>
-            <a:endParaRPr lang="fr-FR" sz="1400" dirty="0">
-              <a:effectLst/>
-              <a:latin typeface="Calibri" panose="020F0502020204030204" pitchFamily="34" charset="0"/>
-              <a:ea typeface="Calibri" panose="020F0502020204030204" pitchFamily="34" charset="0"/>
-              <a:cs typeface="Times New Roman" panose="02020603050405020304" pitchFamily="18" charset="0"/>
-            </a:endParaRPr>
-          </a:p>
-          <a:p>
-            <a:pPr>
-              <a:lnSpc>
-                <a:spcPct val="107000"/>
-              </a:lnSpc>
-              <a:spcAft>
-                <a:spcPts val="800"/>
-              </a:spcAft>
-            </a:pPr>
-            <a:r>
-              <a:rPr lang="fr-FR" sz="1600" dirty="0">
-                <a:effectLst/>
-                <a:latin typeface="Calibri" panose="020F0502020204030204" pitchFamily="34" charset="0"/>
-                <a:ea typeface="Calibri" panose="020F0502020204030204" pitchFamily="34" charset="0"/>
-                <a:cs typeface="Times New Roman" panose="02020603050405020304" pitchFamily="18" charset="0"/>
-              </a:rPr>
-              <a:t>6.   Afficher l’état du système</a:t>
-            </a:r>
-            <a:endParaRPr lang="fr-FR" sz="1400" dirty="0">
-              <a:effectLst/>
-              <a:latin typeface="Calibri" panose="020F0502020204030204" pitchFamily="34" charset="0"/>
-              <a:ea typeface="Calibri" panose="020F0502020204030204" pitchFamily="34" charset="0"/>
-              <a:cs typeface="Times New Roman" panose="02020603050405020304" pitchFamily="18" charset="0"/>
-            </a:endParaRPr>
-          </a:p>
-          <a:p>
-            <a:pPr>
-              <a:lnSpc>
-                <a:spcPct val="107000"/>
-              </a:lnSpc>
-              <a:spcAft>
-                <a:spcPts val="800"/>
-              </a:spcAft>
-            </a:pPr>
-            <a:r>
-              <a:rPr lang="fr-FR" sz="1600" dirty="0">
-                <a:effectLst/>
-                <a:latin typeface="Calibri" panose="020F0502020204030204" pitchFamily="34" charset="0"/>
-                <a:ea typeface="Calibri" panose="020F0502020204030204" pitchFamily="34" charset="0"/>
-                <a:cs typeface="Times New Roman" panose="02020603050405020304" pitchFamily="18" charset="0"/>
-              </a:rPr>
-              <a:t>      6.1 Les données instantanées de consommation d’eau seront affichés sur un site web</a:t>
-            </a:r>
-            <a:endParaRPr lang="fr-FR" sz="1400" dirty="0">
-              <a:effectLst/>
-              <a:latin typeface="Calibri" panose="020F0502020204030204" pitchFamily="34" charset="0"/>
-              <a:ea typeface="Calibri" panose="020F0502020204030204" pitchFamily="34" charset="0"/>
-              <a:cs typeface="Times New Roman" panose="02020603050405020304" pitchFamily="18" charset="0"/>
-            </a:endParaRPr>
-          </a:p>
-        </p:txBody>
-      </p:sp>
-    </p:spTree>
-    <p:extLst>
-      <p:ext uri="{BB962C8B-B14F-4D97-AF65-F5344CB8AC3E}">
-        <p14:creationId xmlns:p14="http://schemas.microsoft.com/office/powerpoint/2010/main" val="5633379"/>
       </p:ext>
     </p:extLst>
   </p:cSld>
@@ -7723,76 +7319,464 @@
       </p:grpSpPr>
       <p:sp>
         <p:nvSpPr>
-          <p:cNvPr id="2" name="Titre 1"/>
-          <p:cNvSpPr>
-            <a:spLocks noGrp="1"/>
-          </p:cNvSpPr>
-          <p:nvPr>
-            <p:ph type="title"/>
-          </p:nvPr>
-        </p:nvSpPr>
-        <p:spPr>
-          <a:xfrm>
-            <a:off x="646111" y="452718"/>
-            <a:ext cx="9404723" cy="327675"/>
-          </a:xfrm>
-        </p:spPr>
-        <p:txBody>
-          <a:bodyPr/>
+          <p:cNvPr id="2" name="Rectangle 1"/>
+          <p:cNvSpPr/>
+          <p:nvPr/>
+        </p:nvSpPr>
+        <p:spPr>
+          <a:xfrm>
+            <a:off x="262069" y="285003"/>
+            <a:ext cx="1393330" cy="369332"/>
+          </a:xfrm>
+          <a:prstGeom prst="rect">
+            <a:avLst/>
+          </a:prstGeom>
+        </p:spPr>
+        <p:txBody>
+          <a:bodyPr wrap="none">
+            <a:spAutoFit/>
+          </a:bodyPr>
           <a:lstStyle/>
           <a:p>
             <a:r>
-              <a:rPr lang="fr-FR" sz="1800" dirty="0">
+              <a:rPr lang="fr-FR" dirty="0">
                 <a:solidFill>
                   <a:srgbClr val="FF0000"/>
                 </a:solidFill>
               </a:rPr>
-              <a:t>VIII. Carte E/S</a:t>
-            </a:r>
-            <a:br>
-              <a:rPr lang="fr-FR" sz="1800" dirty="0">
-                <a:solidFill>
-                  <a:srgbClr val="FF0000"/>
-                </a:solidFill>
-              </a:rPr>
-            </a:br>
-            <a:endParaRPr lang="fr-FR" sz="1800" dirty="0"/>
-          </a:p>
-        </p:txBody>
-      </p:sp>
-      <p:pic>
-        <p:nvPicPr>
-          <p:cNvPr id="5" name="Image 4"/>
-          <p:cNvPicPr/>
+              <a:t>VII. Scénario</a:t>
+            </a:r>
+          </a:p>
+        </p:txBody>
+      </p:sp>
+      <p:sp>
+        <p:nvSpPr>
+          <p:cNvPr id="3" name="Rectangle 2"/>
+          <p:cNvSpPr/>
           <p:nvPr/>
-        </p:nvPicPr>
-        <p:blipFill rotWithShape="1">
-          <a:blip r:embed="rId2"/>
-          <a:srcRect t="1061"/>
-          <a:stretch/>
-        </p:blipFill>
-        <p:spPr bwMode="auto">
-          <a:xfrm>
-            <a:off x="3389060" y="275898"/>
-            <a:ext cx="5069139" cy="6507448"/>
+        </p:nvSpPr>
+        <p:spPr>
+          <a:xfrm>
+            <a:off x="1147156" y="1191743"/>
+            <a:ext cx="10083338" cy="4421788"/>
           </a:xfrm>
           <a:prstGeom prst="rect">
             <a:avLst/>
           </a:prstGeom>
-          <a:ln>
-            <a:noFill/>
-          </a:ln>
-          <a:extLst>
-            <a:ext uri="{53640926-AAD7-44D8-BBD7-CCE9431645EC}">
-              <a14:shadowObscured xmlns:a14="http://schemas.microsoft.com/office/drawing/2010/main"/>
-            </a:ext>
-          </a:extLst>
-        </p:spPr>
-      </p:pic>
+        </p:spPr>
+        <p:txBody>
+          <a:bodyPr wrap="square">
+            <a:spAutoFit/>
+          </a:bodyPr>
+          <a:lstStyle/>
+          <a:p>
+            <a:pPr marL="342900" lvl="0" indent="-342900">
+              <a:lnSpc>
+                <a:spcPct val="107000"/>
+              </a:lnSpc>
+              <a:spcAft>
+                <a:spcPts val="0"/>
+              </a:spcAft>
+              <a:buFont typeface="+mj-lt"/>
+              <a:buAutoNum type="arabicPeriod"/>
+            </a:pPr>
+            <a:r>
+              <a:rPr lang="fr-FR" sz="1600" dirty="0">
+                <a:effectLst/>
+                <a:latin typeface="Calibri" panose="020F0502020204030204" pitchFamily="34" charset="0"/>
+                <a:ea typeface="Calibri" panose="020F0502020204030204" pitchFamily="34" charset="0"/>
+                <a:cs typeface="Times New Roman" panose="02020603050405020304" pitchFamily="18" charset="0"/>
+              </a:rPr>
+              <a:t>Le capteur mesure le niveau d’eau des cuves</a:t>
+            </a:r>
+            <a:endParaRPr lang="fr-FR" sz="1400" dirty="0">
+              <a:effectLst/>
+              <a:latin typeface="Calibri" panose="020F0502020204030204" pitchFamily="34" charset="0"/>
+              <a:ea typeface="Calibri" panose="020F0502020204030204" pitchFamily="34" charset="0"/>
+              <a:cs typeface="Times New Roman" panose="02020603050405020304" pitchFamily="18" charset="0"/>
+            </a:endParaRPr>
+          </a:p>
+          <a:p>
+            <a:pPr marL="742950" lvl="1" indent="-285750">
+              <a:lnSpc>
+                <a:spcPct val="107000"/>
+              </a:lnSpc>
+              <a:spcAft>
+                <a:spcPts val="0"/>
+              </a:spcAft>
+              <a:buFont typeface="+mj-lt"/>
+              <a:buAutoNum type="arabicPeriod"/>
+            </a:pPr>
+            <a:r>
+              <a:rPr lang="fr-FR" sz="1600" dirty="0">
+                <a:effectLst/>
+                <a:latin typeface="Calibri" panose="020F0502020204030204" pitchFamily="34" charset="0"/>
+                <a:ea typeface="Calibri" panose="020F0502020204030204" pitchFamily="34" charset="0"/>
+                <a:cs typeface="Times New Roman" panose="02020603050405020304" pitchFamily="18" charset="0"/>
+              </a:rPr>
+              <a:t>Si la cuve du toit n’est pas remplie et que celle de récupération l’est, activer la pompe de relevage</a:t>
+            </a:r>
+            <a:endParaRPr lang="fr-FR" sz="1400" dirty="0">
+              <a:effectLst/>
+              <a:latin typeface="Calibri" panose="020F0502020204030204" pitchFamily="34" charset="0"/>
+              <a:ea typeface="Calibri" panose="020F0502020204030204" pitchFamily="34" charset="0"/>
+              <a:cs typeface="Times New Roman" panose="02020603050405020304" pitchFamily="18" charset="0"/>
+            </a:endParaRPr>
+          </a:p>
+          <a:p>
+            <a:pPr marL="742950" lvl="1" indent="-285750">
+              <a:lnSpc>
+                <a:spcPct val="107000"/>
+              </a:lnSpc>
+              <a:spcAft>
+                <a:spcPts val="0"/>
+              </a:spcAft>
+              <a:buFont typeface="+mj-lt"/>
+              <a:buAutoNum type="arabicPeriod"/>
+            </a:pPr>
+            <a:r>
+              <a:rPr lang="fr-FR" sz="1600" dirty="0">
+                <a:effectLst/>
+                <a:latin typeface="Calibri" panose="020F0502020204030204" pitchFamily="34" charset="0"/>
+                <a:ea typeface="Calibri" panose="020F0502020204030204" pitchFamily="34" charset="0"/>
+                <a:cs typeface="Times New Roman" panose="02020603050405020304" pitchFamily="18" charset="0"/>
+              </a:rPr>
+              <a:t>Si la cuve du toit est pleine, le système utilise l’eau de pluie</a:t>
+            </a:r>
+            <a:endParaRPr lang="fr-FR" sz="1400" dirty="0">
+              <a:effectLst/>
+              <a:latin typeface="Calibri" panose="020F0502020204030204" pitchFamily="34" charset="0"/>
+              <a:ea typeface="Calibri" panose="020F0502020204030204" pitchFamily="34" charset="0"/>
+              <a:cs typeface="Times New Roman" panose="02020603050405020304" pitchFamily="18" charset="0"/>
+            </a:endParaRPr>
+          </a:p>
+          <a:p>
+            <a:pPr marL="742950" lvl="1" indent="-285750">
+              <a:lnSpc>
+                <a:spcPct val="107000"/>
+              </a:lnSpc>
+              <a:spcAft>
+                <a:spcPts val="0"/>
+              </a:spcAft>
+              <a:buFont typeface="+mj-lt"/>
+              <a:buAutoNum type="arabicPeriod"/>
+            </a:pPr>
+            <a:r>
+              <a:rPr lang="fr-FR" sz="1600" dirty="0">
+                <a:effectLst/>
+                <a:latin typeface="Calibri" panose="020F0502020204030204" pitchFamily="34" charset="0"/>
+                <a:ea typeface="Calibri" panose="020F0502020204030204" pitchFamily="34" charset="0"/>
+                <a:cs typeface="Times New Roman" panose="02020603050405020304" pitchFamily="18" charset="0"/>
+              </a:rPr>
+              <a:t>Si la cuve du toit et de récupération sont vides ou à un niveau critique (&lt;10 cm), utiliser l’eau courante.</a:t>
+            </a:r>
+            <a:endParaRPr lang="fr-FR" sz="1400" dirty="0">
+              <a:effectLst/>
+              <a:latin typeface="Calibri" panose="020F0502020204030204" pitchFamily="34" charset="0"/>
+              <a:ea typeface="Calibri" panose="020F0502020204030204" pitchFamily="34" charset="0"/>
+              <a:cs typeface="Times New Roman" panose="02020603050405020304" pitchFamily="18" charset="0"/>
+            </a:endParaRPr>
+          </a:p>
+          <a:p>
+            <a:pPr marL="342900" lvl="0" indent="-342900">
+              <a:lnSpc>
+                <a:spcPct val="107000"/>
+              </a:lnSpc>
+              <a:spcAft>
+                <a:spcPts val="0"/>
+              </a:spcAft>
+              <a:buFont typeface="+mj-lt"/>
+              <a:buAutoNum type="arabicPeriod"/>
+            </a:pPr>
+            <a:r>
+              <a:rPr lang="fr-FR" sz="1600" dirty="0">
+                <a:effectLst/>
+                <a:latin typeface="Calibri" panose="020F0502020204030204" pitchFamily="34" charset="0"/>
+                <a:ea typeface="Calibri" panose="020F0502020204030204" pitchFamily="34" charset="0"/>
+                <a:cs typeface="Times New Roman" panose="02020603050405020304" pitchFamily="18" charset="0"/>
+              </a:rPr>
+              <a:t>Le capteur mesure la température de l’air</a:t>
+            </a:r>
+            <a:endParaRPr lang="fr-FR" sz="1400" dirty="0">
+              <a:effectLst/>
+              <a:latin typeface="Calibri" panose="020F0502020204030204" pitchFamily="34" charset="0"/>
+              <a:ea typeface="Calibri" panose="020F0502020204030204" pitchFamily="34" charset="0"/>
+              <a:cs typeface="Times New Roman" panose="02020603050405020304" pitchFamily="18" charset="0"/>
+            </a:endParaRPr>
+          </a:p>
+          <a:p>
+            <a:pPr marL="228600">
+              <a:lnSpc>
+                <a:spcPct val="107000"/>
+              </a:lnSpc>
+              <a:spcAft>
+                <a:spcPts val="0"/>
+              </a:spcAft>
+            </a:pPr>
+            <a:r>
+              <a:rPr lang="fr-FR" sz="1600" dirty="0">
+                <a:effectLst/>
+                <a:latin typeface="Calibri" panose="020F0502020204030204" pitchFamily="34" charset="0"/>
+                <a:ea typeface="Calibri" panose="020F0502020204030204" pitchFamily="34" charset="0"/>
+                <a:cs typeface="Times New Roman" panose="02020603050405020304" pitchFamily="18" charset="0"/>
+              </a:rPr>
+              <a:t>2.1 Si la température est égale ou inférieure à zéro, le système utilise l’eau courante</a:t>
+            </a:r>
+            <a:endParaRPr lang="fr-FR" sz="1400" dirty="0">
+              <a:effectLst/>
+              <a:latin typeface="Calibri" panose="020F0502020204030204" pitchFamily="34" charset="0"/>
+              <a:ea typeface="Calibri" panose="020F0502020204030204" pitchFamily="34" charset="0"/>
+              <a:cs typeface="Times New Roman" panose="02020603050405020304" pitchFamily="18" charset="0"/>
+            </a:endParaRPr>
+          </a:p>
+          <a:p>
+            <a:pPr marL="228600">
+              <a:lnSpc>
+                <a:spcPct val="107000"/>
+              </a:lnSpc>
+              <a:spcAft>
+                <a:spcPts val="0"/>
+              </a:spcAft>
+            </a:pPr>
+            <a:r>
+              <a:rPr lang="fr-FR" sz="1600" dirty="0">
+                <a:effectLst/>
+                <a:latin typeface="Calibri" panose="020F0502020204030204" pitchFamily="34" charset="0"/>
+                <a:ea typeface="Calibri" panose="020F0502020204030204" pitchFamily="34" charset="0"/>
+                <a:cs typeface="Times New Roman" panose="02020603050405020304" pitchFamily="18" charset="0"/>
+              </a:rPr>
+              <a:t> </a:t>
+            </a:r>
+            <a:endParaRPr lang="fr-FR" sz="1400" dirty="0">
+              <a:effectLst/>
+              <a:latin typeface="Calibri" panose="020F0502020204030204" pitchFamily="34" charset="0"/>
+              <a:ea typeface="Calibri" panose="020F0502020204030204" pitchFamily="34" charset="0"/>
+              <a:cs typeface="Times New Roman" panose="02020603050405020304" pitchFamily="18" charset="0"/>
+            </a:endParaRPr>
+          </a:p>
+          <a:p>
+            <a:pPr marL="342900" lvl="0" indent="-342900">
+              <a:lnSpc>
+                <a:spcPct val="107000"/>
+              </a:lnSpc>
+              <a:spcAft>
+                <a:spcPts val="0"/>
+              </a:spcAft>
+              <a:buFont typeface="+mj-lt"/>
+              <a:buAutoNum type="arabicPeriod"/>
+            </a:pPr>
+            <a:r>
+              <a:rPr lang="fr-FR" sz="1600" dirty="0">
+                <a:effectLst/>
+                <a:latin typeface="Calibri" panose="020F0502020204030204" pitchFamily="34" charset="0"/>
+                <a:ea typeface="Calibri" panose="020F0502020204030204" pitchFamily="34" charset="0"/>
+                <a:cs typeface="Times New Roman" panose="02020603050405020304" pitchFamily="18" charset="0"/>
+              </a:rPr>
+              <a:t>La serre est alimentée en eau</a:t>
+            </a:r>
+            <a:endParaRPr lang="fr-FR" sz="1400" dirty="0">
+              <a:effectLst/>
+              <a:latin typeface="Calibri" panose="020F0502020204030204" pitchFamily="34" charset="0"/>
+              <a:ea typeface="Calibri" panose="020F0502020204030204" pitchFamily="34" charset="0"/>
+              <a:cs typeface="Times New Roman" panose="02020603050405020304" pitchFamily="18" charset="0"/>
+            </a:endParaRPr>
+          </a:p>
+          <a:p>
+            <a:pPr marL="342900" lvl="0" indent="-342900">
+              <a:lnSpc>
+                <a:spcPct val="107000"/>
+              </a:lnSpc>
+              <a:spcAft>
+                <a:spcPts val="0"/>
+              </a:spcAft>
+              <a:buFont typeface="+mj-lt"/>
+              <a:buAutoNum type="arabicPeriod"/>
+            </a:pPr>
+            <a:r>
+              <a:rPr lang="fr-FR" sz="1600" dirty="0">
+                <a:effectLst/>
+                <a:latin typeface="Calibri" panose="020F0502020204030204" pitchFamily="34" charset="0"/>
+                <a:ea typeface="Calibri" panose="020F0502020204030204" pitchFamily="34" charset="0"/>
+                <a:cs typeface="Times New Roman" panose="02020603050405020304" pitchFamily="18" charset="0"/>
+              </a:rPr>
+              <a:t>Le système mesure la consommation en eau de la serre sur les deux réseaux (eau de pluie et eau courante)</a:t>
+            </a:r>
+            <a:endParaRPr lang="fr-FR" sz="1400" dirty="0">
+              <a:effectLst/>
+              <a:latin typeface="Calibri" panose="020F0502020204030204" pitchFamily="34" charset="0"/>
+              <a:ea typeface="Calibri" panose="020F0502020204030204" pitchFamily="34" charset="0"/>
+              <a:cs typeface="Times New Roman" panose="02020603050405020304" pitchFamily="18" charset="0"/>
+            </a:endParaRPr>
+          </a:p>
+          <a:p>
+            <a:pPr marL="228600">
+              <a:lnSpc>
+                <a:spcPct val="107000"/>
+              </a:lnSpc>
+              <a:spcAft>
+                <a:spcPts val="0"/>
+              </a:spcAft>
+            </a:pPr>
+            <a:r>
+              <a:rPr lang="fr-FR" sz="1600" dirty="0">
+                <a:effectLst/>
+                <a:latin typeface="Calibri" panose="020F0502020204030204" pitchFamily="34" charset="0"/>
+                <a:ea typeface="Calibri" panose="020F0502020204030204" pitchFamily="34" charset="0"/>
+                <a:cs typeface="Times New Roman" panose="02020603050405020304" pitchFamily="18" charset="0"/>
+              </a:rPr>
+              <a:t>4.1 Enregistrer la consommation d’eau heure par heure dans la BDD</a:t>
+            </a:r>
+            <a:endParaRPr lang="fr-FR" sz="1400" dirty="0">
+              <a:effectLst/>
+              <a:latin typeface="Calibri" panose="020F0502020204030204" pitchFamily="34" charset="0"/>
+              <a:ea typeface="Calibri" panose="020F0502020204030204" pitchFamily="34" charset="0"/>
+              <a:cs typeface="Times New Roman" panose="02020603050405020304" pitchFamily="18" charset="0"/>
+            </a:endParaRPr>
+          </a:p>
+          <a:p>
+            <a:pPr marL="228600">
+              <a:lnSpc>
+                <a:spcPct val="107000"/>
+              </a:lnSpc>
+              <a:spcAft>
+                <a:spcPts val="800"/>
+              </a:spcAft>
+            </a:pPr>
+            <a:r>
+              <a:rPr lang="fr-FR" sz="1600" dirty="0">
+                <a:effectLst/>
+                <a:latin typeface="Calibri" panose="020F0502020204030204" pitchFamily="34" charset="0"/>
+                <a:ea typeface="Calibri" panose="020F0502020204030204" pitchFamily="34" charset="0"/>
+                <a:cs typeface="Times New Roman" panose="02020603050405020304" pitchFamily="18" charset="0"/>
+              </a:rPr>
+              <a:t>4.2 Afficher sous forme graphique les données de consommation d’eau par période</a:t>
+            </a:r>
+            <a:endParaRPr lang="fr-FR" sz="1400" dirty="0">
+              <a:effectLst/>
+              <a:latin typeface="Calibri" panose="020F0502020204030204" pitchFamily="34" charset="0"/>
+              <a:ea typeface="Calibri" panose="020F0502020204030204" pitchFamily="34" charset="0"/>
+              <a:cs typeface="Times New Roman" panose="02020603050405020304" pitchFamily="18" charset="0"/>
+            </a:endParaRPr>
+          </a:p>
+          <a:p>
+            <a:pPr marL="342900" indent="-342900">
+              <a:lnSpc>
+                <a:spcPct val="107000"/>
+              </a:lnSpc>
+              <a:spcAft>
+                <a:spcPts val="800"/>
+              </a:spcAft>
+              <a:buAutoNum type="arabicPeriod" startAt="5"/>
+            </a:pPr>
+            <a:r>
+              <a:rPr lang="fr-FR" sz="1600" dirty="0" smtClean="0">
+                <a:effectLst/>
+                <a:latin typeface="Calibri" panose="020F0502020204030204" pitchFamily="34" charset="0"/>
+                <a:ea typeface="Calibri" panose="020F0502020204030204" pitchFamily="34" charset="0"/>
+                <a:cs typeface="Times New Roman" panose="02020603050405020304" pitchFamily="18" charset="0"/>
+              </a:rPr>
+              <a:t>Administrer </a:t>
+            </a:r>
+            <a:r>
+              <a:rPr lang="fr-FR" sz="1600" dirty="0">
+                <a:effectLst/>
+                <a:latin typeface="Calibri" panose="020F0502020204030204" pitchFamily="34" charset="0"/>
+                <a:ea typeface="Calibri" panose="020F0502020204030204" pitchFamily="34" charset="0"/>
+                <a:cs typeface="Times New Roman" panose="02020603050405020304" pitchFamily="18" charset="0"/>
+              </a:rPr>
+              <a:t>la </a:t>
+            </a:r>
+            <a:r>
+              <a:rPr lang="fr-FR" sz="1600" dirty="0" smtClean="0">
+                <a:effectLst/>
+                <a:latin typeface="Calibri" panose="020F0502020204030204" pitchFamily="34" charset="0"/>
+                <a:ea typeface="Calibri" panose="020F0502020204030204" pitchFamily="34" charset="0"/>
+                <a:cs typeface="Times New Roman" panose="02020603050405020304" pitchFamily="18" charset="0"/>
+              </a:rPr>
+              <a:t>BDD</a:t>
+            </a:r>
+          </a:p>
+          <a:p>
+            <a:pPr>
+              <a:lnSpc>
+                <a:spcPct val="107000"/>
+              </a:lnSpc>
+              <a:spcAft>
+                <a:spcPts val="800"/>
+              </a:spcAft>
+            </a:pPr>
+            <a:r>
+              <a:rPr lang="fr-FR" sz="1400" dirty="0" smtClean="0">
+                <a:effectLst/>
+                <a:latin typeface="Calibri" panose="020F0502020204030204" pitchFamily="34" charset="0"/>
+                <a:ea typeface="Calibri" panose="020F0502020204030204" pitchFamily="34" charset="0"/>
+                <a:cs typeface="Times New Roman" panose="02020603050405020304" pitchFamily="18" charset="0"/>
+              </a:rPr>
+              <a:t>5.1 Purger la BDD quand la date du fichier dépasse 1an</a:t>
+            </a:r>
+            <a:endParaRPr lang="fr-FR" sz="1400" dirty="0">
+              <a:effectLst/>
+              <a:latin typeface="Calibri" panose="020F0502020204030204" pitchFamily="34" charset="0"/>
+              <a:ea typeface="Calibri" panose="020F0502020204030204" pitchFamily="34" charset="0"/>
+              <a:cs typeface="Times New Roman" panose="02020603050405020304" pitchFamily="18" charset="0"/>
+            </a:endParaRPr>
+          </a:p>
+          <a:p>
+            <a:pPr>
+              <a:lnSpc>
+                <a:spcPct val="107000"/>
+              </a:lnSpc>
+              <a:spcAft>
+                <a:spcPts val="800"/>
+              </a:spcAft>
+            </a:pPr>
+            <a:r>
+              <a:rPr lang="fr-FR" sz="1600" dirty="0">
+                <a:effectLst/>
+                <a:latin typeface="Calibri" panose="020F0502020204030204" pitchFamily="34" charset="0"/>
+                <a:ea typeface="Calibri" panose="020F0502020204030204" pitchFamily="34" charset="0"/>
+                <a:cs typeface="Times New Roman" panose="02020603050405020304" pitchFamily="18" charset="0"/>
+              </a:rPr>
+              <a:t>6.   Afficher l’état du système</a:t>
+            </a:r>
+            <a:endParaRPr lang="fr-FR" sz="1400" dirty="0">
+              <a:effectLst/>
+              <a:latin typeface="Calibri" panose="020F0502020204030204" pitchFamily="34" charset="0"/>
+              <a:ea typeface="Calibri" panose="020F0502020204030204" pitchFamily="34" charset="0"/>
+              <a:cs typeface="Times New Roman" panose="02020603050405020304" pitchFamily="18" charset="0"/>
+            </a:endParaRPr>
+          </a:p>
+          <a:p>
+            <a:pPr>
+              <a:lnSpc>
+                <a:spcPct val="107000"/>
+              </a:lnSpc>
+              <a:spcAft>
+                <a:spcPts val="800"/>
+              </a:spcAft>
+            </a:pPr>
+            <a:r>
+              <a:rPr lang="fr-FR" sz="1600" dirty="0">
+                <a:effectLst/>
+                <a:latin typeface="Calibri" panose="020F0502020204030204" pitchFamily="34" charset="0"/>
+                <a:ea typeface="Calibri" panose="020F0502020204030204" pitchFamily="34" charset="0"/>
+                <a:cs typeface="Times New Roman" panose="02020603050405020304" pitchFamily="18" charset="0"/>
+              </a:rPr>
+              <a:t>      6.1 Les données instantanées de consommation d’eau seront affichés sur un site web</a:t>
+            </a:r>
+            <a:endParaRPr lang="fr-FR" sz="1400" dirty="0">
+              <a:effectLst/>
+              <a:latin typeface="Calibri" panose="020F0502020204030204" pitchFamily="34" charset="0"/>
+              <a:ea typeface="Calibri" panose="020F0502020204030204" pitchFamily="34" charset="0"/>
+              <a:cs typeface="Times New Roman" panose="02020603050405020304" pitchFamily="18" charset="0"/>
+            </a:endParaRPr>
+          </a:p>
+        </p:txBody>
+      </p:sp>
     </p:spTree>
     <p:extLst>
       <p:ext uri="{BB962C8B-B14F-4D97-AF65-F5344CB8AC3E}">
-        <p14:creationId xmlns:p14="http://schemas.microsoft.com/office/powerpoint/2010/main" val="3474273564"/>
+        <p14:creationId xmlns:p14="http://schemas.microsoft.com/office/powerpoint/2010/main" val="5633379"/>
       </p:ext>
     </p:extLst>
   </p:cSld>
@@ -7828,77 +7812,89 @@
       </p:grpSpPr>
       <p:sp>
         <p:nvSpPr>
-          <p:cNvPr id="3" name="Espace réservé du contenu 2"/>
-          <p:cNvSpPr>
-            <a:spLocks noGrp="1"/>
-          </p:cNvSpPr>
-          <p:nvPr>
-            <p:ph idx="1"/>
-          </p:nvPr>
-        </p:nvSpPr>
-        <p:spPr>
-          <a:xfrm>
-            <a:off x="133733" y="168939"/>
-            <a:ext cx="8946541" cy="406503"/>
-          </a:xfrm>
-        </p:spPr>
-        <p:txBody>
-          <a:bodyPr>
-            <a:normAutofit/>
-          </a:bodyPr>
+          <p:cNvPr id="2" name="Titre 1"/>
+          <p:cNvSpPr>
+            <a:spLocks noGrp="1"/>
+          </p:cNvSpPr>
+          <p:nvPr>
+            <p:ph type="title"/>
+          </p:nvPr>
+        </p:nvSpPr>
+        <p:spPr>
+          <a:xfrm>
+            <a:off x="646111" y="452718"/>
+            <a:ext cx="9404723" cy="327675"/>
+          </a:xfrm>
+        </p:spPr>
+        <p:txBody>
+          <a:bodyPr/>
           <a:lstStyle/>
           <a:p>
-            <a:pPr marL="0" indent="0">
-              <a:buNone/>
-            </a:pPr>
-            <a:r>
-              <a:rPr lang="fr-FR" sz="1800" dirty="0" smtClean="0">
+            <a:r>
+              <a:rPr lang="fr-FR" sz="1800" dirty="0">
                 <a:solidFill>
                   <a:srgbClr val="FF0000"/>
                 </a:solidFill>
               </a:rPr>
-              <a:t>IX. Capteur de débit</a:t>
-            </a:r>
-            <a:endParaRPr lang="fr-FR" sz="1800" dirty="0">
-              <a:solidFill>
-                <a:srgbClr val="FF0000"/>
-              </a:solidFill>
-            </a:endParaRPr>
+              <a:t>VIII. Carte E/S</a:t>
+            </a:r>
+            <a:br>
+              <a:rPr lang="fr-FR" sz="1800" dirty="0">
+                <a:solidFill>
+                  <a:srgbClr val="FF0000"/>
+                </a:solidFill>
+              </a:rPr>
+            </a:br>
+            <a:endParaRPr lang="fr-FR" sz="1800" dirty="0"/>
           </a:p>
         </p:txBody>
       </p:sp>
       <p:pic>
         <p:nvPicPr>
-          <p:cNvPr id="4" name="Image 3"/>
+          <p:cNvPr id="5" name="Image 4"/>
           <p:cNvPicPr/>
           <p:nvPr/>
         </p:nvPicPr>
-        <p:blipFill>
+        <p:blipFill rotWithShape="1">
           <a:blip r:embed="rId2"/>
-          <a:stretch>
-            <a:fillRect/>
-          </a:stretch>
+          <a:srcRect t="1061"/>
+          <a:stretch/>
         </p:blipFill>
-        <p:spPr>
-          <a:xfrm>
-            <a:off x="2995449" y="372190"/>
-            <a:ext cx="6004560" cy="6281073"/>
+        <p:spPr bwMode="auto">
+          <a:xfrm>
+            <a:off x="3389060" y="275898"/>
+            <a:ext cx="5069139" cy="6507448"/>
           </a:xfrm>
           <a:prstGeom prst="rect">
             <a:avLst/>
           </a:prstGeom>
+          <a:ln>
+            <a:noFill/>
+          </a:ln>
+          <a:extLst>
+            <a:ext uri="{53640926-AAD7-44D8-BBD7-CCE9431645EC}">
+              <a14:shadowObscured xmlns:a14="http://schemas.microsoft.com/office/drawing/2010/main"/>
+            </a:ext>
+          </a:extLst>
         </p:spPr>
       </p:pic>
     </p:spTree>
     <p:extLst>
       <p:ext uri="{BB962C8B-B14F-4D97-AF65-F5344CB8AC3E}">
-        <p14:creationId xmlns:p14="http://schemas.microsoft.com/office/powerpoint/2010/main" val="840899611"/>
+        <p14:creationId xmlns:p14="http://schemas.microsoft.com/office/powerpoint/2010/main" val="3474273564"/>
       </p:ext>
     </p:extLst>
   </p:cSld>
   <p:clrMapOvr>
     <a:masterClrMapping/>
   </p:clrMapOvr>
+  <p:timing>
+    <p:tnLst>
+      <p:par>
+        <p:cTn id="1" dur="indefinite" restart="never" nodeType="tmRoot"/>
+      </p:par>
+    </p:tnLst>
+  </p:timing>
 </p:sld>
 </file>
 
@@ -8135,6 +8131,47 @@
           <a:chExt cx="0" cy="0"/>
         </a:xfrm>
       </p:grpSpPr>
+      <p:sp>
+        <p:nvSpPr>
+          <p:cNvPr id="3" name="Espace réservé du contenu 2"/>
+          <p:cNvSpPr>
+            <a:spLocks noGrp="1"/>
+          </p:cNvSpPr>
+          <p:nvPr>
+            <p:ph idx="1"/>
+          </p:nvPr>
+        </p:nvSpPr>
+        <p:spPr>
+          <a:xfrm>
+            <a:off x="133733" y="168939"/>
+            <a:ext cx="8946541" cy="406503"/>
+          </a:xfrm>
+        </p:spPr>
+        <p:txBody>
+          <a:bodyPr>
+            <a:normAutofit/>
+          </a:bodyPr>
+          <a:lstStyle/>
+          <a:p>
+            <a:pPr marL="0" indent="0">
+              <a:buNone/>
+            </a:pPr>
+            <a:r>
+              <a:rPr lang="fr-FR" sz="1800" dirty="0" smtClean="0">
+                <a:solidFill>
+                  <a:srgbClr val="FF0000"/>
+                </a:solidFill>
+              </a:rPr>
+              <a:t>IX. Capteur de débit</a:t>
+            </a:r>
+            <a:endParaRPr lang="fr-FR" sz="1800" dirty="0">
+              <a:solidFill>
+                <a:srgbClr val="FF0000"/>
+              </a:solidFill>
+            </a:endParaRPr>
+          </a:p>
+        </p:txBody>
+      </p:sp>
       <p:pic>
         <p:nvPicPr>
           <p:cNvPr id="4" name="Image 3"/>
@@ -8149,8 +8186,8 @@
         </p:blipFill>
         <p:spPr>
           <a:xfrm>
-            <a:off x="2829910" y="1529255"/>
-            <a:ext cx="6225277" cy="3296779"/>
+            <a:off x="2995449" y="372190"/>
+            <a:ext cx="6004560" cy="6281073"/>
           </a:xfrm>
           <a:prstGeom prst="rect">
             <a:avLst/>
@@ -8160,7 +8197,7 @@
     </p:spTree>
     <p:extLst>
       <p:ext uri="{BB962C8B-B14F-4D97-AF65-F5344CB8AC3E}">
-        <p14:creationId xmlns:p14="http://schemas.microsoft.com/office/powerpoint/2010/main" val="4095895974"/>
+        <p14:creationId xmlns:p14="http://schemas.microsoft.com/office/powerpoint/2010/main" val="840899611"/>
       </p:ext>
     </p:extLst>
   </p:cSld>
@@ -8187,6 +8224,58 @@
           <a:chExt cx="0" cy="0"/>
         </a:xfrm>
       </p:grpSpPr>
+      <p:pic>
+        <p:nvPicPr>
+          <p:cNvPr id="4" name="Image 3"/>
+          <p:cNvPicPr/>
+          <p:nvPr/>
+        </p:nvPicPr>
+        <p:blipFill>
+          <a:blip r:embed="rId2"/>
+          <a:stretch>
+            <a:fillRect/>
+          </a:stretch>
+        </p:blipFill>
+        <p:spPr>
+          <a:xfrm>
+            <a:off x="2829910" y="1529255"/>
+            <a:ext cx="6225277" cy="3296779"/>
+          </a:xfrm>
+          <a:prstGeom prst="rect">
+            <a:avLst/>
+          </a:prstGeom>
+        </p:spPr>
+      </p:pic>
+    </p:spTree>
+    <p:extLst>
+      <p:ext uri="{BB962C8B-B14F-4D97-AF65-F5344CB8AC3E}">
+        <p14:creationId xmlns:p14="http://schemas.microsoft.com/office/powerpoint/2010/main" val="4095895974"/>
+      </p:ext>
+    </p:extLst>
+  </p:cSld>
+  <p:clrMapOvr>
+    <a:masterClrMapping/>
+  </p:clrMapOvr>
+</p:sld>
+</file>
+
+<file path=ppt/slides/slide22.xml><?xml version="1.0" encoding="utf-8"?>
+<p:sld xmlns:a="http://schemas.openxmlformats.org/drawingml/2006/main" xmlns:r="http://schemas.openxmlformats.org/officeDocument/2006/relationships" xmlns:p="http://schemas.openxmlformats.org/presentationml/2006/main">
+  <p:cSld>
+    <p:spTree>
+      <p:nvGrpSpPr>
+        <p:cNvPr id="1" name=""/>
+        <p:cNvGrpSpPr/>
+        <p:nvPr/>
+      </p:nvGrpSpPr>
+      <p:grpSpPr>
+        <a:xfrm>
+          <a:off x="0" y="0"/>
+          <a:ext cx="0" cy="0"/>
+          <a:chOff x="0" y="0"/>
+          <a:chExt cx="0" cy="0"/>
+        </a:xfrm>
+      </p:grpSpPr>
       <p:sp>
         <p:nvSpPr>
           <p:cNvPr id="2" name="Titre 1">
@@ -8303,103 +8392,6 @@
     <p:extLst>
       <p:ext uri="{BB962C8B-B14F-4D97-AF65-F5344CB8AC3E}">
         <p14:creationId xmlns:p14="http://schemas.microsoft.com/office/powerpoint/2010/main" val="1403222135"/>
-      </p:ext>
-    </p:extLst>
-  </p:cSld>
-  <p:clrMapOvr>
-    <a:masterClrMapping/>
-  </p:clrMapOvr>
-  <p:timing>
-    <p:tnLst>
-      <p:par>
-        <p:cTn id="1" dur="indefinite" restart="never" nodeType="tmRoot"/>
-      </p:par>
-    </p:tnLst>
-  </p:timing>
-</p:sld>
-</file>
-
-<file path=ppt/slides/slide22.xml><?xml version="1.0" encoding="utf-8"?>
-<p:sld xmlns:a="http://schemas.openxmlformats.org/drawingml/2006/main" xmlns:r="http://schemas.openxmlformats.org/officeDocument/2006/relationships" xmlns:p="http://schemas.openxmlformats.org/presentationml/2006/main">
-  <p:cSld>
-    <p:spTree>
-      <p:nvGrpSpPr>
-        <p:cNvPr id="1" name=""/>
-        <p:cNvGrpSpPr/>
-        <p:nvPr/>
-      </p:nvGrpSpPr>
-      <p:grpSpPr>
-        <a:xfrm>
-          <a:off x="0" y="0"/>
-          <a:ext cx="0" cy="0"/>
-          <a:chOff x="0" y="0"/>
-          <a:chExt cx="0" cy="0"/>
-        </a:xfrm>
-      </p:grpSpPr>
-      <p:pic>
-        <p:nvPicPr>
-          <p:cNvPr id="4" name="Image 3">
-            <a:extLst>
-              <a:ext uri="{FF2B5EF4-FFF2-40B4-BE49-F238E27FC236}">
-                <a16:creationId xmlns:a16="http://schemas.microsoft.com/office/drawing/2014/main" id="{96B54DF2-DEAA-47D8-B69D-9BE28262E8BE}"/>
-              </a:ext>
-            </a:extLst>
-          </p:cNvPr>
-          <p:cNvPicPr>
-            <a:picLocks noChangeAspect="1"/>
-          </p:cNvPicPr>
-          <p:nvPr/>
-        </p:nvPicPr>
-        <p:blipFill>
-          <a:blip r:embed="rId2"/>
-          <a:stretch>
-            <a:fillRect/>
-          </a:stretch>
-        </p:blipFill>
-        <p:spPr>
-          <a:xfrm>
-            <a:off x="602506" y="0"/>
-            <a:ext cx="5148249" cy="6858000"/>
-          </a:xfrm>
-          <a:prstGeom prst="rect">
-            <a:avLst/>
-          </a:prstGeom>
-        </p:spPr>
-      </p:pic>
-      <p:pic>
-        <p:nvPicPr>
-          <p:cNvPr id="5" name="Image 4">
-            <a:extLst>
-              <a:ext uri="{FF2B5EF4-FFF2-40B4-BE49-F238E27FC236}">
-                <a16:creationId xmlns:a16="http://schemas.microsoft.com/office/drawing/2014/main" id="{FED7D196-6067-4E1B-8A70-F985604B24BB}"/>
-              </a:ext>
-            </a:extLst>
-          </p:cNvPr>
-          <p:cNvPicPr>
-            <a:picLocks noChangeAspect="1"/>
-          </p:cNvPicPr>
-          <p:nvPr/>
-        </p:nvPicPr>
-        <p:blipFill>
-          <a:blip r:embed="rId3"/>
-          <a:stretch>
-            <a:fillRect/>
-          </a:stretch>
-        </p:blipFill>
-        <p:spPr>
-          <a:xfrm>
-            <a:off x="6206516" y="0"/>
-            <a:ext cx="5215034" cy="6858000"/>
-          </a:xfrm>
-          <a:prstGeom prst="rect">
-            <a:avLst/>
-          </a:prstGeom>
-        </p:spPr>
-      </p:pic>
-    </p:spTree>
-    <p:extLst>
-      <p:ext uri="{BB962C8B-B14F-4D97-AF65-F5344CB8AC3E}">
-        <p14:creationId xmlns:p14="http://schemas.microsoft.com/office/powerpoint/2010/main" val="1043868686"/>
       </p:ext>
     </p:extLst>
   </p:cSld>
@@ -8438,6 +8430,103 @@
           <p:cNvPr id="4" name="Image 3">
             <a:extLst>
               <a:ext uri="{FF2B5EF4-FFF2-40B4-BE49-F238E27FC236}">
+                <a16:creationId xmlns:a16="http://schemas.microsoft.com/office/drawing/2014/main" id="{96B54DF2-DEAA-47D8-B69D-9BE28262E8BE}"/>
+              </a:ext>
+            </a:extLst>
+          </p:cNvPr>
+          <p:cNvPicPr>
+            <a:picLocks noChangeAspect="1"/>
+          </p:cNvPicPr>
+          <p:nvPr/>
+        </p:nvPicPr>
+        <p:blipFill>
+          <a:blip r:embed="rId2"/>
+          <a:stretch>
+            <a:fillRect/>
+          </a:stretch>
+        </p:blipFill>
+        <p:spPr>
+          <a:xfrm>
+            <a:off x="602506" y="0"/>
+            <a:ext cx="5148249" cy="6858000"/>
+          </a:xfrm>
+          <a:prstGeom prst="rect">
+            <a:avLst/>
+          </a:prstGeom>
+        </p:spPr>
+      </p:pic>
+      <p:pic>
+        <p:nvPicPr>
+          <p:cNvPr id="5" name="Image 4">
+            <a:extLst>
+              <a:ext uri="{FF2B5EF4-FFF2-40B4-BE49-F238E27FC236}">
+                <a16:creationId xmlns:a16="http://schemas.microsoft.com/office/drawing/2014/main" id="{FED7D196-6067-4E1B-8A70-F985604B24BB}"/>
+              </a:ext>
+            </a:extLst>
+          </p:cNvPr>
+          <p:cNvPicPr>
+            <a:picLocks noChangeAspect="1"/>
+          </p:cNvPicPr>
+          <p:nvPr/>
+        </p:nvPicPr>
+        <p:blipFill>
+          <a:blip r:embed="rId3"/>
+          <a:stretch>
+            <a:fillRect/>
+          </a:stretch>
+        </p:blipFill>
+        <p:spPr>
+          <a:xfrm>
+            <a:off x="6206516" y="0"/>
+            <a:ext cx="5215034" cy="6858000"/>
+          </a:xfrm>
+          <a:prstGeom prst="rect">
+            <a:avLst/>
+          </a:prstGeom>
+        </p:spPr>
+      </p:pic>
+    </p:spTree>
+    <p:extLst>
+      <p:ext uri="{BB962C8B-B14F-4D97-AF65-F5344CB8AC3E}">
+        <p14:creationId xmlns:p14="http://schemas.microsoft.com/office/powerpoint/2010/main" val="1043868686"/>
+      </p:ext>
+    </p:extLst>
+  </p:cSld>
+  <p:clrMapOvr>
+    <a:masterClrMapping/>
+  </p:clrMapOvr>
+  <p:timing>
+    <p:tnLst>
+      <p:par>
+        <p:cTn id="1" dur="indefinite" restart="never" nodeType="tmRoot"/>
+      </p:par>
+    </p:tnLst>
+  </p:timing>
+</p:sld>
+</file>
+
+<file path=ppt/slides/slide24.xml><?xml version="1.0" encoding="utf-8"?>
+<p:sld xmlns:a="http://schemas.openxmlformats.org/drawingml/2006/main" xmlns:r="http://schemas.openxmlformats.org/officeDocument/2006/relationships" xmlns:p="http://schemas.openxmlformats.org/presentationml/2006/main">
+  <p:cSld>
+    <p:spTree>
+      <p:nvGrpSpPr>
+        <p:cNvPr id="1" name=""/>
+        <p:cNvGrpSpPr/>
+        <p:nvPr/>
+      </p:nvGrpSpPr>
+      <p:grpSpPr>
+        <a:xfrm>
+          <a:off x="0" y="0"/>
+          <a:ext cx="0" cy="0"/>
+          <a:chOff x="0" y="0"/>
+          <a:chExt cx="0" cy="0"/>
+        </a:xfrm>
+      </p:grpSpPr>
+      <p:pic>
+        <p:nvPicPr>
+          <p:cNvPr id="4" name="Image 3">
+            <a:extLst>
+              <a:ext uri="{FF2B5EF4-FFF2-40B4-BE49-F238E27FC236}">
                 <a16:creationId xmlns:a16="http://schemas.microsoft.com/office/drawing/2014/main" id="{81B02786-A5BC-4294-AC4A-8DF566E10CA6}"/>
               </a:ext>
             </a:extLst>
@@ -8506,7 +8595,7 @@
 </p:sld>
 </file>
 
-<file path=ppt/slides/slide24.xml><?xml version="1.0" encoding="utf-8"?>
+<file path=ppt/slides/slide25.xml><?xml version="1.0" encoding="utf-8"?>
 <p:sld xmlns:a="http://schemas.openxmlformats.org/drawingml/2006/main" xmlns:r="http://schemas.openxmlformats.org/officeDocument/2006/relationships" xmlns:p="http://schemas.openxmlformats.org/presentationml/2006/main">
   <p:cSld>
     <p:spTree>
@@ -8558,7 +8647,7 @@
 </p:sld>
 </file>
 
-<file path=ppt/slides/slide25.xml><?xml version="1.0" encoding="utf-8"?>
+<file path=ppt/slides/slide26.xml><?xml version="1.0" encoding="utf-8"?>
 <p:sld xmlns:a="http://schemas.openxmlformats.org/drawingml/2006/main" xmlns:r="http://schemas.openxmlformats.org/officeDocument/2006/relationships" xmlns:p="http://schemas.openxmlformats.org/presentationml/2006/main">
   <p:cSld>
     <p:spTree>
